--- a/report-generator/src/report_generator/presets/templates/refactoring-candidates.pptx
+++ b/report-generator/src/report_generator/presets/templates/refactoring-candidates.pptx
@@ -234,7 +234,7 @@
           <a:p>
             <a:fld id="{C1255C68-584F-174D-BB81-51BF91708794}" type="datetimeFigureOut">
               <a:rPr lang="en-US" smtClean="0"/>
-              <a:t>7/8/25</a:t>
+              <a:t>7/16/25</a:t>
             </a:fld>
             <a:endParaRPr lang="en-US"/>
           </a:p>
@@ -411,7 +411,7 @@
           <a:p>
             <a:fld id="{A1EDAAC4-819D-C544-9EA1-C73624CFD70B}" type="datetimeFigureOut">
               <a:rPr lang="en-US" smtClean="0"/>
-              <a:t>7/8/25</a:t>
+              <a:t>7/16/25</a:t>
             </a:fld>
             <a:endParaRPr lang="en-US"/>
           </a:p>
@@ -21047,7 +21047,7 @@
           <p:nvPr>
             <p:extLst>
               <p:ext uri="{D42A27DB-BD31-4B8C-83A1-F6EECF244321}">
-                <p14:modId xmlns:p14="http://schemas.microsoft.com/office/powerpoint/2010/main" val="951511135"/>
+                <p14:modId xmlns:p14="http://schemas.microsoft.com/office/powerpoint/2010/main" val="3365033968"/>
               </p:ext>
             </p:extLst>
           </p:nvPr>
@@ -21100,7 +21100,7 @@
                   </a:extLst>
                 </a:gridCol>
               </a:tblGrid>
-              <a:tr h="0">
+              <a:tr h="250945">
                 <a:tc>
                   <a:txBody>
                     <a:bodyPr/>
@@ -21349,7 +21349,7 @@
                     <a:bodyPr/>
                     <a:lstStyle/>
                     <a:p>
-                      <a:pPr algn="r"/>
+                      <a:pPr algn="l"/>
                       <a:r>
                         <a:rPr lang="nl-NL" sz="1400" b="1" i="0" noProof="0" dirty="0">
                           <a:solidFill>
@@ -21400,7 +21400,7 @@
                   </a:ext>
                 </a:extLst>
               </a:tr>
-              <a:tr h="0">
+              <a:tr h="357962">
                 <a:tc>
                   <a:txBody>
                     <a:bodyPr/>
@@ -21679,9 +21679,9 @@
                     <a:bodyPr/>
                     <a:lstStyle/>
                     <a:p>
-                      <a:pPr marL="0" algn="r" defTabSz="914400" rtl="0" eaLnBrk="1" fontAlgn="b" latinLnBrk="0" hangingPunct="1"/>
+                      <a:pPr marL="0" algn="l" defTabSz="914400" rtl="0" eaLnBrk="1" fontAlgn="b" latinLnBrk="0" hangingPunct="1"/>
                       <a:r>
-                        <a:rPr lang="en-US" sz="1200" b="0" i="0" u="none" strike="noStrike" kern="1200">
+                        <a:rPr lang="en-US" sz="1200" b="0" i="0" u="none" strike="noStrike" kern="1200" dirty="0">
                           <a:solidFill>
                             <a:schemeClr val="tx1">
                               <a:lumMod val="60000"/>
@@ -21695,18 +21695,6 @@
                         </a:rPr>
                         <a:t>Example Style</a:t>
                       </a:r>
-                      <a:endParaRPr lang="en-US" sz="1200" b="0" i="0" u="none" strike="noStrike" kern="1200" dirty="0">
-                        <a:solidFill>
-                          <a:schemeClr val="tx1">
-                            <a:lumMod val="60000"/>
-                            <a:lumOff val="40000"/>
-                          </a:schemeClr>
-                        </a:solidFill>
-                        <a:effectLst/>
-                        <a:latin typeface="Calibri Regular"/>
-                        <a:ea typeface="+mn-ea"/>
-                        <a:cs typeface="+mn-cs"/>
-                      </a:endParaRPr>
                     </a:p>
                   </a:txBody>
                   <a:tcPr marL="108000" marR="108000" marT="72000" marB="72000" anchor="ctr">
@@ -21755,7 +21743,7 @@
                   </a:ext>
                 </a:extLst>
               </a:tr>
-              <a:tr h="0">
+              <a:tr h="229541">
                 <a:tc>
                   <a:txBody>
                     <a:bodyPr/>
@@ -22042,7 +22030,7 @@
                     <a:bodyPr/>
                     <a:lstStyle/>
                     <a:p>
-                      <a:pPr marL="0" algn="r" defTabSz="914400" rtl="0" eaLnBrk="1" fontAlgn="b" latinLnBrk="0" hangingPunct="1"/>
+                      <a:pPr marL="0" algn="l" defTabSz="914400" rtl="0" eaLnBrk="1" fontAlgn="b" latinLnBrk="0" hangingPunct="1"/>
                       <a:endParaRPr lang="en-US" sz="1200" b="0" i="0" u="none" strike="noStrike" kern="1200" dirty="0">
                         <a:solidFill>
                           <a:schemeClr val="tx1">
@@ -22108,7 +22096,7 @@
                   </a:ext>
                 </a:extLst>
               </a:tr>
-              <a:tr h="0">
+              <a:tr h="229541">
                 <a:tc>
                   <a:txBody>
                     <a:bodyPr/>
@@ -22379,6 +22367,296 @@
                     <a:bodyPr/>
                     <a:lstStyle/>
                     <a:p>
+                      <a:pPr marL="0" algn="l" defTabSz="914400" rtl="0" eaLnBrk="1" fontAlgn="b" latinLnBrk="0" hangingPunct="1"/>
+                      <a:endParaRPr lang="en-US" sz="1200" b="0" i="0" u="none" strike="noStrike" kern="1200" dirty="0">
+                        <a:solidFill>
+                          <a:schemeClr val="tx1">
+                            <a:lumMod val="60000"/>
+                            <a:lumOff val="40000"/>
+                          </a:schemeClr>
+                        </a:solidFill>
+                        <a:effectLst/>
+                        <a:latin typeface="Calibri Regular"/>
+                        <a:ea typeface="+mn-ea"/>
+                        <a:cs typeface="+mn-cs"/>
+                      </a:endParaRPr>
+                    </a:p>
+                  </a:txBody>
+                  <a:tcPr marL="108000" marR="108000" marT="72000" marB="72000" anchor="ctr">
+                    <a:lnL>
+                      <a:noFill/>
+                    </a:lnL>
+                    <a:lnR w="9525" cap="flat" cmpd="sng" algn="ctr">
+                      <a:noFill/>
+                      <a:prstDash val="solid"/>
+                    </a:lnR>
+                    <a:lnT w="12700" cap="flat" cmpd="sng" algn="ctr">
+                      <a:solidFill>
+                        <a:schemeClr val="tx1">
+                          <a:lumMod val="40000"/>
+                          <a:lumOff val="60000"/>
+                        </a:schemeClr>
+                      </a:solidFill>
+                      <a:prstDash val="sysDot"/>
+                      <a:round/>
+                      <a:headEnd type="none" w="med" len="med"/>
+                      <a:tailEnd type="none" w="med" len="med"/>
+                    </a:lnT>
+                    <a:lnB w="12700" cap="flat" cmpd="sng" algn="ctr">
+                      <a:solidFill>
+                        <a:schemeClr val="tx1">
+                          <a:lumMod val="40000"/>
+                          <a:lumOff val="60000"/>
+                        </a:schemeClr>
+                      </a:solidFill>
+                      <a:prstDash val="sysDot"/>
+                      <a:round/>
+                      <a:headEnd type="none" w="med" len="med"/>
+                      <a:tailEnd type="none" w="med" len="med"/>
+                    </a:lnB>
+                    <a:lnTlToBr w="12700" cmpd="sng">
+                      <a:noFill/>
+                      <a:prstDash val="solid"/>
+                    </a:lnTlToBr>
+                    <a:lnBlToTr w="12700" cmpd="sng">
+                      <a:noFill/>
+                      <a:prstDash val="solid"/>
+                    </a:lnBlToTr>
+                    <a:solidFill>
+                      <a:schemeClr val="bg1"/>
+                    </a:solidFill>
+                  </a:tcPr>
+                </a:tc>
+                <a:extLst>
+                  <a:ext uri="{0D108BD9-81ED-4DB2-BD59-A6C34878D82A}">
+                    <a16:rowId xmlns:a16="http://schemas.microsoft.com/office/drawing/2014/main" val="10003"/>
+                  </a:ext>
+                </a:extLst>
+              </a:tr>
+              <a:tr h="229541">
+                <a:tc>
+                  <a:txBody>
+                    <a:bodyPr/>
+                    <a:lstStyle/>
+                    <a:p>
+                      <a:pPr algn="l" fontAlgn="b"/>
+                      <a:endParaRPr lang="en-US" sz="1200" b="0" i="0" u="none" strike="noStrike" dirty="0">
+                        <a:solidFill>
+                          <a:schemeClr val="tx2"/>
+                        </a:solidFill>
+                        <a:effectLst/>
+                        <a:latin typeface="Calibri Regular"/>
+                      </a:endParaRPr>
+                    </a:p>
+                  </a:txBody>
+                  <a:tcPr marL="108000" marR="108000" marT="72000" marB="72000" anchor="ctr">
+                    <a:lnL w="9525" cap="flat" cmpd="sng" algn="ctr">
+                      <a:noFill/>
+                      <a:prstDash val="solid"/>
+                    </a:lnL>
+                    <a:lnR>
+                      <a:noFill/>
+                    </a:lnR>
+                    <a:lnT w="12700" cap="flat" cmpd="sng" algn="ctr">
+                      <a:solidFill>
+                        <a:schemeClr val="tx1">
+                          <a:lumMod val="40000"/>
+                          <a:lumOff val="60000"/>
+                        </a:schemeClr>
+                      </a:solidFill>
+                      <a:prstDash val="sysDot"/>
+                      <a:round/>
+                      <a:headEnd type="none" w="med" len="med"/>
+                      <a:tailEnd type="none" w="med" len="med"/>
+                    </a:lnT>
+                    <a:lnB w="12700" cap="flat" cmpd="sng" algn="ctr">
+                      <a:solidFill>
+                        <a:schemeClr val="tx1">
+                          <a:lumMod val="40000"/>
+                          <a:lumOff val="60000"/>
+                        </a:schemeClr>
+                      </a:solidFill>
+                      <a:prstDash val="sysDot"/>
+                      <a:round/>
+                      <a:headEnd type="none" w="med" len="med"/>
+                      <a:tailEnd type="none" w="med" len="med"/>
+                    </a:lnB>
+                    <a:lnTlToBr w="12700" cmpd="sng">
+                      <a:noFill/>
+                      <a:prstDash val="solid"/>
+                    </a:lnTlToBr>
+                    <a:lnBlToTr w="12700" cmpd="sng">
+                      <a:noFill/>
+                      <a:prstDash val="solid"/>
+                    </a:lnBlToTr>
+                    <a:solidFill>
+                      <a:schemeClr val="bg1"/>
+                    </a:solidFill>
+                  </a:tcPr>
+                </a:tc>
+                <a:tc>
+                  <a:txBody>
+                    <a:bodyPr/>
+                    <a:lstStyle/>
+                    <a:p>
+                      <a:pPr marL="0" marR="0" lvl="0" indent="0" algn="r" defTabSz="914400" rtl="0" eaLnBrk="1" fontAlgn="b" latinLnBrk="0" hangingPunct="1">
+                        <a:lnSpc>
+                          <a:spcPct val="100000"/>
+                        </a:lnSpc>
+                        <a:spcBef>
+                          <a:spcPts val="0"/>
+                        </a:spcBef>
+                        <a:spcAft>
+                          <a:spcPts val="0"/>
+                        </a:spcAft>
+                        <a:buClrTx/>
+                        <a:buSzTx/>
+                        <a:buFontTx/>
+                        <a:buNone/>
+                        <a:tabLst/>
+                        <a:defRPr/>
+                      </a:pPr>
+                      <a:r>
+                        <a:rPr lang="en-US" sz="1200" b="0" i="0" u="none" strike="noStrike" kern="1200" dirty="0">
+                          <a:solidFill>
+                            <a:schemeClr val="tx2"/>
+                          </a:solidFill>
+                          <a:effectLst/>
+                          <a:latin typeface="Calibri Bold"/>
+                          <a:ea typeface="+mn-ea"/>
+                          <a:cs typeface="+mn-cs"/>
+                        </a:rPr>
+                        <a:t>Style change</a:t>
+                      </a:r>
+                    </a:p>
+                  </a:txBody>
+                  <a:tcPr marL="108000" marR="108000" marT="72000" marB="72000" anchor="ctr">
+                    <a:lnL>
+                      <a:noFill/>
+                    </a:lnL>
+                    <a:lnR>
+                      <a:noFill/>
+                    </a:lnR>
+                    <a:lnT w="12700" cap="flat" cmpd="sng" algn="ctr">
+                      <a:solidFill>
+                        <a:schemeClr val="tx1">
+                          <a:lumMod val="40000"/>
+                          <a:lumOff val="60000"/>
+                        </a:schemeClr>
+                      </a:solidFill>
+                      <a:prstDash val="sysDot"/>
+                      <a:round/>
+                      <a:headEnd type="none" w="med" len="med"/>
+                      <a:tailEnd type="none" w="med" len="med"/>
+                    </a:lnT>
+                    <a:lnB w="12700" cap="flat" cmpd="sng" algn="ctr">
+                      <a:solidFill>
+                        <a:schemeClr val="tx1">
+                          <a:lumMod val="40000"/>
+                          <a:lumOff val="60000"/>
+                        </a:schemeClr>
+                      </a:solidFill>
+                      <a:prstDash val="sysDot"/>
+                      <a:round/>
+                      <a:headEnd type="none" w="med" len="med"/>
+                      <a:tailEnd type="none" w="med" len="med"/>
+                    </a:lnB>
+                    <a:lnTlToBr w="12700" cmpd="sng">
+                      <a:noFill/>
+                      <a:prstDash val="solid"/>
+                    </a:lnTlToBr>
+                    <a:lnBlToTr w="12700" cmpd="sng">
+                      <a:noFill/>
+                      <a:prstDash val="solid"/>
+                    </a:lnBlToTr>
+                    <a:solidFill>
+                      <a:srgbClr val="FEF5BA"/>
+                    </a:solidFill>
+                  </a:tcPr>
+                </a:tc>
+                <a:tc>
+                  <a:txBody>
+                    <a:bodyPr/>
+                    <a:lstStyle/>
+                    <a:p>
+                      <a:pPr marL="0" marR="0" lvl="0" indent="0" algn="r" defTabSz="914400" rtl="0" eaLnBrk="1" fontAlgn="b" latinLnBrk="0" hangingPunct="1">
+                        <a:lnSpc>
+                          <a:spcPct val="100000"/>
+                        </a:lnSpc>
+                        <a:spcBef>
+                          <a:spcPts val="0"/>
+                        </a:spcBef>
+                        <a:spcAft>
+                          <a:spcPts val="0"/>
+                        </a:spcAft>
+                        <a:buClrTx/>
+                        <a:buSzTx/>
+                        <a:buFontTx/>
+                        <a:buNone/>
+                        <a:tabLst/>
+                        <a:defRPr/>
+                      </a:pPr>
+                      <a:endParaRPr lang="en-US" sz="1200" b="0" i="0" u="none" strike="noStrike" kern="1200" dirty="0">
+                        <a:solidFill>
+                          <a:schemeClr val="tx2"/>
+                        </a:solidFill>
+                        <a:effectLst/>
+                        <a:latin typeface="Calibri Bold"/>
+                        <a:ea typeface="+mn-ea"/>
+                        <a:cs typeface="+mn-cs"/>
+                      </a:endParaRPr>
+                    </a:p>
+                  </a:txBody>
+                  <a:tcPr marL="108000" marR="108000" marT="72000" marB="72000" anchor="ctr">
+                    <a:lnL>
+                      <a:noFill/>
+                    </a:lnL>
+                    <a:lnR w="9525" cap="flat" cmpd="sng" algn="ctr">
+                      <a:noFill/>
+                      <a:prstDash val="solid"/>
+                    </a:lnR>
+                    <a:lnT w="12700" cap="flat" cmpd="sng" algn="ctr">
+                      <a:solidFill>
+                        <a:schemeClr val="tx1">
+                          <a:lumMod val="40000"/>
+                          <a:lumOff val="60000"/>
+                        </a:schemeClr>
+                      </a:solidFill>
+                      <a:prstDash val="sysDot"/>
+                      <a:round/>
+                      <a:headEnd type="none" w="med" len="med"/>
+                      <a:tailEnd type="none" w="med" len="med"/>
+                    </a:lnT>
+                    <a:lnB w="12700" cap="flat" cmpd="sng" algn="ctr">
+                      <a:solidFill>
+                        <a:schemeClr val="tx1">
+                          <a:lumMod val="40000"/>
+                          <a:lumOff val="60000"/>
+                        </a:schemeClr>
+                      </a:solidFill>
+                      <a:prstDash val="sysDot"/>
+                      <a:round/>
+                      <a:headEnd type="none" w="med" len="med"/>
+                      <a:tailEnd type="none" w="med" len="med"/>
+                    </a:lnB>
+                    <a:lnTlToBr w="12700" cmpd="sng">
+                      <a:noFill/>
+                      <a:prstDash val="solid"/>
+                    </a:lnTlToBr>
+                    <a:lnBlToTr w="12700" cmpd="sng">
+                      <a:noFill/>
+                      <a:prstDash val="solid"/>
+                    </a:lnBlToTr>
+                    <a:solidFill>
+                      <a:schemeClr val="bg1"/>
+                    </a:solidFill>
+                  </a:tcPr>
+                </a:tc>
+                <a:tc>
+                  <a:txBody>
+                    <a:bodyPr/>
+                    <a:lstStyle/>
+                    <a:p>
                       <a:pPr marL="0" algn="r" defTabSz="914400" rtl="0" eaLnBrk="1" fontAlgn="b" latinLnBrk="0" hangingPunct="1"/>
                       <a:endParaRPr lang="en-US" sz="1200" b="0" i="0" u="none" strike="noStrike" kern="1200" dirty="0">
                         <a:solidFill>
@@ -22439,13 +22717,78 @@
                     </a:solidFill>
                   </a:tcPr>
                 </a:tc>
+                <a:tc>
+                  <a:txBody>
+                    <a:bodyPr/>
+                    <a:lstStyle/>
+                    <a:p>
+                      <a:pPr marL="0" algn="l" defTabSz="914400" rtl="0" eaLnBrk="1" fontAlgn="b" latinLnBrk="0" hangingPunct="1"/>
+                      <a:endParaRPr lang="en-US" sz="1200" b="0" i="0" u="none" strike="noStrike" kern="1200" dirty="0">
+                        <a:solidFill>
+                          <a:schemeClr val="tx1">
+                            <a:lumMod val="60000"/>
+                            <a:lumOff val="40000"/>
+                          </a:schemeClr>
+                        </a:solidFill>
+                        <a:effectLst/>
+                        <a:latin typeface="Calibri Regular"/>
+                        <a:ea typeface="+mn-ea"/>
+                        <a:cs typeface="+mn-cs"/>
+                      </a:endParaRPr>
+                    </a:p>
+                  </a:txBody>
+                  <a:tcPr marL="108000" marR="108000" marT="72000" marB="72000" anchor="ctr">
+                    <a:lnL>
+                      <a:noFill/>
+                    </a:lnL>
+                    <a:lnR w="9525" cap="flat" cmpd="sng" algn="ctr">
+                      <a:noFill/>
+                      <a:prstDash val="solid"/>
+                    </a:lnR>
+                    <a:lnT w="12700" cap="flat" cmpd="sng" algn="ctr">
+                      <a:solidFill>
+                        <a:schemeClr val="tx1">
+                          <a:lumMod val="40000"/>
+                          <a:lumOff val="60000"/>
+                        </a:schemeClr>
+                      </a:solidFill>
+                      <a:prstDash val="sysDot"/>
+                      <a:round/>
+                      <a:headEnd type="none" w="med" len="med"/>
+                      <a:tailEnd type="none" w="med" len="med"/>
+                    </a:lnT>
+                    <a:lnB w="12700" cap="flat" cmpd="sng" algn="ctr">
+                      <a:solidFill>
+                        <a:schemeClr val="tx1">
+                          <a:lumMod val="40000"/>
+                          <a:lumOff val="60000"/>
+                        </a:schemeClr>
+                      </a:solidFill>
+                      <a:prstDash val="sysDot"/>
+                      <a:round/>
+                      <a:headEnd type="none" w="med" len="med"/>
+                      <a:tailEnd type="none" w="med" len="med"/>
+                    </a:lnB>
+                    <a:lnTlToBr w="12700" cmpd="sng">
+                      <a:noFill/>
+                      <a:prstDash val="solid"/>
+                    </a:lnTlToBr>
+                    <a:lnBlToTr w="12700" cmpd="sng">
+                      <a:noFill/>
+                      <a:prstDash val="solid"/>
+                    </a:lnBlToTr>
+                    <a:solidFill>
+                      <a:schemeClr val="bg1"/>
+                    </a:solidFill>
+                  </a:tcPr>
+                </a:tc>
                 <a:extLst>
                   <a:ext uri="{0D108BD9-81ED-4DB2-BD59-A6C34878D82A}">
-                    <a16:rowId xmlns:a16="http://schemas.microsoft.com/office/drawing/2014/main" val="10003"/>
+                    <a16:rowId xmlns:a16="http://schemas.microsoft.com/office/drawing/2014/main" val="10004"/>
                   </a:ext>
                 </a:extLst>
               </a:tr>
-              <a:tr h="0">
+              <a:tr h="229541">
                 <a:tc>
                   <a:txBody>
                     <a:bodyPr/>
@@ -22716,7 +23059,7 @@
                     <a:bodyPr/>
                     <a:lstStyle/>
                     <a:p>
-                      <a:pPr marL="0" algn="r" defTabSz="914400" rtl="0" eaLnBrk="1" fontAlgn="b" latinLnBrk="0" hangingPunct="1"/>
+                      <a:pPr marL="0" algn="l" defTabSz="914400" rtl="0" eaLnBrk="1" fontAlgn="b" latinLnBrk="0" hangingPunct="1"/>
                       <a:endParaRPr lang="en-US" sz="1200" b="0" i="0" u="none" strike="noStrike" kern="1200" dirty="0">
                         <a:solidFill>
                           <a:schemeClr val="tx1">
@@ -22778,11 +23121,11 @@
                 </a:tc>
                 <a:extLst>
                   <a:ext uri="{0D108BD9-81ED-4DB2-BD59-A6C34878D82A}">
-                    <a16:rowId xmlns:a16="http://schemas.microsoft.com/office/drawing/2014/main" val="10004"/>
+                    <a16:rowId xmlns:a16="http://schemas.microsoft.com/office/drawing/2014/main" val="2001900654"/>
                   </a:ext>
                 </a:extLst>
               </a:tr>
-              <a:tr h="0">
+              <a:tr h="229541">
                 <a:tc>
                   <a:txBody>
                     <a:bodyPr/>
@@ -23053,7 +23396,7 @@
                     <a:bodyPr/>
                     <a:lstStyle/>
                     <a:p>
-                      <a:pPr marL="0" algn="r" defTabSz="914400" rtl="0" eaLnBrk="1" fontAlgn="b" latinLnBrk="0" hangingPunct="1"/>
+                      <a:pPr marL="0" algn="l" defTabSz="914400" rtl="0" eaLnBrk="1" fontAlgn="b" latinLnBrk="0" hangingPunct="1"/>
                       <a:endParaRPr lang="en-US" sz="1200" b="0" i="0" u="none" strike="noStrike" kern="1200" dirty="0">
                         <a:solidFill>
                           <a:schemeClr val="tx1">
@@ -23115,11 +23458,11 @@
                 </a:tc>
                 <a:extLst>
                   <a:ext uri="{0D108BD9-81ED-4DB2-BD59-A6C34878D82A}">
-                    <a16:rowId xmlns:a16="http://schemas.microsoft.com/office/drawing/2014/main" val="2001900654"/>
+                    <a16:rowId xmlns:a16="http://schemas.microsoft.com/office/drawing/2014/main" val="928811833"/>
                   </a:ext>
                 </a:extLst>
               </a:tr>
-              <a:tr h="0">
+              <a:tr h="229541">
                 <a:tc>
                   <a:txBody>
                     <a:bodyPr/>
@@ -23390,7 +23733,7 @@
                     <a:bodyPr/>
                     <a:lstStyle/>
                     <a:p>
-                      <a:pPr marL="0" algn="r" defTabSz="914400" rtl="0" eaLnBrk="1" fontAlgn="b" latinLnBrk="0" hangingPunct="1"/>
+                      <a:pPr marL="0" algn="l" defTabSz="914400" rtl="0" eaLnBrk="1" fontAlgn="b" latinLnBrk="0" hangingPunct="1"/>
                       <a:endParaRPr lang="en-US" sz="1200" b="0" i="0" u="none" strike="noStrike" kern="1200" dirty="0">
                         <a:solidFill>
                           <a:schemeClr val="tx1">
@@ -23452,11 +23795,11 @@
                 </a:tc>
                 <a:extLst>
                   <a:ext uri="{0D108BD9-81ED-4DB2-BD59-A6C34878D82A}">
-                    <a16:rowId xmlns:a16="http://schemas.microsoft.com/office/drawing/2014/main" val="928811833"/>
+                    <a16:rowId xmlns:a16="http://schemas.microsoft.com/office/drawing/2014/main" val="4060795780"/>
                   </a:ext>
                 </a:extLst>
               </a:tr>
-              <a:tr h="0">
+              <a:tr h="229541">
                 <a:tc>
                   <a:txBody>
                     <a:bodyPr/>
@@ -23727,7 +24070,7 @@
                     <a:bodyPr/>
                     <a:lstStyle/>
                     <a:p>
-                      <a:pPr marL="0" algn="r" defTabSz="914400" rtl="0" eaLnBrk="1" fontAlgn="b" latinLnBrk="0" hangingPunct="1"/>
+                      <a:pPr marL="0" algn="l" defTabSz="914400" rtl="0" eaLnBrk="1" fontAlgn="b" latinLnBrk="0" hangingPunct="1"/>
                       <a:endParaRPr lang="en-US" sz="1200" b="0" i="0" u="none" strike="noStrike" kern="1200" dirty="0">
                         <a:solidFill>
                           <a:schemeClr val="tx1">
@@ -23789,11 +24132,11 @@
                 </a:tc>
                 <a:extLst>
                   <a:ext uri="{0D108BD9-81ED-4DB2-BD59-A6C34878D82A}">
-                    <a16:rowId xmlns:a16="http://schemas.microsoft.com/office/drawing/2014/main" val="4060795780"/>
+                    <a16:rowId xmlns:a16="http://schemas.microsoft.com/office/drawing/2014/main" val="933267410"/>
                   </a:ext>
                 </a:extLst>
               </a:tr>
-              <a:tr h="0">
+              <a:tr h="229541">
                 <a:tc>
                   <a:txBody>
                     <a:bodyPr/>
@@ -24064,7 +24407,7 @@
                     <a:bodyPr/>
                     <a:lstStyle/>
                     <a:p>
-                      <a:pPr marL="0" algn="r" defTabSz="914400" rtl="0" eaLnBrk="1" fontAlgn="b" latinLnBrk="0" hangingPunct="1"/>
+                      <a:pPr marL="0" algn="l" defTabSz="914400" rtl="0" eaLnBrk="1" fontAlgn="b" latinLnBrk="0" hangingPunct="1"/>
                       <a:endParaRPr lang="en-US" sz="1200" b="0" i="0" u="none" strike="noStrike" kern="1200" dirty="0">
                         <a:solidFill>
                           <a:schemeClr val="tx1">
@@ -24126,11 +24469,11 @@
                 </a:tc>
                 <a:extLst>
                   <a:ext uri="{0D108BD9-81ED-4DB2-BD59-A6C34878D82A}">
-                    <a16:rowId xmlns:a16="http://schemas.microsoft.com/office/drawing/2014/main" val="933267410"/>
+                    <a16:rowId xmlns:a16="http://schemas.microsoft.com/office/drawing/2014/main" val="2009910387"/>
                   </a:ext>
                 </a:extLst>
               </a:tr>
-              <a:tr h="0">
+              <a:tr h="229541">
                 <a:tc>
                   <a:txBody>
                     <a:bodyPr/>
@@ -24401,7 +24744,7 @@
                     <a:bodyPr/>
                     <a:lstStyle/>
                     <a:p>
-                      <a:pPr marL="0" algn="r" defTabSz="914400" rtl="0" eaLnBrk="1" fontAlgn="b" latinLnBrk="0" hangingPunct="1"/>
+                      <a:pPr marL="0" algn="l" defTabSz="914400" rtl="0" eaLnBrk="1" fontAlgn="b" latinLnBrk="0" hangingPunct="1"/>
                       <a:endParaRPr lang="en-US" sz="1200" b="0" i="0" u="none" strike="noStrike" kern="1200" dirty="0">
                         <a:solidFill>
                           <a:schemeClr val="tx1">
@@ -24463,11 +24806,11 @@
                 </a:tc>
                 <a:extLst>
                   <a:ext uri="{0D108BD9-81ED-4DB2-BD59-A6C34878D82A}">
-                    <a16:rowId xmlns:a16="http://schemas.microsoft.com/office/drawing/2014/main" val="2009910387"/>
+                    <a16:rowId xmlns:a16="http://schemas.microsoft.com/office/drawing/2014/main" val="1372763307"/>
                   </a:ext>
                 </a:extLst>
               </a:tr>
-              <a:tr h="0">
+              <a:tr h="229541">
                 <a:tc>
                   <a:txBody>
                     <a:bodyPr/>
@@ -24738,7 +25081,7 @@
                     <a:bodyPr/>
                     <a:lstStyle/>
                     <a:p>
-                      <a:pPr marL="0" algn="r" defTabSz="914400" rtl="0" eaLnBrk="1" fontAlgn="b" latinLnBrk="0" hangingPunct="1"/>
+                      <a:pPr marL="0" algn="l" defTabSz="914400" rtl="0" eaLnBrk="1" fontAlgn="b" latinLnBrk="0" hangingPunct="1"/>
                       <a:endParaRPr lang="en-US" sz="1200" b="0" i="0" u="none" strike="noStrike" kern="1200" dirty="0">
                         <a:solidFill>
                           <a:schemeClr val="tx1">
@@ -24800,11 +25143,11 @@
                 </a:tc>
                 <a:extLst>
                   <a:ext uri="{0D108BD9-81ED-4DB2-BD59-A6C34878D82A}">
-                    <a16:rowId xmlns:a16="http://schemas.microsoft.com/office/drawing/2014/main" val="1372763307"/>
+                    <a16:rowId xmlns:a16="http://schemas.microsoft.com/office/drawing/2014/main" val="4022263985"/>
                   </a:ext>
                 </a:extLst>
               </a:tr>
-              <a:tr h="0">
+              <a:tr h="229541">
                 <a:tc>
                   <a:txBody>
                     <a:bodyPr/>
@@ -25075,7 +25418,7 @@
                     <a:bodyPr/>
                     <a:lstStyle/>
                     <a:p>
-                      <a:pPr marL="0" algn="r" defTabSz="914400" rtl="0" eaLnBrk="1" fontAlgn="b" latinLnBrk="0" hangingPunct="1"/>
+                      <a:pPr marL="0" algn="l" defTabSz="914400" rtl="0" eaLnBrk="1" fontAlgn="b" latinLnBrk="0" hangingPunct="1"/>
                       <a:endParaRPr lang="en-US" sz="1200" b="0" i="0" u="none" strike="noStrike" kern="1200" dirty="0">
                         <a:solidFill>
                           <a:schemeClr val="tx1">
@@ -25137,17 +25480,33 @@
                 </a:tc>
                 <a:extLst>
                   <a:ext uri="{0D108BD9-81ED-4DB2-BD59-A6C34878D82A}">
-                    <a16:rowId xmlns:a16="http://schemas.microsoft.com/office/drawing/2014/main" val="4022263985"/>
+                    <a16:rowId xmlns:a16="http://schemas.microsoft.com/office/drawing/2014/main" val="516404128"/>
                   </a:ext>
                 </a:extLst>
               </a:tr>
-              <a:tr h="0">
+              <a:tr h="229541">
                 <a:tc>
                   <a:txBody>
                     <a:bodyPr/>
                     <a:lstStyle/>
                     <a:p>
-                      <a:pPr algn="l" fontAlgn="b"/>
+                      <a:pPr marL="0" marR="0" lvl="0" indent="0" algn="l" defTabSz="914400" rtl="0" eaLnBrk="1" fontAlgn="b" latinLnBrk="0" hangingPunct="1">
+                        <a:lnSpc>
+                          <a:spcPct val="100000"/>
+                        </a:lnSpc>
+                        <a:spcBef>
+                          <a:spcPts val="0"/>
+                        </a:spcBef>
+                        <a:spcAft>
+                          <a:spcPts val="0"/>
+                        </a:spcAft>
+                        <a:buClrTx/>
+                        <a:buSzTx/>
+                        <a:buFontTx/>
+                        <a:buNone/>
+                        <a:tabLst/>
+                        <a:defRPr/>
+                      </a:pPr>
                       <a:endParaRPr lang="en-US" sz="1200" b="0" i="0" u="none" strike="noStrike" dirty="0">
                         <a:solidFill>
                           <a:schemeClr val="tx2"/>
@@ -25412,7 +25771,7 @@
                     <a:bodyPr/>
                     <a:lstStyle/>
                     <a:p>
-                      <a:pPr marL="0" algn="r" defTabSz="914400" rtl="0" eaLnBrk="1" fontAlgn="b" latinLnBrk="0" hangingPunct="1"/>
+                      <a:pPr marL="0" algn="l" defTabSz="914400" rtl="0" eaLnBrk="1" fontAlgn="b" latinLnBrk="0" hangingPunct="1"/>
                       <a:endParaRPr lang="en-US" sz="1200" b="0" i="0" u="none" strike="noStrike" kern="1200" dirty="0">
                         <a:solidFill>
                           <a:schemeClr val="tx1">
@@ -25474,11 +25833,11 @@
                 </a:tc>
                 <a:extLst>
                   <a:ext uri="{0D108BD9-81ED-4DB2-BD59-A6C34878D82A}">
-                    <a16:rowId xmlns:a16="http://schemas.microsoft.com/office/drawing/2014/main" val="516404128"/>
+                    <a16:rowId xmlns:a16="http://schemas.microsoft.com/office/drawing/2014/main" val="3255606331"/>
                   </a:ext>
                 </a:extLst>
               </a:tr>
-              <a:tr h="0">
+              <a:tr h="229541">
                 <a:tc>
                   <a:txBody>
                     <a:bodyPr/>
@@ -25531,13 +25890,8 @@
                       <a:tailEnd type="none" w="med" len="med"/>
                     </a:lnT>
                     <a:lnB w="12700" cap="flat" cmpd="sng" algn="ctr">
-                      <a:solidFill>
-                        <a:schemeClr val="tx1">
-                          <a:lumMod val="40000"/>
-                          <a:lumOff val="60000"/>
-                        </a:schemeClr>
-                      </a:solidFill>
-                      <a:prstDash val="sysDot"/>
+                      <a:noFill/>
+                      <a:prstDash val="solid"/>
                       <a:round/>
                       <a:headEnd type="none" w="med" len="med"/>
                       <a:tailEnd type="none" w="med" len="med"/>
@@ -25608,13 +25962,8 @@
                       <a:tailEnd type="none" w="med" len="med"/>
                     </a:lnT>
                     <a:lnB w="12700" cap="flat" cmpd="sng" algn="ctr">
-                      <a:solidFill>
-                        <a:schemeClr val="tx1">
-                          <a:lumMod val="40000"/>
-                          <a:lumOff val="60000"/>
-                        </a:schemeClr>
-                      </a:solidFill>
-                      <a:prstDash val="sysDot"/>
+                      <a:noFill/>
+                      <a:prstDash val="solid"/>
                       <a:round/>
                       <a:headEnd type="none" w="med" len="med"/>
                       <a:tailEnd type="none" w="med" len="med"/>
@@ -25671,13 +26020,8 @@
                       <a:tailEnd type="none" w="med" len="med"/>
                     </a:lnT>
                     <a:lnB w="12700" cap="flat" cmpd="sng" algn="ctr">
-                      <a:solidFill>
-                        <a:schemeClr val="tx1">
-                          <a:lumMod val="40000"/>
-                          <a:lumOff val="60000"/>
-                        </a:schemeClr>
-                      </a:solidFill>
-                      <a:prstDash val="sysDot"/>
+                      <a:noFill/>
+                      <a:prstDash val="solid"/>
                       <a:round/>
                       <a:headEnd type="none" w="med" len="med"/>
                       <a:tailEnd type="none" w="med" len="med"/>
@@ -25736,13 +26080,8 @@
                       <a:tailEnd type="none" w="med" len="med"/>
                     </a:lnT>
                     <a:lnB w="12700" cap="flat" cmpd="sng" algn="ctr">
-                      <a:solidFill>
-                        <a:schemeClr val="tx1">
-                          <a:lumMod val="40000"/>
-                          <a:lumOff val="60000"/>
-                        </a:schemeClr>
-                      </a:solidFill>
-                      <a:prstDash val="sysDot"/>
+                      <a:noFill/>
+                      <a:prstDash val="solid"/>
                       <a:round/>
                       <a:headEnd type="none" w="med" len="med"/>
                       <a:tailEnd type="none" w="med" len="med"/>
@@ -25765,340 +26104,7 @@
                     <a:bodyPr/>
                     <a:lstStyle/>
                     <a:p>
-                      <a:pPr marL="0" algn="r" defTabSz="914400" rtl="0" eaLnBrk="1" fontAlgn="b" latinLnBrk="0" hangingPunct="1"/>
-                      <a:endParaRPr lang="en-US" sz="1200" b="0" i="0" u="none" strike="noStrike" kern="1200" dirty="0">
-                        <a:solidFill>
-                          <a:schemeClr val="tx1">
-                            <a:lumMod val="60000"/>
-                            <a:lumOff val="40000"/>
-                          </a:schemeClr>
-                        </a:solidFill>
-                        <a:effectLst/>
-                        <a:latin typeface="Calibri Regular"/>
-                        <a:ea typeface="+mn-ea"/>
-                        <a:cs typeface="+mn-cs"/>
-                      </a:endParaRPr>
-                    </a:p>
-                  </a:txBody>
-                  <a:tcPr marL="108000" marR="108000" marT="72000" marB="72000" anchor="ctr">
-                    <a:lnL>
-                      <a:noFill/>
-                    </a:lnL>
-                    <a:lnR w="9525" cap="flat" cmpd="sng" algn="ctr">
-                      <a:noFill/>
-                      <a:prstDash val="solid"/>
-                    </a:lnR>
-                    <a:lnT w="12700" cap="flat" cmpd="sng" algn="ctr">
-                      <a:solidFill>
-                        <a:schemeClr val="tx1">
-                          <a:lumMod val="40000"/>
-                          <a:lumOff val="60000"/>
-                        </a:schemeClr>
-                      </a:solidFill>
-                      <a:prstDash val="sysDot"/>
-                      <a:round/>
-                      <a:headEnd type="none" w="med" len="med"/>
-                      <a:tailEnd type="none" w="med" len="med"/>
-                    </a:lnT>
-                    <a:lnB w="12700" cap="flat" cmpd="sng" algn="ctr">
-                      <a:solidFill>
-                        <a:schemeClr val="tx1">
-                          <a:lumMod val="40000"/>
-                          <a:lumOff val="60000"/>
-                        </a:schemeClr>
-                      </a:solidFill>
-                      <a:prstDash val="sysDot"/>
-                      <a:round/>
-                      <a:headEnd type="none" w="med" len="med"/>
-                      <a:tailEnd type="none" w="med" len="med"/>
-                    </a:lnB>
-                    <a:lnTlToBr w="12700" cmpd="sng">
-                      <a:noFill/>
-                      <a:prstDash val="solid"/>
-                    </a:lnTlToBr>
-                    <a:lnBlToTr w="12700" cmpd="sng">
-                      <a:noFill/>
-                      <a:prstDash val="solid"/>
-                    </a:lnBlToTr>
-                    <a:solidFill>
-                      <a:schemeClr val="bg1"/>
-                    </a:solidFill>
-                  </a:tcPr>
-                </a:tc>
-                <a:extLst>
-                  <a:ext uri="{0D108BD9-81ED-4DB2-BD59-A6C34878D82A}">
-                    <a16:rowId xmlns:a16="http://schemas.microsoft.com/office/drawing/2014/main" val="3255606331"/>
-                  </a:ext>
-                </a:extLst>
-              </a:tr>
-              <a:tr h="0">
-                <a:tc>
-                  <a:txBody>
-                    <a:bodyPr/>
-                    <a:lstStyle/>
-                    <a:p>
-                      <a:pPr marL="0" marR="0" lvl="0" indent="0" algn="l" defTabSz="914400" rtl="0" eaLnBrk="1" fontAlgn="b" latinLnBrk="0" hangingPunct="1">
-                        <a:lnSpc>
-                          <a:spcPct val="100000"/>
-                        </a:lnSpc>
-                        <a:spcBef>
-                          <a:spcPts val="0"/>
-                        </a:spcBef>
-                        <a:spcAft>
-                          <a:spcPts val="0"/>
-                        </a:spcAft>
-                        <a:buClrTx/>
-                        <a:buSzTx/>
-                        <a:buFontTx/>
-                        <a:buNone/>
-                        <a:tabLst/>
-                        <a:defRPr/>
-                      </a:pPr>
-                      <a:endParaRPr lang="en-US" sz="1200" b="0" i="0" u="none" strike="noStrike" dirty="0">
-                        <a:solidFill>
-                          <a:schemeClr val="tx2"/>
-                        </a:solidFill>
-                        <a:effectLst/>
-                        <a:latin typeface="Calibri Regular"/>
-                      </a:endParaRPr>
-                    </a:p>
-                  </a:txBody>
-                  <a:tcPr marL="108000" marR="108000" marT="72000" marB="72000" anchor="ctr">
-                    <a:lnL w="9525" cap="flat" cmpd="sng" algn="ctr">
-                      <a:noFill/>
-                      <a:prstDash val="solid"/>
-                    </a:lnL>
-                    <a:lnR>
-                      <a:noFill/>
-                    </a:lnR>
-                    <a:lnT w="12700" cap="flat" cmpd="sng" algn="ctr">
-                      <a:solidFill>
-                        <a:schemeClr val="tx1">
-                          <a:lumMod val="40000"/>
-                          <a:lumOff val="60000"/>
-                        </a:schemeClr>
-                      </a:solidFill>
-                      <a:prstDash val="sysDot"/>
-                      <a:round/>
-                      <a:headEnd type="none" w="med" len="med"/>
-                      <a:tailEnd type="none" w="med" len="med"/>
-                    </a:lnT>
-                    <a:lnB w="12700" cap="flat" cmpd="sng" algn="ctr">
-                      <a:noFill/>
-                      <a:prstDash val="solid"/>
-                      <a:round/>
-                      <a:headEnd type="none" w="med" len="med"/>
-                      <a:tailEnd type="none" w="med" len="med"/>
-                    </a:lnB>
-                    <a:lnTlToBr w="12700" cmpd="sng">
-                      <a:noFill/>
-                      <a:prstDash val="solid"/>
-                    </a:lnTlToBr>
-                    <a:lnBlToTr w="12700" cmpd="sng">
-                      <a:noFill/>
-                      <a:prstDash val="solid"/>
-                    </a:lnBlToTr>
-                    <a:solidFill>
-                      <a:schemeClr val="bg1"/>
-                    </a:solidFill>
-                  </a:tcPr>
-                </a:tc>
-                <a:tc>
-                  <a:txBody>
-                    <a:bodyPr/>
-                    <a:lstStyle/>
-                    <a:p>
-                      <a:pPr marL="0" marR="0" lvl="0" indent="0" algn="r" defTabSz="914400" rtl="0" eaLnBrk="1" fontAlgn="b" latinLnBrk="0" hangingPunct="1">
-                        <a:lnSpc>
-                          <a:spcPct val="100000"/>
-                        </a:lnSpc>
-                        <a:spcBef>
-                          <a:spcPts val="0"/>
-                        </a:spcBef>
-                        <a:spcAft>
-                          <a:spcPts val="0"/>
-                        </a:spcAft>
-                        <a:buClrTx/>
-                        <a:buSzTx/>
-                        <a:buFontTx/>
-                        <a:buNone/>
-                        <a:tabLst/>
-                        <a:defRPr/>
-                      </a:pPr>
-                      <a:endParaRPr lang="en-US" sz="1200" b="0" i="0" u="none" strike="noStrike" kern="1200" dirty="0">
-                        <a:solidFill>
-                          <a:schemeClr val="tx2"/>
-                        </a:solidFill>
-                        <a:effectLst/>
-                        <a:latin typeface="Calibri Bold"/>
-                        <a:ea typeface="+mn-ea"/>
-                        <a:cs typeface="+mn-cs"/>
-                      </a:endParaRPr>
-                    </a:p>
-                  </a:txBody>
-                  <a:tcPr marL="108000" marR="108000" marT="72000" marB="72000" anchor="ctr">
-                    <a:lnL>
-                      <a:noFill/>
-                    </a:lnL>
-                    <a:lnR>
-                      <a:noFill/>
-                    </a:lnR>
-                    <a:lnT w="12700" cap="flat" cmpd="sng" algn="ctr">
-                      <a:solidFill>
-                        <a:schemeClr val="tx1">
-                          <a:lumMod val="40000"/>
-                          <a:lumOff val="60000"/>
-                        </a:schemeClr>
-                      </a:solidFill>
-                      <a:prstDash val="sysDot"/>
-                      <a:round/>
-                      <a:headEnd type="none" w="med" len="med"/>
-                      <a:tailEnd type="none" w="med" len="med"/>
-                    </a:lnT>
-                    <a:lnB w="12700" cap="flat" cmpd="sng" algn="ctr">
-                      <a:noFill/>
-                      <a:prstDash val="solid"/>
-                      <a:round/>
-                      <a:headEnd type="none" w="med" len="med"/>
-                      <a:tailEnd type="none" w="med" len="med"/>
-                    </a:lnB>
-                    <a:lnTlToBr w="12700" cmpd="sng">
-                      <a:noFill/>
-                      <a:prstDash val="solid"/>
-                    </a:lnTlToBr>
-                    <a:lnBlToTr w="12700" cmpd="sng">
-                      <a:noFill/>
-                      <a:prstDash val="solid"/>
-                    </a:lnBlToTr>
-                    <a:solidFill>
-                      <a:srgbClr val="FEF5BA"/>
-                    </a:solidFill>
-                  </a:tcPr>
-                </a:tc>
-                <a:tc>
-                  <a:txBody>
-                    <a:bodyPr/>
-                    <a:lstStyle/>
-                    <a:p>
-                      <a:pPr algn="r" fontAlgn="b"/>
-                      <a:endParaRPr lang="en-US" sz="1200" b="0" i="0" u="none" strike="noStrike" dirty="0">
-                        <a:solidFill>
-                          <a:schemeClr val="tx1">
-                            <a:lumMod val="60000"/>
-                            <a:lumOff val="40000"/>
-                          </a:schemeClr>
-                        </a:solidFill>
-                        <a:effectLst/>
-                        <a:latin typeface="Calibri Regular"/>
-                      </a:endParaRPr>
-                    </a:p>
-                  </a:txBody>
-                  <a:tcPr marL="108000" marR="108000" marT="72000" marB="72000" anchor="ctr">
-                    <a:lnL>
-                      <a:noFill/>
-                    </a:lnL>
-                    <a:lnR w="9525" cap="flat" cmpd="sng" algn="ctr">
-                      <a:noFill/>
-                      <a:prstDash val="solid"/>
-                    </a:lnR>
-                    <a:lnT w="12700" cap="flat" cmpd="sng" algn="ctr">
-                      <a:solidFill>
-                        <a:schemeClr val="tx1">
-                          <a:lumMod val="40000"/>
-                          <a:lumOff val="60000"/>
-                        </a:schemeClr>
-                      </a:solidFill>
-                      <a:prstDash val="sysDot"/>
-                      <a:round/>
-                      <a:headEnd type="none" w="med" len="med"/>
-                      <a:tailEnd type="none" w="med" len="med"/>
-                    </a:lnT>
-                    <a:lnB w="12700" cap="flat" cmpd="sng" algn="ctr">
-                      <a:noFill/>
-                      <a:prstDash val="solid"/>
-                      <a:round/>
-                      <a:headEnd type="none" w="med" len="med"/>
-                      <a:tailEnd type="none" w="med" len="med"/>
-                    </a:lnB>
-                    <a:lnTlToBr w="12700" cmpd="sng">
-                      <a:noFill/>
-                      <a:prstDash val="solid"/>
-                    </a:lnTlToBr>
-                    <a:lnBlToTr w="12700" cmpd="sng">
-                      <a:noFill/>
-                      <a:prstDash val="solid"/>
-                    </a:lnBlToTr>
-                    <a:solidFill>
-                      <a:schemeClr val="bg1"/>
-                    </a:solidFill>
-                  </a:tcPr>
-                </a:tc>
-                <a:tc>
-                  <a:txBody>
-                    <a:bodyPr/>
-                    <a:lstStyle/>
-                    <a:p>
-                      <a:pPr marL="0" algn="r" defTabSz="914400" rtl="0" eaLnBrk="1" fontAlgn="b" latinLnBrk="0" hangingPunct="1"/>
-                      <a:endParaRPr lang="en-US" sz="1200" b="0" i="0" u="none" strike="noStrike" kern="1200" dirty="0">
-                        <a:solidFill>
-                          <a:schemeClr val="tx1">
-                            <a:lumMod val="60000"/>
-                            <a:lumOff val="40000"/>
-                          </a:schemeClr>
-                        </a:solidFill>
-                        <a:effectLst/>
-                        <a:latin typeface="Calibri Regular"/>
-                        <a:ea typeface="+mn-ea"/>
-                        <a:cs typeface="+mn-cs"/>
-                      </a:endParaRPr>
-                    </a:p>
-                  </a:txBody>
-                  <a:tcPr marL="108000" marR="108000" marT="72000" marB="72000" anchor="ctr">
-                    <a:lnL>
-                      <a:noFill/>
-                    </a:lnL>
-                    <a:lnR w="9525" cap="flat" cmpd="sng" algn="ctr">
-                      <a:noFill/>
-                      <a:prstDash val="solid"/>
-                    </a:lnR>
-                    <a:lnT w="12700" cap="flat" cmpd="sng" algn="ctr">
-                      <a:solidFill>
-                        <a:schemeClr val="tx1">
-                          <a:lumMod val="40000"/>
-                          <a:lumOff val="60000"/>
-                        </a:schemeClr>
-                      </a:solidFill>
-                      <a:prstDash val="sysDot"/>
-                      <a:round/>
-                      <a:headEnd type="none" w="med" len="med"/>
-                      <a:tailEnd type="none" w="med" len="med"/>
-                    </a:lnT>
-                    <a:lnB w="12700" cap="flat" cmpd="sng" algn="ctr">
-                      <a:noFill/>
-                      <a:prstDash val="solid"/>
-                      <a:round/>
-                      <a:headEnd type="none" w="med" len="med"/>
-                      <a:tailEnd type="none" w="med" len="med"/>
-                    </a:lnB>
-                    <a:lnTlToBr w="12700" cmpd="sng">
-                      <a:noFill/>
-                      <a:prstDash val="solid"/>
-                    </a:lnTlToBr>
-                    <a:lnBlToTr w="12700" cmpd="sng">
-                      <a:noFill/>
-                      <a:prstDash val="solid"/>
-                    </a:lnBlToTr>
-                    <a:solidFill>
-                      <a:schemeClr val="bg1"/>
-                    </a:solidFill>
-                  </a:tcPr>
-                </a:tc>
-                <a:tc>
-                  <a:txBody>
-                    <a:bodyPr/>
-                    <a:lstStyle/>
-                    <a:p>
-                      <a:pPr marL="0" algn="r" defTabSz="914400" rtl="0" eaLnBrk="1" fontAlgn="b" latinLnBrk="0" hangingPunct="1"/>
+                      <a:pPr marL="0" algn="l" defTabSz="914400" rtl="0" eaLnBrk="1" fontAlgn="b" latinLnBrk="0" hangingPunct="1"/>
                       <a:endParaRPr lang="en-US" sz="1200" b="0" i="0" u="none" strike="noStrike" kern="1200" dirty="0">
                         <a:solidFill>
                           <a:schemeClr val="tx1">
@@ -27300,15 +27306,6 @@
 </file>
 
 <file path=customXml/item2.xml><?xml version="1.0" encoding="utf-8"?>
-<?mso-contentType ?>
-<FormTemplates xmlns="http://schemas.microsoft.com/sharepoint/v3/contenttype/forms">
-  <Display>DocumentLibraryForm</Display>
-  <Edit>DocumentLibraryForm</Edit>
-  <New>DocumentLibraryForm</New>
-</FormTemplates>
-</file>
-
-<file path=customXml/item3.xml><?xml version="1.0" encoding="utf-8"?>
 <p:properties xmlns:p="http://schemas.microsoft.com/office/2006/metadata/properties" xmlns:xsi="http://www.w3.org/2001/XMLSchema-instance" xmlns:pc="http://schemas.microsoft.com/office/infopath/2007/PartnerControls">
   <documentManagement>
     <lcf76f155ced4ddcb4097134ff3c332f xmlns="fa937df2-abe2-4d38-b5f4-c228acba3827">
@@ -27317,6 +27314,15 @@
     <TaxCatchAll xmlns="bc8ba18a-4a58-4ad2-bfc0-6516af8e7dc2" xsi:nil="true"/>
   </documentManagement>
 </p:properties>
+</file>
+
+<file path=customXml/item3.xml><?xml version="1.0" encoding="utf-8"?>
+<?mso-contentType ?>
+<FormTemplates xmlns="http://schemas.microsoft.com/sharepoint/v3/contenttype/forms">
+  <Display>DocumentLibraryForm</Display>
+  <Edit>DocumentLibraryForm</Edit>
+  <New>DocumentLibraryForm</New>
+</FormTemplates>
 </file>
 
 <file path=customXml/itemProps1.xml><?xml version="1.0" encoding="utf-8"?>
@@ -27339,14 +27345,6 @@
 </file>
 
 <file path=customXml/itemProps2.xml><?xml version="1.0" encoding="utf-8"?>
-<ds:datastoreItem xmlns:ds="http://schemas.openxmlformats.org/officeDocument/2006/customXml" ds:itemID="{570928F0-D7CA-4732-B7F3-1F945720D0AA}">
-  <ds:schemaRefs>
-    <ds:schemaRef ds:uri="http://schemas.microsoft.com/sharepoint/v3/contenttype/forms"/>
-  </ds:schemaRefs>
-</ds:datastoreItem>
-</file>
-
-<file path=customXml/itemProps3.xml><?xml version="1.0" encoding="utf-8"?>
 <ds:datastoreItem xmlns:ds="http://schemas.openxmlformats.org/officeDocument/2006/customXml" ds:itemID="{4B629362-CF15-4610-8FAC-A8E699942233}">
   <ds:schemaRefs>
     <ds:schemaRef ds:uri="http://schemas.microsoft.com/office/2006/documentManagement/types"/>
@@ -27361,4 +27359,12 @@
     <ds:schemaRef ds:uri="http://purl.org/dc/dcmitype/"/>
   </ds:schemaRefs>
 </ds:datastoreItem>
+</file>
+
+<file path=customXml/itemProps3.xml><?xml version="1.0" encoding="utf-8"?>
+<ds:datastoreItem xmlns:ds="http://schemas.openxmlformats.org/officeDocument/2006/customXml" ds:itemID="{570928F0-D7CA-4732-B7F3-1F945720D0AA}">
+  <ds:schemaRefs>
+    <ds:schemaRef ds:uri="http://schemas.microsoft.com/sharepoint/v3/contenttype/forms"/>
+  </ds:schemaRefs>
+</ds:datastoreItem>
 </file>
--- a/report-generator/src/report_generator/presets/templates/refactoring-candidates.pptx
+++ b/report-generator/src/report_generator/presets/templates/refactoring-candidates.pptx
@@ -21047,14 +21047,14 @@
           <p:nvPr>
             <p:extLst>
               <p:ext uri="{D42A27DB-BD31-4B8C-83A1-F6EECF244321}">
-                <p14:modId xmlns:p14="http://schemas.microsoft.com/office/powerpoint/2010/main" val="3365033968"/>
+                <p14:modId xmlns:p14="http://schemas.microsoft.com/office/powerpoint/2010/main" val="505544800"/>
               </p:ext>
             </p:extLst>
           </p:nvPr>
         </p:nvGraphicFramePr>
         <p:xfrm>
           <a:off x="514373" y="1366988"/>
-          <a:ext cx="11231295" cy="5116560"/>
+          <a:ext cx="11231294" cy="4933680"/>
         </p:xfrm>
         <a:graphic>
           <a:graphicData uri="http://schemas.openxmlformats.org/drawingml/2006/table">
@@ -21064,35 +21064,28 @@
                 <a:tableStyleId>{F2DE63D5-997A-4646-A377-4702673A728D}</a:tableStyleId>
               </a:tblPr>
               <a:tblGrid>
-                <a:gridCol w="5747279">
+                <a:gridCol w="7004027">
                   <a:extLst>
                     <a:ext uri="{9D8B030D-6E8A-4147-A177-3AD203B41FA5}">
                       <a16:colId xmlns:a16="http://schemas.microsoft.com/office/drawing/2014/main" val="20000"/>
                     </a:ext>
                   </a:extLst>
                 </a:gridCol>
-                <a:gridCol w="1483658">
+                <a:gridCol w="1410957">
                   <a:extLst>
                     <a:ext uri="{9D8B030D-6E8A-4147-A177-3AD203B41FA5}">
                       <a16:colId xmlns:a16="http://schemas.microsoft.com/office/drawing/2014/main" val="20001"/>
                     </a:ext>
                   </a:extLst>
                 </a:gridCol>
-                <a:gridCol w="1040881">
+                <a:gridCol w="1211322">
                   <a:extLst>
                     <a:ext uri="{9D8B030D-6E8A-4147-A177-3AD203B41FA5}">
                       <a16:colId xmlns:a16="http://schemas.microsoft.com/office/drawing/2014/main" val="20002"/>
                     </a:ext>
                   </a:extLst>
                 </a:gridCol>
-                <a:gridCol w="1580322">
-                  <a:extLst>
-                    <a:ext uri="{9D8B030D-6E8A-4147-A177-3AD203B41FA5}">
-                      <a16:colId xmlns:a16="http://schemas.microsoft.com/office/drawing/2014/main" val="3286041723"/>
-                    </a:ext>
-                  </a:extLst>
-                </a:gridCol>
-                <a:gridCol w="1379155">
+                <a:gridCol w="1604988">
                   <a:extLst>
                     <a:ext uri="{9D8B030D-6E8A-4147-A177-3AD203B41FA5}">
                       <a16:colId xmlns:a16="http://schemas.microsoft.com/office/drawing/2014/main" val="2857446439"/>
@@ -21100,7 +21093,7 @@
                   </a:extLst>
                 </a:gridCol>
               </a:tblGrid>
-              <a:tr h="250945">
+              <a:tr h="305820">
                 <a:tc>
                   <a:txBody>
                     <a:bodyPr/>
@@ -21243,7 +21236,7 @@
                     <a:bodyPr/>
                     <a:lstStyle/>
                     <a:p>
-                      <a:pPr algn="r"/>
+                      <a:pPr algn="l"/>
                       <a:r>
                         <a:rPr lang="nl-NL" sz="1400" b="1" noProof="0" dirty="0">
                           <a:solidFill>
@@ -21251,7 +21244,7 @@
                           </a:solidFill>
                           <a:latin typeface="+mn-lt"/>
                         </a:rPr>
-                        <a:t>Same file</a:t>
+                        <a:t>Level</a:t>
                       </a:r>
                       <a:endParaRPr lang="nl-NL" sz="1400" b="1" i="0" noProof="0" dirty="0">
                         <a:solidFill>
@@ -21260,56 +21253,6 @@
                         <a:latin typeface="+mn-lt"/>
                         <a:cs typeface="TheSans B4 SemiLight"/>
                       </a:endParaRPr>
-                    </a:p>
-                  </a:txBody>
-                  <a:tcPr marL="108000" marR="108000" marT="72000" marB="72000" anchor="b">
-                    <a:lnL>
-                      <a:noFill/>
-                    </a:lnL>
-                    <a:lnR w="9525" cap="flat" cmpd="sng" algn="ctr">
-                      <a:noFill/>
-                      <a:prstDash val="solid"/>
-                    </a:lnR>
-                    <a:lnT w="9525" cap="flat" cmpd="sng" algn="ctr">
-                      <a:noFill/>
-                      <a:prstDash val="solid"/>
-                    </a:lnT>
-                    <a:lnB w="19050" cap="flat" cmpd="sng" algn="ctr">
-                      <a:noFill/>
-                      <a:prstDash val="sysDot"/>
-                      <a:round/>
-                      <a:headEnd type="none" w="med" len="med"/>
-                      <a:tailEnd type="none" w="med" len="med"/>
-                    </a:lnB>
-                    <a:lnTlToBr w="12700" cmpd="sng">
-                      <a:noFill/>
-                      <a:prstDash val="solid"/>
-                    </a:lnTlToBr>
-                    <a:lnBlToTr w="12700" cmpd="sng">
-                      <a:noFill/>
-                      <a:prstDash val="solid"/>
-                    </a:lnBlToTr>
-                    <a:solidFill>
-                      <a:schemeClr val="tx2"/>
-                    </a:solidFill>
-                  </a:tcPr>
-                </a:tc>
-                <a:tc>
-                  <a:txBody>
-                    <a:bodyPr/>
-                    <a:lstStyle/>
-                    <a:p>
-                      <a:pPr algn="r"/>
-                      <a:r>
-                        <a:rPr lang="nl-NL" sz="1400" b="1" i="0" noProof="0" dirty="0">
-                          <a:solidFill>
-                            <a:schemeClr val="bg1"/>
-                          </a:solidFill>
-                          <a:latin typeface="+mn-lt"/>
-                          <a:cs typeface="TheSans B4 SemiLight"/>
-                        </a:rPr>
-                        <a:t>Same component</a:t>
-                      </a:r>
                     </a:p>
                   </a:txBody>
                   <a:tcPr marL="108000" marR="108000" marT="72000" marB="72000" anchor="b">
@@ -21400,7 +21343,7 @@
                   </a:ext>
                 </a:extLst>
               </a:tr>
-              <a:tr h="357962">
+              <a:tr h="306335">
                 <a:tc>
                   <a:txBody>
                     <a:bodyPr/>
@@ -21555,7 +21498,7 @@
                     <a:bodyPr/>
                     <a:lstStyle/>
                     <a:p>
-                      <a:pPr algn="r" fontAlgn="b"/>
+                      <a:pPr algn="l" fontAlgn="b"/>
                       <a:r>
                         <a:rPr lang="en-US" sz="1200" b="0" i="0" u="none" strike="noStrike" dirty="0">
                           <a:solidFill>
@@ -21566,69 +21509,6 @@
                           </a:solidFill>
                           <a:effectLst/>
                           <a:latin typeface="Calibri Regular"/>
-                        </a:rPr>
-                        <a:t>Example Style</a:t>
-                      </a:r>
-                    </a:p>
-                  </a:txBody>
-                  <a:tcPr marL="108000" marR="108000" marT="72000" marB="72000" anchor="ctr">
-                    <a:lnL>
-                      <a:noFill/>
-                    </a:lnL>
-                    <a:lnR w="9525" cap="flat" cmpd="sng" algn="ctr">
-                      <a:noFill/>
-                      <a:prstDash val="solid"/>
-                    </a:lnR>
-                    <a:lnT w="19050" cap="flat" cmpd="sng" algn="ctr">
-                      <a:noFill/>
-                      <a:prstDash val="sysDot"/>
-                      <a:round/>
-                      <a:headEnd type="none" w="med" len="med"/>
-                      <a:tailEnd type="none" w="med" len="med"/>
-                    </a:lnT>
-                    <a:lnB w="12700" cap="flat" cmpd="sng" algn="ctr">
-                      <a:solidFill>
-                        <a:schemeClr val="tx1">
-                          <a:lumMod val="40000"/>
-                          <a:lumOff val="60000"/>
-                        </a:schemeClr>
-                      </a:solidFill>
-                      <a:prstDash val="sysDot"/>
-                      <a:round/>
-                      <a:headEnd type="none" w="med" len="med"/>
-                      <a:tailEnd type="none" w="med" len="med"/>
-                    </a:lnB>
-                    <a:lnTlToBr w="12700" cmpd="sng">
-                      <a:noFill/>
-                      <a:prstDash val="solid"/>
-                    </a:lnTlToBr>
-                    <a:lnBlToTr w="12700" cmpd="sng">
-                      <a:noFill/>
-                      <a:prstDash val="solid"/>
-                    </a:lnBlToTr>
-                    <a:solidFill>
-                      <a:schemeClr val="bg1"/>
-                    </a:solidFill>
-                  </a:tcPr>
-                </a:tc>
-                <a:tc>
-                  <a:txBody>
-                    <a:bodyPr/>
-                    <a:lstStyle/>
-                    <a:p>
-                      <a:pPr marL="0" algn="r" defTabSz="914400" rtl="0" eaLnBrk="1" fontAlgn="b" latinLnBrk="0" hangingPunct="1"/>
-                      <a:r>
-                        <a:rPr lang="en-US" sz="1200" b="0" i="0" u="none" strike="noStrike" kern="1200" dirty="0">
-                          <a:solidFill>
-                            <a:schemeClr val="tx1">
-                              <a:lumMod val="60000"/>
-                              <a:lumOff val="40000"/>
-                            </a:schemeClr>
-                          </a:solidFill>
-                          <a:effectLst/>
-                          <a:latin typeface="Calibri Regular"/>
-                          <a:ea typeface="+mn-ea"/>
-                          <a:cs typeface="+mn-cs"/>
                         </a:rPr>
                         <a:t>Example Style</a:t>
                       </a:r>
@@ -21743,7 +21623,7 @@
                   </a:ext>
                 </a:extLst>
               </a:tr>
-              <a:tr h="229541">
+              <a:tr h="279736">
                 <a:tc>
                   <a:txBody>
                     <a:bodyPr/>
@@ -21886,7 +21766,7 @@
                     <a:bodyPr/>
                     <a:lstStyle/>
                     <a:p>
-                      <a:pPr marL="0" marR="0" indent="0" algn="r" defTabSz="457200" rtl="0" eaLnBrk="1" fontAlgn="b" latinLnBrk="0" hangingPunct="1">
+                      <a:pPr marL="0" marR="0" indent="0" algn="l" defTabSz="457200" rtl="0" eaLnBrk="1" fontAlgn="b" latinLnBrk="0" hangingPunct="1">
                         <a:lnSpc>
                           <a:spcPct val="100000"/>
                         </a:lnSpc>
@@ -21965,71 +21845,6 @@
                     <a:bodyPr/>
                     <a:lstStyle/>
                     <a:p>
-                      <a:pPr marL="0" algn="r" defTabSz="914400" rtl="0" eaLnBrk="1" fontAlgn="b" latinLnBrk="0" hangingPunct="1"/>
-                      <a:endParaRPr lang="en-US" sz="1200" b="0" i="0" u="none" strike="noStrike" kern="1200" dirty="0">
-                        <a:solidFill>
-                          <a:schemeClr val="tx1">
-                            <a:lumMod val="60000"/>
-                            <a:lumOff val="40000"/>
-                          </a:schemeClr>
-                        </a:solidFill>
-                        <a:effectLst/>
-                        <a:latin typeface="Calibri Regular"/>
-                        <a:ea typeface="+mn-ea"/>
-                        <a:cs typeface="+mn-cs"/>
-                      </a:endParaRPr>
-                    </a:p>
-                  </a:txBody>
-                  <a:tcPr marL="108000" marR="108000" marT="72000" marB="72000" anchor="ctr">
-                    <a:lnL>
-                      <a:noFill/>
-                    </a:lnL>
-                    <a:lnR w="9525" cap="flat" cmpd="sng" algn="ctr">
-                      <a:noFill/>
-                      <a:prstDash val="solid"/>
-                    </a:lnR>
-                    <a:lnT w="12700" cap="flat" cmpd="sng" algn="ctr">
-                      <a:solidFill>
-                        <a:schemeClr val="tx1">
-                          <a:lumMod val="40000"/>
-                          <a:lumOff val="60000"/>
-                        </a:schemeClr>
-                      </a:solidFill>
-                      <a:prstDash val="sysDot"/>
-                      <a:round/>
-                      <a:headEnd type="none" w="med" len="med"/>
-                      <a:tailEnd type="none" w="med" len="med"/>
-                    </a:lnT>
-                    <a:lnB w="12700" cap="flat" cmpd="sng" algn="ctr">
-                      <a:solidFill>
-                        <a:schemeClr val="tx1">
-                          <a:lumMod val="40000"/>
-                          <a:lumOff val="60000"/>
-                        </a:schemeClr>
-                      </a:solidFill>
-                      <a:prstDash val="sysDot"/>
-                      <a:round/>
-                      <a:headEnd type="none" w="med" len="med"/>
-                      <a:tailEnd type="none" w="med" len="med"/>
-                    </a:lnB>
-                    <a:lnTlToBr w="12700" cmpd="sng">
-                      <a:noFill/>
-                      <a:prstDash val="solid"/>
-                    </a:lnTlToBr>
-                    <a:lnBlToTr w="12700" cmpd="sng">
-                      <a:noFill/>
-                      <a:prstDash val="solid"/>
-                    </a:lnBlToTr>
-                    <a:solidFill>
-                      <a:schemeClr val="bg1"/>
-                    </a:solidFill>
-                  </a:tcPr>
-                </a:tc>
-                <a:tc>
-                  <a:txBody>
-                    <a:bodyPr/>
-                    <a:lstStyle/>
-                    <a:p>
                       <a:pPr marL="0" algn="l" defTabSz="914400" rtl="0" eaLnBrk="1" fontAlgn="b" latinLnBrk="0" hangingPunct="1"/>
                       <a:endParaRPr lang="en-US" sz="1200" b="0" i="0" u="none" strike="noStrike" kern="1200" dirty="0">
                         <a:solidFill>
@@ -22096,7 +21911,7 @@
                   </a:ext>
                 </a:extLst>
               </a:tr>
-              <a:tr h="229541">
+              <a:tr h="279736">
                 <a:tc>
                   <a:txBody>
                     <a:bodyPr/>
@@ -22239,7 +22054,7 @@
                     <a:bodyPr/>
                     <a:lstStyle/>
                     <a:p>
-                      <a:pPr algn="r" fontAlgn="b"/>
+                      <a:pPr algn="l" fontAlgn="b"/>
                       <a:endParaRPr lang="en-US" sz="1200" b="0" i="0" u="none" strike="noStrike" dirty="0">
                         <a:solidFill>
                           <a:schemeClr val="tx1">
@@ -22249,71 +22064,6 @@
                         </a:solidFill>
                         <a:effectLst/>
                         <a:latin typeface="Calibri Regular"/>
-                      </a:endParaRPr>
-                    </a:p>
-                  </a:txBody>
-                  <a:tcPr marL="108000" marR="108000" marT="72000" marB="72000" anchor="ctr">
-                    <a:lnL>
-                      <a:noFill/>
-                    </a:lnL>
-                    <a:lnR w="9525" cap="flat" cmpd="sng" algn="ctr">
-                      <a:noFill/>
-                      <a:prstDash val="solid"/>
-                    </a:lnR>
-                    <a:lnT w="12700" cap="flat" cmpd="sng" algn="ctr">
-                      <a:solidFill>
-                        <a:schemeClr val="tx1">
-                          <a:lumMod val="40000"/>
-                          <a:lumOff val="60000"/>
-                        </a:schemeClr>
-                      </a:solidFill>
-                      <a:prstDash val="sysDot"/>
-                      <a:round/>
-                      <a:headEnd type="none" w="med" len="med"/>
-                      <a:tailEnd type="none" w="med" len="med"/>
-                    </a:lnT>
-                    <a:lnB w="12700" cap="flat" cmpd="sng" algn="ctr">
-                      <a:solidFill>
-                        <a:schemeClr val="tx1">
-                          <a:lumMod val="40000"/>
-                          <a:lumOff val="60000"/>
-                        </a:schemeClr>
-                      </a:solidFill>
-                      <a:prstDash val="sysDot"/>
-                      <a:round/>
-                      <a:headEnd type="none" w="med" len="med"/>
-                      <a:tailEnd type="none" w="med" len="med"/>
-                    </a:lnB>
-                    <a:lnTlToBr w="12700" cmpd="sng">
-                      <a:noFill/>
-                      <a:prstDash val="solid"/>
-                    </a:lnTlToBr>
-                    <a:lnBlToTr w="12700" cmpd="sng">
-                      <a:noFill/>
-                      <a:prstDash val="solid"/>
-                    </a:lnBlToTr>
-                    <a:solidFill>
-                      <a:schemeClr val="bg1"/>
-                    </a:solidFill>
-                  </a:tcPr>
-                </a:tc>
-                <a:tc>
-                  <a:txBody>
-                    <a:bodyPr/>
-                    <a:lstStyle/>
-                    <a:p>
-                      <a:pPr marL="0" algn="r" defTabSz="914400" rtl="0" eaLnBrk="1" fontAlgn="b" latinLnBrk="0" hangingPunct="1"/>
-                      <a:endParaRPr lang="en-US" sz="1200" b="0" i="0" u="none" strike="noStrike" kern="1200" dirty="0">
-                        <a:solidFill>
-                          <a:schemeClr val="tx1">
-                            <a:lumMod val="60000"/>
-                            <a:lumOff val="40000"/>
-                          </a:schemeClr>
-                        </a:solidFill>
-                        <a:effectLst/>
-                        <a:latin typeface="Calibri Regular"/>
-                        <a:ea typeface="+mn-ea"/>
-                        <a:cs typeface="+mn-cs"/>
                       </a:endParaRPr>
                     </a:p>
                   </a:txBody>
@@ -22433,362 +22183,7 @@
                   </a:ext>
                 </a:extLst>
               </a:tr>
-              <a:tr h="229541">
-                <a:tc>
-                  <a:txBody>
-                    <a:bodyPr/>
-                    <a:lstStyle/>
-                    <a:p>
-                      <a:pPr algn="l" fontAlgn="b"/>
-                      <a:endParaRPr lang="en-US" sz="1200" b="0" i="0" u="none" strike="noStrike" dirty="0">
-                        <a:solidFill>
-                          <a:schemeClr val="tx2"/>
-                        </a:solidFill>
-                        <a:effectLst/>
-                        <a:latin typeface="Calibri Regular"/>
-                      </a:endParaRPr>
-                    </a:p>
-                  </a:txBody>
-                  <a:tcPr marL="108000" marR="108000" marT="72000" marB="72000" anchor="ctr">
-                    <a:lnL w="9525" cap="flat" cmpd="sng" algn="ctr">
-                      <a:noFill/>
-                      <a:prstDash val="solid"/>
-                    </a:lnL>
-                    <a:lnR>
-                      <a:noFill/>
-                    </a:lnR>
-                    <a:lnT w="12700" cap="flat" cmpd="sng" algn="ctr">
-                      <a:solidFill>
-                        <a:schemeClr val="tx1">
-                          <a:lumMod val="40000"/>
-                          <a:lumOff val="60000"/>
-                        </a:schemeClr>
-                      </a:solidFill>
-                      <a:prstDash val="sysDot"/>
-                      <a:round/>
-                      <a:headEnd type="none" w="med" len="med"/>
-                      <a:tailEnd type="none" w="med" len="med"/>
-                    </a:lnT>
-                    <a:lnB w="12700" cap="flat" cmpd="sng" algn="ctr">
-                      <a:solidFill>
-                        <a:schemeClr val="tx1">
-                          <a:lumMod val="40000"/>
-                          <a:lumOff val="60000"/>
-                        </a:schemeClr>
-                      </a:solidFill>
-                      <a:prstDash val="sysDot"/>
-                      <a:round/>
-                      <a:headEnd type="none" w="med" len="med"/>
-                      <a:tailEnd type="none" w="med" len="med"/>
-                    </a:lnB>
-                    <a:lnTlToBr w="12700" cmpd="sng">
-                      <a:noFill/>
-                      <a:prstDash val="solid"/>
-                    </a:lnTlToBr>
-                    <a:lnBlToTr w="12700" cmpd="sng">
-                      <a:noFill/>
-                      <a:prstDash val="solid"/>
-                    </a:lnBlToTr>
-                    <a:solidFill>
-                      <a:schemeClr val="bg1"/>
-                    </a:solidFill>
-                  </a:tcPr>
-                </a:tc>
-                <a:tc>
-                  <a:txBody>
-                    <a:bodyPr/>
-                    <a:lstStyle/>
-                    <a:p>
-                      <a:pPr marL="0" marR="0" lvl="0" indent="0" algn="r" defTabSz="914400" rtl="0" eaLnBrk="1" fontAlgn="b" latinLnBrk="0" hangingPunct="1">
-                        <a:lnSpc>
-                          <a:spcPct val="100000"/>
-                        </a:lnSpc>
-                        <a:spcBef>
-                          <a:spcPts val="0"/>
-                        </a:spcBef>
-                        <a:spcAft>
-                          <a:spcPts val="0"/>
-                        </a:spcAft>
-                        <a:buClrTx/>
-                        <a:buSzTx/>
-                        <a:buFontTx/>
-                        <a:buNone/>
-                        <a:tabLst/>
-                        <a:defRPr/>
-                      </a:pPr>
-                      <a:r>
-                        <a:rPr lang="en-US" sz="1200" b="0" i="0" u="none" strike="noStrike" kern="1200" dirty="0">
-                          <a:solidFill>
-                            <a:schemeClr val="tx2"/>
-                          </a:solidFill>
-                          <a:effectLst/>
-                          <a:latin typeface="Calibri Bold"/>
-                          <a:ea typeface="+mn-ea"/>
-                          <a:cs typeface="+mn-cs"/>
-                        </a:rPr>
-                        <a:t>Style change</a:t>
-                      </a:r>
-                    </a:p>
-                  </a:txBody>
-                  <a:tcPr marL="108000" marR="108000" marT="72000" marB="72000" anchor="ctr">
-                    <a:lnL>
-                      <a:noFill/>
-                    </a:lnL>
-                    <a:lnR>
-                      <a:noFill/>
-                    </a:lnR>
-                    <a:lnT w="12700" cap="flat" cmpd="sng" algn="ctr">
-                      <a:solidFill>
-                        <a:schemeClr val="tx1">
-                          <a:lumMod val="40000"/>
-                          <a:lumOff val="60000"/>
-                        </a:schemeClr>
-                      </a:solidFill>
-                      <a:prstDash val="sysDot"/>
-                      <a:round/>
-                      <a:headEnd type="none" w="med" len="med"/>
-                      <a:tailEnd type="none" w="med" len="med"/>
-                    </a:lnT>
-                    <a:lnB w="12700" cap="flat" cmpd="sng" algn="ctr">
-                      <a:solidFill>
-                        <a:schemeClr val="tx1">
-                          <a:lumMod val="40000"/>
-                          <a:lumOff val="60000"/>
-                        </a:schemeClr>
-                      </a:solidFill>
-                      <a:prstDash val="sysDot"/>
-                      <a:round/>
-                      <a:headEnd type="none" w="med" len="med"/>
-                      <a:tailEnd type="none" w="med" len="med"/>
-                    </a:lnB>
-                    <a:lnTlToBr w="12700" cmpd="sng">
-                      <a:noFill/>
-                      <a:prstDash val="solid"/>
-                    </a:lnTlToBr>
-                    <a:lnBlToTr w="12700" cmpd="sng">
-                      <a:noFill/>
-                      <a:prstDash val="solid"/>
-                    </a:lnBlToTr>
-                    <a:solidFill>
-                      <a:srgbClr val="FEF5BA"/>
-                    </a:solidFill>
-                  </a:tcPr>
-                </a:tc>
-                <a:tc>
-                  <a:txBody>
-                    <a:bodyPr/>
-                    <a:lstStyle/>
-                    <a:p>
-                      <a:pPr marL="0" marR="0" lvl="0" indent="0" algn="r" defTabSz="914400" rtl="0" eaLnBrk="1" fontAlgn="b" latinLnBrk="0" hangingPunct="1">
-                        <a:lnSpc>
-                          <a:spcPct val="100000"/>
-                        </a:lnSpc>
-                        <a:spcBef>
-                          <a:spcPts val="0"/>
-                        </a:spcBef>
-                        <a:spcAft>
-                          <a:spcPts val="0"/>
-                        </a:spcAft>
-                        <a:buClrTx/>
-                        <a:buSzTx/>
-                        <a:buFontTx/>
-                        <a:buNone/>
-                        <a:tabLst/>
-                        <a:defRPr/>
-                      </a:pPr>
-                      <a:endParaRPr lang="en-US" sz="1200" b="0" i="0" u="none" strike="noStrike" kern="1200" dirty="0">
-                        <a:solidFill>
-                          <a:schemeClr val="tx2"/>
-                        </a:solidFill>
-                        <a:effectLst/>
-                        <a:latin typeface="Calibri Bold"/>
-                        <a:ea typeface="+mn-ea"/>
-                        <a:cs typeface="+mn-cs"/>
-                      </a:endParaRPr>
-                    </a:p>
-                  </a:txBody>
-                  <a:tcPr marL="108000" marR="108000" marT="72000" marB="72000" anchor="ctr">
-                    <a:lnL>
-                      <a:noFill/>
-                    </a:lnL>
-                    <a:lnR w="9525" cap="flat" cmpd="sng" algn="ctr">
-                      <a:noFill/>
-                      <a:prstDash val="solid"/>
-                    </a:lnR>
-                    <a:lnT w="12700" cap="flat" cmpd="sng" algn="ctr">
-                      <a:solidFill>
-                        <a:schemeClr val="tx1">
-                          <a:lumMod val="40000"/>
-                          <a:lumOff val="60000"/>
-                        </a:schemeClr>
-                      </a:solidFill>
-                      <a:prstDash val="sysDot"/>
-                      <a:round/>
-                      <a:headEnd type="none" w="med" len="med"/>
-                      <a:tailEnd type="none" w="med" len="med"/>
-                    </a:lnT>
-                    <a:lnB w="12700" cap="flat" cmpd="sng" algn="ctr">
-                      <a:solidFill>
-                        <a:schemeClr val="tx1">
-                          <a:lumMod val="40000"/>
-                          <a:lumOff val="60000"/>
-                        </a:schemeClr>
-                      </a:solidFill>
-                      <a:prstDash val="sysDot"/>
-                      <a:round/>
-                      <a:headEnd type="none" w="med" len="med"/>
-                      <a:tailEnd type="none" w="med" len="med"/>
-                    </a:lnB>
-                    <a:lnTlToBr w="12700" cmpd="sng">
-                      <a:noFill/>
-                      <a:prstDash val="solid"/>
-                    </a:lnTlToBr>
-                    <a:lnBlToTr w="12700" cmpd="sng">
-                      <a:noFill/>
-                      <a:prstDash val="solid"/>
-                    </a:lnBlToTr>
-                    <a:solidFill>
-                      <a:schemeClr val="bg1"/>
-                    </a:solidFill>
-                  </a:tcPr>
-                </a:tc>
-                <a:tc>
-                  <a:txBody>
-                    <a:bodyPr/>
-                    <a:lstStyle/>
-                    <a:p>
-                      <a:pPr marL="0" algn="r" defTabSz="914400" rtl="0" eaLnBrk="1" fontAlgn="b" latinLnBrk="0" hangingPunct="1"/>
-                      <a:endParaRPr lang="en-US" sz="1200" b="0" i="0" u="none" strike="noStrike" kern="1200" dirty="0">
-                        <a:solidFill>
-                          <a:schemeClr val="tx1">
-                            <a:lumMod val="60000"/>
-                            <a:lumOff val="40000"/>
-                          </a:schemeClr>
-                        </a:solidFill>
-                        <a:effectLst/>
-                        <a:latin typeface="Calibri Regular"/>
-                        <a:ea typeface="+mn-ea"/>
-                        <a:cs typeface="+mn-cs"/>
-                      </a:endParaRPr>
-                    </a:p>
-                  </a:txBody>
-                  <a:tcPr marL="108000" marR="108000" marT="72000" marB="72000" anchor="ctr">
-                    <a:lnL>
-                      <a:noFill/>
-                    </a:lnL>
-                    <a:lnR w="9525" cap="flat" cmpd="sng" algn="ctr">
-                      <a:noFill/>
-                      <a:prstDash val="solid"/>
-                    </a:lnR>
-                    <a:lnT w="12700" cap="flat" cmpd="sng" algn="ctr">
-                      <a:solidFill>
-                        <a:schemeClr val="tx1">
-                          <a:lumMod val="40000"/>
-                          <a:lumOff val="60000"/>
-                        </a:schemeClr>
-                      </a:solidFill>
-                      <a:prstDash val="sysDot"/>
-                      <a:round/>
-                      <a:headEnd type="none" w="med" len="med"/>
-                      <a:tailEnd type="none" w="med" len="med"/>
-                    </a:lnT>
-                    <a:lnB w="12700" cap="flat" cmpd="sng" algn="ctr">
-                      <a:solidFill>
-                        <a:schemeClr val="tx1">
-                          <a:lumMod val="40000"/>
-                          <a:lumOff val="60000"/>
-                        </a:schemeClr>
-                      </a:solidFill>
-                      <a:prstDash val="sysDot"/>
-                      <a:round/>
-                      <a:headEnd type="none" w="med" len="med"/>
-                      <a:tailEnd type="none" w="med" len="med"/>
-                    </a:lnB>
-                    <a:lnTlToBr w="12700" cmpd="sng">
-                      <a:noFill/>
-                      <a:prstDash val="solid"/>
-                    </a:lnTlToBr>
-                    <a:lnBlToTr w="12700" cmpd="sng">
-                      <a:noFill/>
-                      <a:prstDash val="solid"/>
-                    </a:lnBlToTr>
-                    <a:solidFill>
-                      <a:schemeClr val="bg1"/>
-                    </a:solidFill>
-                  </a:tcPr>
-                </a:tc>
-                <a:tc>
-                  <a:txBody>
-                    <a:bodyPr/>
-                    <a:lstStyle/>
-                    <a:p>
-                      <a:pPr marL="0" algn="l" defTabSz="914400" rtl="0" eaLnBrk="1" fontAlgn="b" latinLnBrk="0" hangingPunct="1"/>
-                      <a:endParaRPr lang="en-US" sz="1200" b="0" i="0" u="none" strike="noStrike" kern="1200" dirty="0">
-                        <a:solidFill>
-                          <a:schemeClr val="tx1">
-                            <a:lumMod val="60000"/>
-                            <a:lumOff val="40000"/>
-                          </a:schemeClr>
-                        </a:solidFill>
-                        <a:effectLst/>
-                        <a:latin typeface="Calibri Regular"/>
-                        <a:ea typeface="+mn-ea"/>
-                        <a:cs typeface="+mn-cs"/>
-                      </a:endParaRPr>
-                    </a:p>
-                  </a:txBody>
-                  <a:tcPr marL="108000" marR="108000" marT="72000" marB="72000" anchor="ctr">
-                    <a:lnL>
-                      <a:noFill/>
-                    </a:lnL>
-                    <a:lnR w="9525" cap="flat" cmpd="sng" algn="ctr">
-                      <a:noFill/>
-                      <a:prstDash val="solid"/>
-                    </a:lnR>
-                    <a:lnT w="12700" cap="flat" cmpd="sng" algn="ctr">
-                      <a:solidFill>
-                        <a:schemeClr val="tx1">
-                          <a:lumMod val="40000"/>
-                          <a:lumOff val="60000"/>
-                        </a:schemeClr>
-                      </a:solidFill>
-                      <a:prstDash val="sysDot"/>
-                      <a:round/>
-                      <a:headEnd type="none" w="med" len="med"/>
-                      <a:tailEnd type="none" w="med" len="med"/>
-                    </a:lnT>
-                    <a:lnB w="12700" cap="flat" cmpd="sng" algn="ctr">
-                      <a:solidFill>
-                        <a:schemeClr val="tx1">
-                          <a:lumMod val="40000"/>
-                          <a:lumOff val="60000"/>
-                        </a:schemeClr>
-                      </a:solidFill>
-                      <a:prstDash val="sysDot"/>
-                      <a:round/>
-                      <a:headEnd type="none" w="med" len="med"/>
-                      <a:tailEnd type="none" w="med" len="med"/>
-                    </a:lnB>
-                    <a:lnTlToBr w="12700" cmpd="sng">
-                      <a:noFill/>
-                      <a:prstDash val="solid"/>
-                    </a:lnTlToBr>
-                    <a:lnBlToTr w="12700" cmpd="sng">
-                      <a:noFill/>
-                      <a:prstDash val="solid"/>
-                    </a:lnBlToTr>
-                    <a:solidFill>
-                      <a:schemeClr val="bg1"/>
-                    </a:solidFill>
-                  </a:tcPr>
-                </a:tc>
-                <a:extLst>
-                  <a:ext uri="{0D108BD9-81ED-4DB2-BD59-A6C34878D82A}">
-                    <a16:rowId xmlns:a16="http://schemas.microsoft.com/office/drawing/2014/main" val="10004"/>
-                  </a:ext>
-                </a:extLst>
-              </a:tr>
-              <a:tr h="229541">
+              <a:tr h="279736">
                 <a:tc>
                   <a:txBody>
                     <a:bodyPr/>
@@ -22931,79 +22326,29 @@
                     <a:bodyPr/>
                     <a:lstStyle/>
                     <a:p>
-                      <a:pPr algn="r" fontAlgn="b"/>
-                      <a:endParaRPr lang="en-US" sz="1200" b="0" i="0" u="none" strike="noStrike" dirty="0">
+                      <a:pPr marL="0" marR="0" lvl="0" indent="0" algn="l" defTabSz="914400" rtl="0" eaLnBrk="1" fontAlgn="b" latinLnBrk="0" hangingPunct="1">
+                        <a:lnSpc>
+                          <a:spcPct val="100000"/>
+                        </a:lnSpc>
+                        <a:spcBef>
+                          <a:spcPts val="0"/>
+                        </a:spcBef>
+                        <a:spcAft>
+                          <a:spcPts val="0"/>
+                        </a:spcAft>
+                        <a:buClrTx/>
+                        <a:buSzTx/>
+                        <a:buFontTx/>
+                        <a:buNone/>
+                        <a:tabLst/>
+                        <a:defRPr/>
+                      </a:pPr>
+                      <a:endParaRPr lang="en-US" sz="1200" b="0" i="0" u="none" strike="noStrike" kern="1200" dirty="0">
                         <a:solidFill>
-                          <a:schemeClr val="tx1">
-                            <a:lumMod val="60000"/>
-                            <a:lumOff val="40000"/>
-                          </a:schemeClr>
+                          <a:schemeClr val="tx2"/>
                         </a:solidFill>
                         <a:effectLst/>
-                        <a:latin typeface="Calibri Regular"/>
-                      </a:endParaRPr>
-                    </a:p>
-                  </a:txBody>
-                  <a:tcPr marL="108000" marR="108000" marT="72000" marB="72000" anchor="ctr">
-                    <a:lnL>
-                      <a:noFill/>
-                    </a:lnL>
-                    <a:lnR w="9525" cap="flat" cmpd="sng" algn="ctr">
-                      <a:noFill/>
-                      <a:prstDash val="solid"/>
-                    </a:lnR>
-                    <a:lnT w="12700" cap="flat" cmpd="sng" algn="ctr">
-                      <a:solidFill>
-                        <a:schemeClr val="tx1">
-                          <a:lumMod val="40000"/>
-                          <a:lumOff val="60000"/>
-                        </a:schemeClr>
-                      </a:solidFill>
-                      <a:prstDash val="sysDot"/>
-                      <a:round/>
-                      <a:headEnd type="none" w="med" len="med"/>
-                      <a:tailEnd type="none" w="med" len="med"/>
-                    </a:lnT>
-                    <a:lnB w="12700" cap="flat" cmpd="sng" algn="ctr">
-                      <a:solidFill>
-                        <a:schemeClr val="tx1">
-                          <a:lumMod val="40000"/>
-                          <a:lumOff val="60000"/>
-                        </a:schemeClr>
-                      </a:solidFill>
-                      <a:prstDash val="sysDot"/>
-                      <a:round/>
-                      <a:headEnd type="none" w="med" len="med"/>
-                      <a:tailEnd type="none" w="med" len="med"/>
-                    </a:lnB>
-                    <a:lnTlToBr w="12700" cmpd="sng">
-                      <a:noFill/>
-                      <a:prstDash val="solid"/>
-                    </a:lnTlToBr>
-                    <a:lnBlToTr w="12700" cmpd="sng">
-                      <a:noFill/>
-                      <a:prstDash val="solid"/>
-                    </a:lnBlToTr>
-                    <a:solidFill>
-                      <a:schemeClr val="bg1"/>
-                    </a:solidFill>
-                  </a:tcPr>
-                </a:tc>
-                <a:tc>
-                  <a:txBody>
-                    <a:bodyPr/>
-                    <a:lstStyle/>
-                    <a:p>
-                      <a:pPr marL="0" algn="r" defTabSz="914400" rtl="0" eaLnBrk="1" fontAlgn="b" latinLnBrk="0" hangingPunct="1"/>
-                      <a:endParaRPr lang="en-US" sz="1200" b="0" i="0" u="none" strike="noStrike" kern="1200" dirty="0">
-                        <a:solidFill>
-                          <a:schemeClr val="tx1">
-                            <a:lumMod val="60000"/>
-                            <a:lumOff val="40000"/>
-                          </a:schemeClr>
-                        </a:solidFill>
-                        <a:effectLst/>
-                        <a:latin typeface="Calibri Regular"/>
+                        <a:latin typeface="Calibri Bold"/>
                         <a:ea typeface="+mn-ea"/>
                         <a:cs typeface="+mn-cs"/>
                       </a:endParaRPr>
@@ -23121,11 +22466,11 @@
                 </a:tc>
                 <a:extLst>
                   <a:ext uri="{0D108BD9-81ED-4DB2-BD59-A6C34878D82A}">
-                    <a16:rowId xmlns:a16="http://schemas.microsoft.com/office/drawing/2014/main" val="2001900654"/>
+                    <a16:rowId xmlns:a16="http://schemas.microsoft.com/office/drawing/2014/main" val="10004"/>
                   </a:ext>
                 </a:extLst>
               </a:tr>
-              <a:tr h="229541">
+              <a:tr h="279736">
                 <a:tc>
                   <a:txBody>
                     <a:bodyPr/>
@@ -23268,7 +22613,7 @@
                     <a:bodyPr/>
                     <a:lstStyle/>
                     <a:p>
-                      <a:pPr algn="r" fontAlgn="b"/>
+                      <a:pPr algn="l" fontAlgn="b"/>
                       <a:endParaRPr lang="en-US" sz="1200" b="0" i="0" u="none" strike="noStrike" dirty="0">
                         <a:solidFill>
                           <a:schemeClr val="tx1">
@@ -23278,71 +22623,6 @@
                         </a:solidFill>
                         <a:effectLst/>
                         <a:latin typeface="Calibri Regular"/>
-                      </a:endParaRPr>
-                    </a:p>
-                  </a:txBody>
-                  <a:tcPr marL="108000" marR="108000" marT="72000" marB="72000" anchor="ctr">
-                    <a:lnL>
-                      <a:noFill/>
-                    </a:lnL>
-                    <a:lnR w="9525" cap="flat" cmpd="sng" algn="ctr">
-                      <a:noFill/>
-                      <a:prstDash val="solid"/>
-                    </a:lnR>
-                    <a:lnT w="12700" cap="flat" cmpd="sng" algn="ctr">
-                      <a:solidFill>
-                        <a:schemeClr val="tx1">
-                          <a:lumMod val="40000"/>
-                          <a:lumOff val="60000"/>
-                        </a:schemeClr>
-                      </a:solidFill>
-                      <a:prstDash val="sysDot"/>
-                      <a:round/>
-                      <a:headEnd type="none" w="med" len="med"/>
-                      <a:tailEnd type="none" w="med" len="med"/>
-                    </a:lnT>
-                    <a:lnB w="12700" cap="flat" cmpd="sng" algn="ctr">
-                      <a:solidFill>
-                        <a:schemeClr val="tx1">
-                          <a:lumMod val="40000"/>
-                          <a:lumOff val="60000"/>
-                        </a:schemeClr>
-                      </a:solidFill>
-                      <a:prstDash val="sysDot"/>
-                      <a:round/>
-                      <a:headEnd type="none" w="med" len="med"/>
-                      <a:tailEnd type="none" w="med" len="med"/>
-                    </a:lnB>
-                    <a:lnTlToBr w="12700" cmpd="sng">
-                      <a:noFill/>
-                      <a:prstDash val="solid"/>
-                    </a:lnTlToBr>
-                    <a:lnBlToTr w="12700" cmpd="sng">
-                      <a:noFill/>
-                      <a:prstDash val="solid"/>
-                    </a:lnBlToTr>
-                    <a:solidFill>
-                      <a:schemeClr val="bg1"/>
-                    </a:solidFill>
-                  </a:tcPr>
-                </a:tc>
-                <a:tc>
-                  <a:txBody>
-                    <a:bodyPr/>
-                    <a:lstStyle/>
-                    <a:p>
-                      <a:pPr marL="0" algn="r" defTabSz="914400" rtl="0" eaLnBrk="1" fontAlgn="b" latinLnBrk="0" hangingPunct="1"/>
-                      <a:endParaRPr lang="en-US" sz="1200" b="0" i="0" u="none" strike="noStrike" kern="1200" dirty="0">
-                        <a:solidFill>
-                          <a:schemeClr val="tx1">
-                            <a:lumMod val="60000"/>
-                            <a:lumOff val="40000"/>
-                          </a:schemeClr>
-                        </a:solidFill>
-                        <a:effectLst/>
-                        <a:latin typeface="Calibri Regular"/>
-                        <a:ea typeface="+mn-ea"/>
-                        <a:cs typeface="+mn-cs"/>
                       </a:endParaRPr>
                     </a:p>
                   </a:txBody>
@@ -23458,11 +22738,11 @@
                 </a:tc>
                 <a:extLst>
                   <a:ext uri="{0D108BD9-81ED-4DB2-BD59-A6C34878D82A}">
-                    <a16:rowId xmlns:a16="http://schemas.microsoft.com/office/drawing/2014/main" val="928811833"/>
+                    <a16:rowId xmlns:a16="http://schemas.microsoft.com/office/drawing/2014/main" val="2001900654"/>
                   </a:ext>
                 </a:extLst>
               </a:tr>
-              <a:tr h="229541">
+              <a:tr h="279736">
                 <a:tc>
                   <a:txBody>
                     <a:bodyPr/>
@@ -23605,7 +22885,7 @@
                     <a:bodyPr/>
                     <a:lstStyle/>
                     <a:p>
-                      <a:pPr algn="r" fontAlgn="b"/>
+                      <a:pPr algn="l" fontAlgn="b"/>
                       <a:endParaRPr lang="en-US" sz="1200" b="0" i="0" u="none" strike="noStrike" dirty="0">
                         <a:solidFill>
                           <a:schemeClr val="tx1">
@@ -23615,71 +22895,6 @@
                         </a:solidFill>
                         <a:effectLst/>
                         <a:latin typeface="Calibri Regular"/>
-                      </a:endParaRPr>
-                    </a:p>
-                  </a:txBody>
-                  <a:tcPr marL="108000" marR="108000" marT="72000" marB="72000" anchor="ctr">
-                    <a:lnL>
-                      <a:noFill/>
-                    </a:lnL>
-                    <a:lnR w="9525" cap="flat" cmpd="sng" algn="ctr">
-                      <a:noFill/>
-                      <a:prstDash val="solid"/>
-                    </a:lnR>
-                    <a:lnT w="12700" cap="flat" cmpd="sng" algn="ctr">
-                      <a:solidFill>
-                        <a:schemeClr val="tx1">
-                          <a:lumMod val="40000"/>
-                          <a:lumOff val="60000"/>
-                        </a:schemeClr>
-                      </a:solidFill>
-                      <a:prstDash val="sysDot"/>
-                      <a:round/>
-                      <a:headEnd type="none" w="med" len="med"/>
-                      <a:tailEnd type="none" w="med" len="med"/>
-                    </a:lnT>
-                    <a:lnB w="12700" cap="flat" cmpd="sng" algn="ctr">
-                      <a:solidFill>
-                        <a:schemeClr val="tx1">
-                          <a:lumMod val="40000"/>
-                          <a:lumOff val="60000"/>
-                        </a:schemeClr>
-                      </a:solidFill>
-                      <a:prstDash val="sysDot"/>
-                      <a:round/>
-                      <a:headEnd type="none" w="med" len="med"/>
-                      <a:tailEnd type="none" w="med" len="med"/>
-                    </a:lnB>
-                    <a:lnTlToBr w="12700" cmpd="sng">
-                      <a:noFill/>
-                      <a:prstDash val="solid"/>
-                    </a:lnTlToBr>
-                    <a:lnBlToTr w="12700" cmpd="sng">
-                      <a:noFill/>
-                      <a:prstDash val="solid"/>
-                    </a:lnBlToTr>
-                    <a:solidFill>
-                      <a:schemeClr val="bg1"/>
-                    </a:solidFill>
-                  </a:tcPr>
-                </a:tc>
-                <a:tc>
-                  <a:txBody>
-                    <a:bodyPr/>
-                    <a:lstStyle/>
-                    <a:p>
-                      <a:pPr marL="0" algn="r" defTabSz="914400" rtl="0" eaLnBrk="1" fontAlgn="b" latinLnBrk="0" hangingPunct="1"/>
-                      <a:endParaRPr lang="en-US" sz="1200" b="0" i="0" u="none" strike="noStrike" kern="1200" dirty="0">
-                        <a:solidFill>
-                          <a:schemeClr val="tx1">
-                            <a:lumMod val="60000"/>
-                            <a:lumOff val="40000"/>
-                          </a:schemeClr>
-                        </a:solidFill>
-                        <a:effectLst/>
-                        <a:latin typeface="Calibri Regular"/>
-                        <a:ea typeface="+mn-ea"/>
-                        <a:cs typeface="+mn-cs"/>
                       </a:endParaRPr>
                     </a:p>
                   </a:txBody>
@@ -23795,11 +23010,11 @@
                 </a:tc>
                 <a:extLst>
                   <a:ext uri="{0D108BD9-81ED-4DB2-BD59-A6C34878D82A}">
-                    <a16:rowId xmlns:a16="http://schemas.microsoft.com/office/drawing/2014/main" val="4060795780"/>
+                    <a16:rowId xmlns:a16="http://schemas.microsoft.com/office/drawing/2014/main" val="928811833"/>
                   </a:ext>
                 </a:extLst>
               </a:tr>
-              <a:tr h="229541">
+              <a:tr h="279736">
                 <a:tc>
                   <a:txBody>
                     <a:bodyPr/>
@@ -23942,7 +23157,7 @@
                     <a:bodyPr/>
                     <a:lstStyle/>
                     <a:p>
-                      <a:pPr algn="r" fontAlgn="b"/>
+                      <a:pPr algn="l" fontAlgn="b"/>
                       <a:endParaRPr lang="en-US" sz="1200" b="0" i="0" u="none" strike="noStrike" dirty="0">
                         <a:solidFill>
                           <a:schemeClr val="tx1">
@@ -23952,71 +23167,6 @@
                         </a:solidFill>
                         <a:effectLst/>
                         <a:latin typeface="Calibri Regular"/>
-                      </a:endParaRPr>
-                    </a:p>
-                  </a:txBody>
-                  <a:tcPr marL="108000" marR="108000" marT="72000" marB="72000" anchor="ctr">
-                    <a:lnL>
-                      <a:noFill/>
-                    </a:lnL>
-                    <a:lnR w="9525" cap="flat" cmpd="sng" algn="ctr">
-                      <a:noFill/>
-                      <a:prstDash val="solid"/>
-                    </a:lnR>
-                    <a:lnT w="12700" cap="flat" cmpd="sng" algn="ctr">
-                      <a:solidFill>
-                        <a:schemeClr val="tx1">
-                          <a:lumMod val="40000"/>
-                          <a:lumOff val="60000"/>
-                        </a:schemeClr>
-                      </a:solidFill>
-                      <a:prstDash val="sysDot"/>
-                      <a:round/>
-                      <a:headEnd type="none" w="med" len="med"/>
-                      <a:tailEnd type="none" w="med" len="med"/>
-                    </a:lnT>
-                    <a:lnB w="12700" cap="flat" cmpd="sng" algn="ctr">
-                      <a:solidFill>
-                        <a:schemeClr val="tx1">
-                          <a:lumMod val="40000"/>
-                          <a:lumOff val="60000"/>
-                        </a:schemeClr>
-                      </a:solidFill>
-                      <a:prstDash val="sysDot"/>
-                      <a:round/>
-                      <a:headEnd type="none" w="med" len="med"/>
-                      <a:tailEnd type="none" w="med" len="med"/>
-                    </a:lnB>
-                    <a:lnTlToBr w="12700" cmpd="sng">
-                      <a:noFill/>
-                      <a:prstDash val="solid"/>
-                    </a:lnTlToBr>
-                    <a:lnBlToTr w="12700" cmpd="sng">
-                      <a:noFill/>
-                      <a:prstDash val="solid"/>
-                    </a:lnBlToTr>
-                    <a:solidFill>
-                      <a:schemeClr val="bg1"/>
-                    </a:solidFill>
-                  </a:tcPr>
-                </a:tc>
-                <a:tc>
-                  <a:txBody>
-                    <a:bodyPr/>
-                    <a:lstStyle/>
-                    <a:p>
-                      <a:pPr marL="0" algn="r" defTabSz="914400" rtl="0" eaLnBrk="1" fontAlgn="b" latinLnBrk="0" hangingPunct="1"/>
-                      <a:endParaRPr lang="en-US" sz="1200" b="0" i="0" u="none" strike="noStrike" kern="1200" dirty="0">
-                        <a:solidFill>
-                          <a:schemeClr val="tx1">
-                            <a:lumMod val="60000"/>
-                            <a:lumOff val="40000"/>
-                          </a:schemeClr>
-                        </a:solidFill>
-                        <a:effectLst/>
-                        <a:latin typeface="Calibri Regular"/>
-                        <a:ea typeface="+mn-ea"/>
-                        <a:cs typeface="+mn-cs"/>
                       </a:endParaRPr>
                     </a:p>
                   </a:txBody>
@@ -24132,11 +23282,11 @@
                 </a:tc>
                 <a:extLst>
                   <a:ext uri="{0D108BD9-81ED-4DB2-BD59-A6C34878D82A}">
-                    <a16:rowId xmlns:a16="http://schemas.microsoft.com/office/drawing/2014/main" val="933267410"/>
+                    <a16:rowId xmlns:a16="http://schemas.microsoft.com/office/drawing/2014/main" val="4060795780"/>
                   </a:ext>
                 </a:extLst>
               </a:tr>
-              <a:tr h="229541">
+              <a:tr h="279736">
                 <a:tc>
                   <a:txBody>
                     <a:bodyPr/>
@@ -24279,7 +23429,7 @@
                     <a:bodyPr/>
                     <a:lstStyle/>
                     <a:p>
-                      <a:pPr algn="r" fontAlgn="b"/>
+                      <a:pPr algn="l" fontAlgn="b"/>
                       <a:endParaRPr lang="en-US" sz="1200" b="0" i="0" u="none" strike="noStrike" dirty="0">
                         <a:solidFill>
                           <a:schemeClr val="tx1">
@@ -24289,71 +23439,6 @@
                         </a:solidFill>
                         <a:effectLst/>
                         <a:latin typeface="Calibri Regular"/>
-                      </a:endParaRPr>
-                    </a:p>
-                  </a:txBody>
-                  <a:tcPr marL="108000" marR="108000" marT="72000" marB="72000" anchor="ctr">
-                    <a:lnL>
-                      <a:noFill/>
-                    </a:lnL>
-                    <a:lnR w="9525" cap="flat" cmpd="sng" algn="ctr">
-                      <a:noFill/>
-                      <a:prstDash val="solid"/>
-                    </a:lnR>
-                    <a:lnT w="12700" cap="flat" cmpd="sng" algn="ctr">
-                      <a:solidFill>
-                        <a:schemeClr val="tx1">
-                          <a:lumMod val="40000"/>
-                          <a:lumOff val="60000"/>
-                        </a:schemeClr>
-                      </a:solidFill>
-                      <a:prstDash val="sysDot"/>
-                      <a:round/>
-                      <a:headEnd type="none" w="med" len="med"/>
-                      <a:tailEnd type="none" w="med" len="med"/>
-                    </a:lnT>
-                    <a:lnB w="12700" cap="flat" cmpd="sng" algn="ctr">
-                      <a:solidFill>
-                        <a:schemeClr val="tx1">
-                          <a:lumMod val="40000"/>
-                          <a:lumOff val="60000"/>
-                        </a:schemeClr>
-                      </a:solidFill>
-                      <a:prstDash val="sysDot"/>
-                      <a:round/>
-                      <a:headEnd type="none" w="med" len="med"/>
-                      <a:tailEnd type="none" w="med" len="med"/>
-                    </a:lnB>
-                    <a:lnTlToBr w="12700" cmpd="sng">
-                      <a:noFill/>
-                      <a:prstDash val="solid"/>
-                    </a:lnTlToBr>
-                    <a:lnBlToTr w="12700" cmpd="sng">
-                      <a:noFill/>
-                      <a:prstDash val="solid"/>
-                    </a:lnBlToTr>
-                    <a:solidFill>
-                      <a:schemeClr val="bg1"/>
-                    </a:solidFill>
-                  </a:tcPr>
-                </a:tc>
-                <a:tc>
-                  <a:txBody>
-                    <a:bodyPr/>
-                    <a:lstStyle/>
-                    <a:p>
-                      <a:pPr marL="0" algn="r" defTabSz="914400" rtl="0" eaLnBrk="1" fontAlgn="b" latinLnBrk="0" hangingPunct="1"/>
-                      <a:endParaRPr lang="en-US" sz="1200" b="0" i="0" u="none" strike="noStrike" kern="1200" dirty="0">
-                        <a:solidFill>
-                          <a:schemeClr val="tx1">
-                            <a:lumMod val="60000"/>
-                            <a:lumOff val="40000"/>
-                          </a:schemeClr>
-                        </a:solidFill>
-                        <a:effectLst/>
-                        <a:latin typeface="Calibri Regular"/>
-                        <a:ea typeface="+mn-ea"/>
-                        <a:cs typeface="+mn-cs"/>
                       </a:endParaRPr>
                     </a:p>
                   </a:txBody>
@@ -24469,11 +23554,11 @@
                 </a:tc>
                 <a:extLst>
                   <a:ext uri="{0D108BD9-81ED-4DB2-BD59-A6C34878D82A}">
-                    <a16:rowId xmlns:a16="http://schemas.microsoft.com/office/drawing/2014/main" val="2009910387"/>
+                    <a16:rowId xmlns:a16="http://schemas.microsoft.com/office/drawing/2014/main" val="933267410"/>
                   </a:ext>
                 </a:extLst>
               </a:tr>
-              <a:tr h="229541">
+              <a:tr h="279736">
                 <a:tc>
                   <a:txBody>
                     <a:bodyPr/>
@@ -24616,7 +23701,7 @@
                     <a:bodyPr/>
                     <a:lstStyle/>
                     <a:p>
-                      <a:pPr algn="r" fontAlgn="b"/>
+                      <a:pPr algn="l" fontAlgn="b"/>
                       <a:endParaRPr lang="en-US" sz="1200" b="0" i="0" u="none" strike="noStrike" dirty="0">
                         <a:solidFill>
                           <a:schemeClr val="tx1">
@@ -24626,71 +23711,6 @@
                         </a:solidFill>
                         <a:effectLst/>
                         <a:latin typeface="Calibri Regular"/>
-                      </a:endParaRPr>
-                    </a:p>
-                  </a:txBody>
-                  <a:tcPr marL="108000" marR="108000" marT="72000" marB="72000" anchor="ctr">
-                    <a:lnL>
-                      <a:noFill/>
-                    </a:lnL>
-                    <a:lnR w="9525" cap="flat" cmpd="sng" algn="ctr">
-                      <a:noFill/>
-                      <a:prstDash val="solid"/>
-                    </a:lnR>
-                    <a:lnT w="12700" cap="flat" cmpd="sng" algn="ctr">
-                      <a:solidFill>
-                        <a:schemeClr val="tx1">
-                          <a:lumMod val="40000"/>
-                          <a:lumOff val="60000"/>
-                        </a:schemeClr>
-                      </a:solidFill>
-                      <a:prstDash val="sysDot"/>
-                      <a:round/>
-                      <a:headEnd type="none" w="med" len="med"/>
-                      <a:tailEnd type="none" w="med" len="med"/>
-                    </a:lnT>
-                    <a:lnB w="12700" cap="flat" cmpd="sng" algn="ctr">
-                      <a:solidFill>
-                        <a:schemeClr val="tx1">
-                          <a:lumMod val="40000"/>
-                          <a:lumOff val="60000"/>
-                        </a:schemeClr>
-                      </a:solidFill>
-                      <a:prstDash val="sysDot"/>
-                      <a:round/>
-                      <a:headEnd type="none" w="med" len="med"/>
-                      <a:tailEnd type="none" w="med" len="med"/>
-                    </a:lnB>
-                    <a:lnTlToBr w="12700" cmpd="sng">
-                      <a:noFill/>
-                      <a:prstDash val="solid"/>
-                    </a:lnTlToBr>
-                    <a:lnBlToTr w="12700" cmpd="sng">
-                      <a:noFill/>
-                      <a:prstDash val="solid"/>
-                    </a:lnBlToTr>
-                    <a:solidFill>
-                      <a:schemeClr val="bg1"/>
-                    </a:solidFill>
-                  </a:tcPr>
-                </a:tc>
-                <a:tc>
-                  <a:txBody>
-                    <a:bodyPr/>
-                    <a:lstStyle/>
-                    <a:p>
-                      <a:pPr marL="0" algn="r" defTabSz="914400" rtl="0" eaLnBrk="1" fontAlgn="b" latinLnBrk="0" hangingPunct="1"/>
-                      <a:endParaRPr lang="en-US" sz="1200" b="0" i="0" u="none" strike="noStrike" kern="1200" dirty="0">
-                        <a:solidFill>
-                          <a:schemeClr val="tx1">
-                            <a:lumMod val="60000"/>
-                            <a:lumOff val="40000"/>
-                          </a:schemeClr>
-                        </a:solidFill>
-                        <a:effectLst/>
-                        <a:latin typeface="Calibri Regular"/>
-                        <a:ea typeface="+mn-ea"/>
-                        <a:cs typeface="+mn-cs"/>
                       </a:endParaRPr>
                     </a:p>
                   </a:txBody>
@@ -24806,11 +23826,11 @@
                 </a:tc>
                 <a:extLst>
                   <a:ext uri="{0D108BD9-81ED-4DB2-BD59-A6C34878D82A}">
-                    <a16:rowId xmlns:a16="http://schemas.microsoft.com/office/drawing/2014/main" val="1372763307"/>
+                    <a16:rowId xmlns:a16="http://schemas.microsoft.com/office/drawing/2014/main" val="2009910387"/>
                   </a:ext>
                 </a:extLst>
               </a:tr>
-              <a:tr h="229541">
+              <a:tr h="279736">
                 <a:tc>
                   <a:txBody>
                     <a:bodyPr/>
@@ -24953,7 +23973,7 @@
                     <a:bodyPr/>
                     <a:lstStyle/>
                     <a:p>
-                      <a:pPr algn="r" fontAlgn="b"/>
+                      <a:pPr algn="l" fontAlgn="b"/>
                       <a:endParaRPr lang="en-US" sz="1200" b="0" i="0" u="none" strike="noStrike" dirty="0">
                         <a:solidFill>
                           <a:schemeClr val="tx1">
@@ -24963,71 +23983,6 @@
                         </a:solidFill>
                         <a:effectLst/>
                         <a:latin typeface="Calibri Regular"/>
-                      </a:endParaRPr>
-                    </a:p>
-                  </a:txBody>
-                  <a:tcPr marL="108000" marR="108000" marT="72000" marB="72000" anchor="ctr">
-                    <a:lnL>
-                      <a:noFill/>
-                    </a:lnL>
-                    <a:lnR w="9525" cap="flat" cmpd="sng" algn="ctr">
-                      <a:noFill/>
-                      <a:prstDash val="solid"/>
-                    </a:lnR>
-                    <a:lnT w="12700" cap="flat" cmpd="sng" algn="ctr">
-                      <a:solidFill>
-                        <a:schemeClr val="tx1">
-                          <a:lumMod val="40000"/>
-                          <a:lumOff val="60000"/>
-                        </a:schemeClr>
-                      </a:solidFill>
-                      <a:prstDash val="sysDot"/>
-                      <a:round/>
-                      <a:headEnd type="none" w="med" len="med"/>
-                      <a:tailEnd type="none" w="med" len="med"/>
-                    </a:lnT>
-                    <a:lnB w="12700" cap="flat" cmpd="sng" algn="ctr">
-                      <a:solidFill>
-                        <a:schemeClr val="tx1">
-                          <a:lumMod val="40000"/>
-                          <a:lumOff val="60000"/>
-                        </a:schemeClr>
-                      </a:solidFill>
-                      <a:prstDash val="sysDot"/>
-                      <a:round/>
-                      <a:headEnd type="none" w="med" len="med"/>
-                      <a:tailEnd type="none" w="med" len="med"/>
-                    </a:lnB>
-                    <a:lnTlToBr w="12700" cmpd="sng">
-                      <a:noFill/>
-                      <a:prstDash val="solid"/>
-                    </a:lnTlToBr>
-                    <a:lnBlToTr w="12700" cmpd="sng">
-                      <a:noFill/>
-                      <a:prstDash val="solid"/>
-                    </a:lnBlToTr>
-                    <a:solidFill>
-                      <a:schemeClr val="bg1"/>
-                    </a:solidFill>
-                  </a:tcPr>
-                </a:tc>
-                <a:tc>
-                  <a:txBody>
-                    <a:bodyPr/>
-                    <a:lstStyle/>
-                    <a:p>
-                      <a:pPr marL="0" algn="r" defTabSz="914400" rtl="0" eaLnBrk="1" fontAlgn="b" latinLnBrk="0" hangingPunct="1"/>
-                      <a:endParaRPr lang="en-US" sz="1200" b="0" i="0" u="none" strike="noStrike" kern="1200" dirty="0">
-                        <a:solidFill>
-                          <a:schemeClr val="tx1">
-                            <a:lumMod val="60000"/>
-                            <a:lumOff val="40000"/>
-                          </a:schemeClr>
-                        </a:solidFill>
-                        <a:effectLst/>
-                        <a:latin typeface="Calibri Regular"/>
-                        <a:ea typeface="+mn-ea"/>
-                        <a:cs typeface="+mn-cs"/>
                       </a:endParaRPr>
                     </a:p>
                   </a:txBody>
@@ -25143,11 +24098,11 @@
                 </a:tc>
                 <a:extLst>
                   <a:ext uri="{0D108BD9-81ED-4DB2-BD59-A6C34878D82A}">
-                    <a16:rowId xmlns:a16="http://schemas.microsoft.com/office/drawing/2014/main" val="4022263985"/>
+                    <a16:rowId xmlns:a16="http://schemas.microsoft.com/office/drawing/2014/main" val="1372763307"/>
                   </a:ext>
                 </a:extLst>
               </a:tr>
-              <a:tr h="229541">
+              <a:tr h="279736">
                 <a:tc>
                   <a:txBody>
                     <a:bodyPr/>
@@ -25290,7 +24245,7 @@
                     <a:bodyPr/>
                     <a:lstStyle/>
                     <a:p>
-                      <a:pPr algn="r" fontAlgn="b"/>
+                      <a:pPr algn="l" fontAlgn="b"/>
                       <a:endParaRPr lang="en-US" sz="1200" b="0" i="0" u="none" strike="noStrike" dirty="0">
                         <a:solidFill>
                           <a:schemeClr val="tx1">
@@ -25300,71 +24255,6 @@
                         </a:solidFill>
                         <a:effectLst/>
                         <a:latin typeface="Calibri Regular"/>
-                      </a:endParaRPr>
-                    </a:p>
-                  </a:txBody>
-                  <a:tcPr marL="108000" marR="108000" marT="72000" marB="72000" anchor="ctr">
-                    <a:lnL>
-                      <a:noFill/>
-                    </a:lnL>
-                    <a:lnR w="9525" cap="flat" cmpd="sng" algn="ctr">
-                      <a:noFill/>
-                      <a:prstDash val="solid"/>
-                    </a:lnR>
-                    <a:lnT w="12700" cap="flat" cmpd="sng" algn="ctr">
-                      <a:solidFill>
-                        <a:schemeClr val="tx1">
-                          <a:lumMod val="40000"/>
-                          <a:lumOff val="60000"/>
-                        </a:schemeClr>
-                      </a:solidFill>
-                      <a:prstDash val="sysDot"/>
-                      <a:round/>
-                      <a:headEnd type="none" w="med" len="med"/>
-                      <a:tailEnd type="none" w="med" len="med"/>
-                    </a:lnT>
-                    <a:lnB w="12700" cap="flat" cmpd="sng" algn="ctr">
-                      <a:solidFill>
-                        <a:schemeClr val="tx1">
-                          <a:lumMod val="40000"/>
-                          <a:lumOff val="60000"/>
-                        </a:schemeClr>
-                      </a:solidFill>
-                      <a:prstDash val="sysDot"/>
-                      <a:round/>
-                      <a:headEnd type="none" w="med" len="med"/>
-                      <a:tailEnd type="none" w="med" len="med"/>
-                    </a:lnB>
-                    <a:lnTlToBr w="12700" cmpd="sng">
-                      <a:noFill/>
-                      <a:prstDash val="solid"/>
-                    </a:lnTlToBr>
-                    <a:lnBlToTr w="12700" cmpd="sng">
-                      <a:noFill/>
-                      <a:prstDash val="solid"/>
-                    </a:lnBlToTr>
-                    <a:solidFill>
-                      <a:schemeClr val="bg1"/>
-                    </a:solidFill>
-                  </a:tcPr>
-                </a:tc>
-                <a:tc>
-                  <a:txBody>
-                    <a:bodyPr/>
-                    <a:lstStyle/>
-                    <a:p>
-                      <a:pPr marL="0" algn="r" defTabSz="914400" rtl="0" eaLnBrk="1" fontAlgn="b" latinLnBrk="0" hangingPunct="1"/>
-                      <a:endParaRPr lang="en-US" sz="1200" b="0" i="0" u="none" strike="noStrike" kern="1200" dirty="0">
-                        <a:solidFill>
-                          <a:schemeClr val="tx1">
-                            <a:lumMod val="60000"/>
-                            <a:lumOff val="40000"/>
-                          </a:schemeClr>
-                        </a:solidFill>
-                        <a:effectLst/>
-                        <a:latin typeface="Calibri Regular"/>
-                        <a:ea typeface="+mn-ea"/>
-                        <a:cs typeface="+mn-cs"/>
                       </a:endParaRPr>
                     </a:p>
                   </a:txBody>
@@ -25480,33 +24370,17 @@
                 </a:tc>
                 <a:extLst>
                   <a:ext uri="{0D108BD9-81ED-4DB2-BD59-A6C34878D82A}">
-                    <a16:rowId xmlns:a16="http://schemas.microsoft.com/office/drawing/2014/main" val="516404128"/>
+                    <a16:rowId xmlns:a16="http://schemas.microsoft.com/office/drawing/2014/main" val="4022263985"/>
                   </a:ext>
                 </a:extLst>
               </a:tr>
-              <a:tr h="229541">
+              <a:tr h="279736">
                 <a:tc>
                   <a:txBody>
                     <a:bodyPr/>
                     <a:lstStyle/>
                     <a:p>
-                      <a:pPr marL="0" marR="0" lvl="0" indent="0" algn="l" defTabSz="914400" rtl="0" eaLnBrk="1" fontAlgn="b" latinLnBrk="0" hangingPunct="1">
-                        <a:lnSpc>
-                          <a:spcPct val="100000"/>
-                        </a:lnSpc>
-                        <a:spcBef>
-                          <a:spcPts val="0"/>
-                        </a:spcBef>
-                        <a:spcAft>
-                          <a:spcPts val="0"/>
-                        </a:spcAft>
-                        <a:buClrTx/>
-                        <a:buSzTx/>
-                        <a:buFontTx/>
-                        <a:buNone/>
-                        <a:tabLst/>
-                        <a:defRPr/>
-                      </a:pPr>
+                      <a:pPr algn="l" fontAlgn="b"/>
                       <a:endParaRPr lang="en-US" sz="1200" b="0" i="0" u="none" strike="noStrike" dirty="0">
                         <a:solidFill>
                           <a:schemeClr val="tx2"/>
@@ -25643,7 +24517,7 @@
                     <a:bodyPr/>
                     <a:lstStyle/>
                     <a:p>
-                      <a:pPr algn="r" fontAlgn="b"/>
+                      <a:pPr algn="l" fontAlgn="b"/>
                       <a:endParaRPr lang="en-US" sz="1200" b="0" i="0" u="none" strike="noStrike" dirty="0">
                         <a:solidFill>
                           <a:schemeClr val="tx1">
@@ -25653,71 +24527,6 @@
                         </a:solidFill>
                         <a:effectLst/>
                         <a:latin typeface="Calibri Regular"/>
-                      </a:endParaRPr>
-                    </a:p>
-                  </a:txBody>
-                  <a:tcPr marL="108000" marR="108000" marT="72000" marB="72000" anchor="ctr">
-                    <a:lnL>
-                      <a:noFill/>
-                    </a:lnL>
-                    <a:lnR w="9525" cap="flat" cmpd="sng" algn="ctr">
-                      <a:noFill/>
-                      <a:prstDash val="solid"/>
-                    </a:lnR>
-                    <a:lnT w="12700" cap="flat" cmpd="sng" algn="ctr">
-                      <a:solidFill>
-                        <a:schemeClr val="tx1">
-                          <a:lumMod val="40000"/>
-                          <a:lumOff val="60000"/>
-                        </a:schemeClr>
-                      </a:solidFill>
-                      <a:prstDash val="sysDot"/>
-                      <a:round/>
-                      <a:headEnd type="none" w="med" len="med"/>
-                      <a:tailEnd type="none" w="med" len="med"/>
-                    </a:lnT>
-                    <a:lnB w="12700" cap="flat" cmpd="sng" algn="ctr">
-                      <a:solidFill>
-                        <a:schemeClr val="tx1">
-                          <a:lumMod val="40000"/>
-                          <a:lumOff val="60000"/>
-                        </a:schemeClr>
-                      </a:solidFill>
-                      <a:prstDash val="sysDot"/>
-                      <a:round/>
-                      <a:headEnd type="none" w="med" len="med"/>
-                      <a:tailEnd type="none" w="med" len="med"/>
-                    </a:lnB>
-                    <a:lnTlToBr w="12700" cmpd="sng">
-                      <a:noFill/>
-                      <a:prstDash val="solid"/>
-                    </a:lnTlToBr>
-                    <a:lnBlToTr w="12700" cmpd="sng">
-                      <a:noFill/>
-                      <a:prstDash val="solid"/>
-                    </a:lnBlToTr>
-                    <a:solidFill>
-                      <a:schemeClr val="bg1"/>
-                    </a:solidFill>
-                  </a:tcPr>
-                </a:tc>
-                <a:tc>
-                  <a:txBody>
-                    <a:bodyPr/>
-                    <a:lstStyle/>
-                    <a:p>
-                      <a:pPr marL="0" algn="r" defTabSz="914400" rtl="0" eaLnBrk="1" fontAlgn="b" latinLnBrk="0" hangingPunct="1"/>
-                      <a:endParaRPr lang="en-US" sz="1200" b="0" i="0" u="none" strike="noStrike" kern="1200" dirty="0">
-                        <a:solidFill>
-                          <a:schemeClr val="tx1">
-                            <a:lumMod val="60000"/>
-                            <a:lumOff val="40000"/>
-                          </a:schemeClr>
-                        </a:solidFill>
-                        <a:effectLst/>
-                        <a:latin typeface="Calibri Regular"/>
-                        <a:ea typeface="+mn-ea"/>
-                        <a:cs typeface="+mn-cs"/>
                       </a:endParaRPr>
                     </a:p>
                   </a:txBody>
@@ -25833,11 +24642,11 @@
                 </a:tc>
                 <a:extLst>
                   <a:ext uri="{0D108BD9-81ED-4DB2-BD59-A6C34878D82A}">
-                    <a16:rowId xmlns:a16="http://schemas.microsoft.com/office/drawing/2014/main" val="3255606331"/>
+                    <a16:rowId xmlns:a16="http://schemas.microsoft.com/office/drawing/2014/main" val="516404128"/>
                   </a:ext>
                 </a:extLst>
               </a:tr>
-              <a:tr h="229541">
+              <a:tr h="279736">
                 <a:tc>
                   <a:txBody>
                     <a:bodyPr/>
@@ -25890,8 +24699,13 @@
                       <a:tailEnd type="none" w="med" len="med"/>
                     </a:lnT>
                     <a:lnB w="12700" cap="flat" cmpd="sng" algn="ctr">
-                      <a:noFill/>
-                      <a:prstDash val="solid"/>
+                      <a:solidFill>
+                        <a:schemeClr val="tx1">
+                          <a:lumMod val="40000"/>
+                          <a:lumOff val="60000"/>
+                        </a:schemeClr>
+                      </a:solidFill>
+                      <a:prstDash val="sysDot"/>
                       <a:round/>
                       <a:headEnd type="none" w="med" len="med"/>
                       <a:tailEnd type="none" w="med" len="med"/>
@@ -25962,8 +24776,13 @@
                       <a:tailEnd type="none" w="med" len="med"/>
                     </a:lnT>
                     <a:lnB w="12700" cap="flat" cmpd="sng" algn="ctr">
-                      <a:noFill/>
-                      <a:prstDash val="solid"/>
+                      <a:solidFill>
+                        <a:schemeClr val="tx1">
+                          <a:lumMod val="40000"/>
+                          <a:lumOff val="60000"/>
+                        </a:schemeClr>
+                      </a:solidFill>
+                      <a:prstDash val="sysDot"/>
                       <a:round/>
                       <a:headEnd type="none" w="med" len="med"/>
                       <a:tailEnd type="none" w="med" len="med"/>
@@ -25986,7 +24805,7 @@
                     <a:bodyPr/>
                     <a:lstStyle/>
                     <a:p>
-                      <a:pPr algn="r" fontAlgn="b"/>
+                      <a:pPr algn="l" fontAlgn="b"/>
                       <a:endParaRPr lang="en-US" sz="1200" b="0" i="0" u="none" strike="noStrike" dirty="0">
                         <a:solidFill>
                           <a:schemeClr val="tx1">
@@ -26020,8 +24839,13 @@
                       <a:tailEnd type="none" w="med" len="med"/>
                     </a:lnT>
                     <a:lnB w="12700" cap="flat" cmpd="sng" algn="ctr">
-                      <a:noFill/>
-                      <a:prstDash val="solid"/>
+                      <a:solidFill>
+                        <a:schemeClr val="tx1">
+                          <a:lumMod val="40000"/>
+                          <a:lumOff val="60000"/>
+                        </a:schemeClr>
+                      </a:solidFill>
+                      <a:prstDash val="sysDot"/>
                       <a:round/>
                       <a:headEnd type="none" w="med" len="med"/>
                       <a:tailEnd type="none" w="med" len="med"/>
@@ -26044,7 +24868,7 @@
                     <a:bodyPr/>
                     <a:lstStyle/>
                     <a:p>
-                      <a:pPr marL="0" algn="r" defTabSz="914400" rtl="0" eaLnBrk="1" fontAlgn="b" latinLnBrk="0" hangingPunct="1"/>
+                      <a:pPr marL="0" algn="l" defTabSz="914400" rtl="0" eaLnBrk="1" fontAlgn="b" latinLnBrk="0" hangingPunct="1"/>
                       <a:endParaRPr lang="en-US" sz="1200" b="0" i="0" u="none" strike="noStrike" kern="1200" dirty="0">
                         <a:solidFill>
                           <a:schemeClr val="tx1">
@@ -26056,6 +24880,219 @@
                         <a:latin typeface="Calibri Regular"/>
                         <a:ea typeface="+mn-ea"/>
                         <a:cs typeface="+mn-cs"/>
+                      </a:endParaRPr>
+                    </a:p>
+                  </a:txBody>
+                  <a:tcPr marL="108000" marR="108000" marT="72000" marB="72000" anchor="ctr">
+                    <a:lnL>
+                      <a:noFill/>
+                    </a:lnL>
+                    <a:lnR w="9525" cap="flat" cmpd="sng" algn="ctr">
+                      <a:noFill/>
+                      <a:prstDash val="solid"/>
+                    </a:lnR>
+                    <a:lnT w="12700" cap="flat" cmpd="sng" algn="ctr">
+                      <a:solidFill>
+                        <a:schemeClr val="tx1">
+                          <a:lumMod val="40000"/>
+                          <a:lumOff val="60000"/>
+                        </a:schemeClr>
+                      </a:solidFill>
+                      <a:prstDash val="sysDot"/>
+                      <a:round/>
+                      <a:headEnd type="none" w="med" len="med"/>
+                      <a:tailEnd type="none" w="med" len="med"/>
+                    </a:lnT>
+                    <a:lnB w="12700" cap="flat" cmpd="sng" algn="ctr">
+                      <a:solidFill>
+                        <a:schemeClr val="tx1">
+                          <a:lumMod val="40000"/>
+                          <a:lumOff val="60000"/>
+                        </a:schemeClr>
+                      </a:solidFill>
+                      <a:prstDash val="sysDot"/>
+                      <a:round/>
+                      <a:headEnd type="none" w="med" len="med"/>
+                      <a:tailEnd type="none" w="med" len="med"/>
+                    </a:lnB>
+                    <a:lnTlToBr w="12700" cmpd="sng">
+                      <a:noFill/>
+                      <a:prstDash val="solid"/>
+                    </a:lnTlToBr>
+                    <a:lnBlToTr w="12700" cmpd="sng">
+                      <a:noFill/>
+                      <a:prstDash val="solid"/>
+                    </a:lnBlToTr>
+                    <a:solidFill>
+                      <a:schemeClr val="bg1"/>
+                    </a:solidFill>
+                  </a:tcPr>
+                </a:tc>
+                <a:extLst>
+                  <a:ext uri="{0D108BD9-81ED-4DB2-BD59-A6C34878D82A}">
+                    <a16:rowId xmlns:a16="http://schemas.microsoft.com/office/drawing/2014/main" val="3255606331"/>
+                  </a:ext>
+                </a:extLst>
+              </a:tr>
+              <a:tr h="279736">
+                <a:tc>
+                  <a:txBody>
+                    <a:bodyPr/>
+                    <a:lstStyle/>
+                    <a:p>
+                      <a:pPr marL="0" marR="0" lvl="0" indent="0" algn="l" defTabSz="914400" rtl="0" eaLnBrk="1" fontAlgn="b" latinLnBrk="0" hangingPunct="1">
+                        <a:lnSpc>
+                          <a:spcPct val="100000"/>
+                        </a:lnSpc>
+                        <a:spcBef>
+                          <a:spcPts val="0"/>
+                        </a:spcBef>
+                        <a:spcAft>
+                          <a:spcPts val="0"/>
+                        </a:spcAft>
+                        <a:buClrTx/>
+                        <a:buSzTx/>
+                        <a:buFontTx/>
+                        <a:buNone/>
+                        <a:tabLst/>
+                        <a:defRPr/>
+                      </a:pPr>
+                      <a:endParaRPr lang="en-US" sz="1200" b="0" i="0" u="none" strike="noStrike" dirty="0">
+                        <a:solidFill>
+                          <a:schemeClr val="tx2"/>
+                        </a:solidFill>
+                        <a:effectLst/>
+                        <a:latin typeface="Calibri Regular"/>
+                      </a:endParaRPr>
+                    </a:p>
+                  </a:txBody>
+                  <a:tcPr marL="108000" marR="108000" marT="72000" marB="72000" anchor="ctr">
+                    <a:lnL w="9525" cap="flat" cmpd="sng" algn="ctr">
+                      <a:noFill/>
+                      <a:prstDash val="solid"/>
+                    </a:lnL>
+                    <a:lnR>
+                      <a:noFill/>
+                    </a:lnR>
+                    <a:lnT w="12700" cap="flat" cmpd="sng" algn="ctr">
+                      <a:solidFill>
+                        <a:schemeClr val="tx1">
+                          <a:lumMod val="40000"/>
+                          <a:lumOff val="60000"/>
+                        </a:schemeClr>
+                      </a:solidFill>
+                      <a:prstDash val="sysDot"/>
+                      <a:round/>
+                      <a:headEnd type="none" w="med" len="med"/>
+                      <a:tailEnd type="none" w="med" len="med"/>
+                    </a:lnT>
+                    <a:lnB w="12700" cap="flat" cmpd="sng" algn="ctr">
+                      <a:noFill/>
+                      <a:prstDash val="solid"/>
+                      <a:round/>
+                      <a:headEnd type="none" w="med" len="med"/>
+                      <a:tailEnd type="none" w="med" len="med"/>
+                    </a:lnB>
+                    <a:lnTlToBr w="12700" cmpd="sng">
+                      <a:noFill/>
+                      <a:prstDash val="solid"/>
+                    </a:lnTlToBr>
+                    <a:lnBlToTr w="12700" cmpd="sng">
+                      <a:noFill/>
+                      <a:prstDash val="solid"/>
+                    </a:lnBlToTr>
+                    <a:solidFill>
+                      <a:schemeClr val="bg1"/>
+                    </a:solidFill>
+                  </a:tcPr>
+                </a:tc>
+                <a:tc>
+                  <a:txBody>
+                    <a:bodyPr/>
+                    <a:lstStyle/>
+                    <a:p>
+                      <a:pPr marL="0" marR="0" lvl="0" indent="0" algn="r" defTabSz="914400" rtl="0" eaLnBrk="1" fontAlgn="b" latinLnBrk="0" hangingPunct="1">
+                        <a:lnSpc>
+                          <a:spcPct val="100000"/>
+                        </a:lnSpc>
+                        <a:spcBef>
+                          <a:spcPts val="0"/>
+                        </a:spcBef>
+                        <a:spcAft>
+                          <a:spcPts val="0"/>
+                        </a:spcAft>
+                        <a:buClrTx/>
+                        <a:buSzTx/>
+                        <a:buFontTx/>
+                        <a:buNone/>
+                        <a:tabLst/>
+                        <a:defRPr/>
+                      </a:pPr>
+                      <a:endParaRPr lang="en-US" sz="1200" b="0" i="0" u="none" strike="noStrike" kern="1200" dirty="0">
+                        <a:solidFill>
+                          <a:schemeClr val="tx2"/>
+                        </a:solidFill>
+                        <a:effectLst/>
+                        <a:latin typeface="Calibri Bold"/>
+                        <a:ea typeface="+mn-ea"/>
+                        <a:cs typeface="+mn-cs"/>
+                      </a:endParaRPr>
+                    </a:p>
+                  </a:txBody>
+                  <a:tcPr marL="108000" marR="108000" marT="72000" marB="72000" anchor="ctr">
+                    <a:lnL>
+                      <a:noFill/>
+                    </a:lnL>
+                    <a:lnR>
+                      <a:noFill/>
+                    </a:lnR>
+                    <a:lnT w="12700" cap="flat" cmpd="sng" algn="ctr">
+                      <a:solidFill>
+                        <a:schemeClr val="tx1">
+                          <a:lumMod val="40000"/>
+                          <a:lumOff val="60000"/>
+                        </a:schemeClr>
+                      </a:solidFill>
+                      <a:prstDash val="sysDot"/>
+                      <a:round/>
+                      <a:headEnd type="none" w="med" len="med"/>
+                      <a:tailEnd type="none" w="med" len="med"/>
+                    </a:lnT>
+                    <a:lnB w="12700" cap="flat" cmpd="sng" algn="ctr">
+                      <a:noFill/>
+                      <a:prstDash val="solid"/>
+                      <a:round/>
+                      <a:headEnd type="none" w="med" len="med"/>
+                      <a:tailEnd type="none" w="med" len="med"/>
+                    </a:lnB>
+                    <a:lnTlToBr w="12700" cmpd="sng">
+                      <a:noFill/>
+                      <a:prstDash val="solid"/>
+                    </a:lnTlToBr>
+                    <a:lnBlToTr w="12700" cmpd="sng">
+                      <a:noFill/>
+                      <a:prstDash val="solid"/>
+                    </a:lnBlToTr>
+                    <a:solidFill>
+                      <a:srgbClr val="FEF5BA"/>
+                    </a:solidFill>
+                  </a:tcPr>
+                </a:tc>
+                <a:tc>
+                  <a:txBody>
+                    <a:bodyPr/>
+                    <a:lstStyle/>
+                    <a:p>
+                      <a:pPr algn="l" fontAlgn="b"/>
+                      <a:endParaRPr lang="en-US" sz="1200" b="0" i="0" u="none" strike="noStrike" dirty="0">
+                        <a:solidFill>
+                          <a:schemeClr val="tx1">
+                            <a:lumMod val="60000"/>
+                            <a:lumOff val="40000"/>
+                          </a:schemeClr>
+                        </a:solidFill>
+                        <a:effectLst/>
+                        <a:latin typeface="Calibri Regular"/>
                       </a:endParaRPr>
                     </a:p>
                   </a:txBody>
@@ -27083,6 +26120,15 @@
 </file>
 
 <file path=customXml/item1.xml><?xml version="1.0" encoding="utf-8"?>
+<?mso-contentType ?>
+<FormTemplates xmlns="http://schemas.microsoft.com/sharepoint/v3/contenttype/forms">
+  <Display>DocumentLibraryForm</Display>
+  <Edit>DocumentLibraryForm</Edit>
+  <New>DocumentLibraryForm</New>
+</FormTemplates>
+</file>
+
+<file path=customXml/item2.xml><?xml version="1.0" encoding="utf-8"?>
 <ct:contentTypeSchema xmlns:ct="http://schemas.microsoft.com/office/2006/metadata/contentType" xmlns:ma="http://schemas.microsoft.com/office/2006/metadata/properties/metaAttributes" ct:_="" ma:_="" ma:contentTypeName="Document" ma:contentTypeID="0x010100398B4EB28540854BB4092730D7F67224" ma:contentTypeVersion="13" ma:contentTypeDescription="Create a new document." ma:contentTypeScope="" ma:versionID="07d6997c7358ecc3b6f0d78039f1ac55">
   <xsd:schema xmlns:xsd="http://www.w3.org/2001/XMLSchema" xmlns:xs="http://www.w3.org/2001/XMLSchema" xmlns:p="http://schemas.microsoft.com/office/2006/metadata/properties" xmlns:ns2="fa937df2-abe2-4d38-b5f4-c228acba3827" xmlns:ns3="bc8ba18a-4a58-4ad2-bfc0-6516af8e7dc2" targetNamespace="http://schemas.microsoft.com/office/2006/metadata/properties" ma:root="true" ma:fieldsID="a7d20d2c9a349b6838acf4b79389f2fd" ns2:_="" ns3:_="">
     <xsd:import namespace="fa937df2-abe2-4d38-b5f4-c228acba3827"/>
@@ -27305,7 +26351,7 @@
 </ct:contentTypeSchema>
 </file>
 
-<file path=customXml/item2.xml><?xml version="1.0" encoding="utf-8"?>
+<file path=customXml/item3.xml><?xml version="1.0" encoding="utf-8"?>
 <p:properties xmlns:p="http://schemas.microsoft.com/office/2006/metadata/properties" xmlns:xsi="http://www.w3.org/2001/XMLSchema-instance" xmlns:pc="http://schemas.microsoft.com/office/infopath/2007/PartnerControls">
   <documentManagement>
     <lcf76f155ced4ddcb4097134ff3c332f xmlns="fa937df2-abe2-4d38-b5f4-c228acba3827">
@@ -27316,16 +26362,15 @@
 </p:properties>
 </file>
 
-<file path=customXml/item3.xml><?xml version="1.0" encoding="utf-8"?>
-<?mso-contentType ?>
-<FormTemplates xmlns="http://schemas.microsoft.com/sharepoint/v3/contenttype/forms">
-  <Display>DocumentLibraryForm</Display>
-  <Edit>DocumentLibraryForm</Edit>
-  <New>DocumentLibraryForm</New>
-</FormTemplates>
+<file path=customXml/itemProps1.xml><?xml version="1.0" encoding="utf-8"?>
+<ds:datastoreItem xmlns:ds="http://schemas.openxmlformats.org/officeDocument/2006/customXml" ds:itemID="{570928F0-D7CA-4732-B7F3-1F945720D0AA}">
+  <ds:schemaRefs>
+    <ds:schemaRef ds:uri="http://schemas.microsoft.com/sharepoint/v3/contenttype/forms"/>
+  </ds:schemaRefs>
+</ds:datastoreItem>
 </file>
 
-<file path=customXml/itemProps1.xml><?xml version="1.0" encoding="utf-8"?>
+<file path=customXml/itemProps2.xml><?xml version="1.0" encoding="utf-8"?>
 <ds:datastoreItem xmlns:ds="http://schemas.openxmlformats.org/officeDocument/2006/customXml" ds:itemID="{06E6923A-C221-4753-B75B-BA213EEB7564}">
   <ds:schemaRefs>
     <ds:schemaRef ds:uri="bc8ba18a-4a58-4ad2-bfc0-6516af8e7dc2"/>
@@ -27344,7 +26389,7 @@
 </ds:datastoreItem>
 </file>
 
-<file path=customXml/itemProps2.xml><?xml version="1.0" encoding="utf-8"?>
+<file path=customXml/itemProps3.xml><?xml version="1.0" encoding="utf-8"?>
 <ds:datastoreItem xmlns:ds="http://schemas.openxmlformats.org/officeDocument/2006/customXml" ds:itemID="{4B629362-CF15-4610-8FAC-A8E699942233}">
   <ds:schemaRefs>
     <ds:schemaRef ds:uri="http://schemas.microsoft.com/office/2006/documentManagement/types"/>
@@ -27359,12 +26404,4 @@
     <ds:schemaRef ds:uri="http://purl.org/dc/dcmitype/"/>
   </ds:schemaRefs>
 </ds:datastoreItem>
-</file>
-
-<file path=customXml/itemProps3.xml><?xml version="1.0" encoding="utf-8"?>
-<ds:datastoreItem xmlns:ds="http://schemas.openxmlformats.org/officeDocument/2006/customXml" ds:itemID="{570928F0-D7CA-4732-B7F3-1F945720D0AA}">
-  <ds:schemaRefs>
-    <ds:schemaRef ds:uri="http://schemas.microsoft.com/sharepoint/v3/contenttype/forms"/>
-  </ds:schemaRefs>
-</ds:datastoreItem>
 </file>
--- a/report-generator/src/report_generator/presets/templates/refactoring-candidates.pptx
+++ b/report-generator/src/report_generator/presets/templates/refactoring-candidates.pptx
@@ -5,13 +5,14 @@
     <p:sldMasterId id="2147483648" r:id="rId4"/>
   </p:sldMasterIdLst>
   <p:notesMasterIdLst>
-    <p:notesMasterId r:id="rId6"/>
+    <p:notesMasterId r:id="rId7"/>
   </p:notesMasterIdLst>
   <p:handoutMasterIdLst>
-    <p:handoutMasterId r:id="rId7"/>
+    <p:handoutMasterId r:id="rId8"/>
   </p:handoutMasterIdLst>
   <p:sldIdLst>
     <p:sldId id="516" r:id="rId5"/>
+    <p:sldId id="517" r:id="rId6"/>
   </p:sldIdLst>
   <p:sldSz cx="12192000" cy="6858000"/>
   <p:notesSz cx="6858000" cy="9144000"/>
@@ -25210,6 +25211,5647 @@
     <p:extLst>
       <p:ext uri="{BB962C8B-B14F-4D97-AF65-F5344CB8AC3E}">
         <p14:creationId xmlns:p14="http://schemas.microsoft.com/office/powerpoint/2010/main" val="2630202832"/>
+      </p:ext>
+    </p:extLst>
+  </p:cSld>
+  <p:clrMapOvr>
+    <a:masterClrMapping/>
+  </p:clrMapOvr>
+</p:sld>
+</file>
+
+<file path=ppt/slides/slide2.xml><?xml version="1.0" encoding="utf-8"?>
+<p:sld xmlns:a="http://schemas.openxmlformats.org/drawingml/2006/main" xmlns:r="http://schemas.openxmlformats.org/officeDocument/2006/relationships" xmlns:p="http://schemas.openxmlformats.org/presentationml/2006/main">
+  <p:cSld>
+    <p:spTree>
+      <p:nvGrpSpPr>
+        <p:cNvPr id="1" name="">
+          <a:extLst>
+            <a:ext uri="{FF2B5EF4-FFF2-40B4-BE49-F238E27FC236}">
+              <a16:creationId xmlns:a16="http://schemas.microsoft.com/office/drawing/2014/main" id="{C190E241-59C2-6F55-4707-FD2CC82A6C68}"/>
+            </a:ext>
+          </a:extLst>
+        </p:cNvPr>
+        <p:cNvGrpSpPr/>
+        <p:nvPr/>
+      </p:nvGrpSpPr>
+      <p:grpSpPr>
+        <a:xfrm>
+          <a:off x="0" y="0"/>
+          <a:ext cx="0" cy="0"/>
+          <a:chOff x="0" y="0"/>
+          <a:chExt cx="0" cy="0"/>
+        </a:xfrm>
+      </p:grpSpPr>
+      <p:sp>
+        <p:nvSpPr>
+          <p:cNvPr id="2" name="Slide Number Placeholder 1">
+            <a:extLst>
+              <a:ext uri="{FF2B5EF4-FFF2-40B4-BE49-F238E27FC236}">
+                <a16:creationId xmlns:a16="http://schemas.microsoft.com/office/drawing/2014/main" id="{3B397773-E61A-9D94-159E-FE176D511F7A}"/>
+              </a:ext>
+            </a:extLst>
+          </p:cNvPr>
+          <p:cNvSpPr>
+            <a:spLocks noGrp="1"/>
+          </p:cNvSpPr>
+          <p:nvPr>
+            <p:ph type="sldNum" sz="quarter" idx="4"/>
+          </p:nvPr>
+        </p:nvSpPr>
+        <p:spPr/>
+        <p:txBody>
+          <a:bodyPr/>
+          <a:lstStyle/>
+          <a:p>
+            <a:fld id="{E242BD21-9B61-2246-BCB1-4BE5E1BEBE1C}" type="slidenum">
+              <a:rPr lang="en-US" smtClean="0"/>
+              <a:pPr/>
+              <a:t>2</a:t>
+            </a:fld>
+            <a:endParaRPr lang="en-US"/>
+          </a:p>
+        </p:txBody>
+      </p:sp>
+      <p:sp>
+        <p:nvSpPr>
+          <p:cNvPr id="10" name="Text Placeholder 9">
+            <a:extLst>
+              <a:ext uri="{FF2B5EF4-FFF2-40B4-BE49-F238E27FC236}">
+                <a16:creationId xmlns:a16="http://schemas.microsoft.com/office/drawing/2014/main" id="{C070E2EE-7B25-5041-16B6-A6265C553E99}"/>
+              </a:ext>
+            </a:extLst>
+          </p:cNvPr>
+          <p:cNvSpPr>
+            <a:spLocks noGrp="1"/>
+          </p:cNvSpPr>
+          <p:nvPr>
+            <p:ph type="body" sz="quarter" idx="12"/>
+          </p:nvPr>
+        </p:nvSpPr>
+        <p:spPr/>
+        <p:txBody>
+          <a:bodyPr/>
+          <a:lstStyle/>
+          <a:p>
+            <a:r>
+              <a:rPr lang="en-US" dirty="0"/>
+              <a:t>Refactoring Candidates – Unit Size</a:t>
+            </a:r>
+          </a:p>
+        </p:txBody>
+      </p:sp>
+      <p:sp>
+        <p:nvSpPr>
+          <p:cNvPr id="5" name="Title 4">
+            <a:extLst>
+              <a:ext uri="{FF2B5EF4-FFF2-40B4-BE49-F238E27FC236}">
+                <a16:creationId xmlns:a16="http://schemas.microsoft.com/office/drawing/2014/main" id="{7E6AFEFE-FA0F-CDBD-40F1-A3FF99211BA2}"/>
+              </a:ext>
+            </a:extLst>
+          </p:cNvPr>
+          <p:cNvSpPr>
+            <a:spLocks noGrp="1"/>
+          </p:cNvSpPr>
+          <p:nvPr>
+            <p:ph type="title"/>
+          </p:nvPr>
+        </p:nvSpPr>
+        <p:spPr/>
+        <p:txBody>
+          <a:bodyPr/>
+          <a:lstStyle/>
+          <a:p>
+            <a:r>
+              <a:rPr lang="en-US" dirty="0"/>
+              <a:t>An overview of the longest units</a:t>
+            </a:r>
+          </a:p>
+        </p:txBody>
+      </p:sp>
+      <p:sp>
+        <p:nvSpPr>
+          <p:cNvPr id="6" name="Footer Placeholder 5">
+            <a:extLst>
+              <a:ext uri="{FF2B5EF4-FFF2-40B4-BE49-F238E27FC236}">
+                <a16:creationId xmlns:a16="http://schemas.microsoft.com/office/drawing/2014/main" id="{6476392F-4A8E-477A-00F5-76B3207433B6}"/>
+              </a:ext>
+            </a:extLst>
+          </p:cNvPr>
+          <p:cNvSpPr>
+            <a:spLocks noGrp="1"/>
+          </p:cNvSpPr>
+          <p:nvPr>
+            <p:ph type="ftr" sz="quarter" idx="3"/>
+          </p:nvPr>
+        </p:nvSpPr>
+        <p:spPr>
+          <a:xfrm>
+            <a:off x="2669790" y="6549140"/>
+            <a:ext cx="804066" cy="236406"/>
+          </a:xfrm>
+          <a:prstGeom prst="rect">
+            <a:avLst/>
+          </a:prstGeom>
+          <a:noFill/>
+          <a:ln w="12700" cap="flat" cmpd="sng" algn="ctr">
+            <a:noFill/>
+            <a:prstDash val="solid"/>
+            <a:miter lim="800000"/>
+          </a:ln>
+        </p:spPr>
+        <p:txBody>
+          <a:bodyPr wrap="none" lIns="0" tIns="36000" rIns="0" rtlCol="0" anchor="ctr">
+            <a:spAutoFit/>
+          </a:bodyPr>
+          <a:lstStyle>
+            <a:defPPr>
+              <a:defRPr lang="en-US"/>
+            </a:defPPr>
+            <a:lvl1pPr marL="0" algn="l" defTabSz="914400" rtl="0" eaLnBrk="1" latinLnBrk="0" hangingPunct="1">
+              <a:defRPr lang="en-US" sz="1000" b="1" kern="1200" cap="all" spc="10" baseline="0" dirty="0">
+                <a:solidFill>
+                  <a:srgbClr val="B2BECD"/>
+                </a:solidFill>
+                <a:latin typeface="+mn-lt"/>
+                <a:ea typeface="+mn-ea"/>
+                <a:cs typeface="+mn-cs"/>
+              </a:defRPr>
+            </a:lvl1pPr>
+            <a:lvl2pPr marL="457200" algn="l" defTabSz="914400" rtl="0" eaLnBrk="1" latinLnBrk="0" hangingPunct="1">
+              <a:defRPr sz="1800" kern="1200">
+                <a:solidFill>
+                  <a:schemeClr val="lt1"/>
+                </a:solidFill>
+                <a:latin typeface="+mn-lt"/>
+                <a:ea typeface="+mn-ea"/>
+                <a:cs typeface="+mn-cs"/>
+              </a:defRPr>
+            </a:lvl2pPr>
+            <a:lvl3pPr marL="914400" algn="l" defTabSz="914400" rtl="0" eaLnBrk="1" latinLnBrk="0" hangingPunct="1">
+              <a:defRPr sz="1800" kern="1200">
+                <a:solidFill>
+                  <a:schemeClr val="lt1"/>
+                </a:solidFill>
+                <a:latin typeface="+mn-lt"/>
+                <a:ea typeface="+mn-ea"/>
+                <a:cs typeface="+mn-cs"/>
+              </a:defRPr>
+            </a:lvl3pPr>
+            <a:lvl4pPr marL="1371600" algn="l" defTabSz="914400" rtl="0" eaLnBrk="1" latinLnBrk="0" hangingPunct="1">
+              <a:defRPr sz="1800" kern="1200">
+                <a:solidFill>
+                  <a:schemeClr val="lt1"/>
+                </a:solidFill>
+                <a:latin typeface="+mn-lt"/>
+                <a:ea typeface="+mn-ea"/>
+                <a:cs typeface="+mn-cs"/>
+              </a:defRPr>
+            </a:lvl4pPr>
+            <a:lvl5pPr marL="1828800" algn="l" defTabSz="914400" rtl="0" eaLnBrk="1" latinLnBrk="0" hangingPunct="1">
+              <a:defRPr sz="1800" kern="1200">
+                <a:solidFill>
+                  <a:schemeClr val="lt1"/>
+                </a:solidFill>
+                <a:latin typeface="+mn-lt"/>
+                <a:ea typeface="+mn-ea"/>
+                <a:cs typeface="+mn-cs"/>
+              </a:defRPr>
+            </a:lvl5pPr>
+            <a:lvl6pPr marL="2286000" algn="l" defTabSz="914400" rtl="0" eaLnBrk="1" latinLnBrk="0" hangingPunct="1">
+              <a:defRPr sz="1800" kern="1200">
+                <a:solidFill>
+                  <a:schemeClr val="lt1"/>
+                </a:solidFill>
+                <a:latin typeface="+mn-lt"/>
+                <a:ea typeface="+mn-ea"/>
+                <a:cs typeface="+mn-cs"/>
+              </a:defRPr>
+            </a:lvl6pPr>
+            <a:lvl7pPr marL="2743200" algn="l" defTabSz="914400" rtl="0" eaLnBrk="1" latinLnBrk="0" hangingPunct="1">
+              <a:defRPr sz="1800" kern="1200">
+                <a:solidFill>
+                  <a:schemeClr val="lt1"/>
+                </a:solidFill>
+                <a:latin typeface="+mn-lt"/>
+                <a:ea typeface="+mn-ea"/>
+                <a:cs typeface="+mn-cs"/>
+              </a:defRPr>
+            </a:lvl7pPr>
+            <a:lvl8pPr marL="3200400" algn="l" defTabSz="914400" rtl="0" eaLnBrk="1" latinLnBrk="0" hangingPunct="1">
+              <a:defRPr sz="1800" kern="1200">
+                <a:solidFill>
+                  <a:schemeClr val="lt1"/>
+                </a:solidFill>
+                <a:latin typeface="+mn-lt"/>
+                <a:ea typeface="+mn-ea"/>
+                <a:cs typeface="+mn-cs"/>
+              </a:defRPr>
+            </a:lvl8pPr>
+            <a:lvl9pPr marL="3657600" algn="l" defTabSz="914400" rtl="0" eaLnBrk="1" latinLnBrk="0" hangingPunct="1">
+              <a:defRPr sz="1800" kern="1200">
+                <a:solidFill>
+                  <a:schemeClr val="lt1"/>
+                </a:solidFill>
+                <a:latin typeface="+mn-lt"/>
+                <a:ea typeface="+mn-ea"/>
+                <a:cs typeface="+mn-cs"/>
+              </a:defRPr>
+            </a:lvl9pPr>
+          </a:lstStyle>
+          <a:p>
+            <a:r>
+              <a:rPr lang="en-US" dirty="0"/>
+              <a:t>Confidential</a:t>
+            </a:r>
+          </a:p>
+        </p:txBody>
+      </p:sp>
+      <p:graphicFrame>
+        <p:nvGraphicFramePr>
+          <p:cNvPr id="4" name="REFACTORING_CANDIDATES_TABLE_UNIT_SIZE">
+            <a:extLst>
+              <a:ext uri="{FF2B5EF4-FFF2-40B4-BE49-F238E27FC236}">
+                <a16:creationId xmlns:a16="http://schemas.microsoft.com/office/drawing/2014/main" id="{6526472F-557C-F0F9-9AC9-DA0F1F07D816}"/>
+              </a:ext>
+            </a:extLst>
+          </p:cNvPr>
+          <p:cNvGraphicFramePr>
+            <a:graphicFrameLocks noGrp="1"/>
+          </p:cNvGraphicFramePr>
+          <p:nvPr>
+            <p:extLst>
+              <p:ext uri="{D42A27DB-BD31-4B8C-83A1-F6EECF244321}">
+                <p14:modId xmlns:p14="http://schemas.microsoft.com/office/powerpoint/2010/main" val="885341822"/>
+              </p:ext>
+            </p:extLst>
+          </p:nvPr>
+        </p:nvGraphicFramePr>
+        <p:xfrm>
+          <a:off x="514373" y="1366988"/>
+          <a:ext cx="11232250" cy="4789680"/>
+        </p:xfrm>
+        <a:graphic>
+          <a:graphicData uri="http://schemas.openxmlformats.org/drawingml/2006/table">
+            <a:tbl>
+              <a:tblPr firstRow="1" bandRow="1">
+                <a:effectLst/>
+                <a:tableStyleId>{F2DE63D5-997A-4646-A377-4702673A728D}</a:tableStyleId>
+              </a:tblPr>
+              <a:tblGrid>
+                <a:gridCol w="6006500">
+                  <a:extLst>
+                    <a:ext uri="{9D8B030D-6E8A-4147-A177-3AD203B41FA5}">
+                      <a16:colId xmlns:a16="http://schemas.microsoft.com/office/drawing/2014/main" val="20000"/>
+                    </a:ext>
+                  </a:extLst>
+                </a:gridCol>
+                <a:gridCol w="877454">
+                  <a:extLst>
+                    <a:ext uri="{9D8B030D-6E8A-4147-A177-3AD203B41FA5}">
+                      <a16:colId xmlns:a16="http://schemas.microsoft.com/office/drawing/2014/main" val="20001"/>
+                    </a:ext>
+                  </a:extLst>
+                </a:gridCol>
+                <a:gridCol w="840509">
+                  <a:extLst>
+                    <a:ext uri="{9D8B030D-6E8A-4147-A177-3AD203B41FA5}">
+                      <a16:colId xmlns:a16="http://schemas.microsoft.com/office/drawing/2014/main" val="20002"/>
+                    </a:ext>
+                  </a:extLst>
+                </a:gridCol>
+                <a:gridCol w="1080655">
+                  <a:extLst>
+                    <a:ext uri="{9D8B030D-6E8A-4147-A177-3AD203B41FA5}">
+                      <a16:colId xmlns:a16="http://schemas.microsoft.com/office/drawing/2014/main" val="3286041723"/>
+                    </a:ext>
+                  </a:extLst>
+                </a:gridCol>
+                <a:gridCol w="1311564">
+                  <a:extLst>
+                    <a:ext uri="{9D8B030D-6E8A-4147-A177-3AD203B41FA5}">
+                      <a16:colId xmlns:a16="http://schemas.microsoft.com/office/drawing/2014/main" val="4263492041"/>
+                    </a:ext>
+                  </a:extLst>
+                </a:gridCol>
+                <a:gridCol w="1115568">
+                  <a:extLst>
+                    <a:ext uri="{9D8B030D-6E8A-4147-A177-3AD203B41FA5}">
+                      <a16:colId xmlns:a16="http://schemas.microsoft.com/office/drawing/2014/main" val="2509092107"/>
+                    </a:ext>
+                  </a:extLst>
+                </a:gridCol>
+              </a:tblGrid>
+              <a:tr h="0">
+                <a:tc>
+                  <a:txBody>
+                    <a:bodyPr/>
+                    <a:lstStyle/>
+                    <a:p>
+                      <a:pPr marL="0" marR="0" indent="0" algn="l" defTabSz="457200" rtl="0" eaLnBrk="1" fontAlgn="auto" latinLnBrk="0" hangingPunct="1">
+                        <a:lnSpc>
+                          <a:spcPct val="100000"/>
+                        </a:lnSpc>
+                        <a:spcBef>
+                          <a:spcPts val="0"/>
+                        </a:spcBef>
+                        <a:spcAft>
+                          <a:spcPts val="0"/>
+                        </a:spcAft>
+                        <a:buClrTx/>
+                        <a:buSzTx/>
+                        <a:buFontTx/>
+                        <a:buNone/>
+                        <a:tabLst/>
+                        <a:defRPr/>
+                      </a:pPr>
+                      <a:r>
+                        <a:rPr lang="nl-NL" sz="1400" b="1" noProof="0" dirty="0">
+                          <a:solidFill>
+                            <a:schemeClr val="bg1"/>
+                          </a:solidFill>
+                          <a:latin typeface="+mn-lt"/>
+                        </a:rPr>
+                        <a:t>Unit name</a:t>
+                      </a:r>
+                      <a:endParaRPr lang="nl-NL" sz="1400" b="1" i="0" noProof="0" dirty="0">
+                        <a:solidFill>
+                          <a:schemeClr val="bg1"/>
+                        </a:solidFill>
+                        <a:latin typeface="+mn-lt"/>
+                        <a:cs typeface="TheSans B4 SemiLight"/>
+                      </a:endParaRPr>
+                    </a:p>
+                  </a:txBody>
+                  <a:tcPr marL="108000" marR="108000" marT="72000" marB="72000">
+                    <a:lnL w="9525" cap="flat" cmpd="sng" algn="ctr">
+                      <a:noFill/>
+                      <a:prstDash val="solid"/>
+                    </a:lnL>
+                    <a:lnR>
+                      <a:noFill/>
+                    </a:lnR>
+                    <a:lnT w="9525" cap="flat" cmpd="sng" algn="ctr">
+                      <a:noFill/>
+                      <a:prstDash val="solid"/>
+                    </a:lnT>
+                    <a:lnB w="19050" cap="flat" cmpd="sng" algn="ctr">
+                      <a:noFill/>
+                      <a:prstDash val="sysDot"/>
+                      <a:round/>
+                      <a:headEnd type="none" w="med" len="med"/>
+                      <a:tailEnd type="none" w="med" len="med"/>
+                    </a:lnB>
+                    <a:lnTlToBr w="12700" cmpd="sng">
+                      <a:noFill/>
+                      <a:prstDash val="solid"/>
+                    </a:lnTlToBr>
+                    <a:lnBlToTr w="12700" cmpd="sng">
+                      <a:noFill/>
+                      <a:prstDash val="solid"/>
+                    </a:lnBlToTr>
+                    <a:solidFill>
+                      <a:schemeClr val="tx2"/>
+                    </a:solidFill>
+                  </a:tcPr>
+                </a:tc>
+                <a:tc>
+                  <a:txBody>
+                    <a:bodyPr/>
+                    <a:lstStyle/>
+                    <a:p>
+                      <a:pPr algn="r"/>
+                      <a:r>
+                        <a:rPr lang="nl-NL" sz="1400" b="1" noProof="0" dirty="0">
+                          <a:solidFill>
+                            <a:schemeClr val="bg1"/>
+                          </a:solidFill>
+                          <a:latin typeface="+mn-lt"/>
+                        </a:rPr>
+                        <a:t>Unit LOC</a:t>
+                      </a:r>
+                      <a:endParaRPr lang="nl-NL" sz="1400" b="1" i="0" noProof="0" dirty="0">
+                        <a:solidFill>
+                          <a:schemeClr val="bg1"/>
+                        </a:solidFill>
+                        <a:latin typeface="+mn-lt"/>
+                        <a:cs typeface="TheSans B4 SemiLight"/>
+                      </a:endParaRPr>
+                    </a:p>
+                  </a:txBody>
+                  <a:tcPr marL="108000" marR="108000" marT="72000" marB="72000">
+                    <a:lnL>
+                      <a:noFill/>
+                    </a:lnL>
+                    <a:lnR>
+                      <a:noFill/>
+                    </a:lnR>
+                    <a:lnT w="9525" cap="flat" cmpd="sng" algn="ctr">
+                      <a:noFill/>
+                      <a:prstDash val="solid"/>
+                    </a:lnT>
+                    <a:lnB w="19050" cap="flat" cmpd="sng" algn="ctr">
+                      <a:noFill/>
+                      <a:prstDash val="sysDot"/>
+                      <a:round/>
+                      <a:headEnd type="none" w="med" len="med"/>
+                      <a:tailEnd type="none" w="med" len="med"/>
+                    </a:lnB>
+                    <a:lnTlToBr w="12700" cmpd="sng">
+                      <a:noFill/>
+                      <a:prstDash val="solid"/>
+                    </a:lnTlToBr>
+                    <a:lnBlToTr w="12700" cmpd="sng">
+                      <a:noFill/>
+                      <a:prstDash val="solid"/>
+                    </a:lnBlToTr>
+                    <a:solidFill>
+                      <a:schemeClr val="accent2"/>
+                    </a:solidFill>
+                  </a:tcPr>
+                </a:tc>
+                <a:tc>
+                  <a:txBody>
+                    <a:bodyPr/>
+                    <a:lstStyle/>
+                    <a:p>
+                      <a:pPr algn="r"/>
+                      <a:r>
+                        <a:rPr lang="nl-NL" sz="1400" b="1" noProof="0" dirty="0" err="1">
+                          <a:solidFill>
+                            <a:schemeClr val="bg1"/>
+                          </a:solidFill>
+                          <a:latin typeface="+mn-lt"/>
+                        </a:rPr>
+                        <a:t>McCabe</a:t>
+                      </a:r>
+                      <a:endParaRPr lang="nl-NL" sz="1400" b="1" i="0" noProof="0" dirty="0">
+                        <a:solidFill>
+                          <a:schemeClr val="bg1"/>
+                        </a:solidFill>
+                        <a:latin typeface="+mn-lt"/>
+                        <a:cs typeface="TheSans B4 SemiLight"/>
+                      </a:endParaRPr>
+                    </a:p>
+                  </a:txBody>
+                  <a:tcPr marL="108000" marR="108000" marT="72000" marB="72000">
+                    <a:lnL>
+                      <a:noFill/>
+                    </a:lnL>
+                    <a:lnR w="9525" cap="flat" cmpd="sng" algn="ctr">
+                      <a:noFill/>
+                      <a:prstDash val="solid"/>
+                    </a:lnR>
+                    <a:lnT w="9525" cap="flat" cmpd="sng" algn="ctr">
+                      <a:noFill/>
+                      <a:prstDash val="solid"/>
+                    </a:lnT>
+                    <a:lnB w="19050" cap="flat" cmpd="sng" algn="ctr">
+                      <a:noFill/>
+                      <a:prstDash val="sysDot"/>
+                      <a:round/>
+                      <a:headEnd type="none" w="med" len="med"/>
+                      <a:tailEnd type="none" w="med" len="med"/>
+                    </a:lnB>
+                    <a:lnTlToBr w="12700" cmpd="sng">
+                      <a:noFill/>
+                      <a:prstDash val="solid"/>
+                    </a:lnTlToBr>
+                    <a:lnBlToTr w="12700" cmpd="sng">
+                      <a:noFill/>
+                      <a:prstDash val="solid"/>
+                    </a:lnBlToTr>
+                    <a:solidFill>
+                      <a:schemeClr val="tx2"/>
+                    </a:solidFill>
+                  </a:tcPr>
+                </a:tc>
+                <a:tc>
+                  <a:txBody>
+                    <a:bodyPr/>
+                    <a:lstStyle/>
+                    <a:p>
+                      <a:pPr algn="r"/>
+                      <a:r>
+                        <a:rPr lang="nl-NL" sz="1400" b="1" i="0" noProof="0" dirty="0">
+                          <a:solidFill>
+                            <a:schemeClr val="bg1"/>
+                          </a:solidFill>
+                          <a:latin typeface="+mn-lt"/>
+                          <a:cs typeface="TheSans B4 SemiLight"/>
+                        </a:rPr>
+                        <a:t>Parameters</a:t>
+                      </a:r>
+                    </a:p>
+                  </a:txBody>
+                  <a:tcPr marL="108000" marR="108000" marT="72000" marB="72000">
+                    <a:lnL>
+                      <a:noFill/>
+                    </a:lnL>
+                    <a:lnR w="9525" cap="flat" cmpd="sng" algn="ctr">
+                      <a:noFill/>
+                      <a:prstDash val="solid"/>
+                    </a:lnR>
+                    <a:lnT w="9525" cap="flat" cmpd="sng" algn="ctr">
+                      <a:noFill/>
+                      <a:prstDash val="solid"/>
+                    </a:lnT>
+                    <a:lnB w="19050" cap="flat" cmpd="sng" algn="ctr">
+                      <a:noFill/>
+                      <a:prstDash val="sysDot"/>
+                      <a:round/>
+                      <a:headEnd type="none" w="med" len="med"/>
+                      <a:tailEnd type="none" w="med" len="med"/>
+                    </a:lnB>
+                    <a:lnTlToBr w="12700" cmpd="sng">
+                      <a:noFill/>
+                      <a:prstDash val="solid"/>
+                    </a:lnTlToBr>
+                    <a:lnBlToTr w="12700" cmpd="sng">
+                      <a:noFill/>
+                      <a:prstDash val="solid"/>
+                    </a:lnBlToTr>
+                    <a:solidFill>
+                      <a:schemeClr val="tx2"/>
+                    </a:solidFill>
+                  </a:tcPr>
+                </a:tc>
+                <a:tc>
+                  <a:txBody>
+                    <a:bodyPr/>
+                    <a:lstStyle/>
+                    <a:p>
+                      <a:pPr algn="l"/>
+                      <a:r>
+                        <a:rPr lang="nl-NL" sz="1400" b="1" i="0" noProof="0" dirty="0">
+                          <a:solidFill>
+                            <a:schemeClr val="bg1"/>
+                          </a:solidFill>
+                          <a:latin typeface="+mn-lt"/>
+                          <a:cs typeface="TheSans B4 SemiLight"/>
+                        </a:rPr>
+                        <a:t>Component</a:t>
+                      </a:r>
+                    </a:p>
+                  </a:txBody>
+                  <a:tcPr marL="108000" marR="108000" marT="72000" marB="72000">
+                    <a:lnL>
+                      <a:noFill/>
+                    </a:lnL>
+                    <a:lnR w="9525" cap="flat" cmpd="sng" algn="ctr">
+                      <a:noFill/>
+                      <a:prstDash val="solid"/>
+                    </a:lnR>
+                    <a:lnT w="9525" cap="flat" cmpd="sng" algn="ctr">
+                      <a:noFill/>
+                      <a:prstDash val="solid"/>
+                    </a:lnT>
+                    <a:lnB w="19050" cap="flat" cmpd="sng" algn="ctr">
+                      <a:noFill/>
+                      <a:prstDash val="sysDot"/>
+                      <a:round/>
+                      <a:headEnd type="none" w="med" len="med"/>
+                      <a:tailEnd type="none" w="med" len="med"/>
+                    </a:lnB>
+                    <a:lnTlToBr w="12700" cmpd="sng">
+                      <a:noFill/>
+                      <a:prstDash val="solid"/>
+                    </a:lnTlToBr>
+                    <a:lnBlToTr w="12700" cmpd="sng">
+                      <a:noFill/>
+                      <a:prstDash val="solid"/>
+                    </a:lnBlToTr>
+                    <a:solidFill>
+                      <a:schemeClr val="tx2"/>
+                    </a:solidFill>
+                  </a:tcPr>
+                </a:tc>
+                <a:tc>
+                  <a:txBody>
+                    <a:bodyPr/>
+                    <a:lstStyle/>
+                    <a:p>
+                      <a:pPr algn="l"/>
+                      <a:r>
+                        <a:rPr lang="nl-NL" sz="1400" b="1" i="0" noProof="0" dirty="0">
+                          <a:solidFill>
+                            <a:schemeClr val="bg1"/>
+                          </a:solidFill>
+                          <a:latin typeface="+mn-lt"/>
+                          <a:cs typeface="TheSans B4 SemiLight"/>
+                        </a:rPr>
+                        <a:t>Technology</a:t>
+                      </a:r>
+                    </a:p>
+                  </a:txBody>
+                  <a:tcPr marL="108000" marR="108000" marT="72000" marB="72000">
+                    <a:lnL>
+                      <a:noFill/>
+                    </a:lnL>
+                    <a:lnR w="9525" cap="flat" cmpd="sng" algn="ctr">
+                      <a:noFill/>
+                      <a:prstDash val="solid"/>
+                    </a:lnR>
+                    <a:lnT w="9525" cap="flat" cmpd="sng" algn="ctr">
+                      <a:noFill/>
+                      <a:prstDash val="solid"/>
+                    </a:lnT>
+                    <a:lnB w="19050" cap="flat" cmpd="sng" algn="ctr">
+                      <a:noFill/>
+                      <a:prstDash val="sysDot"/>
+                      <a:round/>
+                      <a:headEnd type="none" w="med" len="med"/>
+                      <a:tailEnd type="none" w="med" len="med"/>
+                    </a:lnB>
+                    <a:lnTlToBr w="12700" cmpd="sng">
+                      <a:noFill/>
+                      <a:prstDash val="solid"/>
+                    </a:lnTlToBr>
+                    <a:lnBlToTr w="12700" cmpd="sng">
+                      <a:noFill/>
+                      <a:prstDash val="solid"/>
+                    </a:lnBlToTr>
+                    <a:solidFill>
+                      <a:schemeClr val="tx2"/>
+                    </a:solidFill>
+                  </a:tcPr>
+                </a:tc>
+                <a:extLst>
+                  <a:ext uri="{0D108BD9-81ED-4DB2-BD59-A6C34878D82A}">
+                    <a16:rowId xmlns:a16="http://schemas.microsoft.com/office/drawing/2014/main" val="10000"/>
+                  </a:ext>
+                </a:extLst>
+              </a:tr>
+              <a:tr h="0">
+                <a:tc>
+                  <a:txBody>
+                    <a:bodyPr/>
+                    <a:lstStyle/>
+                    <a:p>
+                      <a:pPr marL="0" marR="0" lvl="0" indent="0" algn="l" defTabSz="914400" rtl="0" eaLnBrk="1" fontAlgn="b" latinLnBrk="0" hangingPunct="1">
+                        <a:lnSpc>
+                          <a:spcPct val="100000"/>
+                        </a:lnSpc>
+                        <a:spcBef>
+                          <a:spcPts val="0"/>
+                        </a:spcBef>
+                        <a:spcAft>
+                          <a:spcPts val="0"/>
+                        </a:spcAft>
+                        <a:buClrTx/>
+                        <a:buSzTx/>
+                        <a:buFontTx/>
+                        <a:buNone/>
+                        <a:tabLst/>
+                        <a:defRPr/>
+                      </a:pPr>
+                      <a:r>
+                        <a:rPr lang="en-US" sz="1200" b="0" i="0" u="none" strike="noStrike" dirty="0">
+                          <a:solidFill>
+                            <a:schemeClr val="tx2"/>
+                          </a:solidFill>
+                          <a:effectLst/>
+                          <a:latin typeface="Calibri Bold"/>
+                        </a:rPr>
+                        <a:t>Example style</a:t>
+                      </a:r>
+                    </a:p>
+                  </a:txBody>
+                  <a:tcPr marL="108000" marR="108000" marT="72000" marB="72000">
+                    <a:lnL w="9525" cap="flat" cmpd="sng" algn="ctr">
+                      <a:noFill/>
+                      <a:prstDash val="solid"/>
+                    </a:lnL>
+                    <a:lnR>
+                      <a:noFill/>
+                    </a:lnR>
+                    <a:lnT w="19050" cap="flat" cmpd="sng" algn="ctr">
+                      <a:noFill/>
+                      <a:prstDash val="sysDot"/>
+                      <a:round/>
+                      <a:headEnd type="none" w="med" len="med"/>
+                      <a:tailEnd type="none" w="med" len="med"/>
+                    </a:lnT>
+                    <a:lnB w="12700" cap="flat" cmpd="sng" algn="ctr">
+                      <a:solidFill>
+                        <a:schemeClr val="tx1">
+                          <a:lumMod val="40000"/>
+                          <a:lumOff val="60000"/>
+                        </a:schemeClr>
+                      </a:solidFill>
+                      <a:prstDash val="sysDot"/>
+                      <a:round/>
+                      <a:headEnd type="none" w="med" len="med"/>
+                      <a:tailEnd type="none" w="med" len="med"/>
+                    </a:lnB>
+                    <a:lnTlToBr w="12700" cmpd="sng">
+                      <a:noFill/>
+                      <a:prstDash val="solid"/>
+                    </a:lnTlToBr>
+                    <a:lnBlToTr w="12700" cmpd="sng">
+                      <a:noFill/>
+                      <a:prstDash val="solid"/>
+                    </a:lnBlToTr>
+                    <a:solidFill>
+                      <a:schemeClr val="bg1"/>
+                    </a:solidFill>
+                  </a:tcPr>
+                </a:tc>
+                <a:tc>
+                  <a:txBody>
+                    <a:bodyPr/>
+                    <a:lstStyle/>
+                    <a:p>
+                      <a:pPr algn="r" fontAlgn="b"/>
+                      <a:r>
+                        <a:rPr lang="en-US" sz="1200" b="0" i="0" u="none" strike="noStrike" dirty="0">
+                          <a:solidFill>
+                            <a:schemeClr val="tx2"/>
+                          </a:solidFill>
+                          <a:effectLst/>
+                          <a:latin typeface="Calibri Regular"/>
+                        </a:rPr>
+                        <a:t>Example style</a:t>
+                      </a:r>
+                    </a:p>
+                  </a:txBody>
+                  <a:tcPr marL="108000" marR="108000" marT="72000" marB="72000">
+                    <a:lnL>
+                      <a:noFill/>
+                    </a:lnL>
+                    <a:lnR>
+                      <a:noFill/>
+                    </a:lnR>
+                    <a:lnT w="19050" cap="flat" cmpd="sng" algn="ctr">
+                      <a:noFill/>
+                      <a:prstDash val="sysDot"/>
+                      <a:round/>
+                      <a:headEnd type="none" w="med" len="med"/>
+                      <a:tailEnd type="none" w="med" len="med"/>
+                    </a:lnT>
+                    <a:lnB w="12700" cap="flat" cmpd="sng" algn="ctr">
+                      <a:solidFill>
+                        <a:schemeClr val="tx1">
+                          <a:lumMod val="40000"/>
+                          <a:lumOff val="60000"/>
+                        </a:schemeClr>
+                      </a:solidFill>
+                      <a:prstDash val="sysDot"/>
+                      <a:round/>
+                      <a:headEnd type="none" w="med" len="med"/>
+                      <a:tailEnd type="none" w="med" len="med"/>
+                    </a:lnB>
+                    <a:lnTlToBr w="12700" cmpd="sng">
+                      <a:noFill/>
+                      <a:prstDash val="solid"/>
+                    </a:lnTlToBr>
+                    <a:lnBlToTr w="12700" cmpd="sng">
+                      <a:noFill/>
+                      <a:prstDash val="solid"/>
+                    </a:lnBlToTr>
+                    <a:solidFill>
+                      <a:srgbClr val="FEF5BA"/>
+                    </a:solidFill>
+                  </a:tcPr>
+                </a:tc>
+                <a:tc>
+                  <a:txBody>
+                    <a:bodyPr/>
+                    <a:lstStyle/>
+                    <a:p>
+                      <a:pPr algn="r" fontAlgn="b"/>
+                      <a:r>
+                        <a:rPr lang="en-US" sz="1200" b="0" i="0" u="none" strike="noStrike" dirty="0">
+                          <a:solidFill>
+                            <a:schemeClr val="tx1">
+                              <a:lumMod val="60000"/>
+                              <a:lumOff val="40000"/>
+                            </a:schemeClr>
+                          </a:solidFill>
+                          <a:effectLst/>
+                          <a:latin typeface="Calibri Regular"/>
+                        </a:rPr>
+                        <a:t>Example style</a:t>
+                      </a:r>
+                    </a:p>
+                  </a:txBody>
+                  <a:tcPr marL="108000" marR="108000" marT="72000" marB="72000">
+                    <a:lnL>
+                      <a:noFill/>
+                    </a:lnL>
+                    <a:lnR w="9525" cap="flat" cmpd="sng" algn="ctr">
+                      <a:noFill/>
+                      <a:prstDash val="solid"/>
+                    </a:lnR>
+                    <a:lnT w="19050" cap="flat" cmpd="sng" algn="ctr">
+                      <a:noFill/>
+                      <a:prstDash val="sysDot"/>
+                      <a:round/>
+                      <a:headEnd type="none" w="med" len="med"/>
+                      <a:tailEnd type="none" w="med" len="med"/>
+                    </a:lnT>
+                    <a:lnB w="12700" cap="flat" cmpd="sng" algn="ctr">
+                      <a:solidFill>
+                        <a:schemeClr val="tx1">
+                          <a:lumMod val="40000"/>
+                          <a:lumOff val="60000"/>
+                        </a:schemeClr>
+                      </a:solidFill>
+                      <a:prstDash val="sysDot"/>
+                      <a:round/>
+                      <a:headEnd type="none" w="med" len="med"/>
+                      <a:tailEnd type="none" w="med" len="med"/>
+                    </a:lnB>
+                    <a:lnTlToBr w="12700" cmpd="sng">
+                      <a:noFill/>
+                      <a:prstDash val="solid"/>
+                    </a:lnTlToBr>
+                    <a:lnBlToTr w="12700" cmpd="sng">
+                      <a:noFill/>
+                      <a:prstDash val="solid"/>
+                    </a:lnBlToTr>
+                    <a:solidFill>
+                      <a:schemeClr val="bg1"/>
+                    </a:solidFill>
+                  </a:tcPr>
+                </a:tc>
+                <a:tc>
+                  <a:txBody>
+                    <a:bodyPr/>
+                    <a:lstStyle/>
+                    <a:p>
+                      <a:pPr algn="r" fontAlgn="b"/>
+                      <a:r>
+                        <a:rPr lang="en-US" sz="1200" b="0" i="0" u="none" strike="noStrike" dirty="0">
+                          <a:solidFill>
+                            <a:schemeClr val="tx1">
+                              <a:lumMod val="60000"/>
+                              <a:lumOff val="40000"/>
+                            </a:schemeClr>
+                          </a:solidFill>
+                          <a:effectLst/>
+                          <a:latin typeface="Calibri Regular"/>
+                        </a:rPr>
+                        <a:t>Example style</a:t>
+                      </a:r>
+                    </a:p>
+                  </a:txBody>
+                  <a:tcPr marL="108000" marR="108000" marT="72000" marB="72000">
+                    <a:lnL>
+                      <a:noFill/>
+                    </a:lnL>
+                    <a:lnR w="9525" cap="flat" cmpd="sng" algn="ctr">
+                      <a:noFill/>
+                      <a:prstDash val="solid"/>
+                    </a:lnR>
+                    <a:lnT w="19050" cap="flat" cmpd="sng" algn="ctr">
+                      <a:noFill/>
+                      <a:prstDash val="sysDot"/>
+                      <a:round/>
+                      <a:headEnd type="none" w="med" len="med"/>
+                      <a:tailEnd type="none" w="med" len="med"/>
+                    </a:lnT>
+                    <a:lnB w="12700" cap="flat" cmpd="sng" algn="ctr">
+                      <a:solidFill>
+                        <a:schemeClr val="tx1">
+                          <a:lumMod val="40000"/>
+                          <a:lumOff val="60000"/>
+                        </a:schemeClr>
+                      </a:solidFill>
+                      <a:prstDash val="sysDot"/>
+                      <a:round/>
+                      <a:headEnd type="none" w="med" len="med"/>
+                      <a:tailEnd type="none" w="med" len="med"/>
+                    </a:lnB>
+                    <a:lnTlToBr w="12700" cmpd="sng">
+                      <a:noFill/>
+                      <a:prstDash val="solid"/>
+                    </a:lnTlToBr>
+                    <a:lnBlToTr w="12700" cmpd="sng">
+                      <a:noFill/>
+                      <a:prstDash val="solid"/>
+                    </a:lnBlToTr>
+                    <a:solidFill>
+                      <a:schemeClr val="bg1"/>
+                    </a:solidFill>
+                  </a:tcPr>
+                </a:tc>
+                <a:tc>
+                  <a:txBody>
+                    <a:bodyPr/>
+                    <a:lstStyle/>
+                    <a:p>
+                      <a:pPr algn="l" fontAlgn="b"/>
+                      <a:endParaRPr lang="en-US" sz="1200" b="0" i="0" u="none" strike="noStrike" dirty="0">
+                        <a:solidFill>
+                          <a:schemeClr val="tx1">
+                            <a:lumMod val="60000"/>
+                            <a:lumOff val="40000"/>
+                          </a:schemeClr>
+                        </a:solidFill>
+                        <a:effectLst/>
+                        <a:latin typeface="Calibri Regular"/>
+                      </a:endParaRPr>
+                    </a:p>
+                  </a:txBody>
+                  <a:tcPr marL="108000" marR="108000" marT="72000" marB="72000">
+                    <a:lnL>
+                      <a:noFill/>
+                    </a:lnL>
+                    <a:lnR w="9525" cap="flat" cmpd="sng" algn="ctr">
+                      <a:noFill/>
+                      <a:prstDash val="solid"/>
+                    </a:lnR>
+                    <a:lnT w="19050" cap="flat" cmpd="sng" algn="ctr">
+                      <a:noFill/>
+                      <a:prstDash val="sysDot"/>
+                      <a:round/>
+                      <a:headEnd type="none" w="med" len="med"/>
+                      <a:tailEnd type="none" w="med" len="med"/>
+                    </a:lnT>
+                    <a:lnB w="12700" cap="flat" cmpd="sng" algn="ctr">
+                      <a:solidFill>
+                        <a:schemeClr val="tx1">
+                          <a:lumMod val="40000"/>
+                          <a:lumOff val="60000"/>
+                        </a:schemeClr>
+                      </a:solidFill>
+                      <a:prstDash val="sysDot"/>
+                      <a:round/>
+                      <a:headEnd type="none" w="med" len="med"/>
+                      <a:tailEnd type="none" w="med" len="med"/>
+                    </a:lnB>
+                    <a:lnTlToBr w="12700" cmpd="sng">
+                      <a:noFill/>
+                      <a:prstDash val="solid"/>
+                    </a:lnTlToBr>
+                    <a:lnBlToTr w="12700" cmpd="sng">
+                      <a:noFill/>
+                      <a:prstDash val="solid"/>
+                    </a:lnBlToTr>
+                    <a:solidFill>
+                      <a:schemeClr val="bg1"/>
+                    </a:solidFill>
+                  </a:tcPr>
+                </a:tc>
+                <a:tc>
+                  <a:txBody>
+                    <a:bodyPr/>
+                    <a:lstStyle/>
+                    <a:p>
+                      <a:pPr algn="l" fontAlgn="b"/>
+                      <a:endParaRPr lang="en-US" sz="1200" b="0" i="0" u="none" strike="noStrike" dirty="0">
+                        <a:solidFill>
+                          <a:schemeClr val="tx1">
+                            <a:lumMod val="60000"/>
+                            <a:lumOff val="40000"/>
+                          </a:schemeClr>
+                        </a:solidFill>
+                        <a:effectLst/>
+                        <a:latin typeface="Calibri Regular"/>
+                      </a:endParaRPr>
+                    </a:p>
+                  </a:txBody>
+                  <a:tcPr marL="108000" marR="108000" marT="72000" marB="72000">
+                    <a:lnL>
+                      <a:noFill/>
+                    </a:lnL>
+                    <a:lnR w="9525" cap="flat" cmpd="sng" algn="ctr">
+                      <a:noFill/>
+                      <a:prstDash val="solid"/>
+                    </a:lnR>
+                    <a:lnT w="19050" cap="flat" cmpd="sng" algn="ctr">
+                      <a:noFill/>
+                      <a:prstDash val="sysDot"/>
+                      <a:round/>
+                      <a:headEnd type="none" w="med" len="med"/>
+                      <a:tailEnd type="none" w="med" len="med"/>
+                    </a:lnT>
+                    <a:lnB w="12700" cap="flat" cmpd="sng" algn="ctr">
+                      <a:solidFill>
+                        <a:schemeClr val="tx1">
+                          <a:lumMod val="40000"/>
+                          <a:lumOff val="60000"/>
+                        </a:schemeClr>
+                      </a:solidFill>
+                      <a:prstDash val="sysDot"/>
+                      <a:round/>
+                      <a:headEnd type="none" w="med" len="med"/>
+                      <a:tailEnd type="none" w="med" len="med"/>
+                    </a:lnB>
+                    <a:lnTlToBr w="12700" cmpd="sng">
+                      <a:noFill/>
+                      <a:prstDash val="solid"/>
+                    </a:lnTlToBr>
+                    <a:lnBlToTr w="12700" cmpd="sng">
+                      <a:noFill/>
+                      <a:prstDash val="solid"/>
+                    </a:lnBlToTr>
+                    <a:solidFill>
+                      <a:schemeClr val="bg1"/>
+                    </a:solidFill>
+                  </a:tcPr>
+                </a:tc>
+                <a:extLst>
+                  <a:ext uri="{0D108BD9-81ED-4DB2-BD59-A6C34878D82A}">
+                    <a16:rowId xmlns:a16="http://schemas.microsoft.com/office/drawing/2014/main" val="10001"/>
+                  </a:ext>
+                </a:extLst>
+              </a:tr>
+              <a:tr h="0">
+                <a:tc>
+                  <a:txBody>
+                    <a:bodyPr/>
+                    <a:lstStyle/>
+                    <a:p>
+                      <a:pPr algn="l" fontAlgn="b"/>
+                      <a:endParaRPr lang="en-US" sz="1200" b="0" i="0" u="none" strike="noStrike" dirty="0">
+                        <a:solidFill>
+                          <a:schemeClr val="tx2"/>
+                        </a:solidFill>
+                        <a:effectLst/>
+                        <a:latin typeface="Calibri Regular"/>
+                      </a:endParaRPr>
+                    </a:p>
+                  </a:txBody>
+                  <a:tcPr marL="108000" marR="108000" marT="72000" marB="72000">
+                    <a:lnL w="9525" cap="flat" cmpd="sng" algn="ctr">
+                      <a:noFill/>
+                      <a:prstDash val="solid"/>
+                    </a:lnL>
+                    <a:lnR>
+                      <a:noFill/>
+                    </a:lnR>
+                    <a:lnT w="12700" cap="flat" cmpd="sng" algn="ctr">
+                      <a:solidFill>
+                        <a:schemeClr val="tx1">
+                          <a:lumMod val="40000"/>
+                          <a:lumOff val="60000"/>
+                        </a:schemeClr>
+                      </a:solidFill>
+                      <a:prstDash val="sysDot"/>
+                      <a:round/>
+                      <a:headEnd type="none" w="med" len="med"/>
+                      <a:tailEnd type="none" w="med" len="med"/>
+                    </a:lnT>
+                    <a:lnB w="12700" cap="flat" cmpd="sng" algn="ctr">
+                      <a:solidFill>
+                        <a:schemeClr val="tx1">
+                          <a:lumMod val="40000"/>
+                          <a:lumOff val="60000"/>
+                        </a:schemeClr>
+                      </a:solidFill>
+                      <a:prstDash val="sysDot"/>
+                      <a:round/>
+                      <a:headEnd type="none" w="med" len="med"/>
+                      <a:tailEnd type="none" w="med" len="med"/>
+                    </a:lnB>
+                    <a:lnTlToBr w="12700" cmpd="sng">
+                      <a:noFill/>
+                      <a:prstDash val="solid"/>
+                    </a:lnTlToBr>
+                    <a:lnBlToTr w="12700" cmpd="sng">
+                      <a:noFill/>
+                      <a:prstDash val="solid"/>
+                    </a:lnBlToTr>
+                    <a:solidFill>
+                      <a:schemeClr val="bg1"/>
+                    </a:solidFill>
+                  </a:tcPr>
+                </a:tc>
+                <a:tc>
+                  <a:txBody>
+                    <a:bodyPr/>
+                    <a:lstStyle/>
+                    <a:p>
+                      <a:pPr algn="r" fontAlgn="b"/>
+                      <a:endParaRPr lang="en-US" sz="1200" b="0" i="0" u="none" strike="noStrike" dirty="0">
+                        <a:solidFill>
+                          <a:schemeClr val="tx2"/>
+                        </a:solidFill>
+                        <a:effectLst/>
+                        <a:latin typeface="Calibri Regular"/>
+                      </a:endParaRPr>
+                    </a:p>
+                  </a:txBody>
+                  <a:tcPr marL="108000" marR="108000" marT="72000" marB="72000">
+                    <a:lnL>
+                      <a:noFill/>
+                    </a:lnL>
+                    <a:lnR>
+                      <a:noFill/>
+                    </a:lnR>
+                    <a:lnT w="12700" cap="flat" cmpd="sng" algn="ctr">
+                      <a:solidFill>
+                        <a:schemeClr val="tx1">
+                          <a:lumMod val="40000"/>
+                          <a:lumOff val="60000"/>
+                        </a:schemeClr>
+                      </a:solidFill>
+                      <a:prstDash val="sysDot"/>
+                      <a:round/>
+                      <a:headEnd type="none" w="med" len="med"/>
+                      <a:tailEnd type="none" w="med" len="med"/>
+                    </a:lnT>
+                    <a:lnB w="12700" cap="flat" cmpd="sng" algn="ctr">
+                      <a:solidFill>
+                        <a:schemeClr val="tx1">
+                          <a:lumMod val="40000"/>
+                          <a:lumOff val="60000"/>
+                        </a:schemeClr>
+                      </a:solidFill>
+                      <a:prstDash val="sysDot"/>
+                      <a:round/>
+                      <a:headEnd type="none" w="med" len="med"/>
+                      <a:tailEnd type="none" w="med" len="med"/>
+                    </a:lnB>
+                    <a:lnTlToBr w="12700" cmpd="sng">
+                      <a:noFill/>
+                      <a:prstDash val="solid"/>
+                    </a:lnTlToBr>
+                    <a:lnBlToTr w="12700" cmpd="sng">
+                      <a:noFill/>
+                      <a:prstDash val="solid"/>
+                    </a:lnBlToTr>
+                    <a:solidFill>
+                      <a:srgbClr val="FEF5BA"/>
+                    </a:solidFill>
+                  </a:tcPr>
+                </a:tc>
+                <a:tc>
+                  <a:txBody>
+                    <a:bodyPr/>
+                    <a:lstStyle/>
+                    <a:p>
+                      <a:pPr marL="0" marR="0" indent="0" algn="r" defTabSz="457200" rtl="0" eaLnBrk="1" fontAlgn="b" latinLnBrk="0" hangingPunct="1">
+                        <a:lnSpc>
+                          <a:spcPct val="100000"/>
+                        </a:lnSpc>
+                        <a:spcBef>
+                          <a:spcPts val="0"/>
+                        </a:spcBef>
+                        <a:spcAft>
+                          <a:spcPts val="0"/>
+                        </a:spcAft>
+                        <a:buClrTx/>
+                        <a:buSzTx/>
+                        <a:buFontTx/>
+                        <a:buNone/>
+                        <a:tabLst/>
+                        <a:defRPr/>
+                      </a:pPr>
+                      <a:endParaRPr lang="en-US" sz="1200" b="0" i="0" u="none" strike="noStrike" dirty="0">
+                        <a:solidFill>
+                          <a:schemeClr val="tx1">
+                            <a:lumMod val="60000"/>
+                            <a:lumOff val="40000"/>
+                          </a:schemeClr>
+                        </a:solidFill>
+                        <a:effectLst/>
+                        <a:latin typeface="Calibri Regular"/>
+                      </a:endParaRPr>
+                    </a:p>
+                  </a:txBody>
+                  <a:tcPr marL="108000" marR="108000" marT="72000" marB="72000">
+                    <a:lnL>
+                      <a:noFill/>
+                    </a:lnL>
+                    <a:lnR w="9525" cap="flat" cmpd="sng" algn="ctr">
+                      <a:noFill/>
+                      <a:prstDash val="solid"/>
+                    </a:lnR>
+                    <a:lnT w="12700" cap="flat" cmpd="sng" algn="ctr">
+                      <a:solidFill>
+                        <a:schemeClr val="tx1">
+                          <a:lumMod val="40000"/>
+                          <a:lumOff val="60000"/>
+                        </a:schemeClr>
+                      </a:solidFill>
+                      <a:prstDash val="sysDot"/>
+                      <a:round/>
+                      <a:headEnd type="none" w="med" len="med"/>
+                      <a:tailEnd type="none" w="med" len="med"/>
+                    </a:lnT>
+                    <a:lnB w="12700" cap="flat" cmpd="sng" algn="ctr">
+                      <a:solidFill>
+                        <a:schemeClr val="tx1">
+                          <a:lumMod val="40000"/>
+                          <a:lumOff val="60000"/>
+                        </a:schemeClr>
+                      </a:solidFill>
+                      <a:prstDash val="sysDot"/>
+                      <a:round/>
+                      <a:headEnd type="none" w="med" len="med"/>
+                      <a:tailEnd type="none" w="med" len="med"/>
+                    </a:lnB>
+                    <a:lnTlToBr w="12700" cmpd="sng">
+                      <a:noFill/>
+                      <a:prstDash val="solid"/>
+                    </a:lnTlToBr>
+                    <a:lnBlToTr w="12700" cmpd="sng">
+                      <a:noFill/>
+                      <a:prstDash val="solid"/>
+                    </a:lnBlToTr>
+                    <a:solidFill>
+                      <a:schemeClr val="bg1"/>
+                    </a:solidFill>
+                  </a:tcPr>
+                </a:tc>
+                <a:tc>
+                  <a:txBody>
+                    <a:bodyPr/>
+                    <a:lstStyle/>
+                    <a:p>
+                      <a:pPr marL="0" marR="0" indent="0" algn="r" defTabSz="457200" rtl="0" eaLnBrk="1" fontAlgn="b" latinLnBrk="0" hangingPunct="1">
+                        <a:lnSpc>
+                          <a:spcPct val="100000"/>
+                        </a:lnSpc>
+                        <a:spcBef>
+                          <a:spcPts val="0"/>
+                        </a:spcBef>
+                        <a:spcAft>
+                          <a:spcPts val="0"/>
+                        </a:spcAft>
+                        <a:buClrTx/>
+                        <a:buSzTx/>
+                        <a:buFontTx/>
+                        <a:buNone/>
+                        <a:tabLst/>
+                        <a:defRPr/>
+                      </a:pPr>
+                      <a:endParaRPr lang="en-US" sz="1200" b="0" i="0" u="none" strike="noStrike" dirty="0">
+                        <a:solidFill>
+                          <a:schemeClr val="tx1">
+                            <a:lumMod val="60000"/>
+                            <a:lumOff val="40000"/>
+                          </a:schemeClr>
+                        </a:solidFill>
+                        <a:effectLst/>
+                        <a:latin typeface="Calibri Regular"/>
+                      </a:endParaRPr>
+                    </a:p>
+                  </a:txBody>
+                  <a:tcPr marL="108000" marR="108000" marT="72000" marB="72000">
+                    <a:lnL>
+                      <a:noFill/>
+                    </a:lnL>
+                    <a:lnR w="9525" cap="flat" cmpd="sng" algn="ctr">
+                      <a:noFill/>
+                      <a:prstDash val="solid"/>
+                    </a:lnR>
+                    <a:lnT w="12700" cap="flat" cmpd="sng" algn="ctr">
+                      <a:solidFill>
+                        <a:schemeClr val="tx1">
+                          <a:lumMod val="40000"/>
+                          <a:lumOff val="60000"/>
+                        </a:schemeClr>
+                      </a:solidFill>
+                      <a:prstDash val="sysDot"/>
+                      <a:round/>
+                      <a:headEnd type="none" w="med" len="med"/>
+                      <a:tailEnd type="none" w="med" len="med"/>
+                    </a:lnT>
+                    <a:lnB w="12700" cap="flat" cmpd="sng" algn="ctr">
+                      <a:solidFill>
+                        <a:schemeClr val="tx1">
+                          <a:lumMod val="40000"/>
+                          <a:lumOff val="60000"/>
+                        </a:schemeClr>
+                      </a:solidFill>
+                      <a:prstDash val="sysDot"/>
+                      <a:round/>
+                      <a:headEnd type="none" w="med" len="med"/>
+                      <a:tailEnd type="none" w="med" len="med"/>
+                    </a:lnB>
+                    <a:lnTlToBr w="12700" cmpd="sng">
+                      <a:noFill/>
+                      <a:prstDash val="solid"/>
+                    </a:lnTlToBr>
+                    <a:lnBlToTr w="12700" cmpd="sng">
+                      <a:noFill/>
+                      <a:prstDash val="solid"/>
+                    </a:lnBlToTr>
+                    <a:solidFill>
+                      <a:schemeClr val="bg1"/>
+                    </a:solidFill>
+                  </a:tcPr>
+                </a:tc>
+                <a:tc>
+                  <a:txBody>
+                    <a:bodyPr/>
+                    <a:lstStyle/>
+                    <a:p>
+                      <a:pPr marL="0" marR="0" indent="0" algn="l" defTabSz="457200" rtl="0" eaLnBrk="1" fontAlgn="b" latinLnBrk="0" hangingPunct="1">
+                        <a:lnSpc>
+                          <a:spcPct val="100000"/>
+                        </a:lnSpc>
+                        <a:spcBef>
+                          <a:spcPts val="0"/>
+                        </a:spcBef>
+                        <a:spcAft>
+                          <a:spcPts val="0"/>
+                        </a:spcAft>
+                        <a:buClrTx/>
+                        <a:buSzTx/>
+                        <a:buFontTx/>
+                        <a:buNone/>
+                        <a:tabLst/>
+                        <a:defRPr/>
+                      </a:pPr>
+                      <a:endParaRPr lang="en-US" sz="1200" b="0" i="0" u="none" strike="noStrike" dirty="0">
+                        <a:solidFill>
+                          <a:schemeClr val="tx1">
+                            <a:lumMod val="60000"/>
+                            <a:lumOff val="40000"/>
+                          </a:schemeClr>
+                        </a:solidFill>
+                        <a:effectLst/>
+                        <a:latin typeface="Calibri Regular"/>
+                      </a:endParaRPr>
+                    </a:p>
+                  </a:txBody>
+                  <a:tcPr marL="108000" marR="108000" marT="72000" marB="72000">
+                    <a:lnL>
+                      <a:noFill/>
+                    </a:lnL>
+                    <a:lnR w="9525" cap="flat" cmpd="sng" algn="ctr">
+                      <a:noFill/>
+                      <a:prstDash val="solid"/>
+                    </a:lnR>
+                    <a:lnT w="12700" cap="flat" cmpd="sng" algn="ctr">
+                      <a:solidFill>
+                        <a:schemeClr val="tx1">
+                          <a:lumMod val="40000"/>
+                          <a:lumOff val="60000"/>
+                        </a:schemeClr>
+                      </a:solidFill>
+                      <a:prstDash val="sysDot"/>
+                      <a:round/>
+                      <a:headEnd type="none" w="med" len="med"/>
+                      <a:tailEnd type="none" w="med" len="med"/>
+                    </a:lnT>
+                    <a:lnB w="12700" cap="flat" cmpd="sng" algn="ctr">
+                      <a:solidFill>
+                        <a:schemeClr val="tx1">
+                          <a:lumMod val="40000"/>
+                          <a:lumOff val="60000"/>
+                        </a:schemeClr>
+                      </a:solidFill>
+                      <a:prstDash val="sysDot"/>
+                      <a:round/>
+                      <a:headEnd type="none" w="med" len="med"/>
+                      <a:tailEnd type="none" w="med" len="med"/>
+                    </a:lnB>
+                    <a:lnTlToBr w="12700" cmpd="sng">
+                      <a:noFill/>
+                      <a:prstDash val="solid"/>
+                    </a:lnTlToBr>
+                    <a:lnBlToTr w="12700" cmpd="sng">
+                      <a:noFill/>
+                      <a:prstDash val="solid"/>
+                    </a:lnBlToTr>
+                    <a:solidFill>
+                      <a:schemeClr val="bg1"/>
+                    </a:solidFill>
+                  </a:tcPr>
+                </a:tc>
+                <a:tc>
+                  <a:txBody>
+                    <a:bodyPr/>
+                    <a:lstStyle/>
+                    <a:p>
+                      <a:pPr marL="0" marR="0" indent="0" algn="l" defTabSz="457200" rtl="0" eaLnBrk="1" fontAlgn="b" latinLnBrk="0" hangingPunct="1">
+                        <a:lnSpc>
+                          <a:spcPct val="100000"/>
+                        </a:lnSpc>
+                        <a:spcBef>
+                          <a:spcPts val="0"/>
+                        </a:spcBef>
+                        <a:spcAft>
+                          <a:spcPts val="0"/>
+                        </a:spcAft>
+                        <a:buClrTx/>
+                        <a:buSzTx/>
+                        <a:buFontTx/>
+                        <a:buNone/>
+                        <a:tabLst/>
+                        <a:defRPr/>
+                      </a:pPr>
+                      <a:endParaRPr lang="en-US" sz="1200" b="0" i="0" u="none" strike="noStrike" dirty="0">
+                        <a:solidFill>
+                          <a:schemeClr val="tx1">
+                            <a:lumMod val="60000"/>
+                            <a:lumOff val="40000"/>
+                          </a:schemeClr>
+                        </a:solidFill>
+                        <a:effectLst/>
+                        <a:latin typeface="Calibri Regular"/>
+                      </a:endParaRPr>
+                    </a:p>
+                  </a:txBody>
+                  <a:tcPr marL="108000" marR="108000" marT="72000" marB="72000">
+                    <a:lnL>
+                      <a:noFill/>
+                    </a:lnL>
+                    <a:lnR w="9525" cap="flat" cmpd="sng" algn="ctr">
+                      <a:noFill/>
+                      <a:prstDash val="solid"/>
+                    </a:lnR>
+                    <a:lnT w="12700" cap="flat" cmpd="sng" algn="ctr">
+                      <a:solidFill>
+                        <a:schemeClr val="tx1">
+                          <a:lumMod val="40000"/>
+                          <a:lumOff val="60000"/>
+                        </a:schemeClr>
+                      </a:solidFill>
+                      <a:prstDash val="sysDot"/>
+                      <a:round/>
+                      <a:headEnd type="none" w="med" len="med"/>
+                      <a:tailEnd type="none" w="med" len="med"/>
+                    </a:lnT>
+                    <a:lnB w="12700" cap="flat" cmpd="sng" algn="ctr">
+                      <a:solidFill>
+                        <a:schemeClr val="tx1">
+                          <a:lumMod val="40000"/>
+                          <a:lumOff val="60000"/>
+                        </a:schemeClr>
+                      </a:solidFill>
+                      <a:prstDash val="sysDot"/>
+                      <a:round/>
+                      <a:headEnd type="none" w="med" len="med"/>
+                      <a:tailEnd type="none" w="med" len="med"/>
+                    </a:lnB>
+                    <a:lnTlToBr w="12700" cmpd="sng">
+                      <a:noFill/>
+                      <a:prstDash val="solid"/>
+                    </a:lnTlToBr>
+                    <a:lnBlToTr w="12700" cmpd="sng">
+                      <a:noFill/>
+                      <a:prstDash val="solid"/>
+                    </a:lnBlToTr>
+                    <a:solidFill>
+                      <a:schemeClr val="bg1"/>
+                    </a:solidFill>
+                  </a:tcPr>
+                </a:tc>
+                <a:extLst>
+                  <a:ext uri="{0D108BD9-81ED-4DB2-BD59-A6C34878D82A}">
+                    <a16:rowId xmlns:a16="http://schemas.microsoft.com/office/drawing/2014/main" val="10002"/>
+                  </a:ext>
+                </a:extLst>
+              </a:tr>
+              <a:tr h="0">
+                <a:tc>
+                  <a:txBody>
+                    <a:bodyPr/>
+                    <a:lstStyle/>
+                    <a:p>
+                      <a:pPr algn="l" fontAlgn="b"/>
+                      <a:endParaRPr lang="en-US" sz="1200" b="0" i="0" u="none" strike="noStrike" dirty="0">
+                        <a:solidFill>
+                          <a:schemeClr val="tx2"/>
+                        </a:solidFill>
+                        <a:effectLst/>
+                        <a:latin typeface="Calibri Regular"/>
+                      </a:endParaRPr>
+                    </a:p>
+                  </a:txBody>
+                  <a:tcPr marL="108000" marR="108000" marT="72000" marB="72000">
+                    <a:lnL w="9525" cap="flat" cmpd="sng" algn="ctr">
+                      <a:noFill/>
+                      <a:prstDash val="solid"/>
+                    </a:lnL>
+                    <a:lnR>
+                      <a:noFill/>
+                    </a:lnR>
+                    <a:lnT w="12700" cap="flat" cmpd="sng" algn="ctr">
+                      <a:solidFill>
+                        <a:schemeClr val="tx1">
+                          <a:lumMod val="40000"/>
+                          <a:lumOff val="60000"/>
+                        </a:schemeClr>
+                      </a:solidFill>
+                      <a:prstDash val="sysDot"/>
+                      <a:round/>
+                      <a:headEnd type="none" w="med" len="med"/>
+                      <a:tailEnd type="none" w="med" len="med"/>
+                    </a:lnT>
+                    <a:lnB w="12700" cap="flat" cmpd="sng" algn="ctr">
+                      <a:solidFill>
+                        <a:schemeClr val="tx1">
+                          <a:lumMod val="40000"/>
+                          <a:lumOff val="60000"/>
+                        </a:schemeClr>
+                      </a:solidFill>
+                      <a:prstDash val="sysDot"/>
+                      <a:round/>
+                      <a:headEnd type="none" w="med" len="med"/>
+                      <a:tailEnd type="none" w="med" len="med"/>
+                    </a:lnB>
+                    <a:lnTlToBr w="12700" cmpd="sng">
+                      <a:noFill/>
+                      <a:prstDash val="solid"/>
+                    </a:lnTlToBr>
+                    <a:lnBlToTr w="12700" cmpd="sng">
+                      <a:noFill/>
+                      <a:prstDash val="solid"/>
+                    </a:lnBlToTr>
+                    <a:solidFill>
+                      <a:schemeClr val="bg1"/>
+                    </a:solidFill>
+                  </a:tcPr>
+                </a:tc>
+                <a:tc>
+                  <a:txBody>
+                    <a:bodyPr/>
+                    <a:lstStyle/>
+                    <a:p>
+                      <a:pPr algn="r" fontAlgn="b"/>
+                      <a:endParaRPr lang="en-US" sz="1200" b="0" i="0" u="none" strike="noStrike" dirty="0">
+                        <a:solidFill>
+                          <a:schemeClr val="tx2"/>
+                        </a:solidFill>
+                        <a:effectLst/>
+                        <a:latin typeface="Calibri Regular"/>
+                      </a:endParaRPr>
+                    </a:p>
+                  </a:txBody>
+                  <a:tcPr marL="108000" marR="108000" marT="72000" marB="72000">
+                    <a:lnL>
+                      <a:noFill/>
+                    </a:lnL>
+                    <a:lnR>
+                      <a:noFill/>
+                    </a:lnR>
+                    <a:lnT w="12700" cap="flat" cmpd="sng" algn="ctr">
+                      <a:solidFill>
+                        <a:schemeClr val="tx1">
+                          <a:lumMod val="40000"/>
+                          <a:lumOff val="60000"/>
+                        </a:schemeClr>
+                      </a:solidFill>
+                      <a:prstDash val="sysDot"/>
+                      <a:round/>
+                      <a:headEnd type="none" w="med" len="med"/>
+                      <a:tailEnd type="none" w="med" len="med"/>
+                    </a:lnT>
+                    <a:lnB w="12700" cap="flat" cmpd="sng" algn="ctr">
+                      <a:solidFill>
+                        <a:schemeClr val="tx1">
+                          <a:lumMod val="40000"/>
+                          <a:lumOff val="60000"/>
+                        </a:schemeClr>
+                      </a:solidFill>
+                      <a:prstDash val="sysDot"/>
+                      <a:round/>
+                      <a:headEnd type="none" w="med" len="med"/>
+                      <a:tailEnd type="none" w="med" len="med"/>
+                    </a:lnB>
+                    <a:lnTlToBr w="12700" cmpd="sng">
+                      <a:noFill/>
+                      <a:prstDash val="solid"/>
+                    </a:lnTlToBr>
+                    <a:lnBlToTr w="12700" cmpd="sng">
+                      <a:noFill/>
+                      <a:prstDash val="solid"/>
+                    </a:lnBlToTr>
+                    <a:solidFill>
+                      <a:srgbClr val="FEF5BA"/>
+                    </a:solidFill>
+                  </a:tcPr>
+                </a:tc>
+                <a:tc>
+                  <a:txBody>
+                    <a:bodyPr/>
+                    <a:lstStyle/>
+                    <a:p>
+                      <a:pPr algn="r" fontAlgn="b"/>
+                      <a:endParaRPr lang="en-US" sz="1200" b="0" i="0" u="none" strike="noStrike" dirty="0">
+                        <a:solidFill>
+                          <a:schemeClr val="tx1">
+                            <a:lumMod val="60000"/>
+                            <a:lumOff val="40000"/>
+                          </a:schemeClr>
+                        </a:solidFill>
+                        <a:effectLst/>
+                        <a:latin typeface="Calibri Regular"/>
+                      </a:endParaRPr>
+                    </a:p>
+                  </a:txBody>
+                  <a:tcPr marL="108000" marR="108000" marT="72000" marB="72000">
+                    <a:lnL>
+                      <a:noFill/>
+                    </a:lnL>
+                    <a:lnR w="9525" cap="flat" cmpd="sng" algn="ctr">
+                      <a:noFill/>
+                      <a:prstDash val="solid"/>
+                    </a:lnR>
+                    <a:lnT w="12700" cap="flat" cmpd="sng" algn="ctr">
+                      <a:solidFill>
+                        <a:schemeClr val="tx1">
+                          <a:lumMod val="40000"/>
+                          <a:lumOff val="60000"/>
+                        </a:schemeClr>
+                      </a:solidFill>
+                      <a:prstDash val="sysDot"/>
+                      <a:round/>
+                      <a:headEnd type="none" w="med" len="med"/>
+                      <a:tailEnd type="none" w="med" len="med"/>
+                    </a:lnT>
+                    <a:lnB w="12700" cap="flat" cmpd="sng" algn="ctr">
+                      <a:solidFill>
+                        <a:schemeClr val="tx1">
+                          <a:lumMod val="40000"/>
+                          <a:lumOff val="60000"/>
+                        </a:schemeClr>
+                      </a:solidFill>
+                      <a:prstDash val="sysDot"/>
+                      <a:round/>
+                      <a:headEnd type="none" w="med" len="med"/>
+                      <a:tailEnd type="none" w="med" len="med"/>
+                    </a:lnB>
+                    <a:lnTlToBr w="12700" cmpd="sng">
+                      <a:noFill/>
+                      <a:prstDash val="solid"/>
+                    </a:lnTlToBr>
+                    <a:lnBlToTr w="12700" cmpd="sng">
+                      <a:noFill/>
+                      <a:prstDash val="solid"/>
+                    </a:lnBlToTr>
+                    <a:solidFill>
+                      <a:schemeClr val="bg1"/>
+                    </a:solidFill>
+                  </a:tcPr>
+                </a:tc>
+                <a:tc>
+                  <a:txBody>
+                    <a:bodyPr/>
+                    <a:lstStyle/>
+                    <a:p>
+                      <a:pPr algn="r" fontAlgn="b"/>
+                      <a:endParaRPr lang="en-US" sz="1200" b="0" i="0" u="none" strike="noStrike" dirty="0">
+                        <a:solidFill>
+                          <a:schemeClr val="tx1">
+                            <a:lumMod val="60000"/>
+                            <a:lumOff val="40000"/>
+                          </a:schemeClr>
+                        </a:solidFill>
+                        <a:effectLst/>
+                        <a:latin typeface="Calibri Regular"/>
+                      </a:endParaRPr>
+                    </a:p>
+                  </a:txBody>
+                  <a:tcPr marL="108000" marR="108000" marT="72000" marB="72000">
+                    <a:lnL>
+                      <a:noFill/>
+                    </a:lnL>
+                    <a:lnR w="9525" cap="flat" cmpd="sng" algn="ctr">
+                      <a:noFill/>
+                      <a:prstDash val="solid"/>
+                    </a:lnR>
+                    <a:lnT w="12700" cap="flat" cmpd="sng" algn="ctr">
+                      <a:solidFill>
+                        <a:schemeClr val="tx1">
+                          <a:lumMod val="40000"/>
+                          <a:lumOff val="60000"/>
+                        </a:schemeClr>
+                      </a:solidFill>
+                      <a:prstDash val="sysDot"/>
+                      <a:round/>
+                      <a:headEnd type="none" w="med" len="med"/>
+                      <a:tailEnd type="none" w="med" len="med"/>
+                    </a:lnT>
+                    <a:lnB w="12700" cap="flat" cmpd="sng" algn="ctr">
+                      <a:solidFill>
+                        <a:schemeClr val="tx1">
+                          <a:lumMod val="40000"/>
+                          <a:lumOff val="60000"/>
+                        </a:schemeClr>
+                      </a:solidFill>
+                      <a:prstDash val="sysDot"/>
+                      <a:round/>
+                      <a:headEnd type="none" w="med" len="med"/>
+                      <a:tailEnd type="none" w="med" len="med"/>
+                    </a:lnB>
+                    <a:lnTlToBr w="12700" cmpd="sng">
+                      <a:noFill/>
+                      <a:prstDash val="solid"/>
+                    </a:lnTlToBr>
+                    <a:lnBlToTr w="12700" cmpd="sng">
+                      <a:noFill/>
+                      <a:prstDash val="solid"/>
+                    </a:lnBlToTr>
+                    <a:solidFill>
+                      <a:schemeClr val="bg1"/>
+                    </a:solidFill>
+                  </a:tcPr>
+                </a:tc>
+                <a:tc>
+                  <a:txBody>
+                    <a:bodyPr/>
+                    <a:lstStyle/>
+                    <a:p>
+                      <a:pPr algn="l" fontAlgn="b"/>
+                      <a:endParaRPr lang="en-US" sz="1200" b="0" i="0" u="none" strike="noStrike" dirty="0">
+                        <a:solidFill>
+                          <a:schemeClr val="tx1">
+                            <a:lumMod val="60000"/>
+                            <a:lumOff val="40000"/>
+                          </a:schemeClr>
+                        </a:solidFill>
+                        <a:effectLst/>
+                        <a:latin typeface="Calibri Regular"/>
+                      </a:endParaRPr>
+                    </a:p>
+                  </a:txBody>
+                  <a:tcPr marL="108000" marR="108000" marT="72000" marB="72000">
+                    <a:lnL>
+                      <a:noFill/>
+                    </a:lnL>
+                    <a:lnR w="9525" cap="flat" cmpd="sng" algn="ctr">
+                      <a:noFill/>
+                      <a:prstDash val="solid"/>
+                    </a:lnR>
+                    <a:lnT w="12700" cap="flat" cmpd="sng" algn="ctr">
+                      <a:solidFill>
+                        <a:schemeClr val="tx1">
+                          <a:lumMod val="40000"/>
+                          <a:lumOff val="60000"/>
+                        </a:schemeClr>
+                      </a:solidFill>
+                      <a:prstDash val="sysDot"/>
+                      <a:round/>
+                      <a:headEnd type="none" w="med" len="med"/>
+                      <a:tailEnd type="none" w="med" len="med"/>
+                    </a:lnT>
+                    <a:lnB w="12700" cap="flat" cmpd="sng" algn="ctr">
+                      <a:solidFill>
+                        <a:schemeClr val="tx1">
+                          <a:lumMod val="40000"/>
+                          <a:lumOff val="60000"/>
+                        </a:schemeClr>
+                      </a:solidFill>
+                      <a:prstDash val="sysDot"/>
+                      <a:round/>
+                      <a:headEnd type="none" w="med" len="med"/>
+                      <a:tailEnd type="none" w="med" len="med"/>
+                    </a:lnB>
+                    <a:lnTlToBr w="12700" cmpd="sng">
+                      <a:noFill/>
+                      <a:prstDash val="solid"/>
+                    </a:lnTlToBr>
+                    <a:lnBlToTr w="12700" cmpd="sng">
+                      <a:noFill/>
+                      <a:prstDash val="solid"/>
+                    </a:lnBlToTr>
+                    <a:solidFill>
+                      <a:schemeClr val="bg1"/>
+                    </a:solidFill>
+                  </a:tcPr>
+                </a:tc>
+                <a:tc>
+                  <a:txBody>
+                    <a:bodyPr/>
+                    <a:lstStyle/>
+                    <a:p>
+                      <a:pPr algn="l" fontAlgn="b"/>
+                      <a:endParaRPr lang="en-US" sz="1200" b="0" i="0" u="none" strike="noStrike" dirty="0">
+                        <a:solidFill>
+                          <a:schemeClr val="tx1">
+                            <a:lumMod val="60000"/>
+                            <a:lumOff val="40000"/>
+                          </a:schemeClr>
+                        </a:solidFill>
+                        <a:effectLst/>
+                        <a:latin typeface="Calibri Regular"/>
+                      </a:endParaRPr>
+                    </a:p>
+                  </a:txBody>
+                  <a:tcPr marL="108000" marR="108000" marT="72000" marB="72000">
+                    <a:lnL>
+                      <a:noFill/>
+                    </a:lnL>
+                    <a:lnR w="9525" cap="flat" cmpd="sng" algn="ctr">
+                      <a:noFill/>
+                      <a:prstDash val="solid"/>
+                    </a:lnR>
+                    <a:lnT w="12700" cap="flat" cmpd="sng" algn="ctr">
+                      <a:solidFill>
+                        <a:schemeClr val="tx1">
+                          <a:lumMod val="40000"/>
+                          <a:lumOff val="60000"/>
+                        </a:schemeClr>
+                      </a:solidFill>
+                      <a:prstDash val="sysDot"/>
+                      <a:round/>
+                      <a:headEnd type="none" w="med" len="med"/>
+                      <a:tailEnd type="none" w="med" len="med"/>
+                    </a:lnT>
+                    <a:lnB w="12700" cap="flat" cmpd="sng" algn="ctr">
+                      <a:solidFill>
+                        <a:schemeClr val="tx1">
+                          <a:lumMod val="40000"/>
+                          <a:lumOff val="60000"/>
+                        </a:schemeClr>
+                      </a:solidFill>
+                      <a:prstDash val="sysDot"/>
+                      <a:round/>
+                      <a:headEnd type="none" w="med" len="med"/>
+                      <a:tailEnd type="none" w="med" len="med"/>
+                    </a:lnB>
+                    <a:lnTlToBr w="12700" cmpd="sng">
+                      <a:noFill/>
+                      <a:prstDash val="solid"/>
+                    </a:lnTlToBr>
+                    <a:lnBlToTr w="12700" cmpd="sng">
+                      <a:noFill/>
+                      <a:prstDash val="solid"/>
+                    </a:lnBlToTr>
+                    <a:solidFill>
+                      <a:schemeClr val="bg1"/>
+                    </a:solidFill>
+                  </a:tcPr>
+                </a:tc>
+                <a:extLst>
+                  <a:ext uri="{0D108BD9-81ED-4DB2-BD59-A6C34878D82A}">
+                    <a16:rowId xmlns:a16="http://schemas.microsoft.com/office/drawing/2014/main" val="10003"/>
+                  </a:ext>
+                </a:extLst>
+              </a:tr>
+              <a:tr h="0">
+                <a:tc>
+                  <a:txBody>
+                    <a:bodyPr/>
+                    <a:lstStyle/>
+                    <a:p>
+                      <a:pPr algn="l" fontAlgn="b"/>
+                      <a:endParaRPr lang="en-US" sz="1200" b="0" i="0" u="none" strike="noStrike" dirty="0">
+                        <a:solidFill>
+                          <a:schemeClr val="tx2"/>
+                        </a:solidFill>
+                        <a:effectLst/>
+                        <a:latin typeface="Calibri Regular"/>
+                      </a:endParaRPr>
+                    </a:p>
+                  </a:txBody>
+                  <a:tcPr marL="108000" marR="108000" marT="72000" marB="72000">
+                    <a:lnL w="9525" cap="flat" cmpd="sng" algn="ctr">
+                      <a:noFill/>
+                      <a:prstDash val="solid"/>
+                    </a:lnL>
+                    <a:lnR>
+                      <a:noFill/>
+                    </a:lnR>
+                    <a:lnT w="12700" cap="flat" cmpd="sng" algn="ctr">
+                      <a:solidFill>
+                        <a:schemeClr val="tx1">
+                          <a:lumMod val="40000"/>
+                          <a:lumOff val="60000"/>
+                        </a:schemeClr>
+                      </a:solidFill>
+                      <a:prstDash val="sysDot"/>
+                      <a:round/>
+                      <a:headEnd type="none" w="med" len="med"/>
+                      <a:tailEnd type="none" w="med" len="med"/>
+                    </a:lnT>
+                    <a:lnB w="12700" cap="flat" cmpd="sng" algn="ctr">
+                      <a:solidFill>
+                        <a:schemeClr val="tx1">
+                          <a:lumMod val="40000"/>
+                          <a:lumOff val="60000"/>
+                        </a:schemeClr>
+                      </a:solidFill>
+                      <a:prstDash val="sysDot"/>
+                      <a:round/>
+                      <a:headEnd type="none" w="med" len="med"/>
+                      <a:tailEnd type="none" w="med" len="med"/>
+                    </a:lnB>
+                    <a:lnTlToBr w="12700" cmpd="sng">
+                      <a:noFill/>
+                      <a:prstDash val="solid"/>
+                    </a:lnTlToBr>
+                    <a:lnBlToTr w="12700" cmpd="sng">
+                      <a:noFill/>
+                      <a:prstDash val="solid"/>
+                    </a:lnBlToTr>
+                    <a:solidFill>
+                      <a:schemeClr val="bg1"/>
+                    </a:solidFill>
+                  </a:tcPr>
+                </a:tc>
+                <a:tc>
+                  <a:txBody>
+                    <a:bodyPr/>
+                    <a:lstStyle/>
+                    <a:p>
+                      <a:pPr algn="r" fontAlgn="b"/>
+                      <a:endParaRPr lang="en-US" sz="1200" b="0" i="0" u="none" strike="noStrike" dirty="0">
+                        <a:solidFill>
+                          <a:schemeClr val="tx2"/>
+                        </a:solidFill>
+                        <a:effectLst/>
+                        <a:latin typeface="Calibri Regular"/>
+                      </a:endParaRPr>
+                    </a:p>
+                  </a:txBody>
+                  <a:tcPr marL="108000" marR="108000" marT="72000" marB="72000">
+                    <a:lnL>
+                      <a:noFill/>
+                    </a:lnL>
+                    <a:lnR>
+                      <a:noFill/>
+                    </a:lnR>
+                    <a:lnT w="12700" cap="flat" cmpd="sng" algn="ctr">
+                      <a:solidFill>
+                        <a:schemeClr val="tx1">
+                          <a:lumMod val="40000"/>
+                          <a:lumOff val="60000"/>
+                        </a:schemeClr>
+                      </a:solidFill>
+                      <a:prstDash val="sysDot"/>
+                      <a:round/>
+                      <a:headEnd type="none" w="med" len="med"/>
+                      <a:tailEnd type="none" w="med" len="med"/>
+                    </a:lnT>
+                    <a:lnB w="12700" cap="flat" cmpd="sng" algn="ctr">
+                      <a:solidFill>
+                        <a:schemeClr val="tx1">
+                          <a:lumMod val="40000"/>
+                          <a:lumOff val="60000"/>
+                        </a:schemeClr>
+                      </a:solidFill>
+                      <a:prstDash val="sysDot"/>
+                      <a:round/>
+                      <a:headEnd type="none" w="med" len="med"/>
+                      <a:tailEnd type="none" w="med" len="med"/>
+                    </a:lnB>
+                    <a:lnTlToBr w="12700" cmpd="sng">
+                      <a:noFill/>
+                      <a:prstDash val="solid"/>
+                    </a:lnTlToBr>
+                    <a:lnBlToTr w="12700" cmpd="sng">
+                      <a:noFill/>
+                      <a:prstDash val="solid"/>
+                    </a:lnBlToTr>
+                    <a:solidFill>
+                      <a:srgbClr val="FEF5BA"/>
+                    </a:solidFill>
+                  </a:tcPr>
+                </a:tc>
+                <a:tc>
+                  <a:txBody>
+                    <a:bodyPr/>
+                    <a:lstStyle/>
+                    <a:p>
+                      <a:pPr algn="r" fontAlgn="b"/>
+                      <a:endParaRPr lang="en-US" sz="1200" b="0" i="0" u="none" strike="noStrike" dirty="0">
+                        <a:solidFill>
+                          <a:schemeClr val="tx1">
+                            <a:lumMod val="60000"/>
+                            <a:lumOff val="40000"/>
+                          </a:schemeClr>
+                        </a:solidFill>
+                        <a:effectLst/>
+                        <a:latin typeface="Calibri Regular"/>
+                      </a:endParaRPr>
+                    </a:p>
+                  </a:txBody>
+                  <a:tcPr marL="108000" marR="108000" marT="72000" marB="72000">
+                    <a:lnL>
+                      <a:noFill/>
+                    </a:lnL>
+                    <a:lnR w="9525" cap="flat" cmpd="sng" algn="ctr">
+                      <a:noFill/>
+                      <a:prstDash val="solid"/>
+                    </a:lnR>
+                    <a:lnT w="12700" cap="flat" cmpd="sng" algn="ctr">
+                      <a:solidFill>
+                        <a:schemeClr val="tx1">
+                          <a:lumMod val="40000"/>
+                          <a:lumOff val="60000"/>
+                        </a:schemeClr>
+                      </a:solidFill>
+                      <a:prstDash val="sysDot"/>
+                      <a:round/>
+                      <a:headEnd type="none" w="med" len="med"/>
+                      <a:tailEnd type="none" w="med" len="med"/>
+                    </a:lnT>
+                    <a:lnB w="12700" cap="flat" cmpd="sng" algn="ctr">
+                      <a:solidFill>
+                        <a:schemeClr val="tx1">
+                          <a:lumMod val="40000"/>
+                          <a:lumOff val="60000"/>
+                        </a:schemeClr>
+                      </a:solidFill>
+                      <a:prstDash val="sysDot"/>
+                      <a:round/>
+                      <a:headEnd type="none" w="med" len="med"/>
+                      <a:tailEnd type="none" w="med" len="med"/>
+                    </a:lnB>
+                    <a:lnTlToBr w="12700" cmpd="sng">
+                      <a:noFill/>
+                      <a:prstDash val="solid"/>
+                    </a:lnTlToBr>
+                    <a:lnBlToTr w="12700" cmpd="sng">
+                      <a:noFill/>
+                      <a:prstDash val="solid"/>
+                    </a:lnBlToTr>
+                    <a:solidFill>
+                      <a:schemeClr val="bg1"/>
+                    </a:solidFill>
+                  </a:tcPr>
+                </a:tc>
+                <a:tc>
+                  <a:txBody>
+                    <a:bodyPr/>
+                    <a:lstStyle/>
+                    <a:p>
+                      <a:pPr algn="r" fontAlgn="b"/>
+                      <a:endParaRPr lang="en-US" sz="1200" b="0" i="0" u="none" strike="noStrike" dirty="0">
+                        <a:solidFill>
+                          <a:schemeClr val="tx1">
+                            <a:lumMod val="60000"/>
+                            <a:lumOff val="40000"/>
+                          </a:schemeClr>
+                        </a:solidFill>
+                        <a:effectLst/>
+                        <a:latin typeface="Calibri Regular"/>
+                      </a:endParaRPr>
+                    </a:p>
+                  </a:txBody>
+                  <a:tcPr marL="108000" marR="108000" marT="72000" marB="72000">
+                    <a:lnL>
+                      <a:noFill/>
+                    </a:lnL>
+                    <a:lnR w="9525" cap="flat" cmpd="sng" algn="ctr">
+                      <a:noFill/>
+                      <a:prstDash val="solid"/>
+                    </a:lnR>
+                    <a:lnT w="12700" cap="flat" cmpd="sng" algn="ctr">
+                      <a:solidFill>
+                        <a:schemeClr val="tx1">
+                          <a:lumMod val="40000"/>
+                          <a:lumOff val="60000"/>
+                        </a:schemeClr>
+                      </a:solidFill>
+                      <a:prstDash val="sysDot"/>
+                      <a:round/>
+                      <a:headEnd type="none" w="med" len="med"/>
+                      <a:tailEnd type="none" w="med" len="med"/>
+                    </a:lnT>
+                    <a:lnB w="12700" cap="flat" cmpd="sng" algn="ctr">
+                      <a:solidFill>
+                        <a:schemeClr val="tx1">
+                          <a:lumMod val="40000"/>
+                          <a:lumOff val="60000"/>
+                        </a:schemeClr>
+                      </a:solidFill>
+                      <a:prstDash val="sysDot"/>
+                      <a:round/>
+                      <a:headEnd type="none" w="med" len="med"/>
+                      <a:tailEnd type="none" w="med" len="med"/>
+                    </a:lnB>
+                    <a:lnTlToBr w="12700" cmpd="sng">
+                      <a:noFill/>
+                      <a:prstDash val="solid"/>
+                    </a:lnTlToBr>
+                    <a:lnBlToTr w="12700" cmpd="sng">
+                      <a:noFill/>
+                      <a:prstDash val="solid"/>
+                    </a:lnBlToTr>
+                    <a:solidFill>
+                      <a:schemeClr val="bg1"/>
+                    </a:solidFill>
+                  </a:tcPr>
+                </a:tc>
+                <a:tc>
+                  <a:txBody>
+                    <a:bodyPr/>
+                    <a:lstStyle/>
+                    <a:p>
+                      <a:pPr algn="l" fontAlgn="b"/>
+                      <a:endParaRPr lang="en-US" sz="1200" b="0" i="0" u="none" strike="noStrike" dirty="0">
+                        <a:solidFill>
+                          <a:schemeClr val="tx1">
+                            <a:lumMod val="60000"/>
+                            <a:lumOff val="40000"/>
+                          </a:schemeClr>
+                        </a:solidFill>
+                        <a:effectLst/>
+                        <a:latin typeface="Calibri Regular"/>
+                      </a:endParaRPr>
+                    </a:p>
+                  </a:txBody>
+                  <a:tcPr marL="108000" marR="108000" marT="72000" marB="72000">
+                    <a:lnL>
+                      <a:noFill/>
+                    </a:lnL>
+                    <a:lnR w="9525" cap="flat" cmpd="sng" algn="ctr">
+                      <a:noFill/>
+                      <a:prstDash val="solid"/>
+                    </a:lnR>
+                    <a:lnT w="12700" cap="flat" cmpd="sng" algn="ctr">
+                      <a:solidFill>
+                        <a:schemeClr val="tx1">
+                          <a:lumMod val="40000"/>
+                          <a:lumOff val="60000"/>
+                        </a:schemeClr>
+                      </a:solidFill>
+                      <a:prstDash val="sysDot"/>
+                      <a:round/>
+                      <a:headEnd type="none" w="med" len="med"/>
+                      <a:tailEnd type="none" w="med" len="med"/>
+                    </a:lnT>
+                    <a:lnB w="12700" cap="flat" cmpd="sng" algn="ctr">
+                      <a:solidFill>
+                        <a:schemeClr val="tx1">
+                          <a:lumMod val="40000"/>
+                          <a:lumOff val="60000"/>
+                        </a:schemeClr>
+                      </a:solidFill>
+                      <a:prstDash val="sysDot"/>
+                      <a:round/>
+                      <a:headEnd type="none" w="med" len="med"/>
+                      <a:tailEnd type="none" w="med" len="med"/>
+                    </a:lnB>
+                    <a:lnTlToBr w="12700" cmpd="sng">
+                      <a:noFill/>
+                      <a:prstDash val="solid"/>
+                    </a:lnTlToBr>
+                    <a:lnBlToTr w="12700" cmpd="sng">
+                      <a:noFill/>
+                      <a:prstDash val="solid"/>
+                    </a:lnBlToTr>
+                    <a:solidFill>
+                      <a:schemeClr val="bg1"/>
+                    </a:solidFill>
+                  </a:tcPr>
+                </a:tc>
+                <a:tc>
+                  <a:txBody>
+                    <a:bodyPr/>
+                    <a:lstStyle/>
+                    <a:p>
+                      <a:pPr algn="l" fontAlgn="b"/>
+                      <a:endParaRPr lang="en-US" sz="1200" b="0" i="0" u="none" strike="noStrike" dirty="0">
+                        <a:solidFill>
+                          <a:schemeClr val="tx1">
+                            <a:lumMod val="60000"/>
+                            <a:lumOff val="40000"/>
+                          </a:schemeClr>
+                        </a:solidFill>
+                        <a:effectLst/>
+                        <a:latin typeface="Calibri Regular"/>
+                      </a:endParaRPr>
+                    </a:p>
+                  </a:txBody>
+                  <a:tcPr marL="108000" marR="108000" marT="72000" marB="72000">
+                    <a:lnL>
+                      <a:noFill/>
+                    </a:lnL>
+                    <a:lnR w="9525" cap="flat" cmpd="sng" algn="ctr">
+                      <a:noFill/>
+                      <a:prstDash val="solid"/>
+                    </a:lnR>
+                    <a:lnT w="12700" cap="flat" cmpd="sng" algn="ctr">
+                      <a:solidFill>
+                        <a:schemeClr val="tx1">
+                          <a:lumMod val="40000"/>
+                          <a:lumOff val="60000"/>
+                        </a:schemeClr>
+                      </a:solidFill>
+                      <a:prstDash val="sysDot"/>
+                      <a:round/>
+                      <a:headEnd type="none" w="med" len="med"/>
+                      <a:tailEnd type="none" w="med" len="med"/>
+                    </a:lnT>
+                    <a:lnB w="12700" cap="flat" cmpd="sng" algn="ctr">
+                      <a:solidFill>
+                        <a:schemeClr val="tx1">
+                          <a:lumMod val="40000"/>
+                          <a:lumOff val="60000"/>
+                        </a:schemeClr>
+                      </a:solidFill>
+                      <a:prstDash val="sysDot"/>
+                      <a:round/>
+                      <a:headEnd type="none" w="med" len="med"/>
+                      <a:tailEnd type="none" w="med" len="med"/>
+                    </a:lnB>
+                    <a:lnTlToBr w="12700" cmpd="sng">
+                      <a:noFill/>
+                      <a:prstDash val="solid"/>
+                    </a:lnTlToBr>
+                    <a:lnBlToTr w="12700" cmpd="sng">
+                      <a:noFill/>
+                      <a:prstDash val="solid"/>
+                    </a:lnBlToTr>
+                    <a:solidFill>
+                      <a:schemeClr val="bg1"/>
+                    </a:solidFill>
+                  </a:tcPr>
+                </a:tc>
+                <a:extLst>
+                  <a:ext uri="{0D108BD9-81ED-4DB2-BD59-A6C34878D82A}">
+                    <a16:rowId xmlns:a16="http://schemas.microsoft.com/office/drawing/2014/main" val="10004"/>
+                  </a:ext>
+                </a:extLst>
+              </a:tr>
+              <a:tr h="0">
+                <a:tc>
+                  <a:txBody>
+                    <a:bodyPr/>
+                    <a:lstStyle/>
+                    <a:p>
+                      <a:pPr algn="l" fontAlgn="b"/>
+                      <a:endParaRPr lang="en-US" sz="1200" b="0" i="0" u="none" strike="noStrike" dirty="0">
+                        <a:solidFill>
+                          <a:schemeClr val="tx2"/>
+                        </a:solidFill>
+                        <a:effectLst/>
+                        <a:latin typeface="Calibri Regular"/>
+                      </a:endParaRPr>
+                    </a:p>
+                  </a:txBody>
+                  <a:tcPr marL="108000" marR="108000" marT="72000" marB="72000">
+                    <a:lnL w="9525" cap="flat" cmpd="sng" algn="ctr">
+                      <a:noFill/>
+                      <a:prstDash val="solid"/>
+                    </a:lnL>
+                    <a:lnR>
+                      <a:noFill/>
+                    </a:lnR>
+                    <a:lnT w="12700" cap="flat" cmpd="sng" algn="ctr">
+                      <a:solidFill>
+                        <a:schemeClr val="tx1">
+                          <a:lumMod val="40000"/>
+                          <a:lumOff val="60000"/>
+                        </a:schemeClr>
+                      </a:solidFill>
+                      <a:prstDash val="sysDot"/>
+                      <a:round/>
+                      <a:headEnd type="none" w="med" len="med"/>
+                      <a:tailEnd type="none" w="med" len="med"/>
+                    </a:lnT>
+                    <a:lnB w="12700" cap="flat" cmpd="sng" algn="ctr">
+                      <a:solidFill>
+                        <a:schemeClr val="tx1">
+                          <a:lumMod val="40000"/>
+                          <a:lumOff val="60000"/>
+                        </a:schemeClr>
+                      </a:solidFill>
+                      <a:prstDash val="sysDot"/>
+                      <a:round/>
+                      <a:headEnd type="none" w="med" len="med"/>
+                      <a:tailEnd type="none" w="med" len="med"/>
+                    </a:lnB>
+                    <a:lnTlToBr w="12700" cmpd="sng">
+                      <a:noFill/>
+                      <a:prstDash val="solid"/>
+                    </a:lnTlToBr>
+                    <a:lnBlToTr w="12700" cmpd="sng">
+                      <a:noFill/>
+                      <a:prstDash val="solid"/>
+                    </a:lnBlToTr>
+                    <a:solidFill>
+                      <a:schemeClr val="bg1"/>
+                    </a:solidFill>
+                  </a:tcPr>
+                </a:tc>
+                <a:tc>
+                  <a:txBody>
+                    <a:bodyPr/>
+                    <a:lstStyle/>
+                    <a:p>
+                      <a:pPr algn="r" fontAlgn="b"/>
+                      <a:endParaRPr lang="en-US" sz="1200" b="0" i="0" u="none" strike="noStrike" dirty="0">
+                        <a:solidFill>
+                          <a:schemeClr val="tx2"/>
+                        </a:solidFill>
+                        <a:effectLst/>
+                        <a:latin typeface="Calibri Regular"/>
+                      </a:endParaRPr>
+                    </a:p>
+                  </a:txBody>
+                  <a:tcPr marL="108000" marR="108000" marT="72000" marB="72000">
+                    <a:lnL>
+                      <a:noFill/>
+                    </a:lnL>
+                    <a:lnR>
+                      <a:noFill/>
+                    </a:lnR>
+                    <a:lnT w="12700" cap="flat" cmpd="sng" algn="ctr">
+                      <a:solidFill>
+                        <a:schemeClr val="tx1">
+                          <a:lumMod val="40000"/>
+                          <a:lumOff val="60000"/>
+                        </a:schemeClr>
+                      </a:solidFill>
+                      <a:prstDash val="sysDot"/>
+                      <a:round/>
+                      <a:headEnd type="none" w="med" len="med"/>
+                      <a:tailEnd type="none" w="med" len="med"/>
+                    </a:lnT>
+                    <a:lnB w="12700" cap="flat" cmpd="sng" algn="ctr">
+                      <a:solidFill>
+                        <a:schemeClr val="tx1">
+                          <a:lumMod val="40000"/>
+                          <a:lumOff val="60000"/>
+                        </a:schemeClr>
+                      </a:solidFill>
+                      <a:prstDash val="sysDot"/>
+                      <a:round/>
+                      <a:headEnd type="none" w="med" len="med"/>
+                      <a:tailEnd type="none" w="med" len="med"/>
+                    </a:lnB>
+                    <a:lnTlToBr w="12700" cmpd="sng">
+                      <a:noFill/>
+                      <a:prstDash val="solid"/>
+                    </a:lnTlToBr>
+                    <a:lnBlToTr w="12700" cmpd="sng">
+                      <a:noFill/>
+                      <a:prstDash val="solid"/>
+                    </a:lnBlToTr>
+                    <a:solidFill>
+                      <a:srgbClr val="FEF5BA"/>
+                    </a:solidFill>
+                  </a:tcPr>
+                </a:tc>
+                <a:tc>
+                  <a:txBody>
+                    <a:bodyPr/>
+                    <a:lstStyle/>
+                    <a:p>
+                      <a:pPr algn="r" fontAlgn="b"/>
+                      <a:endParaRPr lang="en-US" sz="1200" b="0" i="0" u="none" strike="noStrike" dirty="0">
+                        <a:solidFill>
+                          <a:schemeClr val="tx1">
+                            <a:lumMod val="60000"/>
+                            <a:lumOff val="40000"/>
+                          </a:schemeClr>
+                        </a:solidFill>
+                        <a:effectLst/>
+                        <a:latin typeface="Calibri Regular"/>
+                      </a:endParaRPr>
+                    </a:p>
+                  </a:txBody>
+                  <a:tcPr marL="108000" marR="108000" marT="72000" marB="72000">
+                    <a:lnL>
+                      <a:noFill/>
+                    </a:lnL>
+                    <a:lnR w="9525" cap="flat" cmpd="sng" algn="ctr">
+                      <a:noFill/>
+                      <a:prstDash val="solid"/>
+                    </a:lnR>
+                    <a:lnT w="12700" cap="flat" cmpd="sng" algn="ctr">
+                      <a:solidFill>
+                        <a:schemeClr val="tx1">
+                          <a:lumMod val="40000"/>
+                          <a:lumOff val="60000"/>
+                        </a:schemeClr>
+                      </a:solidFill>
+                      <a:prstDash val="sysDot"/>
+                      <a:round/>
+                      <a:headEnd type="none" w="med" len="med"/>
+                      <a:tailEnd type="none" w="med" len="med"/>
+                    </a:lnT>
+                    <a:lnB w="12700" cap="flat" cmpd="sng" algn="ctr">
+                      <a:solidFill>
+                        <a:schemeClr val="tx1">
+                          <a:lumMod val="40000"/>
+                          <a:lumOff val="60000"/>
+                        </a:schemeClr>
+                      </a:solidFill>
+                      <a:prstDash val="sysDot"/>
+                      <a:round/>
+                      <a:headEnd type="none" w="med" len="med"/>
+                      <a:tailEnd type="none" w="med" len="med"/>
+                    </a:lnB>
+                    <a:lnTlToBr w="12700" cmpd="sng">
+                      <a:noFill/>
+                      <a:prstDash val="solid"/>
+                    </a:lnTlToBr>
+                    <a:lnBlToTr w="12700" cmpd="sng">
+                      <a:noFill/>
+                      <a:prstDash val="solid"/>
+                    </a:lnBlToTr>
+                    <a:solidFill>
+                      <a:schemeClr val="bg1"/>
+                    </a:solidFill>
+                  </a:tcPr>
+                </a:tc>
+                <a:tc>
+                  <a:txBody>
+                    <a:bodyPr/>
+                    <a:lstStyle/>
+                    <a:p>
+                      <a:pPr algn="r" fontAlgn="b"/>
+                      <a:endParaRPr lang="en-US" sz="1200" b="0" i="0" u="none" strike="noStrike" dirty="0">
+                        <a:solidFill>
+                          <a:schemeClr val="tx1">
+                            <a:lumMod val="60000"/>
+                            <a:lumOff val="40000"/>
+                          </a:schemeClr>
+                        </a:solidFill>
+                        <a:effectLst/>
+                        <a:latin typeface="Calibri Regular"/>
+                      </a:endParaRPr>
+                    </a:p>
+                  </a:txBody>
+                  <a:tcPr marL="108000" marR="108000" marT="72000" marB="72000">
+                    <a:lnL>
+                      <a:noFill/>
+                    </a:lnL>
+                    <a:lnR w="9525" cap="flat" cmpd="sng" algn="ctr">
+                      <a:noFill/>
+                      <a:prstDash val="solid"/>
+                    </a:lnR>
+                    <a:lnT w="12700" cap="flat" cmpd="sng" algn="ctr">
+                      <a:solidFill>
+                        <a:schemeClr val="tx1">
+                          <a:lumMod val="40000"/>
+                          <a:lumOff val="60000"/>
+                        </a:schemeClr>
+                      </a:solidFill>
+                      <a:prstDash val="sysDot"/>
+                      <a:round/>
+                      <a:headEnd type="none" w="med" len="med"/>
+                      <a:tailEnd type="none" w="med" len="med"/>
+                    </a:lnT>
+                    <a:lnB w="12700" cap="flat" cmpd="sng" algn="ctr">
+                      <a:solidFill>
+                        <a:schemeClr val="tx1">
+                          <a:lumMod val="40000"/>
+                          <a:lumOff val="60000"/>
+                        </a:schemeClr>
+                      </a:solidFill>
+                      <a:prstDash val="sysDot"/>
+                      <a:round/>
+                      <a:headEnd type="none" w="med" len="med"/>
+                      <a:tailEnd type="none" w="med" len="med"/>
+                    </a:lnB>
+                    <a:lnTlToBr w="12700" cmpd="sng">
+                      <a:noFill/>
+                      <a:prstDash val="solid"/>
+                    </a:lnTlToBr>
+                    <a:lnBlToTr w="12700" cmpd="sng">
+                      <a:noFill/>
+                      <a:prstDash val="solid"/>
+                    </a:lnBlToTr>
+                    <a:solidFill>
+                      <a:schemeClr val="bg1"/>
+                    </a:solidFill>
+                  </a:tcPr>
+                </a:tc>
+                <a:tc>
+                  <a:txBody>
+                    <a:bodyPr/>
+                    <a:lstStyle/>
+                    <a:p>
+                      <a:pPr algn="l" fontAlgn="b"/>
+                      <a:endParaRPr lang="en-US" sz="1200" b="0" i="0" u="none" strike="noStrike" dirty="0">
+                        <a:solidFill>
+                          <a:schemeClr val="tx1">
+                            <a:lumMod val="60000"/>
+                            <a:lumOff val="40000"/>
+                          </a:schemeClr>
+                        </a:solidFill>
+                        <a:effectLst/>
+                        <a:latin typeface="Calibri Regular"/>
+                      </a:endParaRPr>
+                    </a:p>
+                  </a:txBody>
+                  <a:tcPr marL="108000" marR="108000" marT="72000" marB="72000">
+                    <a:lnL>
+                      <a:noFill/>
+                    </a:lnL>
+                    <a:lnR w="9525" cap="flat" cmpd="sng" algn="ctr">
+                      <a:noFill/>
+                      <a:prstDash val="solid"/>
+                    </a:lnR>
+                    <a:lnT w="12700" cap="flat" cmpd="sng" algn="ctr">
+                      <a:solidFill>
+                        <a:schemeClr val="tx1">
+                          <a:lumMod val="40000"/>
+                          <a:lumOff val="60000"/>
+                        </a:schemeClr>
+                      </a:solidFill>
+                      <a:prstDash val="sysDot"/>
+                      <a:round/>
+                      <a:headEnd type="none" w="med" len="med"/>
+                      <a:tailEnd type="none" w="med" len="med"/>
+                    </a:lnT>
+                    <a:lnB w="12700" cap="flat" cmpd="sng" algn="ctr">
+                      <a:solidFill>
+                        <a:schemeClr val="tx1">
+                          <a:lumMod val="40000"/>
+                          <a:lumOff val="60000"/>
+                        </a:schemeClr>
+                      </a:solidFill>
+                      <a:prstDash val="sysDot"/>
+                      <a:round/>
+                      <a:headEnd type="none" w="med" len="med"/>
+                      <a:tailEnd type="none" w="med" len="med"/>
+                    </a:lnB>
+                    <a:lnTlToBr w="12700" cmpd="sng">
+                      <a:noFill/>
+                      <a:prstDash val="solid"/>
+                    </a:lnTlToBr>
+                    <a:lnBlToTr w="12700" cmpd="sng">
+                      <a:noFill/>
+                      <a:prstDash val="solid"/>
+                    </a:lnBlToTr>
+                    <a:solidFill>
+                      <a:schemeClr val="bg1"/>
+                    </a:solidFill>
+                  </a:tcPr>
+                </a:tc>
+                <a:tc>
+                  <a:txBody>
+                    <a:bodyPr/>
+                    <a:lstStyle/>
+                    <a:p>
+                      <a:pPr algn="l" fontAlgn="b"/>
+                      <a:endParaRPr lang="en-US" sz="1200" b="0" i="0" u="none" strike="noStrike" dirty="0">
+                        <a:solidFill>
+                          <a:schemeClr val="tx1">
+                            <a:lumMod val="60000"/>
+                            <a:lumOff val="40000"/>
+                          </a:schemeClr>
+                        </a:solidFill>
+                        <a:effectLst/>
+                        <a:latin typeface="Calibri Regular"/>
+                      </a:endParaRPr>
+                    </a:p>
+                  </a:txBody>
+                  <a:tcPr marL="108000" marR="108000" marT="72000" marB="72000">
+                    <a:lnL>
+                      <a:noFill/>
+                    </a:lnL>
+                    <a:lnR w="9525" cap="flat" cmpd="sng" algn="ctr">
+                      <a:noFill/>
+                      <a:prstDash val="solid"/>
+                    </a:lnR>
+                    <a:lnT w="12700" cap="flat" cmpd="sng" algn="ctr">
+                      <a:solidFill>
+                        <a:schemeClr val="tx1">
+                          <a:lumMod val="40000"/>
+                          <a:lumOff val="60000"/>
+                        </a:schemeClr>
+                      </a:solidFill>
+                      <a:prstDash val="sysDot"/>
+                      <a:round/>
+                      <a:headEnd type="none" w="med" len="med"/>
+                      <a:tailEnd type="none" w="med" len="med"/>
+                    </a:lnT>
+                    <a:lnB w="12700" cap="flat" cmpd="sng" algn="ctr">
+                      <a:solidFill>
+                        <a:schemeClr val="tx1">
+                          <a:lumMod val="40000"/>
+                          <a:lumOff val="60000"/>
+                        </a:schemeClr>
+                      </a:solidFill>
+                      <a:prstDash val="sysDot"/>
+                      <a:round/>
+                      <a:headEnd type="none" w="med" len="med"/>
+                      <a:tailEnd type="none" w="med" len="med"/>
+                    </a:lnB>
+                    <a:lnTlToBr w="12700" cmpd="sng">
+                      <a:noFill/>
+                      <a:prstDash val="solid"/>
+                    </a:lnTlToBr>
+                    <a:lnBlToTr w="12700" cmpd="sng">
+                      <a:noFill/>
+                      <a:prstDash val="solid"/>
+                    </a:lnBlToTr>
+                    <a:solidFill>
+                      <a:schemeClr val="bg1"/>
+                    </a:solidFill>
+                  </a:tcPr>
+                </a:tc>
+                <a:extLst>
+                  <a:ext uri="{0D108BD9-81ED-4DB2-BD59-A6C34878D82A}">
+                    <a16:rowId xmlns:a16="http://schemas.microsoft.com/office/drawing/2014/main" val="2001900654"/>
+                  </a:ext>
+                </a:extLst>
+              </a:tr>
+              <a:tr h="0">
+                <a:tc>
+                  <a:txBody>
+                    <a:bodyPr/>
+                    <a:lstStyle/>
+                    <a:p>
+                      <a:pPr algn="l" fontAlgn="b"/>
+                      <a:endParaRPr lang="en-US" sz="1200" b="0" i="0" u="none" strike="noStrike" dirty="0">
+                        <a:solidFill>
+                          <a:schemeClr val="tx2"/>
+                        </a:solidFill>
+                        <a:effectLst/>
+                        <a:latin typeface="Calibri Regular"/>
+                      </a:endParaRPr>
+                    </a:p>
+                  </a:txBody>
+                  <a:tcPr marL="108000" marR="108000" marT="72000" marB="72000">
+                    <a:lnL w="9525" cap="flat" cmpd="sng" algn="ctr">
+                      <a:noFill/>
+                      <a:prstDash val="solid"/>
+                    </a:lnL>
+                    <a:lnR>
+                      <a:noFill/>
+                    </a:lnR>
+                    <a:lnT w="12700" cap="flat" cmpd="sng" algn="ctr">
+                      <a:solidFill>
+                        <a:schemeClr val="tx1">
+                          <a:lumMod val="40000"/>
+                          <a:lumOff val="60000"/>
+                        </a:schemeClr>
+                      </a:solidFill>
+                      <a:prstDash val="sysDot"/>
+                      <a:round/>
+                      <a:headEnd type="none" w="med" len="med"/>
+                      <a:tailEnd type="none" w="med" len="med"/>
+                    </a:lnT>
+                    <a:lnB w="12700" cap="flat" cmpd="sng" algn="ctr">
+                      <a:solidFill>
+                        <a:schemeClr val="tx1">
+                          <a:lumMod val="40000"/>
+                          <a:lumOff val="60000"/>
+                        </a:schemeClr>
+                      </a:solidFill>
+                      <a:prstDash val="sysDot"/>
+                      <a:round/>
+                      <a:headEnd type="none" w="med" len="med"/>
+                      <a:tailEnd type="none" w="med" len="med"/>
+                    </a:lnB>
+                    <a:lnTlToBr w="12700" cmpd="sng">
+                      <a:noFill/>
+                      <a:prstDash val="solid"/>
+                    </a:lnTlToBr>
+                    <a:lnBlToTr w="12700" cmpd="sng">
+                      <a:noFill/>
+                      <a:prstDash val="solid"/>
+                    </a:lnBlToTr>
+                    <a:solidFill>
+                      <a:schemeClr val="bg1"/>
+                    </a:solidFill>
+                  </a:tcPr>
+                </a:tc>
+                <a:tc>
+                  <a:txBody>
+                    <a:bodyPr/>
+                    <a:lstStyle/>
+                    <a:p>
+                      <a:pPr algn="r" fontAlgn="b"/>
+                      <a:endParaRPr lang="en-US" sz="1200" b="0" i="0" u="none" strike="noStrike" dirty="0">
+                        <a:solidFill>
+                          <a:schemeClr val="tx2"/>
+                        </a:solidFill>
+                        <a:effectLst/>
+                        <a:latin typeface="Calibri Regular"/>
+                      </a:endParaRPr>
+                    </a:p>
+                  </a:txBody>
+                  <a:tcPr marL="108000" marR="108000" marT="72000" marB="72000">
+                    <a:lnL>
+                      <a:noFill/>
+                    </a:lnL>
+                    <a:lnR>
+                      <a:noFill/>
+                    </a:lnR>
+                    <a:lnT w="12700" cap="flat" cmpd="sng" algn="ctr">
+                      <a:solidFill>
+                        <a:schemeClr val="tx1">
+                          <a:lumMod val="40000"/>
+                          <a:lumOff val="60000"/>
+                        </a:schemeClr>
+                      </a:solidFill>
+                      <a:prstDash val="sysDot"/>
+                      <a:round/>
+                      <a:headEnd type="none" w="med" len="med"/>
+                      <a:tailEnd type="none" w="med" len="med"/>
+                    </a:lnT>
+                    <a:lnB w="12700" cap="flat" cmpd="sng" algn="ctr">
+                      <a:solidFill>
+                        <a:schemeClr val="tx1">
+                          <a:lumMod val="40000"/>
+                          <a:lumOff val="60000"/>
+                        </a:schemeClr>
+                      </a:solidFill>
+                      <a:prstDash val="sysDot"/>
+                      <a:round/>
+                      <a:headEnd type="none" w="med" len="med"/>
+                      <a:tailEnd type="none" w="med" len="med"/>
+                    </a:lnB>
+                    <a:lnTlToBr w="12700" cmpd="sng">
+                      <a:noFill/>
+                      <a:prstDash val="solid"/>
+                    </a:lnTlToBr>
+                    <a:lnBlToTr w="12700" cmpd="sng">
+                      <a:noFill/>
+                      <a:prstDash val="solid"/>
+                    </a:lnBlToTr>
+                    <a:solidFill>
+                      <a:srgbClr val="FEF5BA"/>
+                    </a:solidFill>
+                  </a:tcPr>
+                </a:tc>
+                <a:tc>
+                  <a:txBody>
+                    <a:bodyPr/>
+                    <a:lstStyle/>
+                    <a:p>
+                      <a:pPr algn="r" fontAlgn="b"/>
+                      <a:endParaRPr lang="en-US" sz="1200" b="0" i="0" u="none" strike="noStrike" dirty="0">
+                        <a:solidFill>
+                          <a:schemeClr val="tx1">
+                            <a:lumMod val="60000"/>
+                            <a:lumOff val="40000"/>
+                          </a:schemeClr>
+                        </a:solidFill>
+                        <a:effectLst/>
+                        <a:latin typeface="Calibri Regular"/>
+                      </a:endParaRPr>
+                    </a:p>
+                  </a:txBody>
+                  <a:tcPr marL="108000" marR="108000" marT="72000" marB="72000">
+                    <a:lnL>
+                      <a:noFill/>
+                    </a:lnL>
+                    <a:lnR w="9525" cap="flat" cmpd="sng" algn="ctr">
+                      <a:noFill/>
+                      <a:prstDash val="solid"/>
+                    </a:lnR>
+                    <a:lnT w="12700" cap="flat" cmpd="sng" algn="ctr">
+                      <a:solidFill>
+                        <a:schemeClr val="tx1">
+                          <a:lumMod val="40000"/>
+                          <a:lumOff val="60000"/>
+                        </a:schemeClr>
+                      </a:solidFill>
+                      <a:prstDash val="sysDot"/>
+                      <a:round/>
+                      <a:headEnd type="none" w="med" len="med"/>
+                      <a:tailEnd type="none" w="med" len="med"/>
+                    </a:lnT>
+                    <a:lnB w="12700" cap="flat" cmpd="sng" algn="ctr">
+                      <a:solidFill>
+                        <a:schemeClr val="tx1">
+                          <a:lumMod val="40000"/>
+                          <a:lumOff val="60000"/>
+                        </a:schemeClr>
+                      </a:solidFill>
+                      <a:prstDash val="sysDot"/>
+                      <a:round/>
+                      <a:headEnd type="none" w="med" len="med"/>
+                      <a:tailEnd type="none" w="med" len="med"/>
+                    </a:lnB>
+                    <a:lnTlToBr w="12700" cmpd="sng">
+                      <a:noFill/>
+                      <a:prstDash val="solid"/>
+                    </a:lnTlToBr>
+                    <a:lnBlToTr w="12700" cmpd="sng">
+                      <a:noFill/>
+                      <a:prstDash val="solid"/>
+                    </a:lnBlToTr>
+                    <a:solidFill>
+                      <a:schemeClr val="bg1"/>
+                    </a:solidFill>
+                  </a:tcPr>
+                </a:tc>
+                <a:tc>
+                  <a:txBody>
+                    <a:bodyPr/>
+                    <a:lstStyle/>
+                    <a:p>
+                      <a:pPr algn="r" fontAlgn="b"/>
+                      <a:endParaRPr lang="en-US" sz="1200" b="0" i="0" u="none" strike="noStrike" dirty="0">
+                        <a:solidFill>
+                          <a:schemeClr val="tx1">
+                            <a:lumMod val="60000"/>
+                            <a:lumOff val="40000"/>
+                          </a:schemeClr>
+                        </a:solidFill>
+                        <a:effectLst/>
+                        <a:latin typeface="Calibri Regular"/>
+                      </a:endParaRPr>
+                    </a:p>
+                  </a:txBody>
+                  <a:tcPr marL="108000" marR="108000" marT="72000" marB="72000">
+                    <a:lnL>
+                      <a:noFill/>
+                    </a:lnL>
+                    <a:lnR w="9525" cap="flat" cmpd="sng" algn="ctr">
+                      <a:noFill/>
+                      <a:prstDash val="solid"/>
+                    </a:lnR>
+                    <a:lnT w="12700" cap="flat" cmpd="sng" algn="ctr">
+                      <a:solidFill>
+                        <a:schemeClr val="tx1">
+                          <a:lumMod val="40000"/>
+                          <a:lumOff val="60000"/>
+                        </a:schemeClr>
+                      </a:solidFill>
+                      <a:prstDash val="sysDot"/>
+                      <a:round/>
+                      <a:headEnd type="none" w="med" len="med"/>
+                      <a:tailEnd type="none" w="med" len="med"/>
+                    </a:lnT>
+                    <a:lnB w="12700" cap="flat" cmpd="sng" algn="ctr">
+                      <a:solidFill>
+                        <a:schemeClr val="tx1">
+                          <a:lumMod val="40000"/>
+                          <a:lumOff val="60000"/>
+                        </a:schemeClr>
+                      </a:solidFill>
+                      <a:prstDash val="sysDot"/>
+                      <a:round/>
+                      <a:headEnd type="none" w="med" len="med"/>
+                      <a:tailEnd type="none" w="med" len="med"/>
+                    </a:lnB>
+                    <a:lnTlToBr w="12700" cmpd="sng">
+                      <a:noFill/>
+                      <a:prstDash val="solid"/>
+                    </a:lnTlToBr>
+                    <a:lnBlToTr w="12700" cmpd="sng">
+                      <a:noFill/>
+                      <a:prstDash val="solid"/>
+                    </a:lnBlToTr>
+                    <a:solidFill>
+                      <a:schemeClr val="bg1"/>
+                    </a:solidFill>
+                  </a:tcPr>
+                </a:tc>
+                <a:tc>
+                  <a:txBody>
+                    <a:bodyPr/>
+                    <a:lstStyle/>
+                    <a:p>
+                      <a:pPr algn="l" fontAlgn="b"/>
+                      <a:endParaRPr lang="en-US" sz="1200" b="0" i="0" u="none" strike="noStrike" dirty="0">
+                        <a:solidFill>
+                          <a:schemeClr val="tx1">
+                            <a:lumMod val="60000"/>
+                            <a:lumOff val="40000"/>
+                          </a:schemeClr>
+                        </a:solidFill>
+                        <a:effectLst/>
+                        <a:latin typeface="Calibri Regular"/>
+                      </a:endParaRPr>
+                    </a:p>
+                  </a:txBody>
+                  <a:tcPr marL="108000" marR="108000" marT="72000" marB="72000">
+                    <a:lnL>
+                      <a:noFill/>
+                    </a:lnL>
+                    <a:lnR w="9525" cap="flat" cmpd="sng" algn="ctr">
+                      <a:noFill/>
+                      <a:prstDash val="solid"/>
+                    </a:lnR>
+                    <a:lnT w="12700" cap="flat" cmpd="sng" algn="ctr">
+                      <a:solidFill>
+                        <a:schemeClr val="tx1">
+                          <a:lumMod val="40000"/>
+                          <a:lumOff val="60000"/>
+                        </a:schemeClr>
+                      </a:solidFill>
+                      <a:prstDash val="sysDot"/>
+                      <a:round/>
+                      <a:headEnd type="none" w="med" len="med"/>
+                      <a:tailEnd type="none" w="med" len="med"/>
+                    </a:lnT>
+                    <a:lnB w="12700" cap="flat" cmpd="sng" algn="ctr">
+                      <a:solidFill>
+                        <a:schemeClr val="tx1">
+                          <a:lumMod val="40000"/>
+                          <a:lumOff val="60000"/>
+                        </a:schemeClr>
+                      </a:solidFill>
+                      <a:prstDash val="sysDot"/>
+                      <a:round/>
+                      <a:headEnd type="none" w="med" len="med"/>
+                      <a:tailEnd type="none" w="med" len="med"/>
+                    </a:lnB>
+                    <a:lnTlToBr w="12700" cmpd="sng">
+                      <a:noFill/>
+                      <a:prstDash val="solid"/>
+                    </a:lnTlToBr>
+                    <a:lnBlToTr w="12700" cmpd="sng">
+                      <a:noFill/>
+                      <a:prstDash val="solid"/>
+                    </a:lnBlToTr>
+                    <a:solidFill>
+                      <a:schemeClr val="bg1"/>
+                    </a:solidFill>
+                  </a:tcPr>
+                </a:tc>
+                <a:tc>
+                  <a:txBody>
+                    <a:bodyPr/>
+                    <a:lstStyle/>
+                    <a:p>
+                      <a:pPr algn="l" fontAlgn="b"/>
+                      <a:endParaRPr lang="en-US" sz="1200" b="0" i="0" u="none" strike="noStrike" dirty="0">
+                        <a:solidFill>
+                          <a:schemeClr val="tx1">
+                            <a:lumMod val="60000"/>
+                            <a:lumOff val="40000"/>
+                          </a:schemeClr>
+                        </a:solidFill>
+                        <a:effectLst/>
+                        <a:latin typeface="Calibri Regular"/>
+                      </a:endParaRPr>
+                    </a:p>
+                  </a:txBody>
+                  <a:tcPr marL="108000" marR="108000" marT="72000" marB="72000">
+                    <a:lnL>
+                      <a:noFill/>
+                    </a:lnL>
+                    <a:lnR w="9525" cap="flat" cmpd="sng" algn="ctr">
+                      <a:noFill/>
+                      <a:prstDash val="solid"/>
+                    </a:lnR>
+                    <a:lnT w="12700" cap="flat" cmpd="sng" algn="ctr">
+                      <a:solidFill>
+                        <a:schemeClr val="tx1">
+                          <a:lumMod val="40000"/>
+                          <a:lumOff val="60000"/>
+                        </a:schemeClr>
+                      </a:solidFill>
+                      <a:prstDash val="sysDot"/>
+                      <a:round/>
+                      <a:headEnd type="none" w="med" len="med"/>
+                      <a:tailEnd type="none" w="med" len="med"/>
+                    </a:lnT>
+                    <a:lnB w="12700" cap="flat" cmpd="sng" algn="ctr">
+                      <a:solidFill>
+                        <a:schemeClr val="tx1">
+                          <a:lumMod val="40000"/>
+                          <a:lumOff val="60000"/>
+                        </a:schemeClr>
+                      </a:solidFill>
+                      <a:prstDash val="sysDot"/>
+                      <a:round/>
+                      <a:headEnd type="none" w="med" len="med"/>
+                      <a:tailEnd type="none" w="med" len="med"/>
+                    </a:lnB>
+                    <a:lnTlToBr w="12700" cmpd="sng">
+                      <a:noFill/>
+                      <a:prstDash val="solid"/>
+                    </a:lnTlToBr>
+                    <a:lnBlToTr w="12700" cmpd="sng">
+                      <a:noFill/>
+                      <a:prstDash val="solid"/>
+                    </a:lnBlToTr>
+                    <a:solidFill>
+                      <a:schemeClr val="bg1"/>
+                    </a:solidFill>
+                  </a:tcPr>
+                </a:tc>
+                <a:extLst>
+                  <a:ext uri="{0D108BD9-81ED-4DB2-BD59-A6C34878D82A}">
+                    <a16:rowId xmlns:a16="http://schemas.microsoft.com/office/drawing/2014/main" val="928811833"/>
+                  </a:ext>
+                </a:extLst>
+              </a:tr>
+              <a:tr h="0">
+                <a:tc>
+                  <a:txBody>
+                    <a:bodyPr/>
+                    <a:lstStyle/>
+                    <a:p>
+                      <a:pPr algn="l" fontAlgn="b"/>
+                      <a:endParaRPr lang="en-US" sz="1200" b="0" i="0" u="none" strike="noStrike" dirty="0">
+                        <a:solidFill>
+                          <a:schemeClr val="tx2"/>
+                        </a:solidFill>
+                        <a:effectLst/>
+                        <a:latin typeface="Calibri Regular"/>
+                      </a:endParaRPr>
+                    </a:p>
+                  </a:txBody>
+                  <a:tcPr marL="108000" marR="108000" marT="72000" marB="72000">
+                    <a:lnL w="9525" cap="flat" cmpd="sng" algn="ctr">
+                      <a:noFill/>
+                      <a:prstDash val="solid"/>
+                    </a:lnL>
+                    <a:lnR>
+                      <a:noFill/>
+                    </a:lnR>
+                    <a:lnT w="12700" cap="flat" cmpd="sng" algn="ctr">
+                      <a:solidFill>
+                        <a:schemeClr val="tx1">
+                          <a:lumMod val="40000"/>
+                          <a:lumOff val="60000"/>
+                        </a:schemeClr>
+                      </a:solidFill>
+                      <a:prstDash val="sysDot"/>
+                      <a:round/>
+                      <a:headEnd type="none" w="med" len="med"/>
+                      <a:tailEnd type="none" w="med" len="med"/>
+                    </a:lnT>
+                    <a:lnB w="12700" cap="flat" cmpd="sng" algn="ctr">
+                      <a:solidFill>
+                        <a:schemeClr val="tx1">
+                          <a:lumMod val="40000"/>
+                          <a:lumOff val="60000"/>
+                        </a:schemeClr>
+                      </a:solidFill>
+                      <a:prstDash val="sysDot"/>
+                      <a:round/>
+                      <a:headEnd type="none" w="med" len="med"/>
+                      <a:tailEnd type="none" w="med" len="med"/>
+                    </a:lnB>
+                    <a:lnTlToBr w="12700" cmpd="sng">
+                      <a:noFill/>
+                      <a:prstDash val="solid"/>
+                    </a:lnTlToBr>
+                    <a:lnBlToTr w="12700" cmpd="sng">
+                      <a:noFill/>
+                      <a:prstDash val="solid"/>
+                    </a:lnBlToTr>
+                    <a:solidFill>
+                      <a:schemeClr val="bg1"/>
+                    </a:solidFill>
+                  </a:tcPr>
+                </a:tc>
+                <a:tc>
+                  <a:txBody>
+                    <a:bodyPr/>
+                    <a:lstStyle/>
+                    <a:p>
+                      <a:pPr algn="r" fontAlgn="b"/>
+                      <a:endParaRPr lang="en-US" sz="1200" b="0" i="0" u="none" strike="noStrike" dirty="0">
+                        <a:solidFill>
+                          <a:schemeClr val="tx2"/>
+                        </a:solidFill>
+                        <a:effectLst/>
+                        <a:latin typeface="Calibri Regular"/>
+                      </a:endParaRPr>
+                    </a:p>
+                  </a:txBody>
+                  <a:tcPr marL="108000" marR="108000" marT="72000" marB="72000">
+                    <a:lnL>
+                      <a:noFill/>
+                    </a:lnL>
+                    <a:lnR>
+                      <a:noFill/>
+                    </a:lnR>
+                    <a:lnT w="12700" cap="flat" cmpd="sng" algn="ctr">
+                      <a:solidFill>
+                        <a:schemeClr val="tx1">
+                          <a:lumMod val="40000"/>
+                          <a:lumOff val="60000"/>
+                        </a:schemeClr>
+                      </a:solidFill>
+                      <a:prstDash val="sysDot"/>
+                      <a:round/>
+                      <a:headEnd type="none" w="med" len="med"/>
+                      <a:tailEnd type="none" w="med" len="med"/>
+                    </a:lnT>
+                    <a:lnB w="12700" cap="flat" cmpd="sng" algn="ctr">
+                      <a:solidFill>
+                        <a:schemeClr val="tx1">
+                          <a:lumMod val="40000"/>
+                          <a:lumOff val="60000"/>
+                        </a:schemeClr>
+                      </a:solidFill>
+                      <a:prstDash val="sysDot"/>
+                      <a:round/>
+                      <a:headEnd type="none" w="med" len="med"/>
+                      <a:tailEnd type="none" w="med" len="med"/>
+                    </a:lnB>
+                    <a:lnTlToBr w="12700" cmpd="sng">
+                      <a:noFill/>
+                      <a:prstDash val="solid"/>
+                    </a:lnTlToBr>
+                    <a:lnBlToTr w="12700" cmpd="sng">
+                      <a:noFill/>
+                      <a:prstDash val="solid"/>
+                    </a:lnBlToTr>
+                    <a:solidFill>
+                      <a:srgbClr val="FEF5BA"/>
+                    </a:solidFill>
+                  </a:tcPr>
+                </a:tc>
+                <a:tc>
+                  <a:txBody>
+                    <a:bodyPr/>
+                    <a:lstStyle/>
+                    <a:p>
+                      <a:pPr algn="r" fontAlgn="b"/>
+                      <a:endParaRPr lang="en-US" sz="1200" b="0" i="0" u="none" strike="noStrike" dirty="0">
+                        <a:solidFill>
+                          <a:schemeClr val="tx1">
+                            <a:lumMod val="60000"/>
+                            <a:lumOff val="40000"/>
+                          </a:schemeClr>
+                        </a:solidFill>
+                        <a:effectLst/>
+                        <a:latin typeface="Calibri Regular"/>
+                      </a:endParaRPr>
+                    </a:p>
+                  </a:txBody>
+                  <a:tcPr marL="108000" marR="108000" marT="72000" marB="72000">
+                    <a:lnL>
+                      <a:noFill/>
+                    </a:lnL>
+                    <a:lnR w="9525" cap="flat" cmpd="sng" algn="ctr">
+                      <a:noFill/>
+                      <a:prstDash val="solid"/>
+                    </a:lnR>
+                    <a:lnT w="12700" cap="flat" cmpd="sng" algn="ctr">
+                      <a:solidFill>
+                        <a:schemeClr val="tx1">
+                          <a:lumMod val="40000"/>
+                          <a:lumOff val="60000"/>
+                        </a:schemeClr>
+                      </a:solidFill>
+                      <a:prstDash val="sysDot"/>
+                      <a:round/>
+                      <a:headEnd type="none" w="med" len="med"/>
+                      <a:tailEnd type="none" w="med" len="med"/>
+                    </a:lnT>
+                    <a:lnB w="12700" cap="flat" cmpd="sng" algn="ctr">
+                      <a:solidFill>
+                        <a:schemeClr val="tx1">
+                          <a:lumMod val="40000"/>
+                          <a:lumOff val="60000"/>
+                        </a:schemeClr>
+                      </a:solidFill>
+                      <a:prstDash val="sysDot"/>
+                      <a:round/>
+                      <a:headEnd type="none" w="med" len="med"/>
+                      <a:tailEnd type="none" w="med" len="med"/>
+                    </a:lnB>
+                    <a:lnTlToBr w="12700" cmpd="sng">
+                      <a:noFill/>
+                      <a:prstDash val="solid"/>
+                    </a:lnTlToBr>
+                    <a:lnBlToTr w="12700" cmpd="sng">
+                      <a:noFill/>
+                      <a:prstDash val="solid"/>
+                    </a:lnBlToTr>
+                    <a:solidFill>
+                      <a:schemeClr val="bg1"/>
+                    </a:solidFill>
+                  </a:tcPr>
+                </a:tc>
+                <a:tc>
+                  <a:txBody>
+                    <a:bodyPr/>
+                    <a:lstStyle/>
+                    <a:p>
+                      <a:pPr algn="r" fontAlgn="b"/>
+                      <a:endParaRPr lang="en-US" sz="1200" b="0" i="0" u="none" strike="noStrike" dirty="0">
+                        <a:solidFill>
+                          <a:schemeClr val="tx1">
+                            <a:lumMod val="60000"/>
+                            <a:lumOff val="40000"/>
+                          </a:schemeClr>
+                        </a:solidFill>
+                        <a:effectLst/>
+                        <a:latin typeface="Calibri Regular"/>
+                      </a:endParaRPr>
+                    </a:p>
+                  </a:txBody>
+                  <a:tcPr marL="108000" marR="108000" marT="72000" marB="72000">
+                    <a:lnL>
+                      <a:noFill/>
+                    </a:lnL>
+                    <a:lnR w="9525" cap="flat" cmpd="sng" algn="ctr">
+                      <a:noFill/>
+                      <a:prstDash val="solid"/>
+                    </a:lnR>
+                    <a:lnT w="12700" cap="flat" cmpd="sng" algn="ctr">
+                      <a:solidFill>
+                        <a:schemeClr val="tx1">
+                          <a:lumMod val="40000"/>
+                          <a:lumOff val="60000"/>
+                        </a:schemeClr>
+                      </a:solidFill>
+                      <a:prstDash val="sysDot"/>
+                      <a:round/>
+                      <a:headEnd type="none" w="med" len="med"/>
+                      <a:tailEnd type="none" w="med" len="med"/>
+                    </a:lnT>
+                    <a:lnB w="12700" cap="flat" cmpd="sng" algn="ctr">
+                      <a:solidFill>
+                        <a:schemeClr val="tx1">
+                          <a:lumMod val="40000"/>
+                          <a:lumOff val="60000"/>
+                        </a:schemeClr>
+                      </a:solidFill>
+                      <a:prstDash val="sysDot"/>
+                      <a:round/>
+                      <a:headEnd type="none" w="med" len="med"/>
+                      <a:tailEnd type="none" w="med" len="med"/>
+                    </a:lnB>
+                    <a:lnTlToBr w="12700" cmpd="sng">
+                      <a:noFill/>
+                      <a:prstDash val="solid"/>
+                    </a:lnTlToBr>
+                    <a:lnBlToTr w="12700" cmpd="sng">
+                      <a:noFill/>
+                      <a:prstDash val="solid"/>
+                    </a:lnBlToTr>
+                    <a:solidFill>
+                      <a:schemeClr val="bg1"/>
+                    </a:solidFill>
+                  </a:tcPr>
+                </a:tc>
+                <a:tc>
+                  <a:txBody>
+                    <a:bodyPr/>
+                    <a:lstStyle/>
+                    <a:p>
+                      <a:pPr algn="l" fontAlgn="b"/>
+                      <a:endParaRPr lang="en-US" sz="1200" b="0" i="0" u="none" strike="noStrike" dirty="0">
+                        <a:solidFill>
+                          <a:schemeClr val="tx1">
+                            <a:lumMod val="60000"/>
+                            <a:lumOff val="40000"/>
+                          </a:schemeClr>
+                        </a:solidFill>
+                        <a:effectLst/>
+                        <a:latin typeface="Calibri Regular"/>
+                      </a:endParaRPr>
+                    </a:p>
+                  </a:txBody>
+                  <a:tcPr marL="108000" marR="108000" marT="72000" marB="72000">
+                    <a:lnL>
+                      <a:noFill/>
+                    </a:lnL>
+                    <a:lnR w="9525" cap="flat" cmpd="sng" algn="ctr">
+                      <a:noFill/>
+                      <a:prstDash val="solid"/>
+                    </a:lnR>
+                    <a:lnT w="12700" cap="flat" cmpd="sng" algn="ctr">
+                      <a:solidFill>
+                        <a:schemeClr val="tx1">
+                          <a:lumMod val="40000"/>
+                          <a:lumOff val="60000"/>
+                        </a:schemeClr>
+                      </a:solidFill>
+                      <a:prstDash val="sysDot"/>
+                      <a:round/>
+                      <a:headEnd type="none" w="med" len="med"/>
+                      <a:tailEnd type="none" w="med" len="med"/>
+                    </a:lnT>
+                    <a:lnB w="12700" cap="flat" cmpd="sng" algn="ctr">
+                      <a:solidFill>
+                        <a:schemeClr val="tx1">
+                          <a:lumMod val="40000"/>
+                          <a:lumOff val="60000"/>
+                        </a:schemeClr>
+                      </a:solidFill>
+                      <a:prstDash val="sysDot"/>
+                      <a:round/>
+                      <a:headEnd type="none" w="med" len="med"/>
+                      <a:tailEnd type="none" w="med" len="med"/>
+                    </a:lnB>
+                    <a:lnTlToBr w="12700" cmpd="sng">
+                      <a:noFill/>
+                      <a:prstDash val="solid"/>
+                    </a:lnTlToBr>
+                    <a:lnBlToTr w="12700" cmpd="sng">
+                      <a:noFill/>
+                      <a:prstDash val="solid"/>
+                    </a:lnBlToTr>
+                    <a:solidFill>
+                      <a:schemeClr val="bg1"/>
+                    </a:solidFill>
+                  </a:tcPr>
+                </a:tc>
+                <a:tc>
+                  <a:txBody>
+                    <a:bodyPr/>
+                    <a:lstStyle/>
+                    <a:p>
+                      <a:pPr algn="l" fontAlgn="b"/>
+                      <a:endParaRPr lang="en-US" sz="1200" b="0" i="0" u="none" strike="noStrike" dirty="0">
+                        <a:solidFill>
+                          <a:schemeClr val="tx1">
+                            <a:lumMod val="60000"/>
+                            <a:lumOff val="40000"/>
+                          </a:schemeClr>
+                        </a:solidFill>
+                        <a:effectLst/>
+                        <a:latin typeface="Calibri Regular"/>
+                      </a:endParaRPr>
+                    </a:p>
+                  </a:txBody>
+                  <a:tcPr marL="108000" marR="108000" marT="72000" marB="72000">
+                    <a:lnL>
+                      <a:noFill/>
+                    </a:lnL>
+                    <a:lnR w="9525" cap="flat" cmpd="sng" algn="ctr">
+                      <a:noFill/>
+                      <a:prstDash val="solid"/>
+                    </a:lnR>
+                    <a:lnT w="12700" cap="flat" cmpd="sng" algn="ctr">
+                      <a:solidFill>
+                        <a:schemeClr val="tx1">
+                          <a:lumMod val="40000"/>
+                          <a:lumOff val="60000"/>
+                        </a:schemeClr>
+                      </a:solidFill>
+                      <a:prstDash val="sysDot"/>
+                      <a:round/>
+                      <a:headEnd type="none" w="med" len="med"/>
+                      <a:tailEnd type="none" w="med" len="med"/>
+                    </a:lnT>
+                    <a:lnB w="12700" cap="flat" cmpd="sng" algn="ctr">
+                      <a:solidFill>
+                        <a:schemeClr val="tx1">
+                          <a:lumMod val="40000"/>
+                          <a:lumOff val="60000"/>
+                        </a:schemeClr>
+                      </a:solidFill>
+                      <a:prstDash val="sysDot"/>
+                      <a:round/>
+                      <a:headEnd type="none" w="med" len="med"/>
+                      <a:tailEnd type="none" w="med" len="med"/>
+                    </a:lnB>
+                    <a:lnTlToBr w="12700" cmpd="sng">
+                      <a:noFill/>
+                      <a:prstDash val="solid"/>
+                    </a:lnTlToBr>
+                    <a:lnBlToTr w="12700" cmpd="sng">
+                      <a:noFill/>
+                      <a:prstDash val="solid"/>
+                    </a:lnBlToTr>
+                    <a:solidFill>
+                      <a:schemeClr val="bg1"/>
+                    </a:solidFill>
+                  </a:tcPr>
+                </a:tc>
+                <a:extLst>
+                  <a:ext uri="{0D108BD9-81ED-4DB2-BD59-A6C34878D82A}">
+                    <a16:rowId xmlns:a16="http://schemas.microsoft.com/office/drawing/2014/main" val="4060795780"/>
+                  </a:ext>
+                </a:extLst>
+              </a:tr>
+              <a:tr h="0">
+                <a:tc>
+                  <a:txBody>
+                    <a:bodyPr/>
+                    <a:lstStyle/>
+                    <a:p>
+                      <a:pPr algn="l" fontAlgn="b"/>
+                      <a:endParaRPr lang="en-US" sz="1200" b="0" i="0" u="none" strike="noStrike" dirty="0">
+                        <a:solidFill>
+                          <a:schemeClr val="tx2"/>
+                        </a:solidFill>
+                        <a:effectLst/>
+                        <a:latin typeface="Calibri Regular"/>
+                      </a:endParaRPr>
+                    </a:p>
+                  </a:txBody>
+                  <a:tcPr marL="108000" marR="108000" marT="72000" marB="72000">
+                    <a:lnL w="9525" cap="flat" cmpd="sng" algn="ctr">
+                      <a:noFill/>
+                      <a:prstDash val="solid"/>
+                    </a:lnL>
+                    <a:lnR>
+                      <a:noFill/>
+                    </a:lnR>
+                    <a:lnT w="12700" cap="flat" cmpd="sng" algn="ctr">
+                      <a:solidFill>
+                        <a:schemeClr val="tx1">
+                          <a:lumMod val="40000"/>
+                          <a:lumOff val="60000"/>
+                        </a:schemeClr>
+                      </a:solidFill>
+                      <a:prstDash val="sysDot"/>
+                      <a:round/>
+                      <a:headEnd type="none" w="med" len="med"/>
+                      <a:tailEnd type="none" w="med" len="med"/>
+                    </a:lnT>
+                    <a:lnB w="12700" cap="flat" cmpd="sng" algn="ctr">
+                      <a:solidFill>
+                        <a:schemeClr val="tx1">
+                          <a:lumMod val="40000"/>
+                          <a:lumOff val="60000"/>
+                        </a:schemeClr>
+                      </a:solidFill>
+                      <a:prstDash val="sysDot"/>
+                      <a:round/>
+                      <a:headEnd type="none" w="med" len="med"/>
+                      <a:tailEnd type="none" w="med" len="med"/>
+                    </a:lnB>
+                    <a:lnTlToBr w="12700" cmpd="sng">
+                      <a:noFill/>
+                      <a:prstDash val="solid"/>
+                    </a:lnTlToBr>
+                    <a:lnBlToTr w="12700" cmpd="sng">
+                      <a:noFill/>
+                      <a:prstDash val="solid"/>
+                    </a:lnBlToTr>
+                    <a:solidFill>
+                      <a:schemeClr val="bg1"/>
+                    </a:solidFill>
+                  </a:tcPr>
+                </a:tc>
+                <a:tc>
+                  <a:txBody>
+                    <a:bodyPr/>
+                    <a:lstStyle/>
+                    <a:p>
+                      <a:pPr algn="r" fontAlgn="b"/>
+                      <a:endParaRPr lang="en-US" sz="1200" b="0" i="0" u="none" strike="noStrike" dirty="0">
+                        <a:solidFill>
+                          <a:schemeClr val="tx2"/>
+                        </a:solidFill>
+                        <a:effectLst/>
+                        <a:latin typeface="Calibri Regular"/>
+                      </a:endParaRPr>
+                    </a:p>
+                  </a:txBody>
+                  <a:tcPr marL="108000" marR="108000" marT="72000" marB="72000">
+                    <a:lnL>
+                      <a:noFill/>
+                    </a:lnL>
+                    <a:lnR>
+                      <a:noFill/>
+                    </a:lnR>
+                    <a:lnT w="12700" cap="flat" cmpd="sng" algn="ctr">
+                      <a:solidFill>
+                        <a:schemeClr val="tx1">
+                          <a:lumMod val="40000"/>
+                          <a:lumOff val="60000"/>
+                        </a:schemeClr>
+                      </a:solidFill>
+                      <a:prstDash val="sysDot"/>
+                      <a:round/>
+                      <a:headEnd type="none" w="med" len="med"/>
+                      <a:tailEnd type="none" w="med" len="med"/>
+                    </a:lnT>
+                    <a:lnB w="12700" cap="flat" cmpd="sng" algn="ctr">
+                      <a:solidFill>
+                        <a:schemeClr val="tx1">
+                          <a:lumMod val="40000"/>
+                          <a:lumOff val="60000"/>
+                        </a:schemeClr>
+                      </a:solidFill>
+                      <a:prstDash val="sysDot"/>
+                      <a:round/>
+                      <a:headEnd type="none" w="med" len="med"/>
+                      <a:tailEnd type="none" w="med" len="med"/>
+                    </a:lnB>
+                    <a:lnTlToBr w="12700" cmpd="sng">
+                      <a:noFill/>
+                      <a:prstDash val="solid"/>
+                    </a:lnTlToBr>
+                    <a:lnBlToTr w="12700" cmpd="sng">
+                      <a:noFill/>
+                      <a:prstDash val="solid"/>
+                    </a:lnBlToTr>
+                    <a:solidFill>
+                      <a:srgbClr val="FEF5BA"/>
+                    </a:solidFill>
+                  </a:tcPr>
+                </a:tc>
+                <a:tc>
+                  <a:txBody>
+                    <a:bodyPr/>
+                    <a:lstStyle/>
+                    <a:p>
+                      <a:pPr algn="r" fontAlgn="b"/>
+                      <a:endParaRPr lang="en-US" sz="1200" b="0" i="0" u="none" strike="noStrike" dirty="0">
+                        <a:solidFill>
+                          <a:schemeClr val="tx1">
+                            <a:lumMod val="60000"/>
+                            <a:lumOff val="40000"/>
+                          </a:schemeClr>
+                        </a:solidFill>
+                        <a:effectLst/>
+                        <a:latin typeface="Calibri Regular"/>
+                      </a:endParaRPr>
+                    </a:p>
+                  </a:txBody>
+                  <a:tcPr marL="108000" marR="108000" marT="72000" marB="72000">
+                    <a:lnL>
+                      <a:noFill/>
+                    </a:lnL>
+                    <a:lnR w="9525" cap="flat" cmpd="sng" algn="ctr">
+                      <a:noFill/>
+                      <a:prstDash val="solid"/>
+                    </a:lnR>
+                    <a:lnT w="12700" cap="flat" cmpd="sng" algn="ctr">
+                      <a:solidFill>
+                        <a:schemeClr val="tx1">
+                          <a:lumMod val="40000"/>
+                          <a:lumOff val="60000"/>
+                        </a:schemeClr>
+                      </a:solidFill>
+                      <a:prstDash val="sysDot"/>
+                      <a:round/>
+                      <a:headEnd type="none" w="med" len="med"/>
+                      <a:tailEnd type="none" w="med" len="med"/>
+                    </a:lnT>
+                    <a:lnB w="12700" cap="flat" cmpd="sng" algn="ctr">
+                      <a:solidFill>
+                        <a:schemeClr val="tx1">
+                          <a:lumMod val="40000"/>
+                          <a:lumOff val="60000"/>
+                        </a:schemeClr>
+                      </a:solidFill>
+                      <a:prstDash val="sysDot"/>
+                      <a:round/>
+                      <a:headEnd type="none" w="med" len="med"/>
+                      <a:tailEnd type="none" w="med" len="med"/>
+                    </a:lnB>
+                    <a:lnTlToBr w="12700" cmpd="sng">
+                      <a:noFill/>
+                      <a:prstDash val="solid"/>
+                    </a:lnTlToBr>
+                    <a:lnBlToTr w="12700" cmpd="sng">
+                      <a:noFill/>
+                      <a:prstDash val="solid"/>
+                    </a:lnBlToTr>
+                    <a:solidFill>
+                      <a:schemeClr val="bg1"/>
+                    </a:solidFill>
+                  </a:tcPr>
+                </a:tc>
+                <a:tc>
+                  <a:txBody>
+                    <a:bodyPr/>
+                    <a:lstStyle/>
+                    <a:p>
+                      <a:pPr algn="r" fontAlgn="b"/>
+                      <a:endParaRPr lang="en-US" sz="1200" b="0" i="0" u="none" strike="noStrike" dirty="0">
+                        <a:solidFill>
+                          <a:schemeClr val="tx1">
+                            <a:lumMod val="60000"/>
+                            <a:lumOff val="40000"/>
+                          </a:schemeClr>
+                        </a:solidFill>
+                        <a:effectLst/>
+                        <a:latin typeface="Calibri Regular"/>
+                      </a:endParaRPr>
+                    </a:p>
+                  </a:txBody>
+                  <a:tcPr marL="108000" marR="108000" marT="72000" marB="72000">
+                    <a:lnL>
+                      <a:noFill/>
+                    </a:lnL>
+                    <a:lnR w="9525" cap="flat" cmpd="sng" algn="ctr">
+                      <a:noFill/>
+                      <a:prstDash val="solid"/>
+                    </a:lnR>
+                    <a:lnT w="12700" cap="flat" cmpd="sng" algn="ctr">
+                      <a:solidFill>
+                        <a:schemeClr val="tx1">
+                          <a:lumMod val="40000"/>
+                          <a:lumOff val="60000"/>
+                        </a:schemeClr>
+                      </a:solidFill>
+                      <a:prstDash val="sysDot"/>
+                      <a:round/>
+                      <a:headEnd type="none" w="med" len="med"/>
+                      <a:tailEnd type="none" w="med" len="med"/>
+                    </a:lnT>
+                    <a:lnB w="12700" cap="flat" cmpd="sng" algn="ctr">
+                      <a:solidFill>
+                        <a:schemeClr val="tx1">
+                          <a:lumMod val="40000"/>
+                          <a:lumOff val="60000"/>
+                        </a:schemeClr>
+                      </a:solidFill>
+                      <a:prstDash val="sysDot"/>
+                      <a:round/>
+                      <a:headEnd type="none" w="med" len="med"/>
+                      <a:tailEnd type="none" w="med" len="med"/>
+                    </a:lnB>
+                    <a:lnTlToBr w="12700" cmpd="sng">
+                      <a:noFill/>
+                      <a:prstDash val="solid"/>
+                    </a:lnTlToBr>
+                    <a:lnBlToTr w="12700" cmpd="sng">
+                      <a:noFill/>
+                      <a:prstDash val="solid"/>
+                    </a:lnBlToTr>
+                    <a:solidFill>
+                      <a:schemeClr val="bg1"/>
+                    </a:solidFill>
+                  </a:tcPr>
+                </a:tc>
+                <a:tc>
+                  <a:txBody>
+                    <a:bodyPr/>
+                    <a:lstStyle/>
+                    <a:p>
+                      <a:pPr algn="l" fontAlgn="b"/>
+                      <a:endParaRPr lang="en-US" sz="1200" b="0" i="0" u="none" strike="noStrike" dirty="0">
+                        <a:solidFill>
+                          <a:schemeClr val="tx1">
+                            <a:lumMod val="60000"/>
+                            <a:lumOff val="40000"/>
+                          </a:schemeClr>
+                        </a:solidFill>
+                        <a:effectLst/>
+                        <a:latin typeface="Calibri Regular"/>
+                      </a:endParaRPr>
+                    </a:p>
+                  </a:txBody>
+                  <a:tcPr marL="108000" marR="108000" marT="72000" marB="72000">
+                    <a:lnL>
+                      <a:noFill/>
+                    </a:lnL>
+                    <a:lnR w="9525" cap="flat" cmpd="sng" algn="ctr">
+                      <a:noFill/>
+                      <a:prstDash val="solid"/>
+                    </a:lnR>
+                    <a:lnT w="12700" cap="flat" cmpd="sng" algn="ctr">
+                      <a:solidFill>
+                        <a:schemeClr val="tx1">
+                          <a:lumMod val="40000"/>
+                          <a:lumOff val="60000"/>
+                        </a:schemeClr>
+                      </a:solidFill>
+                      <a:prstDash val="sysDot"/>
+                      <a:round/>
+                      <a:headEnd type="none" w="med" len="med"/>
+                      <a:tailEnd type="none" w="med" len="med"/>
+                    </a:lnT>
+                    <a:lnB w="12700" cap="flat" cmpd="sng" algn="ctr">
+                      <a:solidFill>
+                        <a:schemeClr val="tx1">
+                          <a:lumMod val="40000"/>
+                          <a:lumOff val="60000"/>
+                        </a:schemeClr>
+                      </a:solidFill>
+                      <a:prstDash val="sysDot"/>
+                      <a:round/>
+                      <a:headEnd type="none" w="med" len="med"/>
+                      <a:tailEnd type="none" w="med" len="med"/>
+                    </a:lnB>
+                    <a:lnTlToBr w="12700" cmpd="sng">
+                      <a:noFill/>
+                      <a:prstDash val="solid"/>
+                    </a:lnTlToBr>
+                    <a:lnBlToTr w="12700" cmpd="sng">
+                      <a:noFill/>
+                      <a:prstDash val="solid"/>
+                    </a:lnBlToTr>
+                    <a:solidFill>
+                      <a:schemeClr val="bg1"/>
+                    </a:solidFill>
+                  </a:tcPr>
+                </a:tc>
+                <a:tc>
+                  <a:txBody>
+                    <a:bodyPr/>
+                    <a:lstStyle/>
+                    <a:p>
+                      <a:pPr algn="l" fontAlgn="b"/>
+                      <a:endParaRPr lang="en-US" sz="1200" b="0" i="0" u="none" strike="noStrike" dirty="0">
+                        <a:solidFill>
+                          <a:schemeClr val="tx1">
+                            <a:lumMod val="60000"/>
+                            <a:lumOff val="40000"/>
+                          </a:schemeClr>
+                        </a:solidFill>
+                        <a:effectLst/>
+                        <a:latin typeface="Calibri Regular"/>
+                      </a:endParaRPr>
+                    </a:p>
+                  </a:txBody>
+                  <a:tcPr marL="108000" marR="108000" marT="72000" marB="72000">
+                    <a:lnL>
+                      <a:noFill/>
+                    </a:lnL>
+                    <a:lnR w="9525" cap="flat" cmpd="sng" algn="ctr">
+                      <a:noFill/>
+                      <a:prstDash val="solid"/>
+                    </a:lnR>
+                    <a:lnT w="12700" cap="flat" cmpd="sng" algn="ctr">
+                      <a:solidFill>
+                        <a:schemeClr val="tx1">
+                          <a:lumMod val="40000"/>
+                          <a:lumOff val="60000"/>
+                        </a:schemeClr>
+                      </a:solidFill>
+                      <a:prstDash val="sysDot"/>
+                      <a:round/>
+                      <a:headEnd type="none" w="med" len="med"/>
+                      <a:tailEnd type="none" w="med" len="med"/>
+                    </a:lnT>
+                    <a:lnB w="12700" cap="flat" cmpd="sng" algn="ctr">
+                      <a:solidFill>
+                        <a:schemeClr val="tx1">
+                          <a:lumMod val="40000"/>
+                          <a:lumOff val="60000"/>
+                        </a:schemeClr>
+                      </a:solidFill>
+                      <a:prstDash val="sysDot"/>
+                      <a:round/>
+                      <a:headEnd type="none" w="med" len="med"/>
+                      <a:tailEnd type="none" w="med" len="med"/>
+                    </a:lnB>
+                    <a:lnTlToBr w="12700" cmpd="sng">
+                      <a:noFill/>
+                      <a:prstDash val="solid"/>
+                    </a:lnTlToBr>
+                    <a:lnBlToTr w="12700" cmpd="sng">
+                      <a:noFill/>
+                      <a:prstDash val="solid"/>
+                    </a:lnBlToTr>
+                    <a:solidFill>
+                      <a:schemeClr val="bg1"/>
+                    </a:solidFill>
+                  </a:tcPr>
+                </a:tc>
+                <a:extLst>
+                  <a:ext uri="{0D108BD9-81ED-4DB2-BD59-A6C34878D82A}">
+                    <a16:rowId xmlns:a16="http://schemas.microsoft.com/office/drawing/2014/main" val="933267410"/>
+                  </a:ext>
+                </a:extLst>
+              </a:tr>
+              <a:tr h="0">
+                <a:tc>
+                  <a:txBody>
+                    <a:bodyPr/>
+                    <a:lstStyle/>
+                    <a:p>
+                      <a:pPr algn="l" fontAlgn="b"/>
+                      <a:endParaRPr lang="en-US" sz="1200" b="0" i="0" u="none" strike="noStrike" dirty="0">
+                        <a:solidFill>
+                          <a:schemeClr val="tx2"/>
+                        </a:solidFill>
+                        <a:effectLst/>
+                        <a:latin typeface="Calibri Regular"/>
+                      </a:endParaRPr>
+                    </a:p>
+                  </a:txBody>
+                  <a:tcPr marL="108000" marR="108000" marT="72000" marB="72000">
+                    <a:lnL w="9525" cap="flat" cmpd="sng" algn="ctr">
+                      <a:noFill/>
+                      <a:prstDash val="solid"/>
+                    </a:lnL>
+                    <a:lnR>
+                      <a:noFill/>
+                    </a:lnR>
+                    <a:lnT w="12700" cap="flat" cmpd="sng" algn="ctr">
+                      <a:solidFill>
+                        <a:schemeClr val="tx1">
+                          <a:lumMod val="40000"/>
+                          <a:lumOff val="60000"/>
+                        </a:schemeClr>
+                      </a:solidFill>
+                      <a:prstDash val="sysDot"/>
+                      <a:round/>
+                      <a:headEnd type="none" w="med" len="med"/>
+                      <a:tailEnd type="none" w="med" len="med"/>
+                    </a:lnT>
+                    <a:lnB w="12700" cap="flat" cmpd="sng" algn="ctr">
+                      <a:solidFill>
+                        <a:schemeClr val="tx1">
+                          <a:lumMod val="40000"/>
+                          <a:lumOff val="60000"/>
+                        </a:schemeClr>
+                      </a:solidFill>
+                      <a:prstDash val="sysDot"/>
+                      <a:round/>
+                      <a:headEnd type="none" w="med" len="med"/>
+                      <a:tailEnd type="none" w="med" len="med"/>
+                    </a:lnB>
+                    <a:lnTlToBr w="12700" cmpd="sng">
+                      <a:noFill/>
+                      <a:prstDash val="solid"/>
+                    </a:lnTlToBr>
+                    <a:lnBlToTr w="12700" cmpd="sng">
+                      <a:noFill/>
+                      <a:prstDash val="solid"/>
+                    </a:lnBlToTr>
+                    <a:solidFill>
+                      <a:schemeClr val="bg1"/>
+                    </a:solidFill>
+                  </a:tcPr>
+                </a:tc>
+                <a:tc>
+                  <a:txBody>
+                    <a:bodyPr/>
+                    <a:lstStyle/>
+                    <a:p>
+                      <a:pPr algn="r" fontAlgn="b"/>
+                      <a:endParaRPr lang="en-US" sz="1200" b="0" i="0" u="none" strike="noStrike" dirty="0">
+                        <a:solidFill>
+                          <a:schemeClr val="tx2"/>
+                        </a:solidFill>
+                        <a:effectLst/>
+                        <a:latin typeface="Calibri Regular"/>
+                      </a:endParaRPr>
+                    </a:p>
+                  </a:txBody>
+                  <a:tcPr marL="108000" marR="108000" marT="72000" marB="72000">
+                    <a:lnL>
+                      <a:noFill/>
+                    </a:lnL>
+                    <a:lnR>
+                      <a:noFill/>
+                    </a:lnR>
+                    <a:lnT w="12700" cap="flat" cmpd="sng" algn="ctr">
+                      <a:solidFill>
+                        <a:schemeClr val="tx1">
+                          <a:lumMod val="40000"/>
+                          <a:lumOff val="60000"/>
+                        </a:schemeClr>
+                      </a:solidFill>
+                      <a:prstDash val="sysDot"/>
+                      <a:round/>
+                      <a:headEnd type="none" w="med" len="med"/>
+                      <a:tailEnd type="none" w="med" len="med"/>
+                    </a:lnT>
+                    <a:lnB w="12700" cap="flat" cmpd="sng" algn="ctr">
+                      <a:solidFill>
+                        <a:schemeClr val="tx1">
+                          <a:lumMod val="40000"/>
+                          <a:lumOff val="60000"/>
+                        </a:schemeClr>
+                      </a:solidFill>
+                      <a:prstDash val="sysDot"/>
+                      <a:round/>
+                      <a:headEnd type="none" w="med" len="med"/>
+                      <a:tailEnd type="none" w="med" len="med"/>
+                    </a:lnB>
+                    <a:lnTlToBr w="12700" cmpd="sng">
+                      <a:noFill/>
+                      <a:prstDash val="solid"/>
+                    </a:lnTlToBr>
+                    <a:lnBlToTr w="12700" cmpd="sng">
+                      <a:noFill/>
+                      <a:prstDash val="solid"/>
+                    </a:lnBlToTr>
+                    <a:solidFill>
+                      <a:srgbClr val="FEF5BA"/>
+                    </a:solidFill>
+                  </a:tcPr>
+                </a:tc>
+                <a:tc>
+                  <a:txBody>
+                    <a:bodyPr/>
+                    <a:lstStyle/>
+                    <a:p>
+                      <a:pPr algn="r" fontAlgn="b"/>
+                      <a:endParaRPr lang="en-US" sz="1200" b="0" i="0" u="none" strike="noStrike" dirty="0">
+                        <a:solidFill>
+                          <a:schemeClr val="tx1">
+                            <a:lumMod val="60000"/>
+                            <a:lumOff val="40000"/>
+                          </a:schemeClr>
+                        </a:solidFill>
+                        <a:effectLst/>
+                        <a:latin typeface="Calibri Regular"/>
+                      </a:endParaRPr>
+                    </a:p>
+                  </a:txBody>
+                  <a:tcPr marL="108000" marR="108000" marT="72000" marB="72000">
+                    <a:lnL>
+                      <a:noFill/>
+                    </a:lnL>
+                    <a:lnR w="9525" cap="flat" cmpd="sng" algn="ctr">
+                      <a:noFill/>
+                      <a:prstDash val="solid"/>
+                    </a:lnR>
+                    <a:lnT w="12700" cap="flat" cmpd="sng" algn="ctr">
+                      <a:solidFill>
+                        <a:schemeClr val="tx1">
+                          <a:lumMod val="40000"/>
+                          <a:lumOff val="60000"/>
+                        </a:schemeClr>
+                      </a:solidFill>
+                      <a:prstDash val="sysDot"/>
+                      <a:round/>
+                      <a:headEnd type="none" w="med" len="med"/>
+                      <a:tailEnd type="none" w="med" len="med"/>
+                    </a:lnT>
+                    <a:lnB w="12700" cap="flat" cmpd="sng" algn="ctr">
+                      <a:solidFill>
+                        <a:schemeClr val="tx1">
+                          <a:lumMod val="40000"/>
+                          <a:lumOff val="60000"/>
+                        </a:schemeClr>
+                      </a:solidFill>
+                      <a:prstDash val="sysDot"/>
+                      <a:round/>
+                      <a:headEnd type="none" w="med" len="med"/>
+                      <a:tailEnd type="none" w="med" len="med"/>
+                    </a:lnB>
+                    <a:lnTlToBr w="12700" cmpd="sng">
+                      <a:noFill/>
+                      <a:prstDash val="solid"/>
+                    </a:lnTlToBr>
+                    <a:lnBlToTr w="12700" cmpd="sng">
+                      <a:noFill/>
+                      <a:prstDash val="solid"/>
+                    </a:lnBlToTr>
+                    <a:solidFill>
+                      <a:schemeClr val="bg1"/>
+                    </a:solidFill>
+                  </a:tcPr>
+                </a:tc>
+                <a:tc>
+                  <a:txBody>
+                    <a:bodyPr/>
+                    <a:lstStyle/>
+                    <a:p>
+                      <a:pPr algn="r" fontAlgn="b"/>
+                      <a:endParaRPr lang="en-US" sz="1200" b="0" i="0" u="none" strike="noStrike" dirty="0">
+                        <a:solidFill>
+                          <a:schemeClr val="tx1">
+                            <a:lumMod val="60000"/>
+                            <a:lumOff val="40000"/>
+                          </a:schemeClr>
+                        </a:solidFill>
+                        <a:effectLst/>
+                        <a:latin typeface="Calibri Regular"/>
+                      </a:endParaRPr>
+                    </a:p>
+                  </a:txBody>
+                  <a:tcPr marL="108000" marR="108000" marT="72000" marB="72000">
+                    <a:lnL>
+                      <a:noFill/>
+                    </a:lnL>
+                    <a:lnR w="9525" cap="flat" cmpd="sng" algn="ctr">
+                      <a:noFill/>
+                      <a:prstDash val="solid"/>
+                    </a:lnR>
+                    <a:lnT w="12700" cap="flat" cmpd="sng" algn="ctr">
+                      <a:solidFill>
+                        <a:schemeClr val="tx1">
+                          <a:lumMod val="40000"/>
+                          <a:lumOff val="60000"/>
+                        </a:schemeClr>
+                      </a:solidFill>
+                      <a:prstDash val="sysDot"/>
+                      <a:round/>
+                      <a:headEnd type="none" w="med" len="med"/>
+                      <a:tailEnd type="none" w="med" len="med"/>
+                    </a:lnT>
+                    <a:lnB w="12700" cap="flat" cmpd="sng" algn="ctr">
+                      <a:solidFill>
+                        <a:schemeClr val="tx1">
+                          <a:lumMod val="40000"/>
+                          <a:lumOff val="60000"/>
+                        </a:schemeClr>
+                      </a:solidFill>
+                      <a:prstDash val="sysDot"/>
+                      <a:round/>
+                      <a:headEnd type="none" w="med" len="med"/>
+                      <a:tailEnd type="none" w="med" len="med"/>
+                    </a:lnB>
+                    <a:lnTlToBr w="12700" cmpd="sng">
+                      <a:noFill/>
+                      <a:prstDash val="solid"/>
+                    </a:lnTlToBr>
+                    <a:lnBlToTr w="12700" cmpd="sng">
+                      <a:noFill/>
+                      <a:prstDash val="solid"/>
+                    </a:lnBlToTr>
+                    <a:solidFill>
+                      <a:schemeClr val="bg1"/>
+                    </a:solidFill>
+                  </a:tcPr>
+                </a:tc>
+                <a:tc>
+                  <a:txBody>
+                    <a:bodyPr/>
+                    <a:lstStyle/>
+                    <a:p>
+                      <a:pPr algn="l" fontAlgn="b"/>
+                      <a:endParaRPr lang="en-US" sz="1200" b="0" i="0" u="none" strike="noStrike" dirty="0">
+                        <a:solidFill>
+                          <a:schemeClr val="tx1">
+                            <a:lumMod val="60000"/>
+                            <a:lumOff val="40000"/>
+                          </a:schemeClr>
+                        </a:solidFill>
+                        <a:effectLst/>
+                        <a:latin typeface="Calibri Regular"/>
+                      </a:endParaRPr>
+                    </a:p>
+                  </a:txBody>
+                  <a:tcPr marL="108000" marR="108000" marT="72000" marB="72000">
+                    <a:lnL>
+                      <a:noFill/>
+                    </a:lnL>
+                    <a:lnR w="9525" cap="flat" cmpd="sng" algn="ctr">
+                      <a:noFill/>
+                      <a:prstDash val="solid"/>
+                    </a:lnR>
+                    <a:lnT w="12700" cap="flat" cmpd="sng" algn="ctr">
+                      <a:solidFill>
+                        <a:schemeClr val="tx1">
+                          <a:lumMod val="40000"/>
+                          <a:lumOff val="60000"/>
+                        </a:schemeClr>
+                      </a:solidFill>
+                      <a:prstDash val="sysDot"/>
+                      <a:round/>
+                      <a:headEnd type="none" w="med" len="med"/>
+                      <a:tailEnd type="none" w="med" len="med"/>
+                    </a:lnT>
+                    <a:lnB w="12700" cap="flat" cmpd="sng" algn="ctr">
+                      <a:solidFill>
+                        <a:schemeClr val="tx1">
+                          <a:lumMod val="40000"/>
+                          <a:lumOff val="60000"/>
+                        </a:schemeClr>
+                      </a:solidFill>
+                      <a:prstDash val="sysDot"/>
+                      <a:round/>
+                      <a:headEnd type="none" w="med" len="med"/>
+                      <a:tailEnd type="none" w="med" len="med"/>
+                    </a:lnB>
+                    <a:lnTlToBr w="12700" cmpd="sng">
+                      <a:noFill/>
+                      <a:prstDash val="solid"/>
+                    </a:lnTlToBr>
+                    <a:lnBlToTr w="12700" cmpd="sng">
+                      <a:noFill/>
+                      <a:prstDash val="solid"/>
+                    </a:lnBlToTr>
+                    <a:solidFill>
+                      <a:schemeClr val="bg1"/>
+                    </a:solidFill>
+                  </a:tcPr>
+                </a:tc>
+                <a:tc>
+                  <a:txBody>
+                    <a:bodyPr/>
+                    <a:lstStyle/>
+                    <a:p>
+                      <a:pPr algn="l" fontAlgn="b"/>
+                      <a:endParaRPr lang="en-US" sz="1200" b="0" i="0" u="none" strike="noStrike" dirty="0">
+                        <a:solidFill>
+                          <a:schemeClr val="tx1">
+                            <a:lumMod val="60000"/>
+                            <a:lumOff val="40000"/>
+                          </a:schemeClr>
+                        </a:solidFill>
+                        <a:effectLst/>
+                        <a:latin typeface="Calibri Regular"/>
+                      </a:endParaRPr>
+                    </a:p>
+                  </a:txBody>
+                  <a:tcPr marL="108000" marR="108000" marT="72000" marB="72000">
+                    <a:lnL>
+                      <a:noFill/>
+                    </a:lnL>
+                    <a:lnR w="9525" cap="flat" cmpd="sng" algn="ctr">
+                      <a:noFill/>
+                      <a:prstDash val="solid"/>
+                    </a:lnR>
+                    <a:lnT w="12700" cap="flat" cmpd="sng" algn="ctr">
+                      <a:solidFill>
+                        <a:schemeClr val="tx1">
+                          <a:lumMod val="40000"/>
+                          <a:lumOff val="60000"/>
+                        </a:schemeClr>
+                      </a:solidFill>
+                      <a:prstDash val="sysDot"/>
+                      <a:round/>
+                      <a:headEnd type="none" w="med" len="med"/>
+                      <a:tailEnd type="none" w="med" len="med"/>
+                    </a:lnT>
+                    <a:lnB w="12700" cap="flat" cmpd="sng" algn="ctr">
+                      <a:solidFill>
+                        <a:schemeClr val="tx1">
+                          <a:lumMod val="40000"/>
+                          <a:lumOff val="60000"/>
+                        </a:schemeClr>
+                      </a:solidFill>
+                      <a:prstDash val="sysDot"/>
+                      <a:round/>
+                      <a:headEnd type="none" w="med" len="med"/>
+                      <a:tailEnd type="none" w="med" len="med"/>
+                    </a:lnB>
+                    <a:lnTlToBr w="12700" cmpd="sng">
+                      <a:noFill/>
+                      <a:prstDash val="solid"/>
+                    </a:lnTlToBr>
+                    <a:lnBlToTr w="12700" cmpd="sng">
+                      <a:noFill/>
+                      <a:prstDash val="solid"/>
+                    </a:lnBlToTr>
+                    <a:solidFill>
+                      <a:schemeClr val="bg1"/>
+                    </a:solidFill>
+                  </a:tcPr>
+                </a:tc>
+                <a:extLst>
+                  <a:ext uri="{0D108BD9-81ED-4DB2-BD59-A6C34878D82A}">
+                    <a16:rowId xmlns:a16="http://schemas.microsoft.com/office/drawing/2014/main" val="2009910387"/>
+                  </a:ext>
+                </a:extLst>
+              </a:tr>
+              <a:tr h="0">
+                <a:tc>
+                  <a:txBody>
+                    <a:bodyPr/>
+                    <a:lstStyle/>
+                    <a:p>
+                      <a:pPr algn="l" fontAlgn="b"/>
+                      <a:endParaRPr lang="en-US" sz="1200" b="0" i="0" u="none" strike="noStrike" dirty="0">
+                        <a:solidFill>
+                          <a:schemeClr val="tx2"/>
+                        </a:solidFill>
+                        <a:effectLst/>
+                        <a:latin typeface="Calibri Regular"/>
+                      </a:endParaRPr>
+                    </a:p>
+                  </a:txBody>
+                  <a:tcPr marL="108000" marR="108000" marT="72000" marB="72000">
+                    <a:lnL w="9525" cap="flat" cmpd="sng" algn="ctr">
+                      <a:noFill/>
+                      <a:prstDash val="solid"/>
+                    </a:lnL>
+                    <a:lnR>
+                      <a:noFill/>
+                    </a:lnR>
+                    <a:lnT w="12700" cap="flat" cmpd="sng" algn="ctr">
+                      <a:solidFill>
+                        <a:schemeClr val="tx1">
+                          <a:lumMod val="40000"/>
+                          <a:lumOff val="60000"/>
+                        </a:schemeClr>
+                      </a:solidFill>
+                      <a:prstDash val="sysDot"/>
+                      <a:round/>
+                      <a:headEnd type="none" w="med" len="med"/>
+                      <a:tailEnd type="none" w="med" len="med"/>
+                    </a:lnT>
+                    <a:lnB w="12700" cap="flat" cmpd="sng" algn="ctr">
+                      <a:solidFill>
+                        <a:schemeClr val="tx1">
+                          <a:lumMod val="40000"/>
+                          <a:lumOff val="60000"/>
+                        </a:schemeClr>
+                      </a:solidFill>
+                      <a:prstDash val="sysDot"/>
+                      <a:round/>
+                      <a:headEnd type="none" w="med" len="med"/>
+                      <a:tailEnd type="none" w="med" len="med"/>
+                    </a:lnB>
+                    <a:lnTlToBr w="12700" cmpd="sng">
+                      <a:noFill/>
+                      <a:prstDash val="solid"/>
+                    </a:lnTlToBr>
+                    <a:lnBlToTr w="12700" cmpd="sng">
+                      <a:noFill/>
+                      <a:prstDash val="solid"/>
+                    </a:lnBlToTr>
+                    <a:solidFill>
+                      <a:schemeClr val="bg1"/>
+                    </a:solidFill>
+                  </a:tcPr>
+                </a:tc>
+                <a:tc>
+                  <a:txBody>
+                    <a:bodyPr/>
+                    <a:lstStyle/>
+                    <a:p>
+                      <a:pPr algn="r" fontAlgn="b"/>
+                      <a:endParaRPr lang="en-US" sz="1200" b="0" i="0" u="none" strike="noStrike" dirty="0">
+                        <a:solidFill>
+                          <a:schemeClr val="tx2"/>
+                        </a:solidFill>
+                        <a:effectLst/>
+                        <a:latin typeface="Calibri Regular"/>
+                      </a:endParaRPr>
+                    </a:p>
+                  </a:txBody>
+                  <a:tcPr marL="108000" marR="108000" marT="72000" marB="72000">
+                    <a:lnL>
+                      <a:noFill/>
+                    </a:lnL>
+                    <a:lnR>
+                      <a:noFill/>
+                    </a:lnR>
+                    <a:lnT w="12700" cap="flat" cmpd="sng" algn="ctr">
+                      <a:solidFill>
+                        <a:schemeClr val="tx1">
+                          <a:lumMod val="40000"/>
+                          <a:lumOff val="60000"/>
+                        </a:schemeClr>
+                      </a:solidFill>
+                      <a:prstDash val="sysDot"/>
+                      <a:round/>
+                      <a:headEnd type="none" w="med" len="med"/>
+                      <a:tailEnd type="none" w="med" len="med"/>
+                    </a:lnT>
+                    <a:lnB w="12700" cap="flat" cmpd="sng" algn="ctr">
+                      <a:solidFill>
+                        <a:schemeClr val="tx1">
+                          <a:lumMod val="40000"/>
+                          <a:lumOff val="60000"/>
+                        </a:schemeClr>
+                      </a:solidFill>
+                      <a:prstDash val="sysDot"/>
+                      <a:round/>
+                      <a:headEnd type="none" w="med" len="med"/>
+                      <a:tailEnd type="none" w="med" len="med"/>
+                    </a:lnB>
+                    <a:lnTlToBr w="12700" cmpd="sng">
+                      <a:noFill/>
+                      <a:prstDash val="solid"/>
+                    </a:lnTlToBr>
+                    <a:lnBlToTr w="12700" cmpd="sng">
+                      <a:noFill/>
+                      <a:prstDash val="solid"/>
+                    </a:lnBlToTr>
+                    <a:solidFill>
+                      <a:srgbClr val="FEF5BA"/>
+                    </a:solidFill>
+                  </a:tcPr>
+                </a:tc>
+                <a:tc>
+                  <a:txBody>
+                    <a:bodyPr/>
+                    <a:lstStyle/>
+                    <a:p>
+                      <a:pPr algn="r" fontAlgn="b"/>
+                      <a:endParaRPr lang="en-US" sz="1200" b="0" i="0" u="none" strike="noStrike" dirty="0">
+                        <a:solidFill>
+                          <a:schemeClr val="tx1">
+                            <a:lumMod val="60000"/>
+                            <a:lumOff val="40000"/>
+                          </a:schemeClr>
+                        </a:solidFill>
+                        <a:effectLst/>
+                        <a:latin typeface="Calibri Regular"/>
+                      </a:endParaRPr>
+                    </a:p>
+                  </a:txBody>
+                  <a:tcPr marL="108000" marR="108000" marT="72000" marB="72000">
+                    <a:lnL>
+                      <a:noFill/>
+                    </a:lnL>
+                    <a:lnR w="9525" cap="flat" cmpd="sng" algn="ctr">
+                      <a:noFill/>
+                      <a:prstDash val="solid"/>
+                    </a:lnR>
+                    <a:lnT w="12700" cap="flat" cmpd="sng" algn="ctr">
+                      <a:solidFill>
+                        <a:schemeClr val="tx1">
+                          <a:lumMod val="40000"/>
+                          <a:lumOff val="60000"/>
+                        </a:schemeClr>
+                      </a:solidFill>
+                      <a:prstDash val="sysDot"/>
+                      <a:round/>
+                      <a:headEnd type="none" w="med" len="med"/>
+                      <a:tailEnd type="none" w="med" len="med"/>
+                    </a:lnT>
+                    <a:lnB w="12700" cap="flat" cmpd="sng" algn="ctr">
+                      <a:solidFill>
+                        <a:schemeClr val="tx1">
+                          <a:lumMod val="40000"/>
+                          <a:lumOff val="60000"/>
+                        </a:schemeClr>
+                      </a:solidFill>
+                      <a:prstDash val="sysDot"/>
+                      <a:round/>
+                      <a:headEnd type="none" w="med" len="med"/>
+                      <a:tailEnd type="none" w="med" len="med"/>
+                    </a:lnB>
+                    <a:lnTlToBr w="12700" cmpd="sng">
+                      <a:noFill/>
+                      <a:prstDash val="solid"/>
+                    </a:lnTlToBr>
+                    <a:lnBlToTr w="12700" cmpd="sng">
+                      <a:noFill/>
+                      <a:prstDash val="solid"/>
+                    </a:lnBlToTr>
+                    <a:solidFill>
+                      <a:schemeClr val="bg1"/>
+                    </a:solidFill>
+                  </a:tcPr>
+                </a:tc>
+                <a:tc>
+                  <a:txBody>
+                    <a:bodyPr/>
+                    <a:lstStyle/>
+                    <a:p>
+                      <a:pPr algn="r" fontAlgn="b"/>
+                      <a:endParaRPr lang="en-US" sz="1200" b="0" i="0" u="none" strike="noStrike" dirty="0">
+                        <a:solidFill>
+                          <a:schemeClr val="tx1">
+                            <a:lumMod val="60000"/>
+                            <a:lumOff val="40000"/>
+                          </a:schemeClr>
+                        </a:solidFill>
+                        <a:effectLst/>
+                        <a:latin typeface="Calibri Regular"/>
+                      </a:endParaRPr>
+                    </a:p>
+                  </a:txBody>
+                  <a:tcPr marL="108000" marR="108000" marT="72000" marB="72000">
+                    <a:lnL>
+                      <a:noFill/>
+                    </a:lnL>
+                    <a:lnR w="9525" cap="flat" cmpd="sng" algn="ctr">
+                      <a:noFill/>
+                      <a:prstDash val="solid"/>
+                    </a:lnR>
+                    <a:lnT w="12700" cap="flat" cmpd="sng" algn="ctr">
+                      <a:solidFill>
+                        <a:schemeClr val="tx1">
+                          <a:lumMod val="40000"/>
+                          <a:lumOff val="60000"/>
+                        </a:schemeClr>
+                      </a:solidFill>
+                      <a:prstDash val="sysDot"/>
+                      <a:round/>
+                      <a:headEnd type="none" w="med" len="med"/>
+                      <a:tailEnd type="none" w="med" len="med"/>
+                    </a:lnT>
+                    <a:lnB w="12700" cap="flat" cmpd="sng" algn="ctr">
+                      <a:solidFill>
+                        <a:schemeClr val="tx1">
+                          <a:lumMod val="40000"/>
+                          <a:lumOff val="60000"/>
+                        </a:schemeClr>
+                      </a:solidFill>
+                      <a:prstDash val="sysDot"/>
+                      <a:round/>
+                      <a:headEnd type="none" w="med" len="med"/>
+                      <a:tailEnd type="none" w="med" len="med"/>
+                    </a:lnB>
+                    <a:lnTlToBr w="12700" cmpd="sng">
+                      <a:noFill/>
+                      <a:prstDash val="solid"/>
+                    </a:lnTlToBr>
+                    <a:lnBlToTr w="12700" cmpd="sng">
+                      <a:noFill/>
+                      <a:prstDash val="solid"/>
+                    </a:lnBlToTr>
+                    <a:solidFill>
+                      <a:schemeClr val="bg1"/>
+                    </a:solidFill>
+                  </a:tcPr>
+                </a:tc>
+                <a:tc>
+                  <a:txBody>
+                    <a:bodyPr/>
+                    <a:lstStyle/>
+                    <a:p>
+                      <a:pPr algn="l" fontAlgn="b"/>
+                      <a:endParaRPr lang="en-US" sz="1200" b="0" i="0" u="none" strike="noStrike" dirty="0">
+                        <a:solidFill>
+                          <a:schemeClr val="tx1">
+                            <a:lumMod val="60000"/>
+                            <a:lumOff val="40000"/>
+                          </a:schemeClr>
+                        </a:solidFill>
+                        <a:effectLst/>
+                        <a:latin typeface="Calibri Regular"/>
+                      </a:endParaRPr>
+                    </a:p>
+                  </a:txBody>
+                  <a:tcPr marL="108000" marR="108000" marT="72000" marB="72000">
+                    <a:lnL>
+                      <a:noFill/>
+                    </a:lnL>
+                    <a:lnR w="9525" cap="flat" cmpd="sng" algn="ctr">
+                      <a:noFill/>
+                      <a:prstDash val="solid"/>
+                    </a:lnR>
+                    <a:lnT w="12700" cap="flat" cmpd="sng" algn="ctr">
+                      <a:solidFill>
+                        <a:schemeClr val="tx1">
+                          <a:lumMod val="40000"/>
+                          <a:lumOff val="60000"/>
+                        </a:schemeClr>
+                      </a:solidFill>
+                      <a:prstDash val="sysDot"/>
+                      <a:round/>
+                      <a:headEnd type="none" w="med" len="med"/>
+                      <a:tailEnd type="none" w="med" len="med"/>
+                    </a:lnT>
+                    <a:lnB w="12700" cap="flat" cmpd="sng" algn="ctr">
+                      <a:solidFill>
+                        <a:schemeClr val="tx1">
+                          <a:lumMod val="40000"/>
+                          <a:lumOff val="60000"/>
+                        </a:schemeClr>
+                      </a:solidFill>
+                      <a:prstDash val="sysDot"/>
+                      <a:round/>
+                      <a:headEnd type="none" w="med" len="med"/>
+                      <a:tailEnd type="none" w="med" len="med"/>
+                    </a:lnB>
+                    <a:lnTlToBr w="12700" cmpd="sng">
+                      <a:noFill/>
+                      <a:prstDash val="solid"/>
+                    </a:lnTlToBr>
+                    <a:lnBlToTr w="12700" cmpd="sng">
+                      <a:noFill/>
+                      <a:prstDash val="solid"/>
+                    </a:lnBlToTr>
+                    <a:solidFill>
+                      <a:schemeClr val="bg1"/>
+                    </a:solidFill>
+                  </a:tcPr>
+                </a:tc>
+                <a:tc>
+                  <a:txBody>
+                    <a:bodyPr/>
+                    <a:lstStyle/>
+                    <a:p>
+                      <a:pPr algn="l" fontAlgn="b"/>
+                      <a:endParaRPr lang="en-US" sz="1200" b="0" i="0" u="none" strike="noStrike" dirty="0">
+                        <a:solidFill>
+                          <a:schemeClr val="tx1">
+                            <a:lumMod val="60000"/>
+                            <a:lumOff val="40000"/>
+                          </a:schemeClr>
+                        </a:solidFill>
+                        <a:effectLst/>
+                        <a:latin typeface="Calibri Regular"/>
+                      </a:endParaRPr>
+                    </a:p>
+                  </a:txBody>
+                  <a:tcPr marL="108000" marR="108000" marT="72000" marB="72000">
+                    <a:lnL>
+                      <a:noFill/>
+                    </a:lnL>
+                    <a:lnR w="9525" cap="flat" cmpd="sng" algn="ctr">
+                      <a:noFill/>
+                      <a:prstDash val="solid"/>
+                    </a:lnR>
+                    <a:lnT w="12700" cap="flat" cmpd="sng" algn="ctr">
+                      <a:solidFill>
+                        <a:schemeClr val="tx1">
+                          <a:lumMod val="40000"/>
+                          <a:lumOff val="60000"/>
+                        </a:schemeClr>
+                      </a:solidFill>
+                      <a:prstDash val="sysDot"/>
+                      <a:round/>
+                      <a:headEnd type="none" w="med" len="med"/>
+                      <a:tailEnd type="none" w="med" len="med"/>
+                    </a:lnT>
+                    <a:lnB w="12700" cap="flat" cmpd="sng" algn="ctr">
+                      <a:solidFill>
+                        <a:schemeClr val="tx1">
+                          <a:lumMod val="40000"/>
+                          <a:lumOff val="60000"/>
+                        </a:schemeClr>
+                      </a:solidFill>
+                      <a:prstDash val="sysDot"/>
+                      <a:round/>
+                      <a:headEnd type="none" w="med" len="med"/>
+                      <a:tailEnd type="none" w="med" len="med"/>
+                    </a:lnB>
+                    <a:lnTlToBr w="12700" cmpd="sng">
+                      <a:noFill/>
+                      <a:prstDash val="solid"/>
+                    </a:lnTlToBr>
+                    <a:lnBlToTr w="12700" cmpd="sng">
+                      <a:noFill/>
+                      <a:prstDash val="solid"/>
+                    </a:lnBlToTr>
+                    <a:solidFill>
+                      <a:schemeClr val="bg1"/>
+                    </a:solidFill>
+                  </a:tcPr>
+                </a:tc>
+                <a:extLst>
+                  <a:ext uri="{0D108BD9-81ED-4DB2-BD59-A6C34878D82A}">
+                    <a16:rowId xmlns:a16="http://schemas.microsoft.com/office/drawing/2014/main" val="1372763307"/>
+                  </a:ext>
+                </a:extLst>
+              </a:tr>
+              <a:tr h="0">
+                <a:tc>
+                  <a:txBody>
+                    <a:bodyPr/>
+                    <a:lstStyle/>
+                    <a:p>
+                      <a:pPr algn="l" fontAlgn="b"/>
+                      <a:endParaRPr lang="en-US" sz="1200" b="0" i="0" u="none" strike="noStrike" dirty="0">
+                        <a:solidFill>
+                          <a:schemeClr val="tx2"/>
+                        </a:solidFill>
+                        <a:effectLst/>
+                        <a:latin typeface="Calibri Regular"/>
+                      </a:endParaRPr>
+                    </a:p>
+                  </a:txBody>
+                  <a:tcPr marL="108000" marR="108000" marT="72000" marB="72000">
+                    <a:lnL w="9525" cap="flat" cmpd="sng" algn="ctr">
+                      <a:noFill/>
+                      <a:prstDash val="solid"/>
+                    </a:lnL>
+                    <a:lnR>
+                      <a:noFill/>
+                    </a:lnR>
+                    <a:lnT w="12700" cap="flat" cmpd="sng" algn="ctr">
+                      <a:solidFill>
+                        <a:schemeClr val="tx1">
+                          <a:lumMod val="40000"/>
+                          <a:lumOff val="60000"/>
+                        </a:schemeClr>
+                      </a:solidFill>
+                      <a:prstDash val="sysDot"/>
+                      <a:round/>
+                      <a:headEnd type="none" w="med" len="med"/>
+                      <a:tailEnd type="none" w="med" len="med"/>
+                    </a:lnT>
+                    <a:lnB w="12700" cap="flat" cmpd="sng" algn="ctr">
+                      <a:solidFill>
+                        <a:schemeClr val="tx1">
+                          <a:lumMod val="40000"/>
+                          <a:lumOff val="60000"/>
+                        </a:schemeClr>
+                      </a:solidFill>
+                      <a:prstDash val="sysDot"/>
+                      <a:round/>
+                      <a:headEnd type="none" w="med" len="med"/>
+                      <a:tailEnd type="none" w="med" len="med"/>
+                    </a:lnB>
+                    <a:lnTlToBr w="12700" cmpd="sng">
+                      <a:noFill/>
+                      <a:prstDash val="solid"/>
+                    </a:lnTlToBr>
+                    <a:lnBlToTr w="12700" cmpd="sng">
+                      <a:noFill/>
+                      <a:prstDash val="solid"/>
+                    </a:lnBlToTr>
+                    <a:solidFill>
+                      <a:schemeClr val="bg1"/>
+                    </a:solidFill>
+                  </a:tcPr>
+                </a:tc>
+                <a:tc>
+                  <a:txBody>
+                    <a:bodyPr/>
+                    <a:lstStyle/>
+                    <a:p>
+                      <a:pPr algn="r" fontAlgn="b"/>
+                      <a:endParaRPr lang="en-US" sz="1200" b="0" i="0" u="none" strike="noStrike" dirty="0">
+                        <a:solidFill>
+                          <a:schemeClr val="tx2"/>
+                        </a:solidFill>
+                        <a:effectLst/>
+                        <a:latin typeface="Calibri Regular"/>
+                      </a:endParaRPr>
+                    </a:p>
+                  </a:txBody>
+                  <a:tcPr marL="108000" marR="108000" marT="72000" marB="72000">
+                    <a:lnL>
+                      <a:noFill/>
+                    </a:lnL>
+                    <a:lnR>
+                      <a:noFill/>
+                    </a:lnR>
+                    <a:lnT w="12700" cap="flat" cmpd="sng" algn="ctr">
+                      <a:solidFill>
+                        <a:schemeClr val="tx1">
+                          <a:lumMod val="40000"/>
+                          <a:lumOff val="60000"/>
+                        </a:schemeClr>
+                      </a:solidFill>
+                      <a:prstDash val="sysDot"/>
+                      <a:round/>
+                      <a:headEnd type="none" w="med" len="med"/>
+                      <a:tailEnd type="none" w="med" len="med"/>
+                    </a:lnT>
+                    <a:lnB w="12700" cap="flat" cmpd="sng" algn="ctr">
+                      <a:solidFill>
+                        <a:schemeClr val="tx1">
+                          <a:lumMod val="40000"/>
+                          <a:lumOff val="60000"/>
+                        </a:schemeClr>
+                      </a:solidFill>
+                      <a:prstDash val="sysDot"/>
+                      <a:round/>
+                      <a:headEnd type="none" w="med" len="med"/>
+                      <a:tailEnd type="none" w="med" len="med"/>
+                    </a:lnB>
+                    <a:lnTlToBr w="12700" cmpd="sng">
+                      <a:noFill/>
+                      <a:prstDash val="solid"/>
+                    </a:lnTlToBr>
+                    <a:lnBlToTr w="12700" cmpd="sng">
+                      <a:noFill/>
+                      <a:prstDash val="solid"/>
+                    </a:lnBlToTr>
+                    <a:solidFill>
+                      <a:srgbClr val="FEF5BA"/>
+                    </a:solidFill>
+                  </a:tcPr>
+                </a:tc>
+                <a:tc>
+                  <a:txBody>
+                    <a:bodyPr/>
+                    <a:lstStyle/>
+                    <a:p>
+                      <a:pPr algn="r" fontAlgn="b"/>
+                      <a:endParaRPr lang="en-US" sz="1200" b="0" i="0" u="none" strike="noStrike" dirty="0">
+                        <a:solidFill>
+                          <a:schemeClr val="tx1">
+                            <a:lumMod val="60000"/>
+                            <a:lumOff val="40000"/>
+                          </a:schemeClr>
+                        </a:solidFill>
+                        <a:effectLst/>
+                        <a:latin typeface="Calibri Regular"/>
+                      </a:endParaRPr>
+                    </a:p>
+                  </a:txBody>
+                  <a:tcPr marL="108000" marR="108000" marT="72000" marB="72000">
+                    <a:lnL>
+                      <a:noFill/>
+                    </a:lnL>
+                    <a:lnR w="9525" cap="flat" cmpd="sng" algn="ctr">
+                      <a:noFill/>
+                      <a:prstDash val="solid"/>
+                    </a:lnR>
+                    <a:lnT w="12700" cap="flat" cmpd="sng" algn="ctr">
+                      <a:solidFill>
+                        <a:schemeClr val="tx1">
+                          <a:lumMod val="40000"/>
+                          <a:lumOff val="60000"/>
+                        </a:schemeClr>
+                      </a:solidFill>
+                      <a:prstDash val="sysDot"/>
+                      <a:round/>
+                      <a:headEnd type="none" w="med" len="med"/>
+                      <a:tailEnd type="none" w="med" len="med"/>
+                    </a:lnT>
+                    <a:lnB w="12700" cap="flat" cmpd="sng" algn="ctr">
+                      <a:solidFill>
+                        <a:schemeClr val="tx1">
+                          <a:lumMod val="40000"/>
+                          <a:lumOff val="60000"/>
+                        </a:schemeClr>
+                      </a:solidFill>
+                      <a:prstDash val="sysDot"/>
+                      <a:round/>
+                      <a:headEnd type="none" w="med" len="med"/>
+                      <a:tailEnd type="none" w="med" len="med"/>
+                    </a:lnB>
+                    <a:lnTlToBr w="12700" cmpd="sng">
+                      <a:noFill/>
+                      <a:prstDash val="solid"/>
+                    </a:lnTlToBr>
+                    <a:lnBlToTr w="12700" cmpd="sng">
+                      <a:noFill/>
+                      <a:prstDash val="solid"/>
+                    </a:lnBlToTr>
+                    <a:solidFill>
+                      <a:schemeClr val="bg1"/>
+                    </a:solidFill>
+                  </a:tcPr>
+                </a:tc>
+                <a:tc>
+                  <a:txBody>
+                    <a:bodyPr/>
+                    <a:lstStyle/>
+                    <a:p>
+                      <a:pPr algn="r" fontAlgn="b"/>
+                      <a:endParaRPr lang="en-US" sz="1200" b="0" i="0" u="none" strike="noStrike" dirty="0">
+                        <a:solidFill>
+                          <a:schemeClr val="tx1">
+                            <a:lumMod val="60000"/>
+                            <a:lumOff val="40000"/>
+                          </a:schemeClr>
+                        </a:solidFill>
+                        <a:effectLst/>
+                        <a:latin typeface="Calibri Regular"/>
+                      </a:endParaRPr>
+                    </a:p>
+                  </a:txBody>
+                  <a:tcPr marL="108000" marR="108000" marT="72000" marB="72000">
+                    <a:lnL>
+                      <a:noFill/>
+                    </a:lnL>
+                    <a:lnR w="9525" cap="flat" cmpd="sng" algn="ctr">
+                      <a:noFill/>
+                      <a:prstDash val="solid"/>
+                    </a:lnR>
+                    <a:lnT w="12700" cap="flat" cmpd="sng" algn="ctr">
+                      <a:solidFill>
+                        <a:schemeClr val="tx1">
+                          <a:lumMod val="40000"/>
+                          <a:lumOff val="60000"/>
+                        </a:schemeClr>
+                      </a:solidFill>
+                      <a:prstDash val="sysDot"/>
+                      <a:round/>
+                      <a:headEnd type="none" w="med" len="med"/>
+                      <a:tailEnd type="none" w="med" len="med"/>
+                    </a:lnT>
+                    <a:lnB w="12700" cap="flat" cmpd="sng" algn="ctr">
+                      <a:solidFill>
+                        <a:schemeClr val="tx1">
+                          <a:lumMod val="40000"/>
+                          <a:lumOff val="60000"/>
+                        </a:schemeClr>
+                      </a:solidFill>
+                      <a:prstDash val="sysDot"/>
+                      <a:round/>
+                      <a:headEnd type="none" w="med" len="med"/>
+                      <a:tailEnd type="none" w="med" len="med"/>
+                    </a:lnB>
+                    <a:lnTlToBr w="12700" cmpd="sng">
+                      <a:noFill/>
+                      <a:prstDash val="solid"/>
+                    </a:lnTlToBr>
+                    <a:lnBlToTr w="12700" cmpd="sng">
+                      <a:noFill/>
+                      <a:prstDash val="solid"/>
+                    </a:lnBlToTr>
+                    <a:solidFill>
+                      <a:schemeClr val="bg1"/>
+                    </a:solidFill>
+                  </a:tcPr>
+                </a:tc>
+                <a:tc>
+                  <a:txBody>
+                    <a:bodyPr/>
+                    <a:lstStyle/>
+                    <a:p>
+                      <a:pPr algn="l" fontAlgn="b"/>
+                      <a:endParaRPr lang="en-US" sz="1200" b="0" i="0" u="none" strike="noStrike" dirty="0">
+                        <a:solidFill>
+                          <a:schemeClr val="tx1">
+                            <a:lumMod val="60000"/>
+                            <a:lumOff val="40000"/>
+                          </a:schemeClr>
+                        </a:solidFill>
+                        <a:effectLst/>
+                        <a:latin typeface="Calibri Regular"/>
+                      </a:endParaRPr>
+                    </a:p>
+                  </a:txBody>
+                  <a:tcPr marL="108000" marR="108000" marT="72000" marB="72000">
+                    <a:lnL>
+                      <a:noFill/>
+                    </a:lnL>
+                    <a:lnR w="9525" cap="flat" cmpd="sng" algn="ctr">
+                      <a:noFill/>
+                      <a:prstDash val="solid"/>
+                    </a:lnR>
+                    <a:lnT w="12700" cap="flat" cmpd="sng" algn="ctr">
+                      <a:solidFill>
+                        <a:schemeClr val="tx1">
+                          <a:lumMod val="40000"/>
+                          <a:lumOff val="60000"/>
+                        </a:schemeClr>
+                      </a:solidFill>
+                      <a:prstDash val="sysDot"/>
+                      <a:round/>
+                      <a:headEnd type="none" w="med" len="med"/>
+                      <a:tailEnd type="none" w="med" len="med"/>
+                    </a:lnT>
+                    <a:lnB w="12700" cap="flat" cmpd="sng" algn="ctr">
+                      <a:solidFill>
+                        <a:schemeClr val="tx1">
+                          <a:lumMod val="40000"/>
+                          <a:lumOff val="60000"/>
+                        </a:schemeClr>
+                      </a:solidFill>
+                      <a:prstDash val="sysDot"/>
+                      <a:round/>
+                      <a:headEnd type="none" w="med" len="med"/>
+                      <a:tailEnd type="none" w="med" len="med"/>
+                    </a:lnB>
+                    <a:lnTlToBr w="12700" cmpd="sng">
+                      <a:noFill/>
+                      <a:prstDash val="solid"/>
+                    </a:lnTlToBr>
+                    <a:lnBlToTr w="12700" cmpd="sng">
+                      <a:noFill/>
+                      <a:prstDash val="solid"/>
+                    </a:lnBlToTr>
+                    <a:solidFill>
+                      <a:schemeClr val="bg1"/>
+                    </a:solidFill>
+                  </a:tcPr>
+                </a:tc>
+                <a:tc>
+                  <a:txBody>
+                    <a:bodyPr/>
+                    <a:lstStyle/>
+                    <a:p>
+                      <a:pPr algn="l" fontAlgn="b"/>
+                      <a:endParaRPr lang="en-US" sz="1200" b="0" i="0" u="none" strike="noStrike" dirty="0">
+                        <a:solidFill>
+                          <a:schemeClr val="tx1">
+                            <a:lumMod val="60000"/>
+                            <a:lumOff val="40000"/>
+                          </a:schemeClr>
+                        </a:solidFill>
+                        <a:effectLst/>
+                        <a:latin typeface="Calibri Regular"/>
+                      </a:endParaRPr>
+                    </a:p>
+                  </a:txBody>
+                  <a:tcPr marL="108000" marR="108000" marT="72000" marB="72000">
+                    <a:lnL>
+                      <a:noFill/>
+                    </a:lnL>
+                    <a:lnR w="9525" cap="flat" cmpd="sng" algn="ctr">
+                      <a:noFill/>
+                      <a:prstDash val="solid"/>
+                    </a:lnR>
+                    <a:lnT w="12700" cap="flat" cmpd="sng" algn="ctr">
+                      <a:solidFill>
+                        <a:schemeClr val="tx1">
+                          <a:lumMod val="40000"/>
+                          <a:lumOff val="60000"/>
+                        </a:schemeClr>
+                      </a:solidFill>
+                      <a:prstDash val="sysDot"/>
+                      <a:round/>
+                      <a:headEnd type="none" w="med" len="med"/>
+                      <a:tailEnd type="none" w="med" len="med"/>
+                    </a:lnT>
+                    <a:lnB w="12700" cap="flat" cmpd="sng" algn="ctr">
+                      <a:solidFill>
+                        <a:schemeClr val="tx1">
+                          <a:lumMod val="40000"/>
+                          <a:lumOff val="60000"/>
+                        </a:schemeClr>
+                      </a:solidFill>
+                      <a:prstDash val="sysDot"/>
+                      <a:round/>
+                      <a:headEnd type="none" w="med" len="med"/>
+                      <a:tailEnd type="none" w="med" len="med"/>
+                    </a:lnB>
+                    <a:lnTlToBr w="12700" cmpd="sng">
+                      <a:noFill/>
+                      <a:prstDash val="solid"/>
+                    </a:lnTlToBr>
+                    <a:lnBlToTr w="12700" cmpd="sng">
+                      <a:noFill/>
+                      <a:prstDash val="solid"/>
+                    </a:lnBlToTr>
+                    <a:solidFill>
+                      <a:schemeClr val="bg1"/>
+                    </a:solidFill>
+                  </a:tcPr>
+                </a:tc>
+                <a:extLst>
+                  <a:ext uri="{0D108BD9-81ED-4DB2-BD59-A6C34878D82A}">
+                    <a16:rowId xmlns:a16="http://schemas.microsoft.com/office/drawing/2014/main" val="4022263985"/>
+                  </a:ext>
+                </a:extLst>
+              </a:tr>
+              <a:tr h="0">
+                <a:tc>
+                  <a:txBody>
+                    <a:bodyPr/>
+                    <a:lstStyle/>
+                    <a:p>
+                      <a:pPr algn="l" fontAlgn="b"/>
+                      <a:endParaRPr lang="en-US" sz="1200" b="0" i="0" u="none" strike="noStrike" dirty="0">
+                        <a:solidFill>
+                          <a:schemeClr val="tx2"/>
+                        </a:solidFill>
+                        <a:effectLst/>
+                        <a:latin typeface="Calibri Regular"/>
+                      </a:endParaRPr>
+                    </a:p>
+                  </a:txBody>
+                  <a:tcPr marL="108000" marR="108000" marT="72000" marB="72000">
+                    <a:lnL w="9525" cap="flat" cmpd="sng" algn="ctr">
+                      <a:noFill/>
+                      <a:prstDash val="solid"/>
+                    </a:lnL>
+                    <a:lnR>
+                      <a:noFill/>
+                    </a:lnR>
+                    <a:lnT w="12700" cap="flat" cmpd="sng" algn="ctr">
+                      <a:solidFill>
+                        <a:schemeClr val="tx1">
+                          <a:lumMod val="40000"/>
+                          <a:lumOff val="60000"/>
+                        </a:schemeClr>
+                      </a:solidFill>
+                      <a:prstDash val="sysDot"/>
+                      <a:round/>
+                      <a:headEnd type="none" w="med" len="med"/>
+                      <a:tailEnd type="none" w="med" len="med"/>
+                    </a:lnT>
+                    <a:lnB w="12700" cap="flat" cmpd="sng" algn="ctr">
+                      <a:solidFill>
+                        <a:schemeClr val="tx1">
+                          <a:lumMod val="40000"/>
+                          <a:lumOff val="60000"/>
+                        </a:schemeClr>
+                      </a:solidFill>
+                      <a:prstDash val="sysDot"/>
+                      <a:round/>
+                      <a:headEnd type="none" w="med" len="med"/>
+                      <a:tailEnd type="none" w="med" len="med"/>
+                    </a:lnB>
+                    <a:lnTlToBr w="12700" cmpd="sng">
+                      <a:noFill/>
+                      <a:prstDash val="solid"/>
+                    </a:lnTlToBr>
+                    <a:lnBlToTr w="12700" cmpd="sng">
+                      <a:noFill/>
+                      <a:prstDash val="solid"/>
+                    </a:lnBlToTr>
+                    <a:solidFill>
+                      <a:schemeClr val="bg1"/>
+                    </a:solidFill>
+                  </a:tcPr>
+                </a:tc>
+                <a:tc>
+                  <a:txBody>
+                    <a:bodyPr/>
+                    <a:lstStyle/>
+                    <a:p>
+                      <a:pPr algn="r" fontAlgn="b"/>
+                      <a:endParaRPr lang="en-US" sz="1200" b="0" i="0" u="none" strike="noStrike" dirty="0">
+                        <a:solidFill>
+                          <a:schemeClr val="tx2"/>
+                        </a:solidFill>
+                        <a:effectLst/>
+                        <a:latin typeface="Calibri Regular"/>
+                      </a:endParaRPr>
+                    </a:p>
+                  </a:txBody>
+                  <a:tcPr marL="108000" marR="108000" marT="72000" marB="72000">
+                    <a:lnL>
+                      <a:noFill/>
+                    </a:lnL>
+                    <a:lnR>
+                      <a:noFill/>
+                    </a:lnR>
+                    <a:lnT w="12700" cap="flat" cmpd="sng" algn="ctr">
+                      <a:solidFill>
+                        <a:schemeClr val="tx1">
+                          <a:lumMod val="40000"/>
+                          <a:lumOff val="60000"/>
+                        </a:schemeClr>
+                      </a:solidFill>
+                      <a:prstDash val="sysDot"/>
+                      <a:round/>
+                      <a:headEnd type="none" w="med" len="med"/>
+                      <a:tailEnd type="none" w="med" len="med"/>
+                    </a:lnT>
+                    <a:lnB w="12700" cap="flat" cmpd="sng" algn="ctr">
+                      <a:solidFill>
+                        <a:schemeClr val="tx1">
+                          <a:lumMod val="40000"/>
+                          <a:lumOff val="60000"/>
+                        </a:schemeClr>
+                      </a:solidFill>
+                      <a:prstDash val="sysDot"/>
+                      <a:round/>
+                      <a:headEnd type="none" w="med" len="med"/>
+                      <a:tailEnd type="none" w="med" len="med"/>
+                    </a:lnB>
+                    <a:lnTlToBr w="12700" cmpd="sng">
+                      <a:noFill/>
+                      <a:prstDash val="solid"/>
+                    </a:lnTlToBr>
+                    <a:lnBlToTr w="12700" cmpd="sng">
+                      <a:noFill/>
+                      <a:prstDash val="solid"/>
+                    </a:lnBlToTr>
+                    <a:solidFill>
+                      <a:srgbClr val="FEF5BA"/>
+                    </a:solidFill>
+                  </a:tcPr>
+                </a:tc>
+                <a:tc>
+                  <a:txBody>
+                    <a:bodyPr/>
+                    <a:lstStyle/>
+                    <a:p>
+                      <a:pPr algn="r" fontAlgn="b"/>
+                      <a:endParaRPr lang="en-US" sz="1200" b="0" i="0" u="none" strike="noStrike" dirty="0">
+                        <a:solidFill>
+                          <a:schemeClr val="tx1">
+                            <a:lumMod val="60000"/>
+                            <a:lumOff val="40000"/>
+                          </a:schemeClr>
+                        </a:solidFill>
+                        <a:effectLst/>
+                        <a:latin typeface="Calibri Regular"/>
+                      </a:endParaRPr>
+                    </a:p>
+                  </a:txBody>
+                  <a:tcPr marL="108000" marR="108000" marT="72000" marB="72000">
+                    <a:lnL>
+                      <a:noFill/>
+                    </a:lnL>
+                    <a:lnR w="9525" cap="flat" cmpd="sng" algn="ctr">
+                      <a:noFill/>
+                      <a:prstDash val="solid"/>
+                    </a:lnR>
+                    <a:lnT w="12700" cap="flat" cmpd="sng" algn="ctr">
+                      <a:solidFill>
+                        <a:schemeClr val="tx1">
+                          <a:lumMod val="40000"/>
+                          <a:lumOff val="60000"/>
+                        </a:schemeClr>
+                      </a:solidFill>
+                      <a:prstDash val="sysDot"/>
+                      <a:round/>
+                      <a:headEnd type="none" w="med" len="med"/>
+                      <a:tailEnd type="none" w="med" len="med"/>
+                    </a:lnT>
+                    <a:lnB w="12700" cap="flat" cmpd="sng" algn="ctr">
+                      <a:solidFill>
+                        <a:schemeClr val="tx1">
+                          <a:lumMod val="40000"/>
+                          <a:lumOff val="60000"/>
+                        </a:schemeClr>
+                      </a:solidFill>
+                      <a:prstDash val="sysDot"/>
+                      <a:round/>
+                      <a:headEnd type="none" w="med" len="med"/>
+                      <a:tailEnd type="none" w="med" len="med"/>
+                    </a:lnB>
+                    <a:lnTlToBr w="12700" cmpd="sng">
+                      <a:noFill/>
+                      <a:prstDash val="solid"/>
+                    </a:lnTlToBr>
+                    <a:lnBlToTr w="12700" cmpd="sng">
+                      <a:noFill/>
+                      <a:prstDash val="solid"/>
+                    </a:lnBlToTr>
+                    <a:solidFill>
+                      <a:schemeClr val="bg1"/>
+                    </a:solidFill>
+                  </a:tcPr>
+                </a:tc>
+                <a:tc>
+                  <a:txBody>
+                    <a:bodyPr/>
+                    <a:lstStyle/>
+                    <a:p>
+                      <a:pPr algn="r" fontAlgn="b"/>
+                      <a:endParaRPr lang="en-US" sz="1200" b="0" i="0" u="none" strike="noStrike" dirty="0">
+                        <a:solidFill>
+                          <a:schemeClr val="tx1">
+                            <a:lumMod val="60000"/>
+                            <a:lumOff val="40000"/>
+                          </a:schemeClr>
+                        </a:solidFill>
+                        <a:effectLst/>
+                        <a:latin typeface="Calibri Regular"/>
+                      </a:endParaRPr>
+                    </a:p>
+                  </a:txBody>
+                  <a:tcPr marL="108000" marR="108000" marT="72000" marB="72000">
+                    <a:lnL>
+                      <a:noFill/>
+                    </a:lnL>
+                    <a:lnR w="9525" cap="flat" cmpd="sng" algn="ctr">
+                      <a:noFill/>
+                      <a:prstDash val="solid"/>
+                    </a:lnR>
+                    <a:lnT w="12700" cap="flat" cmpd="sng" algn="ctr">
+                      <a:solidFill>
+                        <a:schemeClr val="tx1">
+                          <a:lumMod val="40000"/>
+                          <a:lumOff val="60000"/>
+                        </a:schemeClr>
+                      </a:solidFill>
+                      <a:prstDash val="sysDot"/>
+                      <a:round/>
+                      <a:headEnd type="none" w="med" len="med"/>
+                      <a:tailEnd type="none" w="med" len="med"/>
+                    </a:lnT>
+                    <a:lnB w="12700" cap="flat" cmpd="sng" algn="ctr">
+                      <a:solidFill>
+                        <a:schemeClr val="tx1">
+                          <a:lumMod val="40000"/>
+                          <a:lumOff val="60000"/>
+                        </a:schemeClr>
+                      </a:solidFill>
+                      <a:prstDash val="sysDot"/>
+                      <a:round/>
+                      <a:headEnd type="none" w="med" len="med"/>
+                      <a:tailEnd type="none" w="med" len="med"/>
+                    </a:lnB>
+                    <a:lnTlToBr w="12700" cmpd="sng">
+                      <a:noFill/>
+                      <a:prstDash val="solid"/>
+                    </a:lnTlToBr>
+                    <a:lnBlToTr w="12700" cmpd="sng">
+                      <a:noFill/>
+                      <a:prstDash val="solid"/>
+                    </a:lnBlToTr>
+                    <a:solidFill>
+                      <a:schemeClr val="bg1"/>
+                    </a:solidFill>
+                  </a:tcPr>
+                </a:tc>
+                <a:tc>
+                  <a:txBody>
+                    <a:bodyPr/>
+                    <a:lstStyle/>
+                    <a:p>
+                      <a:pPr algn="l" fontAlgn="b"/>
+                      <a:endParaRPr lang="en-US" sz="1200" b="0" i="0" u="none" strike="noStrike" dirty="0">
+                        <a:solidFill>
+                          <a:schemeClr val="tx1">
+                            <a:lumMod val="60000"/>
+                            <a:lumOff val="40000"/>
+                          </a:schemeClr>
+                        </a:solidFill>
+                        <a:effectLst/>
+                        <a:latin typeface="Calibri Regular"/>
+                      </a:endParaRPr>
+                    </a:p>
+                  </a:txBody>
+                  <a:tcPr marL="108000" marR="108000" marT="72000" marB="72000">
+                    <a:lnL>
+                      <a:noFill/>
+                    </a:lnL>
+                    <a:lnR w="9525" cap="flat" cmpd="sng" algn="ctr">
+                      <a:noFill/>
+                      <a:prstDash val="solid"/>
+                    </a:lnR>
+                    <a:lnT w="12700" cap="flat" cmpd="sng" algn="ctr">
+                      <a:solidFill>
+                        <a:schemeClr val="tx1">
+                          <a:lumMod val="40000"/>
+                          <a:lumOff val="60000"/>
+                        </a:schemeClr>
+                      </a:solidFill>
+                      <a:prstDash val="sysDot"/>
+                      <a:round/>
+                      <a:headEnd type="none" w="med" len="med"/>
+                      <a:tailEnd type="none" w="med" len="med"/>
+                    </a:lnT>
+                    <a:lnB w="12700" cap="flat" cmpd="sng" algn="ctr">
+                      <a:solidFill>
+                        <a:schemeClr val="tx1">
+                          <a:lumMod val="40000"/>
+                          <a:lumOff val="60000"/>
+                        </a:schemeClr>
+                      </a:solidFill>
+                      <a:prstDash val="sysDot"/>
+                      <a:round/>
+                      <a:headEnd type="none" w="med" len="med"/>
+                      <a:tailEnd type="none" w="med" len="med"/>
+                    </a:lnB>
+                    <a:lnTlToBr w="12700" cmpd="sng">
+                      <a:noFill/>
+                      <a:prstDash val="solid"/>
+                    </a:lnTlToBr>
+                    <a:lnBlToTr w="12700" cmpd="sng">
+                      <a:noFill/>
+                      <a:prstDash val="solid"/>
+                    </a:lnBlToTr>
+                    <a:solidFill>
+                      <a:schemeClr val="bg1"/>
+                    </a:solidFill>
+                  </a:tcPr>
+                </a:tc>
+                <a:tc>
+                  <a:txBody>
+                    <a:bodyPr/>
+                    <a:lstStyle/>
+                    <a:p>
+                      <a:pPr algn="l" fontAlgn="b"/>
+                      <a:endParaRPr lang="en-US" sz="1200" b="0" i="0" u="none" strike="noStrike" dirty="0">
+                        <a:solidFill>
+                          <a:schemeClr val="tx1">
+                            <a:lumMod val="60000"/>
+                            <a:lumOff val="40000"/>
+                          </a:schemeClr>
+                        </a:solidFill>
+                        <a:effectLst/>
+                        <a:latin typeface="Calibri Regular"/>
+                      </a:endParaRPr>
+                    </a:p>
+                  </a:txBody>
+                  <a:tcPr marL="108000" marR="108000" marT="72000" marB="72000">
+                    <a:lnL>
+                      <a:noFill/>
+                    </a:lnL>
+                    <a:lnR w="9525" cap="flat" cmpd="sng" algn="ctr">
+                      <a:noFill/>
+                      <a:prstDash val="solid"/>
+                    </a:lnR>
+                    <a:lnT w="12700" cap="flat" cmpd="sng" algn="ctr">
+                      <a:solidFill>
+                        <a:schemeClr val="tx1">
+                          <a:lumMod val="40000"/>
+                          <a:lumOff val="60000"/>
+                        </a:schemeClr>
+                      </a:solidFill>
+                      <a:prstDash val="sysDot"/>
+                      <a:round/>
+                      <a:headEnd type="none" w="med" len="med"/>
+                      <a:tailEnd type="none" w="med" len="med"/>
+                    </a:lnT>
+                    <a:lnB w="12700" cap="flat" cmpd="sng" algn="ctr">
+                      <a:solidFill>
+                        <a:schemeClr val="tx1">
+                          <a:lumMod val="40000"/>
+                          <a:lumOff val="60000"/>
+                        </a:schemeClr>
+                      </a:solidFill>
+                      <a:prstDash val="sysDot"/>
+                      <a:round/>
+                      <a:headEnd type="none" w="med" len="med"/>
+                      <a:tailEnd type="none" w="med" len="med"/>
+                    </a:lnB>
+                    <a:lnTlToBr w="12700" cmpd="sng">
+                      <a:noFill/>
+                      <a:prstDash val="solid"/>
+                    </a:lnTlToBr>
+                    <a:lnBlToTr w="12700" cmpd="sng">
+                      <a:noFill/>
+                      <a:prstDash val="solid"/>
+                    </a:lnBlToTr>
+                    <a:solidFill>
+                      <a:schemeClr val="bg1"/>
+                    </a:solidFill>
+                  </a:tcPr>
+                </a:tc>
+                <a:extLst>
+                  <a:ext uri="{0D108BD9-81ED-4DB2-BD59-A6C34878D82A}">
+                    <a16:rowId xmlns:a16="http://schemas.microsoft.com/office/drawing/2014/main" val="516404128"/>
+                  </a:ext>
+                </a:extLst>
+              </a:tr>
+              <a:tr h="0">
+                <a:tc>
+                  <a:txBody>
+                    <a:bodyPr/>
+                    <a:lstStyle/>
+                    <a:p>
+                      <a:pPr marL="0" marR="0" lvl="0" indent="0" algn="l" defTabSz="914400" rtl="0" eaLnBrk="1" fontAlgn="b" latinLnBrk="0" hangingPunct="1">
+                        <a:lnSpc>
+                          <a:spcPct val="100000"/>
+                        </a:lnSpc>
+                        <a:spcBef>
+                          <a:spcPts val="0"/>
+                        </a:spcBef>
+                        <a:spcAft>
+                          <a:spcPts val="0"/>
+                        </a:spcAft>
+                        <a:buClrTx/>
+                        <a:buSzTx/>
+                        <a:buFontTx/>
+                        <a:buNone/>
+                        <a:tabLst/>
+                        <a:defRPr/>
+                      </a:pPr>
+                      <a:endParaRPr lang="en-US" sz="1200" b="0" i="0" u="none" strike="noStrike" dirty="0">
+                        <a:solidFill>
+                          <a:schemeClr val="tx2"/>
+                        </a:solidFill>
+                        <a:effectLst/>
+                        <a:latin typeface="Calibri Regular"/>
+                      </a:endParaRPr>
+                    </a:p>
+                  </a:txBody>
+                  <a:tcPr marL="108000" marR="108000" marT="72000" marB="72000">
+                    <a:lnL w="9525" cap="flat" cmpd="sng" algn="ctr">
+                      <a:noFill/>
+                      <a:prstDash val="solid"/>
+                    </a:lnL>
+                    <a:lnR>
+                      <a:noFill/>
+                    </a:lnR>
+                    <a:lnT w="12700" cap="flat" cmpd="sng" algn="ctr">
+                      <a:solidFill>
+                        <a:schemeClr val="tx1">
+                          <a:lumMod val="40000"/>
+                          <a:lumOff val="60000"/>
+                        </a:schemeClr>
+                      </a:solidFill>
+                      <a:prstDash val="sysDot"/>
+                      <a:round/>
+                      <a:headEnd type="none" w="med" len="med"/>
+                      <a:tailEnd type="none" w="med" len="med"/>
+                    </a:lnT>
+                    <a:lnB w="12700" cap="flat" cmpd="sng" algn="ctr">
+                      <a:noFill/>
+                      <a:prstDash val="solid"/>
+                      <a:round/>
+                      <a:headEnd type="none" w="med" len="med"/>
+                      <a:tailEnd type="none" w="med" len="med"/>
+                    </a:lnB>
+                    <a:lnTlToBr w="12700" cmpd="sng">
+                      <a:noFill/>
+                      <a:prstDash val="solid"/>
+                    </a:lnTlToBr>
+                    <a:lnBlToTr w="12700" cmpd="sng">
+                      <a:noFill/>
+                      <a:prstDash val="solid"/>
+                    </a:lnBlToTr>
+                    <a:solidFill>
+                      <a:schemeClr val="bg1"/>
+                    </a:solidFill>
+                  </a:tcPr>
+                </a:tc>
+                <a:tc>
+                  <a:txBody>
+                    <a:bodyPr/>
+                    <a:lstStyle/>
+                    <a:p>
+                      <a:pPr algn="r" fontAlgn="b"/>
+                      <a:endParaRPr lang="en-US" sz="1200" b="0" i="0" u="none" strike="noStrike" dirty="0">
+                        <a:solidFill>
+                          <a:schemeClr val="tx2"/>
+                        </a:solidFill>
+                        <a:effectLst/>
+                        <a:latin typeface="+mn-lt"/>
+                      </a:endParaRPr>
+                    </a:p>
+                  </a:txBody>
+                  <a:tcPr marL="108000" marR="108000" marT="72000" marB="72000">
+                    <a:lnL>
+                      <a:noFill/>
+                    </a:lnL>
+                    <a:lnR>
+                      <a:noFill/>
+                    </a:lnR>
+                    <a:lnT w="12700" cap="flat" cmpd="sng" algn="ctr">
+                      <a:solidFill>
+                        <a:schemeClr val="tx1">
+                          <a:lumMod val="40000"/>
+                          <a:lumOff val="60000"/>
+                        </a:schemeClr>
+                      </a:solidFill>
+                      <a:prstDash val="sysDot"/>
+                      <a:round/>
+                      <a:headEnd type="none" w="med" len="med"/>
+                      <a:tailEnd type="none" w="med" len="med"/>
+                    </a:lnT>
+                    <a:lnB w="12700" cap="flat" cmpd="sng" algn="ctr">
+                      <a:noFill/>
+                      <a:prstDash val="solid"/>
+                      <a:round/>
+                      <a:headEnd type="none" w="med" len="med"/>
+                      <a:tailEnd type="none" w="med" len="med"/>
+                    </a:lnB>
+                    <a:lnTlToBr w="12700" cmpd="sng">
+                      <a:noFill/>
+                      <a:prstDash val="solid"/>
+                    </a:lnTlToBr>
+                    <a:lnBlToTr w="12700" cmpd="sng">
+                      <a:noFill/>
+                      <a:prstDash val="solid"/>
+                    </a:lnBlToTr>
+                    <a:solidFill>
+                      <a:srgbClr val="FEF5BA"/>
+                    </a:solidFill>
+                  </a:tcPr>
+                </a:tc>
+                <a:tc>
+                  <a:txBody>
+                    <a:bodyPr/>
+                    <a:lstStyle/>
+                    <a:p>
+                      <a:pPr algn="r" fontAlgn="b"/>
+                      <a:endParaRPr lang="en-US" sz="1200" b="0" i="0" u="none" strike="noStrike" dirty="0">
+                        <a:solidFill>
+                          <a:schemeClr val="tx1">
+                            <a:lumMod val="60000"/>
+                            <a:lumOff val="40000"/>
+                          </a:schemeClr>
+                        </a:solidFill>
+                        <a:effectLst/>
+                        <a:latin typeface="+mn-lt"/>
+                      </a:endParaRPr>
+                    </a:p>
+                  </a:txBody>
+                  <a:tcPr marL="108000" marR="108000" marT="72000" marB="72000">
+                    <a:lnL>
+                      <a:noFill/>
+                    </a:lnL>
+                    <a:lnR w="9525" cap="flat" cmpd="sng" algn="ctr">
+                      <a:noFill/>
+                      <a:prstDash val="solid"/>
+                    </a:lnR>
+                    <a:lnT w="12700" cap="flat" cmpd="sng" algn="ctr">
+                      <a:solidFill>
+                        <a:schemeClr val="tx1">
+                          <a:lumMod val="40000"/>
+                          <a:lumOff val="60000"/>
+                        </a:schemeClr>
+                      </a:solidFill>
+                      <a:prstDash val="sysDot"/>
+                      <a:round/>
+                      <a:headEnd type="none" w="med" len="med"/>
+                      <a:tailEnd type="none" w="med" len="med"/>
+                    </a:lnT>
+                    <a:lnB w="12700" cap="flat" cmpd="sng" algn="ctr">
+                      <a:noFill/>
+                      <a:prstDash val="solid"/>
+                      <a:round/>
+                      <a:headEnd type="none" w="med" len="med"/>
+                      <a:tailEnd type="none" w="med" len="med"/>
+                    </a:lnB>
+                    <a:lnTlToBr w="12700" cmpd="sng">
+                      <a:noFill/>
+                      <a:prstDash val="solid"/>
+                    </a:lnTlToBr>
+                    <a:lnBlToTr w="12700" cmpd="sng">
+                      <a:noFill/>
+                      <a:prstDash val="solid"/>
+                    </a:lnBlToTr>
+                    <a:solidFill>
+                      <a:schemeClr val="bg1"/>
+                    </a:solidFill>
+                  </a:tcPr>
+                </a:tc>
+                <a:tc>
+                  <a:txBody>
+                    <a:bodyPr/>
+                    <a:lstStyle/>
+                    <a:p>
+                      <a:pPr algn="r" fontAlgn="b"/>
+                      <a:endParaRPr lang="en-US" sz="1200" b="0" i="0" u="none" strike="noStrike" dirty="0">
+                        <a:solidFill>
+                          <a:schemeClr val="tx1">
+                            <a:lumMod val="60000"/>
+                            <a:lumOff val="40000"/>
+                          </a:schemeClr>
+                        </a:solidFill>
+                        <a:effectLst/>
+                        <a:latin typeface="+mn-lt"/>
+                      </a:endParaRPr>
+                    </a:p>
+                  </a:txBody>
+                  <a:tcPr marL="108000" marR="108000" marT="72000" marB="72000">
+                    <a:lnL>
+                      <a:noFill/>
+                    </a:lnL>
+                    <a:lnR w="9525" cap="flat" cmpd="sng" algn="ctr">
+                      <a:noFill/>
+                      <a:prstDash val="solid"/>
+                    </a:lnR>
+                    <a:lnT w="12700" cap="flat" cmpd="sng" algn="ctr">
+                      <a:solidFill>
+                        <a:schemeClr val="tx1">
+                          <a:lumMod val="40000"/>
+                          <a:lumOff val="60000"/>
+                        </a:schemeClr>
+                      </a:solidFill>
+                      <a:prstDash val="sysDot"/>
+                      <a:round/>
+                      <a:headEnd type="none" w="med" len="med"/>
+                      <a:tailEnd type="none" w="med" len="med"/>
+                    </a:lnT>
+                    <a:lnB w="12700" cap="flat" cmpd="sng" algn="ctr">
+                      <a:noFill/>
+                      <a:prstDash val="solid"/>
+                      <a:round/>
+                      <a:headEnd type="none" w="med" len="med"/>
+                      <a:tailEnd type="none" w="med" len="med"/>
+                    </a:lnB>
+                    <a:lnTlToBr w="12700" cmpd="sng">
+                      <a:noFill/>
+                      <a:prstDash val="solid"/>
+                    </a:lnTlToBr>
+                    <a:lnBlToTr w="12700" cmpd="sng">
+                      <a:noFill/>
+                      <a:prstDash val="solid"/>
+                    </a:lnBlToTr>
+                    <a:solidFill>
+                      <a:schemeClr val="bg1"/>
+                    </a:solidFill>
+                  </a:tcPr>
+                </a:tc>
+                <a:tc>
+                  <a:txBody>
+                    <a:bodyPr/>
+                    <a:lstStyle/>
+                    <a:p>
+                      <a:pPr algn="l" fontAlgn="b"/>
+                      <a:endParaRPr lang="en-US" sz="1200" b="0" i="0" u="none" strike="noStrike" dirty="0">
+                        <a:solidFill>
+                          <a:schemeClr val="tx1">
+                            <a:lumMod val="60000"/>
+                            <a:lumOff val="40000"/>
+                          </a:schemeClr>
+                        </a:solidFill>
+                        <a:effectLst/>
+                        <a:latin typeface="+mn-lt"/>
+                      </a:endParaRPr>
+                    </a:p>
+                  </a:txBody>
+                  <a:tcPr marL="108000" marR="108000" marT="72000" marB="72000">
+                    <a:lnL>
+                      <a:noFill/>
+                    </a:lnL>
+                    <a:lnR w="9525" cap="flat" cmpd="sng" algn="ctr">
+                      <a:noFill/>
+                      <a:prstDash val="solid"/>
+                    </a:lnR>
+                    <a:lnT w="12700" cap="flat" cmpd="sng" algn="ctr">
+                      <a:solidFill>
+                        <a:schemeClr val="tx1">
+                          <a:lumMod val="40000"/>
+                          <a:lumOff val="60000"/>
+                        </a:schemeClr>
+                      </a:solidFill>
+                      <a:prstDash val="sysDot"/>
+                      <a:round/>
+                      <a:headEnd type="none" w="med" len="med"/>
+                      <a:tailEnd type="none" w="med" len="med"/>
+                    </a:lnT>
+                    <a:lnB w="12700" cap="flat" cmpd="sng" algn="ctr">
+                      <a:noFill/>
+                      <a:prstDash val="solid"/>
+                      <a:round/>
+                      <a:headEnd type="none" w="med" len="med"/>
+                      <a:tailEnd type="none" w="med" len="med"/>
+                    </a:lnB>
+                    <a:lnTlToBr w="12700" cmpd="sng">
+                      <a:noFill/>
+                      <a:prstDash val="solid"/>
+                    </a:lnTlToBr>
+                    <a:lnBlToTr w="12700" cmpd="sng">
+                      <a:noFill/>
+                      <a:prstDash val="solid"/>
+                    </a:lnBlToTr>
+                    <a:solidFill>
+                      <a:schemeClr val="bg1"/>
+                    </a:solidFill>
+                  </a:tcPr>
+                </a:tc>
+                <a:tc>
+                  <a:txBody>
+                    <a:bodyPr/>
+                    <a:lstStyle/>
+                    <a:p>
+                      <a:pPr algn="l" fontAlgn="b"/>
+                      <a:endParaRPr lang="en-US" sz="1200" b="0" i="0" u="none" strike="noStrike" dirty="0">
+                        <a:solidFill>
+                          <a:schemeClr val="tx1">
+                            <a:lumMod val="60000"/>
+                            <a:lumOff val="40000"/>
+                          </a:schemeClr>
+                        </a:solidFill>
+                        <a:effectLst/>
+                        <a:latin typeface="+mn-lt"/>
+                      </a:endParaRPr>
+                    </a:p>
+                  </a:txBody>
+                  <a:tcPr marL="108000" marR="108000" marT="72000" marB="72000">
+                    <a:lnL>
+                      <a:noFill/>
+                    </a:lnL>
+                    <a:lnR w="9525" cap="flat" cmpd="sng" algn="ctr">
+                      <a:noFill/>
+                      <a:prstDash val="solid"/>
+                    </a:lnR>
+                    <a:lnT w="12700" cap="flat" cmpd="sng" algn="ctr">
+                      <a:solidFill>
+                        <a:schemeClr val="tx1">
+                          <a:lumMod val="40000"/>
+                          <a:lumOff val="60000"/>
+                        </a:schemeClr>
+                      </a:solidFill>
+                      <a:prstDash val="sysDot"/>
+                      <a:round/>
+                      <a:headEnd type="none" w="med" len="med"/>
+                      <a:tailEnd type="none" w="med" len="med"/>
+                    </a:lnT>
+                    <a:lnB w="12700" cap="flat" cmpd="sng" algn="ctr">
+                      <a:noFill/>
+                      <a:prstDash val="solid"/>
+                      <a:round/>
+                      <a:headEnd type="none" w="med" len="med"/>
+                      <a:tailEnd type="none" w="med" len="med"/>
+                    </a:lnB>
+                    <a:lnTlToBr w="12700" cmpd="sng">
+                      <a:noFill/>
+                      <a:prstDash val="solid"/>
+                    </a:lnTlToBr>
+                    <a:lnBlToTr w="12700" cmpd="sng">
+                      <a:noFill/>
+                      <a:prstDash val="solid"/>
+                    </a:lnBlToTr>
+                    <a:solidFill>
+                      <a:schemeClr val="bg1"/>
+                    </a:solidFill>
+                  </a:tcPr>
+                </a:tc>
+                <a:extLst>
+                  <a:ext uri="{0D108BD9-81ED-4DB2-BD59-A6C34878D82A}">
+                    <a16:rowId xmlns:a16="http://schemas.microsoft.com/office/drawing/2014/main" val="3255606331"/>
+                  </a:ext>
+                </a:extLst>
+              </a:tr>
+            </a:tbl>
+          </a:graphicData>
+        </a:graphic>
+      </p:graphicFrame>
+    </p:spTree>
+    <p:extLst>
+      <p:ext uri="{BB962C8B-B14F-4D97-AF65-F5344CB8AC3E}">
+        <p14:creationId xmlns:p14="http://schemas.microsoft.com/office/powerpoint/2010/main" val="3848876227"/>
       </p:ext>
     </p:extLst>
   </p:cSld>
@@ -26120,12 +31762,14 @@
 </file>
 
 <file path=customXml/item1.xml><?xml version="1.0" encoding="utf-8"?>
-<?mso-contentType ?>
-<FormTemplates xmlns="http://schemas.microsoft.com/sharepoint/v3/contenttype/forms">
-  <Display>DocumentLibraryForm</Display>
-  <Edit>DocumentLibraryForm</Edit>
-  <New>DocumentLibraryForm</New>
-</FormTemplates>
+<p:properties xmlns:p="http://schemas.microsoft.com/office/2006/metadata/properties" xmlns:xsi="http://www.w3.org/2001/XMLSchema-instance" xmlns:pc="http://schemas.microsoft.com/office/infopath/2007/PartnerControls">
+  <documentManagement>
+    <lcf76f155ced4ddcb4097134ff3c332f xmlns="fa937df2-abe2-4d38-b5f4-c228acba3827">
+      <Terms xmlns="http://schemas.microsoft.com/office/infopath/2007/PartnerControls"/>
+    </lcf76f155ced4ddcb4097134ff3c332f>
+    <TaxCatchAll xmlns="bc8ba18a-4a58-4ad2-bfc0-6516af8e7dc2" xsi:nil="true"/>
+  </documentManagement>
+</p:properties>
 </file>
 
 <file path=customXml/item2.xml><?xml version="1.0" encoding="utf-8"?>
@@ -26352,20 +31996,27 @@
 </file>
 
 <file path=customXml/item3.xml><?xml version="1.0" encoding="utf-8"?>
-<p:properties xmlns:p="http://schemas.microsoft.com/office/2006/metadata/properties" xmlns:xsi="http://www.w3.org/2001/XMLSchema-instance" xmlns:pc="http://schemas.microsoft.com/office/infopath/2007/PartnerControls">
-  <documentManagement>
-    <lcf76f155ced4ddcb4097134ff3c332f xmlns="fa937df2-abe2-4d38-b5f4-c228acba3827">
-      <Terms xmlns="http://schemas.microsoft.com/office/infopath/2007/PartnerControls"/>
-    </lcf76f155ced4ddcb4097134ff3c332f>
-    <TaxCatchAll xmlns="bc8ba18a-4a58-4ad2-bfc0-6516af8e7dc2" xsi:nil="true"/>
-  </documentManagement>
-</p:properties>
+<?mso-contentType ?>
+<FormTemplates xmlns="http://schemas.microsoft.com/sharepoint/v3/contenttype/forms">
+  <Display>DocumentLibraryForm</Display>
+  <Edit>DocumentLibraryForm</Edit>
+  <New>DocumentLibraryForm</New>
+</FormTemplates>
 </file>
 
 <file path=customXml/itemProps1.xml><?xml version="1.0" encoding="utf-8"?>
-<ds:datastoreItem xmlns:ds="http://schemas.openxmlformats.org/officeDocument/2006/customXml" ds:itemID="{570928F0-D7CA-4732-B7F3-1F945720D0AA}">
+<ds:datastoreItem xmlns:ds="http://schemas.openxmlformats.org/officeDocument/2006/customXml" ds:itemID="{4B629362-CF15-4610-8FAC-A8E699942233}">
   <ds:schemaRefs>
-    <ds:schemaRef ds:uri="http://schemas.microsoft.com/sharepoint/v3/contenttype/forms"/>
+    <ds:schemaRef ds:uri="http://schemas.microsoft.com/office/2006/documentManagement/types"/>
+    <ds:schemaRef ds:uri="http://purl.org/dc/elements/1.1/"/>
+    <ds:schemaRef ds:uri="bc8ba18a-4a58-4ad2-bfc0-6516af8e7dc2"/>
+    <ds:schemaRef ds:uri="http://purl.org/dc/terms/"/>
+    <ds:schemaRef ds:uri="http://www.w3.org/XML/1998/namespace"/>
+    <ds:schemaRef ds:uri="http://schemas.microsoft.com/office/2006/metadata/properties"/>
+    <ds:schemaRef ds:uri="http://schemas.microsoft.com/office/infopath/2007/PartnerControls"/>
+    <ds:schemaRef ds:uri="http://schemas.openxmlformats.org/package/2006/metadata/core-properties"/>
+    <ds:schemaRef ds:uri="fa937df2-abe2-4d38-b5f4-c228acba3827"/>
+    <ds:schemaRef ds:uri="http://purl.org/dc/dcmitype/"/>
   </ds:schemaRefs>
 </ds:datastoreItem>
 </file>
@@ -26390,18 +32041,9 @@
 </file>
 
 <file path=customXml/itemProps3.xml><?xml version="1.0" encoding="utf-8"?>
-<ds:datastoreItem xmlns:ds="http://schemas.openxmlformats.org/officeDocument/2006/customXml" ds:itemID="{4B629362-CF15-4610-8FAC-A8E699942233}">
+<ds:datastoreItem xmlns:ds="http://schemas.openxmlformats.org/officeDocument/2006/customXml" ds:itemID="{570928F0-D7CA-4732-B7F3-1F945720D0AA}">
   <ds:schemaRefs>
-    <ds:schemaRef ds:uri="http://schemas.microsoft.com/office/2006/documentManagement/types"/>
-    <ds:schemaRef ds:uri="http://purl.org/dc/elements/1.1/"/>
-    <ds:schemaRef ds:uri="bc8ba18a-4a58-4ad2-bfc0-6516af8e7dc2"/>
-    <ds:schemaRef ds:uri="http://purl.org/dc/terms/"/>
-    <ds:schemaRef ds:uri="http://www.w3.org/XML/1998/namespace"/>
-    <ds:schemaRef ds:uri="http://schemas.microsoft.com/office/2006/metadata/properties"/>
-    <ds:schemaRef ds:uri="http://schemas.microsoft.com/office/infopath/2007/PartnerControls"/>
-    <ds:schemaRef ds:uri="http://schemas.openxmlformats.org/package/2006/metadata/core-properties"/>
-    <ds:schemaRef ds:uri="fa937df2-abe2-4d38-b5f4-c228acba3827"/>
-    <ds:schemaRef ds:uri="http://purl.org/dc/dcmitype/"/>
+    <ds:schemaRef ds:uri="http://schemas.microsoft.com/sharepoint/v3/contenttype/forms"/>
   </ds:schemaRefs>
 </ds:datastoreItem>
 </file>
--- a/report-generator/src/report_generator/presets/templates/refactoring-candidates.pptx
+++ b/report-generator/src/report_generator/presets/templates/refactoring-candidates.pptx
@@ -21048,7 +21048,7 @@
           <p:nvPr>
             <p:extLst>
               <p:ext uri="{D42A27DB-BD31-4B8C-83A1-F6EECF244321}">
-                <p14:modId xmlns:p14="http://schemas.microsoft.com/office/powerpoint/2010/main" val="505544800"/>
+                <p14:modId xmlns:p14="http://schemas.microsoft.com/office/powerpoint/2010/main" val="3908928059"/>
               </p:ext>
             </p:extLst>
           </p:nvPr>
@@ -25482,14 +25482,14 @@
           <p:nvPr>
             <p:extLst>
               <p:ext uri="{D42A27DB-BD31-4B8C-83A1-F6EECF244321}">
-                <p14:modId xmlns:p14="http://schemas.microsoft.com/office/powerpoint/2010/main" val="885341822"/>
+                <p14:modId xmlns:p14="http://schemas.microsoft.com/office/powerpoint/2010/main" val="561747272"/>
               </p:ext>
             </p:extLst>
           </p:nvPr>
         </p:nvGraphicFramePr>
         <p:xfrm>
           <a:off x="514373" y="1366988"/>
-          <a:ext cx="11232250" cy="4789680"/>
+          <a:ext cx="11232250" cy="4972560"/>
         </p:xfrm>
         <a:graphic>
           <a:graphicData uri="http://schemas.openxmlformats.org/drawingml/2006/table">
@@ -25499,35 +25499,35 @@
                 <a:tableStyleId>{F2DE63D5-997A-4646-A377-4702673A728D}</a:tableStyleId>
               </a:tblPr>
               <a:tblGrid>
-                <a:gridCol w="6006500">
+                <a:gridCol w="6024972">
                   <a:extLst>
                     <a:ext uri="{9D8B030D-6E8A-4147-A177-3AD203B41FA5}">
                       <a16:colId xmlns:a16="http://schemas.microsoft.com/office/drawing/2014/main" val="20000"/>
                     </a:ext>
                   </a:extLst>
                 </a:gridCol>
-                <a:gridCol w="877454">
+                <a:gridCol w="568037">
                   <a:extLst>
                     <a:ext uri="{9D8B030D-6E8A-4147-A177-3AD203B41FA5}">
                       <a16:colId xmlns:a16="http://schemas.microsoft.com/office/drawing/2014/main" val="20001"/>
                     </a:ext>
                   </a:extLst>
                 </a:gridCol>
-                <a:gridCol w="840509">
+                <a:gridCol w="858982">
                   <a:extLst>
                     <a:ext uri="{9D8B030D-6E8A-4147-A177-3AD203B41FA5}">
                       <a16:colId xmlns:a16="http://schemas.microsoft.com/office/drawing/2014/main" val="20002"/>
                     </a:ext>
                   </a:extLst>
                 </a:gridCol>
-                <a:gridCol w="1080655">
+                <a:gridCol w="1163781">
                   <a:extLst>
                     <a:ext uri="{9D8B030D-6E8A-4147-A177-3AD203B41FA5}">
                       <a16:colId xmlns:a16="http://schemas.microsoft.com/office/drawing/2014/main" val="3286041723"/>
                     </a:ext>
                   </a:extLst>
                 </a:gridCol>
-                <a:gridCol w="1311564">
+                <a:gridCol w="1500910">
                   <a:extLst>
                     <a:ext uri="{9D8B030D-6E8A-4147-A177-3AD203B41FA5}">
                       <a16:colId xmlns:a16="http://schemas.microsoft.com/office/drawing/2014/main" val="4263492041"/>
@@ -25628,7 +25628,7 @@
                           </a:solidFill>
                           <a:latin typeface="+mn-lt"/>
                         </a:rPr>
-                        <a:t>Unit LOC</a:t>
+                        <a:t>LOC</a:t>
                       </a:r>
                       <a:endParaRPr lang="nl-NL" sz="1400" b="1" i="0" noProof="0" dirty="0">
                         <a:solidFill>
@@ -25917,7 +25917,7 @@
                       </a:r>
                     </a:p>
                   </a:txBody>
-                  <a:tcPr marL="108000" marR="108000" marT="72000" marB="72000">
+                  <a:tcPr marL="108000" marR="108000" marT="72000" marB="72000" anchor="ctr">
                     <a:lnL w="9525" cap="flat" cmpd="sng" algn="ctr">
                       <a:noFill/>
                       <a:prstDash val="solid"/>
@@ -25975,7 +25975,7 @@
                       </a:r>
                     </a:p>
                   </a:txBody>
-                  <a:tcPr marL="108000" marR="108000" marT="72000" marB="72000">
+                  <a:tcPr marL="108000" marR="108000" marT="72000" marB="72000" anchor="ctr">
                     <a:lnL>
                       <a:noFill/>
                     </a:lnL>
@@ -26035,7 +26035,7 @@
                       </a:r>
                     </a:p>
                   </a:txBody>
-                  <a:tcPr marL="108000" marR="108000" marT="72000" marB="72000">
+                  <a:tcPr marL="108000" marR="108000" marT="72000" marB="72000" anchor="ctr">
                     <a:lnL>
                       <a:noFill/>
                     </a:lnL>
@@ -26096,7 +26096,7 @@
                       </a:r>
                     </a:p>
                   </a:txBody>
-                  <a:tcPr marL="108000" marR="108000" marT="72000" marB="72000">
+                  <a:tcPr marL="108000" marR="108000" marT="72000" marB="72000" anchor="ctr">
                     <a:lnL>
                       <a:noFill/>
                     </a:lnL>
@@ -26141,20 +26141,39 @@
                     <a:bodyPr/>
                     <a:lstStyle/>
                     <a:p>
-                      <a:pPr algn="l" fontAlgn="b"/>
-                      <a:endParaRPr lang="en-US" sz="1200" b="0" i="0" u="none" strike="noStrike" dirty="0">
-                        <a:solidFill>
-                          <a:schemeClr val="tx1">
-                            <a:lumMod val="60000"/>
-                            <a:lumOff val="40000"/>
-                          </a:schemeClr>
-                        </a:solidFill>
-                        <a:effectLst/>
-                        <a:latin typeface="Calibri Regular"/>
-                      </a:endParaRPr>
+                      <a:pPr marL="0" marR="0" lvl="0" indent="0" algn="l" defTabSz="914400" rtl="0" eaLnBrk="1" fontAlgn="b" latinLnBrk="0" hangingPunct="1">
+                        <a:lnSpc>
+                          <a:spcPct val="100000"/>
+                        </a:lnSpc>
+                        <a:spcBef>
+                          <a:spcPts val="0"/>
+                        </a:spcBef>
+                        <a:spcAft>
+                          <a:spcPts val="0"/>
+                        </a:spcAft>
+                        <a:buClrTx/>
+                        <a:buSzTx/>
+                        <a:buFontTx/>
+                        <a:buNone/>
+                        <a:tabLst/>
+                        <a:defRPr/>
+                      </a:pPr>
+                      <a:r>
+                        <a:rPr lang="en-US" sz="1200" b="0" i="0" u="none" strike="noStrike" dirty="0">
+                          <a:solidFill>
+                            <a:schemeClr val="tx1">
+                              <a:lumMod val="60000"/>
+                              <a:lumOff val="40000"/>
+                            </a:schemeClr>
+                          </a:solidFill>
+                          <a:effectLst/>
+                          <a:latin typeface="Calibri Regular"/>
+                        </a:rPr>
+                        <a:t>Example style</a:t>
+                      </a:r>
                     </a:p>
                   </a:txBody>
-                  <a:tcPr marL="108000" marR="108000" marT="72000" marB="72000">
+                  <a:tcPr marL="108000" marR="108000" marT="72000" marB="72000" anchor="ctr">
                     <a:lnL>
                       <a:noFill/>
                     </a:lnL>
@@ -26199,20 +26218,39 @@
                     <a:bodyPr/>
                     <a:lstStyle/>
                     <a:p>
-                      <a:pPr algn="l" fontAlgn="b"/>
-                      <a:endParaRPr lang="en-US" sz="1200" b="0" i="0" u="none" strike="noStrike" dirty="0">
-                        <a:solidFill>
-                          <a:schemeClr val="tx1">
-                            <a:lumMod val="60000"/>
-                            <a:lumOff val="40000"/>
-                          </a:schemeClr>
-                        </a:solidFill>
-                        <a:effectLst/>
-                        <a:latin typeface="Calibri Regular"/>
-                      </a:endParaRPr>
+                      <a:pPr marL="0" marR="0" lvl="0" indent="0" algn="l" defTabSz="914400" rtl="0" eaLnBrk="1" fontAlgn="b" latinLnBrk="0" hangingPunct="1">
+                        <a:lnSpc>
+                          <a:spcPct val="100000"/>
+                        </a:lnSpc>
+                        <a:spcBef>
+                          <a:spcPts val="0"/>
+                        </a:spcBef>
+                        <a:spcAft>
+                          <a:spcPts val="0"/>
+                        </a:spcAft>
+                        <a:buClrTx/>
+                        <a:buSzTx/>
+                        <a:buFontTx/>
+                        <a:buNone/>
+                        <a:tabLst/>
+                        <a:defRPr/>
+                      </a:pPr>
+                      <a:r>
+                        <a:rPr lang="en-US" sz="1200" b="0" i="0" u="none" strike="noStrike">
+                          <a:solidFill>
+                            <a:schemeClr val="tx1">
+                              <a:lumMod val="60000"/>
+                              <a:lumOff val="40000"/>
+                            </a:schemeClr>
+                          </a:solidFill>
+                          <a:effectLst/>
+                          <a:latin typeface="Calibri Regular"/>
+                        </a:rPr>
+                        <a:t>Example style</a:t>
+                      </a:r>
                     </a:p>
                   </a:txBody>
-                  <a:tcPr marL="108000" marR="108000" marT="72000" marB="72000">
+                  <a:tcPr marL="108000" marR="108000" marT="72000" marB="72000" anchor="ctr">
                     <a:lnL>
                       <a:noFill/>
                     </a:lnL>
@@ -26274,7 +26312,7 @@
                       </a:endParaRPr>
                     </a:p>
                   </a:txBody>
-                  <a:tcPr marL="108000" marR="108000" marT="72000" marB="72000">
+                  <a:tcPr marL="108000" marR="108000" marT="72000" marB="72000" anchor="ctr">
                     <a:lnL w="9525" cap="flat" cmpd="sng" algn="ctr">
                       <a:noFill/>
                       <a:prstDash val="solid"/>
@@ -26334,7 +26372,7 @@
                       </a:endParaRPr>
                     </a:p>
                   </a:txBody>
-                  <a:tcPr marL="108000" marR="108000" marT="72000" marB="72000">
+                  <a:tcPr marL="108000" marR="108000" marT="72000" marB="72000" anchor="ctr">
                     <a:lnL>
                       <a:noFill/>
                     </a:lnL>
@@ -26412,7 +26450,7 @@
                       </a:endParaRPr>
                     </a:p>
                   </a:txBody>
-                  <a:tcPr marL="108000" marR="108000" marT="72000" marB="72000">
+                  <a:tcPr marL="108000" marR="108000" marT="72000" marB="72000" anchor="ctr">
                     <a:lnL>
                       <a:noFill/>
                     </a:lnL>
@@ -26491,7 +26529,7 @@
                       </a:endParaRPr>
                     </a:p>
                   </a:txBody>
-                  <a:tcPr marL="108000" marR="108000" marT="72000" marB="72000">
+                  <a:tcPr marL="108000" marR="108000" marT="72000" marB="72000" anchor="ctr">
                     <a:lnL>
                       <a:noFill/>
                     </a:lnL>
@@ -26570,7 +26608,7 @@
                       </a:endParaRPr>
                     </a:p>
                   </a:txBody>
-                  <a:tcPr marL="108000" marR="108000" marT="72000" marB="72000">
+                  <a:tcPr marL="108000" marR="108000" marT="72000" marB="72000" anchor="ctr">
                     <a:lnL>
                       <a:noFill/>
                     </a:lnL>
@@ -26649,7 +26687,7 @@
                       </a:endParaRPr>
                     </a:p>
                   </a:txBody>
-                  <a:tcPr marL="108000" marR="108000" marT="72000" marB="72000">
+                  <a:tcPr marL="108000" marR="108000" marT="72000" marB="72000" anchor="ctr">
                     <a:lnL>
                       <a:noFill/>
                     </a:lnL>
@@ -26716,7 +26754,7 @@
                       </a:endParaRPr>
                     </a:p>
                   </a:txBody>
-                  <a:tcPr marL="108000" marR="108000" marT="72000" marB="72000">
+                  <a:tcPr marL="108000" marR="108000" marT="72000" marB="72000" anchor="ctr">
                     <a:lnL w="9525" cap="flat" cmpd="sng" algn="ctr">
                       <a:noFill/>
                       <a:prstDash val="solid"/>
@@ -26776,7 +26814,7 @@
                       </a:endParaRPr>
                     </a:p>
                   </a:txBody>
-                  <a:tcPr marL="108000" marR="108000" marT="72000" marB="72000">
+                  <a:tcPr marL="108000" marR="108000" marT="72000" marB="72000" anchor="ctr">
                     <a:lnL>
                       <a:noFill/>
                     </a:lnL>
@@ -26838,7 +26876,7 @@
                       </a:endParaRPr>
                     </a:p>
                   </a:txBody>
-                  <a:tcPr marL="108000" marR="108000" marT="72000" marB="72000">
+                  <a:tcPr marL="108000" marR="108000" marT="72000" marB="72000" anchor="ctr">
                     <a:lnL>
                       <a:noFill/>
                     </a:lnL>
@@ -26901,7 +26939,7 @@
                       </a:endParaRPr>
                     </a:p>
                   </a:txBody>
-                  <a:tcPr marL="108000" marR="108000" marT="72000" marB="72000">
+                  <a:tcPr marL="108000" marR="108000" marT="72000" marB="72000" anchor="ctr">
                     <a:lnL>
                       <a:noFill/>
                     </a:lnL>
@@ -26964,7 +27002,7 @@
                       </a:endParaRPr>
                     </a:p>
                   </a:txBody>
-                  <a:tcPr marL="108000" marR="108000" marT="72000" marB="72000">
+                  <a:tcPr marL="108000" marR="108000" marT="72000" marB="72000" anchor="ctr">
                     <a:lnL>
                       <a:noFill/>
                     </a:lnL>
@@ -27027,7 +27065,7 @@
                       </a:endParaRPr>
                     </a:p>
                   </a:txBody>
-                  <a:tcPr marL="108000" marR="108000" marT="72000" marB="72000">
+                  <a:tcPr marL="108000" marR="108000" marT="72000" marB="72000" anchor="ctr">
                     <a:lnL>
                       <a:noFill/>
                     </a:lnL>
@@ -27094,7 +27132,7 @@
                       </a:endParaRPr>
                     </a:p>
                   </a:txBody>
-                  <a:tcPr marL="108000" marR="108000" marT="72000" marB="72000">
+                  <a:tcPr marL="108000" marR="108000" marT="72000" marB="72000" anchor="ctr">
                     <a:lnL w="9525" cap="flat" cmpd="sng" algn="ctr">
                       <a:noFill/>
                       <a:prstDash val="solid"/>
@@ -27154,7 +27192,7 @@
                       </a:endParaRPr>
                     </a:p>
                   </a:txBody>
-                  <a:tcPr marL="108000" marR="108000" marT="72000" marB="72000">
+                  <a:tcPr marL="108000" marR="108000" marT="72000" marB="72000" anchor="ctr">
                     <a:lnL>
                       <a:noFill/>
                     </a:lnL>
@@ -27216,7 +27254,7 @@
                       </a:endParaRPr>
                     </a:p>
                   </a:txBody>
-                  <a:tcPr marL="108000" marR="108000" marT="72000" marB="72000">
+                  <a:tcPr marL="108000" marR="108000" marT="72000" marB="72000" anchor="ctr">
                     <a:lnL>
                       <a:noFill/>
                     </a:lnL>
@@ -27279,7 +27317,7 @@
                       </a:endParaRPr>
                     </a:p>
                   </a:txBody>
-                  <a:tcPr marL="108000" marR="108000" marT="72000" marB="72000">
+                  <a:tcPr marL="108000" marR="108000" marT="72000" marB="72000" anchor="ctr">
                     <a:lnL>
                       <a:noFill/>
                     </a:lnL>
@@ -27342,7 +27380,7 @@
                       </a:endParaRPr>
                     </a:p>
                   </a:txBody>
-                  <a:tcPr marL="108000" marR="108000" marT="72000" marB="72000">
+                  <a:tcPr marL="108000" marR="108000" marT="72000" marB="72000" anchor="ctr">
                     <a:lnL>
                       <a:noFill/>
                     </a:lnL>
@@ -27405,7 +27443,7 @@
                       </a:endParaRPr>
                     </a:p>
                   </a:txBody>
-                  <a:tcPr marL="108000" marR="108000" marT="72000" marB="72000">
+                  <a:tcPr marL="108000" marR="108000" marT="72000" marB="72000" anchor="ctr">
                     <a:lnL>
                       <a:noFill/>
                     </a:lnL>
@@ -27472,7 +27510,7 @@
                       </a:endParaRPr>
                     </a:p>
                   </a:txBody>
-                  <a:tcPr marL="108000" marR="108000" marT="72000" marB="72000">
+                  <a:tcPr marL="108000" marR="108000" marT="72000" marB="72000" anchor="ctr">
                     <a:lnL w="9525" cap="flat" cmpd="sng" algn="ctr">
                       <a:noFill/>
                       <a:prstDash val="solid"/>
@@ -27532,7 +27570,7 @@
                       </a:endParaRPr>
                     </a:p>
                   </a:txBody>
-                  <a:tcPr marL="108000" marR="108000" marT="72000" marB="72000">
+                  <a:tcPr marL="108000" marR="108000" marT="72000" marB="72000" anchor="ctr">
                     <a:lnL>
                       <a:noFill/>
                     </a:lnL>
@@ -27594,7 +27632,7 @@
                       </a:endParaRPr>
                     </a:p>
                   </a:txBody>
-                  <a:tcPr marL="108000" marR="108000" marT="72000" marB="72000">
+                  <a:tcPr marL="108000" marR="108000" marT="72000" marB="72000" anchor="ctr">
                     <a:lnL>
                       <a:noFill/>
                     </a:lnL>
@@ -27657,7 +27695,7 @@
                       </a:endParaRPr>
                     </a:p>
                   </a:txBody>
-                  <a:tcPr marL="108000" marR="108000" marT="72000" marB="72000">
+                  <a:tcPr marL="108000" marR="108000" marT="72000" marB="72000" anchor="ctr">
                     <a:lnL>
                       <a:noFill/>
                     </a:lnL>
@@ -27720,7 +27758,7 @@
                       </a:endParaRPr>
                     </a:p>
                   </a:txBody>
-                  <a:tcPr marL="108000" marR="108000" marT="72000" marB="72000">
+                  <a:tcPr marL="108000" marR="108000" marT="72000" marB="72000" anchor="ctr">
                     <a:lnL>
                       <a:noFill/>
                     </a:lnL>
@@ -27783,7 +27821,7 @@
                       </a:endParaRPr>
                     </a:p>
                   </a:txBody>
-                  <a:tcPr marL="108000" marR="108000" marT="72000" marB="72000">
+                  <a:tcPr marL="108000" marR="108000" marT="72000" marB="72000" anchor="ctr">
                     <a:lnL>
                       <a:noFill/>
                     </a:lnL>
@@ -27850,7 +27888,7 @@
                       </a:endParaRPr>
                     </a:p>
                   </a:txBody>
-                  <a:tcPr marL="108000" marR="108000" marT="72000" marB="72000">
+                  <a:tcPr marL="108000" marR="108000" marT="72000" marB="72000" anchor="ctr">
                     <a:lnL w="9525" cap="flat" cmpd="sng" algn="ctr">
                       <a:noFill/>
                       <a:prstDash val="solid"/>
@@ -27910,7 +27948,7 @@
                       </a:endParaRPr>
                     </a:p>
                   </a:txBody>
-                  <a:tcPr marL="108000" marR="108000" marT="72000" marB="72000">
+                  <a:tcPr marL="108000" marR="108000" marT="72000" marB="72000" anchor="ctr">
                     <a:lnL>
                       <a:noFill/>
                     </a:lnL>
@@ -27972,7 +28010,7 @@
                       </a:endParaRPr>
                     </a:p>
                   </a:txBody>
-                  <a:tcPr marL="108000" marR="108000" marT="72000" marB="72000">
+                  <a:tcPr marL="108000" marR="108000" marT="72000" marB="72000" anchor="ctr">
                     <a:lnL>
                       <a:noFill/>
                     </a:lnL>
@@ -28035,7 +28073,7 @@
                       </a:endParaRPr>
                     </a:p>
                   </a:txBody>
-                  <a:tcPr marL="108000" marR="108000" marT="72000" marB="72000">
+                  <a:tcPr marL="108000" marR="108000" marT="72000" marB="72000" anchor="ctr">
                     <a:lnL>
                       <a:noFill/>
                     </a:lnL>
@@ -28098,7 +28136,7 @@
                       </a:endParaRPr>
                     </a:p>
                   </a:txBody>
-                  <a:tcPr marL="108000" marR="108000" marT="72000" marB="72000">
+                  <a:tcPr marL="108000" marR="108000" marT="72000" marB="72000" anchor="ctr">
                     <a:lnL>
                       <a:noFill/>
                     </a:lnL>
@@ -28161,7 +28199,7 @@
                       </a:endParaRPr>
                     </a:p>
                   </a:txBody>
-                  <a:tcPr marL="108000" marR="108000" marT="72000" marB="72000">
+                  <a:tcPr marL="108000" marR="108000" marT="72000" marB="72000" anchor="ctr">
                     <a:lnL>
                       <a:noFill/>
                     </a:lnL>
@@ -28228,7 +28266,7 @@
                       </a:endParaRPr>
                     </a:p>
                   </a:txBody>
-                  <a:tcPr marL="108000" marR="108000" marT="72000" marB="72000">
+                  <a:tcPr marL="108000" marR="108000" marT="72000" marB="72000" anchor="ctr">
                     <a:lnL w="9525" cap="flat" cmpd="sng" algn="ctr">
                       <a:noFill/>
                       <a:prstDash val="solid"/>
@@ -28288,7 +28326,7 @@
                       </a:endParaRPr>
                     </a:p>
                   </a:txBody>
-                  <a:tcPr marL="108000" marR="108000" marT="72000" marB="72000">
+                  <a:tcPr marL="108000" marR="108000" marT="72000" marB="72000" anchor="ctr">
                     <a:lnL>
                       <a:noFill/>
                     </a:lnL>
@@ -28350,7 +28388,7 @@
                       </a:endParaRPr>
                     </a:p>
                   </a:txBody>
-                  <a:tcPr marL="108000" marR="108000" marT="72000" marB="72000">
+                  <a:tcPr marL="108000" marR="108000" marT="72000" marB="72000" anchor="ctr">
                     <a:lnL>
                       <a:noFill/>
                     </a:lnL>
@@ -28413,7 +28451,7 @@
                       </a:endParaRPr>
                     </a:p>
                   </a:txBody>
-                  <a:tcPr marL="108000" marR="108000" marT="72000" marB="72000">
+                  <a:tcPr marL="108000" marR="108000" marT="72000" marB="72000" anchor="ctr">
                     <a:lnL>
                       <a:noFill/>
                     </a:lnL>
@@ -28476,7 +28514,7 @@
                       </a:endParaRPr>
                     </a:p>
                   </a:txBody>
-                  <a:tcPr marL="108000" marR="108000" marT="72000" marB="72000">
+                  <a:tcPr marL="108000" marR="108000" marT="72000" marB="72000" anchor="ctr">
                     <a:lnL>
                       <a:noFill/>
                     </a:lnL>
@@ -28539,7 +28577,7 @@
                       </a:endParaRPr>
                     </a:p>
                   </a:txBody>
-                  <a:tcPr marL="108000" marR="108000" marT="72000" marB="72000">
+                  <a:tcPr marL="108000" marR="108000" marT="72000" marB="72000" anchor="ctr">
                     <a:lnL>
                       <a:noFill/>
                     </a:lnL>
@@ -28606,7 +28644,7 @@
                       </a:endParaRPr>
                     </a:p>
                   </a:txBody>
-                  <a:tcPr marL="108000" marR="108000" marT="72000" marB="72000">
+                  <a:tcPr marL="108000" marR="108000" marT="72000" marB="72000" anchor="ctr">
                     <a:lnL w="9525" cap="flat" cmpd="sng" algn="ctr">
                       <a:noFill/>
                       <a:prstDash val="solid"/>
@@ -28666,7 +28704,7 @@
                       </a:endParaRPr>
                     </a:p>
                   </a:txBody>
-                  <a:tcPr marL="108000" marR="108000" marT="72000" marB="72000">
+                  <a:tcPr marL="108000" marR="108000" marT="72000" marB="72000" anchor="ctr">
                     <a:lnL>
                       <a:noFill/>
                     </a:lnL>
@@ -28728,7 +28766,7 @@
                       </a:endParaRPr>
                     </a:p>
                   </a:txBody>
-                  <a:tcPr marL="108000" marR="108000" marT="72000" marB="72000">
+                  <a:tcPr marL="108000" marR="108000" marT="72000" marB="72000" anchor="ctr">
                     <a:lnL>
                       <a:noFill/>
                     </a:lnL>
@@ -28791,7 +28829,7 @@
                       </a:endParaRPr>
                     </a:p>
                   </a:txBody>
-                  <a:tcPr marL="108000" marR="108000" marT="72000" marB="72000">
+                  <a:tcPr marL="108000" marR="108000" marT="72000" marB="72000" anchor="ctr">
                     <a:lnL>
                       <a:noFill/>
                     </a:lnL>
@@ -28854,7 +28892,7 @@
                       </a:endParaRPr>
                     </a:p>
                   </a:txBody>
-                  <a:tcPr marL="108000" marR="108000" marT="72000" marB="72000">
+                  <a:tcPr marL="108000" marR="108000" marT="72000" marB="72000" anchor="ctr">
                     <a:lnL>
                       <a:noFill/>
                     </a:lnL>
@@ -28917,7 +28955,7 @@
                       </a:endParaRPr>
                     </a:p>
                   </a:txBody>
-                  <a:tcPr marL="108000" marR="108000" marT="72000" marB="72000">
+                  <a:tcPr marL="108000" marR="108000" marT="72000" marB="72000" anchor="ctr">
                     <a:lnL>
                       <a:noFill/>
                     </a:lnL>
@@ -28984,7 +29022,7 @@
                       </a:endParaRPr>
                     </a:p>
                   </a:txBody>
-                  <a:tcPr marL="108000" marR="108000" marT="72000" marB="72000">
+                  <a:tcPr marL="108000" marR="108000" marT="72000" marB="72000" anchor="ctr">
                     <a:lnL w="9525" cap="flat" cmpd="sng" algn="ctr">
                       <a:noFill/>
                       <a:prstDash val="solid"/>
@@ -29044,7 +29082,7 @@
                       </a:endParaRPr>
                     </a:p>
                   </a:txBody>
-                  <a:tcPr marL="108000" marR="108000" marT="72000" marB="72000">
+                  <a:tcPr marL="108000" marR="108000" marT="72000" marB="72000" anchor="ctr">
                     <a:lnL>
                       <a:noFill/>
                     </a:lnL>
@@ -29106,7 +29144,7 @@
                       </a:endParaRPr>
                     </a:p>
                   </a:txBody>
-                  <a:tcPr marL="108000" marR="108000" marT="72000" marB="72000">
+                  <a:tcPr marL="108000" marR="108000" marT="72000" marB="72000" anchor="ctr">
                     <a:lnL>
                       <a:noFill/>
                     </a:lnL>
@@ -29169,7 +29207,7 @@
                       </a:endParaRPr>
                     </a:p>
                   </a:txBody>
-                  <a:tcPr marL="108000" marR="108000" marT="72000" marB="72000">
+                  <a:tcPr marL="108000" marR="108000" marT="72000" marB="72000" anchor="ctr">
                     <a:lnL>
                       <a:noFill/>
                     </a:lnL>
@@ -29232,7 +29270,7 @@
                       </a:endParaRPr>
                     </a:p>
                   </a:txBody>
-                  <a:tcPr marL="108000" marR="108000" marT="72000" marB="72000">
+                  <a:tcPr marL="108000" marR="108000" marT="72000" marB="72000" anchor="ctr">
                     <a:lnL>
                       <a:noFill/>
                     </a:lnL>
@@ -29295,7 +29333,7 @@
                       </a:endParaRPr>
                     </a:p>
                   </a:txBody>
-                  <a:tcPr marL="108000" marR="108000" marT="72000" marB="72000">
+                  <a:tcPr marL="108000" marR="108000" marT="72000" marB="72000" anchor="ctr">
                     <a:lnL>
                       <a:noFill/>
                     </a:lnL>
@@ -29362,7 +29400,7 @@
                       </a:endParaRPr>
                     </a:p>
                   </a:txBody>
-                  <a:tcPr marL="108000" marR="108000" marT="72000" marB="72000">
+                  <a:tcPr marL="108000" marR="108000" marT="72000" marB="72000" anchor="ctr">
                     <a:lnL w="9525" cap="flat" cmpd="sng" algn="ctr">
                       <a:noFill/>
                       <a:prstDash val="solid"/>
@@ -29422,7 +29460,7 @@
                       </a:endParaRPr>
                     </a:p>
                   </a:txBody>
-                  <a:tcPr marL="108000" marR="108000" marT="72000" marB="72000">
+                  <a:tcPr marL="108000" marR="108000" marT="72000" marB="72000" anchor="ctr">
                     <a:lnL>
                       <a:noFill/>
                     </a:lnL>
@@ -29484,7 +29522,7 @@
                       </a:endParaRPr>
                     </a:p>
                   </a:txBody>
-                  <a:tcPr marL="108000" marR="108000" marT="72000" marB="72000">
+                  <a:tcPr marL="108000" marR="108000" marT="72000" marB="72000" anchor="ctr">
                     <a:lnL>
                       <a:noFill/>
                     </a:lnL>
@@ -29547,7 +29585,7 @@
                       </a:endParaRPr>
                     </a:p>
                   </a:txBody>
-                  <a:tcPr marL="108000" marR="108000" marT="72000" marB="72000">
+                  <a:tcPr marL="108000" marR="108000" marT="72000" marB="72000" anchor="ctr">
                     <a:lnL>
                       <a:noFill/>
                     </a:lnL>
@@ -29610,7 +29648,7 @@
                       </a:endParaRPr>
                     </a:p>
                   </a:txBody>
-                  <a:tcPr marL="108000" marR="108000" marT="72000" marB="72000">
+                  <a:tcPr marL="108000" marR="108000" marT="72000" marB="72000" anchor="ctr">
                     <a:lnL>
                       <a:noFill/>
                     </a:lnL>
@@ -29673,7 +29711,7 @@
                       </a:endParaRPr>
                     </a:p>
                   </a:txBody>
-                  <a:tcPr marL="108000" marR="108000" marT="72000" marB="72000">
+                  <a:tcPr marL="108000" marR="108000" marT="72000" marB="72000" anchor="ctr">
                     <a:lnL>
                       <a:noFill/>
                     </a:lnL>
@@ -29740,7 +29778,7 @@
                       </a:endParaRPr>
                     </a:p>
                   </a:txBody>
-                  <a:tcPr marL="108000" marR="108000" marT="72000" marB="72000">
+                  <a:tcPr marL="108000" marR="108000" marT="72000" marB="72000" anchor="ctr">
                     <a:lnL w="9525" cap="flat" cmpd="sng" algn="ctr">
                       <a:noFill/>
                       <a:prstDash val="solid"/>
@@ -29800,7 +29838,7 @@
                       </a:endParaRPr>
                     </a:p>
                   </a:txBody>
-                  <a:tcPr marL="108000" marR="108000" marT="72000" marB="72000">
+                  <a:tcPr marL="108000" marR="108000" marT="72000" marB="72000" anchor="ctr">
                     <a:lnL>
                       <a:noFill/>
                     </a:lnL>
@@ -29862,7 +29900,7 @@
                       </a:endParaRPr>
                     </a:p>
                   </a:txBody>
-                  <a:tcPr marL="108000" marR="108000" marT="72000" marB="72000">
+                  <a:tcPr marL="108000" marR="108000" marT="72000" marB="72000" anchor="ctr">
                     <a:lnL>
                       <a:noFill/>
                     </a:lnL>
@@ -29925,7 +29963,7 @@
                       </a:endParaRPr>
                     </a:p>
                   </a:txBody>
-                  <a:tcPr marL="108000" marR="108000" marT="72000" marB="72000">
+                  <a:tcPr marL="108000" marR="108000" marT="72000" marB="72000" anchor="ctr">
                     <a:lnL>
                       <a:noFill/>
                     </a:lnL>
@@ -29988,7 +30026,7 @@
                       </a:endParaRPr>
                     </a:p>
                   </a:txBody>
-                  <a:tcPr marL="108000" marR="108000" marT="72000" marB="72000">
+                  <a:tcPr marL="108000" marR="108000" marT="72000" marB="72000" anchor="ctr">
                     <a:lnL>
                       <a:noFill/>
                     </a:lnL>
@@ -30051,7 +30089,7 @@
                       </a:endParaRPr>
                     </a:p>
                   </a:txBody>
-                  <a:tcPr marL="108000" marR="108000" marT="72000" marB="72000">
+                  <a:tcPr marL="108000" marR="108000" marT="72000" marB="72000" anchor="ctr">
                     <a:lnL>
                       <a:noFill/>
                     </a:lnL>
@@ -30118,7 +30156,7 @@
                       </a:endParaRPr>
                     </a:p>
                   </a:txBody>
-                  <a:tcPr marL="108000" marR="108000" marT="72000" marB="72000">
+                  <a:tcPr marL="108000" marR="108000" marT="72000" marB="72000" anchor="ctr">
                     <a:lnL w="9525" cap="flat" cmpd="sng" algn="ctr">
                       <a:noFill/>
                       <a:prstDash val="solid"/>
@@ -30178,7 +30216,7 @@
                       </a:endParaRPr>
                     </a:p>
                   </a:txBody>
-                  <a:tcPr marL="108000" marR="108000" marT="72000" marB="72000">
+                  <a:tcPr marL="108000" marR="108000" marT="72000" marB="72000" anchor="ctr">
                     <a:lnL>
                       <a:noFill/>
                     </a:lnL>
@@ -30240,7 +30278,7 @@
                       </a:endParaRPr>
                     </a:p>
                   </a:txBody>
-                  <a:tcPr marL="108000" marR="108000" marT="72000" marB="72000">
+                  <a:tcPr marL="108000" marR="108000" marT="72000" marB="72000" anchor="ctr">
                     <a:lnL>
                       <a:noFill/>
                     </a:lnL>
@@ -30303,7 +30341,7 @@
                       </a:endParaRPr>
                     </a:p>
                   </a:txBody>
-                  <a:tcPr marL="108000" marR="108000" marT="72000" marB="72000">
+                  <a:tcPr marL="108000" marR="108000" marT="72000" marB="72000" anchor="ctr">
                     <a:lnL>
                       <a:noFill/>
                     </a:lnL>
@@ -30366,7 +30404,7 @@
                       </a:endParaRPr>
                     </a:p>
                   </a:txBody>
-                  <a:tcPr marL="108000" marR="108000" marT="72000" marB="72000">
+                  <a:tcPr marL="108000" marR="108000" marT="72000" marB="72000" anchor="ctr">
                     <a:lnL>
                       <a:noFill/>
                     </a:lnL>
@@ -30429,7 +30467,7 @@
                       </a:endParaRPr>
                     </a:p>
                   </a:txBody>
-                  <a:tcPr marL="108000" marR="108000" marT="72000" marB="72000">
+                  <a:tcPr marL="108000" marR="108000" marT="72000" marB="72000" anchor="ctr">
                     <a:lnL>
                       <a:noFill/>
                     </a:lnL>
@@ -30512,7 +30550,7 @@
                       </a:endParaRPr>
                     </a:p>
                   </a:txBody>
-                  <a:tcPr marL="108000" marR="108000" marT="72000" marB="72000">
+                  <a:tcPr marL="108000" marR="108000" marT="72000" marB="72000" anchor="ctr">
                     <a:lnL w="9525" cap="flat" cmpd="sng" algn="ctr">
                       <a:noFill/>
                       <a:prstDash val="solid"/>
@@ -30567,7 +30605,7 @@
                       </a:endParaRPr>
                     </a:p>
                   </a:txBody>
-                  <a:tcPr marL="108000" marR="108000" marT="72000" marB="72000">
+                  <a:tcPr marL="108000" marR="108000" marT="72000" marB="72000" anchor="ctr">
                     <a:lnL>
                       <a:noFill/>
                     </a:lnL>
@@ -30624,7 +30662,7 @@
                       </a:endParaRPr>
                     </a:p>
                   </a:txBody>
-                  <a:tcPr marL="108000" marR="108000" marT="72000" marB="72000">
+                  <a:tcPr marL="108000" marR="108000" marT="72000" marB="72000" anchor="ctr">
                     <a:lnL>
                       <a:noFill/>
                     </a:lnL>
@@ -30682,7 +30720,7 @@
                       </a:endParaRPr>
                     </a:p>
                   </a:txBody>
-                  <a:tcPr marL="108000" marR="108000" marT="72000" marB="72000">
+                  <a:tcPr marL="108000" marR="108000" marT="72000" marB="72000" anchor="ctr">
                     <a:lnL>
                       <a:noFill/>
                     </a:lnL>
@@ -30740,7 +30778,7 @@
                       </a:endParaRPr>
                     </a:p>
                   </a:txBody>
-                  <a:tcPr marL="108000" marR="108000" marT="72000" marB="72000">
+                  <a:tcPr marL="108000" marR="108000" marT="72000" marB="72000" anchor="ctr">
                     <a:lnL>
                       <a:noFill/>
                     </a:lnL>
@@ -30798,7 +30836,7 @@
                       </a:endParaRPr>
                     </a:p>
                   </a:txBody>
-                  <a:tcPr marL="108000" marR="108000" marT="72000" marB="72000">
+                  <a:tcPr marL="108000" marR="108000" marT="72000" marB="72000" anchor="ctr">
                     <a:lnL>
                       <a:noFill/>
                     </a:lnL>
@@ -31762,17 +31800,6 @@
 </file>
 
 <file path=customXml/item1.xml><?xml version="1.0" encoding="utf-8"?>
-<p:properties xmlns:p="http://schemas.microsoft.com/office/2006/metadata/properties" xmlns:xsi="http://www.w3.org/2001/XMLSchema-instance" xmlns:pc="http://schemas.microsoft.com/office/infopath/2007/PartnerControls">
-  <documentManagement>
-    <lcf76f155ced4ddcb4097134ff3c332f xmlns="fa937df2-abe2-4d38-b5f4-c228acba3827">
-      <Terms xmlns="http://schemas.microsoft.com/office/infopath/2007/PartnerControls"/>
-    </lcf76f155ced4ddcb4097134ff3c332f>
-    <TaxCatchAll xmlns="bc8ba18a-4a58-4ad2-bfc0-6516af8e7dc2" xsi:nil="true"/>
-  </documentManagement>
-</p:properties>
-</file>
-
-<file path=customXml/item2.xml><?xml version="1.0" encoding="utf-8"?>
 <ct:contentTypeSchema xmlns:ct="http://schemas.microsoft.com/office/2006/metadata/contentType" xmlns:ma="http://schemas.microsoft.com/office/2006/metadata/properties/metaAttributes" ct:_="" ma:_="" ma:contentTypeName="Document" ma:contentTypeID="0x010100398B4EB28540854BB4092730D7F67224" ma:contentTypeVersion="13" ma:contentTypeDescription="Create a new document." ma:contentTypeScope="" ma:versionID="07d6997c7358ecc3b6f0d78039f1ac55">
   <xsd:schema xmlns:xsd="http://www.w3.org/2001/XMLSchema" xmlns:xs="http://www.w3.org/2001/XMLSchema" xmlns:p="http://schemas.microsoft.com/office/2006/metadata/properties" xmlns:ns2="fa937df2-abe2-4d38-b5f4-c228acba3827" xmlns:ns3="bc8ba18a-4a58-4ad2-bfc0-6516af8e7dc2" targetNamespace="http://schemas.microsoft.com/office/2006/metadata/properties" ma:root="true" ma:fieldsID="a7d20d2c9a349b6838acf4b79389f2fd" ns2:_="" ns3:_="">
     <xsd:import namespace="fa937df2-abe2-4d38-b5f4-c228acba3827"/>
@@ -31995,7 +32022,7 @@
 </ct:contentTypeSchema>
 </file>
 
-<file path=customXml/item3.xml><?xml version="1.0" encoding="utf-8"?>
+<file path=customXml/item2.xml><?xml version="1.0" encoding="utf-8"?>
 <?mso-contentType ?>
 <FormTemplates xmlns="http://schemas.microsoft.com/sharepoint/v3/contenttype/forms">
   <Display>DocumentLibraryForm</Display>
@@ -32004,24 +32031,18 @@
 </FormTemplates>
 </file>
 
-<file path=customXml/itemProps1.xml><?xml version="1.0" encoding="utf-8"?>
-<ds:datastoreItem xmlns:ds="http://schemas.openxmlformats.org/officeDocument/2006/customXml" ds:itemID="{4B629362-CF15-4610-8FAC-A8E699942233}">
-  <ds:schemaRefs>
-    <ds:schemaRef ds:uri="http://schemas.microsoft.com/office/2006/documentManagement/types"/>
-    <ds:schemaRef ds:uri="http://purl.org/dc/elements/1.1/"/>
-    <ds:schemaRef ds:uri="bc8ba18a-4a58-4ad2-bfc0-6516af8e7dc2"/>
-    <ds:schemaRef ds:uri="http://purl.org/dc/terms/"/>
-    <ds:schemaRef ds:uri="http://www.w3.org/XML/1998/namespace"/>
-    <ds:schemaRef ds:uri="http://schemas.microsoft.com/office/2006/metadata/properties"/>
-    <ds:schemaRef ds:uri="http://schemas.microsoft.com/office/infopath/2007/PartnerControls"/>
-    <ds:schemaRef ds:uri="http://schemas.openxmlformats.org/package/2006/metadata/core-properties"/>
-    <ds:schemaRef ds:uri="fa937df2-abe2-4d38-b5f4-c228acba3827"/>
-    <ds:schemaRef ds:uri="http://purl.org/dc/dcmitype/"/>
-  </ds:schemaRefs>
-</ds:datastoreItem>
+<file path=customXml/item3.xml><?xml version="1.0" encoding="utf-8"?>
+<p:properties xmlns:p="http://schemas.microsoft.com/office/2006/metadata/properties" xmlns:xsi="http://www.w3.org/2001/XMLSchema-instance" xmlns:pc="http://schemas.microsoft.com/office/infopath/2007/PartnerControls">
+  <documentManagement>
+    <lcf76f155ced4ddcb4097134ff3c332f xmlns="fa937df2-abe2-4d38-b5f4-c228acba3827">
+      <Terms xmlns="http://schemas.microsoft.com/office/infopath/2007/PartnerControls"/>
+    </lcf76f155ced4ddcb4097134ff3c332f>
+    <TaxCatchAll xmlns="bc8ba18a-4a58-4ad2-bfc0-6516af8e7dc2" xsi:nil="true"/>
+  </documentManagement>
+</p:properties>
 </file>
 
-<file path=customXml/itemProps2.xml><?xml version="1.0" encoding="utf-8"?>
+<file path=customXml/itemProps1.xml><?xml version="1.0" encoding="utf-8"?>
 <ds:datastoreItem xmlns:ds="http://schemas.openxmlformats.org/officeDocument/2006/customXml" ds:itemID="{06E6923A-C221-4753-B75B-BA213EEB7564}">
   <ds:schemaRefs>
     <ds:schemaRef ds:uri="bc8ba18a-4a58-4ad2-bfc0-6516af8e7dc2"/>
@@ -32040,10 +32061,27 @@
 </ds:datastoreItem>
 </file>
 
-<file path=customXml/itemProps3.xml><?xml version="1.0" encoding="utf-8"?>
+<file path=customXml/itemProps2.xml><?xml version="1.0" encoding="utf-8"?>
 <ds:datastoreItem xmlns:ds="http://schemas.openxmlformats.org/officeDocument/2006/customXml" ds:itemID="{570928F0-D7CA-4732-B7F3-1F945720D0AA}">
   <ds:schemaRefs>
     <ds:schemaRef ds:uri="http://schemas.microsoft.com/sharepoint/v3/contenttype/forms"/>
   </ds:schemaRefs>
 </ds:datastoreItem>
+</file>
+
+<file path=customXml/itemProps3.xml><?xml version="1.0" encoding="utf-8"?>
+<ds:datastoreItem xmlns:ds="http://schemas.openxmlformats.org/officeDocument/2006/customXml" ds:itemID="{4B629362-CF15-4610-8FAC-A8E699942233}">
+  <ds:schemaRefs>
+    <ds:schemaRef ds:uri="http://schemas.microsoft.com/office/2006/documentManagement/types"/>
+    <ds:schemaRef ds:uri="http://purl.org/dc/elements/1.1/"/>
+    <ds:schemaRef ds:uri="bc8ba18a-4a58-4ad2-bfc0-6516af8e7dc2"/>
+    <ds:schemaRef ds:uri="http://purl.org/dc/terms/"/>
+    <ds:schemaRef ds:uri="http://www.w3.org/XML/1998/namespace"/>
+    <ds:schemaRef ds:uri="http://schemas.microsoft.com/office/2006/metadata/properties"/>
+    <ds:schemaRef ds:uri="http://schemas.microsoft.com/office/infopath/2007/PartnerControls"/>
+    <ds:schemaRef ds:uri="http://schemas.openxmlformats.org/package/2006/metadata/core-properties"/>
+    <ds:schemaRef ds:uri="fa937df2-abe2-4d38-b5f4-c228acba3827"/>
+    <ds:schemaRef ds:uri="http://purl.org/dc/dcmitype/"/>
+  </ds:schemaRefs>
+</ds:datastoreItem>
 </file>